--- a/_memo/100knocks.pptx
+++ b/_memo/100knocks.pptx
@@ -5,10 +5,10 @@
     <p:sldMasterId id="2147483648" r:id="rId1"/>
   </p:sldMasterIdLst>
   <p:notesMasterIdLst>
-    <p:notesMasterId r:id="rId8"/>
+    <p:notesMasterId r:id="rId23"/>
   </p:notesMasterIdLst>
   <p:handoutMasterIdLst>
-    <p:handoutMasterId r:id="rId9"/>
+    <p:handoutMasterId r:id="rId24"/>
   </p:handoutMasterIdLst>
   <p:sldIdLst>
     <p:sldId id="633" r:id="rId2"/>
@@ -17,6 +17,21 @@
     <p:sldId id="634" r:id="rId5"/>
     <p:sldId id="637" r:id="rId6"/>
     <p:sldId id="638" r:id="rId7"/>
+    <p:sldId id="643" r:id="rId8"/>
+    <p:sldId id="639" r:id="rId9"/>
+    <p:sldId id="641" r:id="rId10"/>
+    <p:sldId id="642" r:id="rId11"/>
+    <p:sldId id="645" r:id="rId12"/>
+    <p:sldId id="640" r:id="rId13"/>
+    <p:sldId id="644" r:id="rId14"/>
+    <p:sldId id="646" r:id="rId15"/>
+    <p:sldId id="647" r:id="rId16"/>
+    <p:sldId id="650" r:id="rId17"/>
+    <p:sldId id="648" r:id="rId18"/>
+    <p:sldId id="649" r:id="rId19"/>
+    <p:sldId id="651" r:id="rId20"/>
+    <p:sldId id="652" r:id="rId21"/>
+    <p:sldId id="653" r:id="rId22"/>
   </p:sldIdLst>
   <p:sldSz cx="12192000" cy="6858000"/>
   <p:notesSz cx="6735763" cy="9866313"/>
@@ -126,6 +141,21 @@
             <p14:sldId id="634"/>
             <p14:sldId id="637"/>
             <p14:sldId id="638"/>
+            <p14:sldId id="643"/>
+            <p14:sldId id="639"/>
+            <p14:sldId id="641"/>
+            <p14:sldId id="642"/>
+            <p14:sldId id="645"/>
+            <p14:sldId id="640"/>
+            <p14:sldId id="644"/>
+            <p14:sldId id="646"/>
+            <p14:sldId id="647"/>
+            <p14:sldId id="650"/>
+            <p14:sldId id="648"/>
+            <p14:sldId id="649"/>
+            <p14:sldId id="651"/>
+            <p14:sldId id="652"/>
+            <p14:sldId id="653"/>
           </p14:sldIdLst>
         </p14:section>
         <p14:section name="アイコン" id="{E6A61129-24E8-BE4F-97F7-218E9035C89D}">
@@ -250,7 +280,7 @@
           </a:lstStyle>
           <a:p>
             <a:fld id="{F4EC1F04-A1CF-A64F-8670-D4A663991F5F}" type="datetimeFigureOut">
-              <a:t>2025/3/30</a:t>
+              <a:t>2025/4/6</a:t>
             </a:fld>
             <a:endParaRPr kumimoji="1" lang="ja-JP" altLang="en-US"/>
           </a:p>
@@ -426,7 +456,7 @@
           <a:p>
             <a:fld id="{CCF4AC06-B0E3-4F8D-B03B-27FBE5868222}" type="datetimeFigureOut">
               <a:rPr kumimoji="1" lang="ja-JP" altLang="en-US" smtClean="0"/>
-              <a:t>2025/3/30</a:t>
+              <a:t>2025/4/6</a:t>
             </a:fld>
             <a:endParaRPr kumimoji="1" lang="ja-JP" altLang="en-US"/>
           </a:p>
@@ -3471,7 +3501,7 @@
           </a:ln>
           <a:extLst>
             <a:ext uri="{C572A759-6A51-4108-AA02-DFA0A04FC94B}">
-              <ma14:wrappingTextBoxFlag xmlns="" xmlns:ma14="http://schemas.microsoft.com/office/mac/drawingml/2011/main" val="1"/>
+              <ma14:wrappingTextBoxFlag xmlns:ma14="http://schemas.microsoft.com/office/mac/drawingml/2011/main" xmlns="" val="1"/>
             </a:ext>
           </a:extLst>
         </p:spPr>
@@ -3723,7 +3753,7 @@
           </a:ln>
           <a:extLst>
             <a:ext uri="{C572A759-6A51-4108-AA02-DFA0A04FC94B}">
-              <ma14:wrappingTextBoxFlag xmlns="" xmlns:ma14="http://schemas.microsoft.com/office/mac/drawingml/2011/main" val="1"/>
+              <ma14:wrappingTextBoxFlag xmlns:ma14="http://schemas.microsoft.com/office/mac/drawingml/2011/main" xmlns="" val="1"/>
             </a:ext>
           </a:extLst>
         </p:spPr>
@@ -3960,7 +3990,7 @@
             </a:ln>
             <a:extLst>
               <a:ext uri="{C572A759-6A51-4108-AA02-DFA0A04FC94B}">
-                <ma14:wrappingTextBoxFlag xmlns="" xmlns:ma14="http://schemas.microsoft.com/office/mac/drawingml/2011/main" val="1"/>
+                <ma14:wrappingTextBoxFlag xmlns:ma14="http://schemas.microsoft.com/office/mac/drawingml/2011/main" xmlns="" val="1"/>
               </a:ext>
             </a:extLst>
           </p:spPr>
@@ -4030,7 +4060,7 @@
             </a:ln>
             <a:extLst>
               <a:ext uri="{C572A759-6A51-4108-AA02-DFA0A04FC94B}">
-                <ma14:wrappingTextBoxFlag xmlns="" xmlns:ma14="http://schemas.microsoft.com/office/mac/drawingml/2011/main" val="1"/>
+                <ma14:wrappingTextBoxFlag xmlns:ma14="http://schemas.microsoft.com/office/mac/drawingml/2011/main" xmlns="" val="1"/>
               </a:ext>
             </a:extLst>
           </p:spPr>
@@ -4100,7 +4130,7 @@
             </a:ln>
             <a:extLst>
               <a:ext uri="{C572A759-6A51-4108-AA02-DFA0A04FC94B}">
-                <ma14:wrappingTextBoxFlag xmlns="" xmlns:ma14="http://schemas.microsoft.com/office/mac/drawingml/2011/main" val="1"/>
+                <ma14:wrappingTextBoxFlag xmlns:ma14="http://schemas.microsoft.com/office/mac/drawingml/2011/main" xmlns="" val="1"/>
               </a:ext>
             </a:extLst>
           </p:spPr>
@@ -4367,7 +4397,7 @@
           </a:ln>
           <a:extLst>
             <a:ext uri="{C572A759-6A51-4108-AA02-DFA0A04FC94B}">
-              <ma14:wrappingTextBoxFlag xmlns="" xmlns:ma14="http://schemas.microsoft.com/office/mac/drawingml/2011/main" val="1"/>
+              <ma14:wrappingTextBoxFlag xmlns:ma14="http://schemas.microsoft.com/office/mac/drawingml/2011/main" xmlns="" val="1"/>
             </a:ext>
           </a:extLst>
         </p:spPr>
@@ -4619,7 +4649,7 @@
           </a:ln>
           <a:extLst>
             <a:ext uri="{C572A759-6A51-4108-AA02-DFA0A04FC94B}">
-              <ma14:wrappingTextBoxFlag xmlns="" xmlns:ma14="http://schemas.microsoft.com/office/mac/drawingml/2011/main" val="1"/>
+              <ma14:wrappingTextBoxFlag xmlns:ma14="http://schemas.microsoft.com/office/mac/drawingml/2011/main" xmlns="" val="1"/>
             </a:ext>
           </a:extLst>
         </p:spPr>
@@ -4836,7 +4866,7 @@
           </a:ln>
           <a:extLst>
             <a:ext uri="{C572A759-6A51-4108-AA02-DFA0A04FC94B}">
-              <ma14:wrappingTextBoxFlag xmlns="" xmlns:ma14="http://schemas.microsoft.com/office/mac/drawingml/2011/main" val="1"/>
+              <ma14:wrappingTextBoxFlag xmlns:ma14="http://schemas.microsoft.com/office/mac/drawingml/2011/main" xmlns="" val="1"/>
             </a:ext>
           </a:extLst>
         </p:spPr>
@@ -4908,7 +4938,7 @@
           </a:ln>
           <a:extLst>
             <a:ext uri="{C572A759-6A51-4108-AA02-DFA0A04FC94B}">
-              <ma14:wrappingTextBoxFlag xmlns="" xmlns:ma14="http://schemas.microsoft.com/office/mac/drawingml/2011/main" val="1"/>
+              <ma14:wrappingTextBoxFlag xmlns:ma14="http://schemas.microsoft.com/office/mac/drawingml/2011/main" xmlns="" val="1"/>
             </a:ext>
           </a:extLst>
         </p:spPr>
@@ -4978,7 +5008,7 @@
           </a:ln>
           <a:extLst>
             <a:ext uri="{C572A759-6A51-4108-AA02-DFA0A04FC94B}">
-              <ma14:wrappingTextBoxFlag xmlns="" xmlns:ma14="http://schemas.microsoft.com/office/mac/drawingml/2011/main" val="1"/>
+              <ma14:wrappingTextBoxFlag xmlns:ma14="http://schemas.microsoft.com/office/mac/drawingml/2011/main" xmlns="" val="1"/>
             </a:ext>
           </a:extLst>
         </p:spPr>
@@ -5239,7 +5269,7 @@
           </a:ln>
           <a:extLst>
             <a:ext uri="{C572A759-6A51-4108-AA02-DFA0A04FC94B}">
-              <ma14:wrappingTextBoxFlag xmlns="" xmlns:ma14="http://schemas.microsoft.com/office/mac/drawingml/2011/main" val="1"/>
+              <ma14:wrappingTextBoxFlag xmlns:ma14="http://schemas.microsoft.com/office/mac/drawingml/2011/main" xmlns="" val="1"/>
             </a:ext>
           </a:extLst>
         </p:spPr>
@@ -5491,7 +5521,7 @@
           </a:ln>
           <a:extLst>
             <a:ext uri="{C572A759-6A51-4108-AA02-DFA0A04FC94B}">
-              <ma14:wrappingTextBoxFlag xmlns="" xmlns:ma14="http://schemas.microsoft.com/office/mac/drawingml/2011/main" val="1"/>
+              <ma14:wrappingTextBoxFlag xmlns:ma14="http://schemas.microsoft.com/office/mac/drawingml/2011/main" xmlns="" val="1"/>
             </a:ext>
           </a:extLst>
         </p:spPr>
@@ -5708,7 +5738,7 @@
           </a:ln>
           <a:extLst>
             <a:ext uri="{C572A759-6A51-4108-AA02-DFA0A04FC94B}">
-              <ma14:wrappingTextBoxFlag xmlns="" xmlns:ma14="http://schemas.microsoft.com/office/mac/drawingml/2011/main" val="1"/>
+              <ma14:wrappingTextBoxFlag xmlns:ma14="http://schemas.microsoft.com/office/mac/drawingml/2011/main" xmlns="" val="1"/>
             </a:ext>
           </a:extLst>
         </p:spPr>
@@ -5778,7 +5808,7 @@
           </a:ln>
           <a:extLst>
             <a:ext uri="{C572A759-6A51-4108-AA02-DFA0A04FC94B}">
-              <ma14:wrappingTextBoxFlag xmlns="" xmlns:ma14="http://schemas.microsoft.com/office/mac/drawingml/2011/main" val="1"/>
+              <ma14:wrappingTextBoxFlag xmlns:ma14="http://schemas.microsoft.com/office/mac/drawingml/2011/main" xmlns="" val="1"/>
             </a:ext>
           </a:extLst>
         </p:spPr>
@@ -5850,7 +5880,7 @@
           </a:ln>
           <a:extLst>
             <a:ext uri="{C572A759-6A51-4108-AA02-DFA0A04FC94B}">
-              <ma14:wrappingTextBoxFlag xmlns="" xmlns:ma14="http://schemas.microsoft.com/office/mac/drawingml/2011/main" val="1"/>
+              <ma14:wrappingTextBoxFlag xmlns:ma14="http://schemas.microsoft.com/office/mac/drawingml/2011/main" xmlns="" val="1"/>
             </a:ext>
           </a:extLst>
         </p:spPr>
@@ -7737,7 +7767,7 @@
           </a:ln>
           <a:extLst>
             <a:ext uri="{C572A759-6A51-4108-AA02-DFA0A04FC94B}">
-              <ma14:wrappingTextBoxFlag xmlns="" xmlns:ma14="http://schemas.microsoft.com/office/mac/drawingml/2011/main" val="1"/>
+              <ma14:wrappingTextBoxFlag xmlns:ma14="http://schemas.microsoft.com/office/mac/drawingml/2011/main" xmlns="" val="1"/>
             </a:ext>
           </a:extLst>
         </p:spPr>
@@ -7791,6 +7821,2818 @@
     <p:extLst>
       <p:ext uri="{BB962C8B-B14F-4D97-AF65-F5344CB8AC3E}">
         <p14:creationId xmlns:p14="http://schemas.microsoft.com/office/powerpoint/2010/main" val="1193483618"/>
+      </p:ext>
+    </p:extLst>
+  </p:cSld>
+  <p:clrMapOvr>
+    <a:masterClrMapping/>
+  </p:clrMapOvr>
+</p:sld>
+</file>
+
+<file path=ppt/slides/slide10.xml><?xml version="1.0" encoding="utf-8"?>
+<p:sld xmlns:a="http://schemas.openxmlformats.org/drawingml/2006/main" xmlns:r="http://schemas.openxmlformats.org/officeDocument/2006/relationships" xmlns:p="http://schemas.openxmlformats.org/presentationml/2006/main">
+  <p:cSld>
+    <p:spTree>
+      <p:nvGrpSpPr>
+        <p:cNvPr id="1" name=""/>
+        <p:cNvGrpSpPr/>
+        <p:nvPr/>
+      </p:nvGrpSpPr>
+      <p:grpSpPr>
+        <a:xfrm>
+          <a:off x="0" y="0"/>
+          <a:ext cx="0" cy="0"/>
+          <a:chOff x="0" y="0"/>
+          <a:chExt cx="0" cy="0"/>
+        </a:xfrm>
+      </p:grpSpPr>
+      <p:sp>
+        <p:nvSpPr>
+          <p:cNvPr id="17" name="円/楕円 16">
+            <a:extLst>
+              <a:ext uri="{FF2B5EF4-FFF2-40B4-BE49-F238E27FC236}">
+                <a16:creationId xmlns:a16="http://schemas.microsoft.com/office/drawing/2014/main" id="{5B7E9BC7-E1B5-80B6-63D0-4BEC40733C34}"/>
+              </a:ext>
+            </a:extLst>
+          </p:cNvPr>
+          <p:cNvSpPr>
+            <a:spLocks noChangeAspect="1"/>
+          </p:cNvSpPr>
+          <p:nvPr/>
+        </p:nvSpPr>
+        <p:spPr>
+          <a:xfrm>
+            <a:off x="1040196" y="15168"/>
+            <a:ext cx="6827665" cy="6827665"/>
+          </a:xfrm>
+          <a:prstGeom prst="ellipse">
+            <a:avLst/>
+          </a:prstGeom>
+          <a:solidFill>
+            <a:srgbClr val="209CEE"/>
+          </a:solidFill>
+          <a:ln w="12700">
+            <a:noFill/>
+            <a:miter lim="400000"/>
+          </a:ln>
+          <a:extLst>
+            <a:ext uri="{C572A759-6A51-4108-AA02-DFA0A04FC94B}">
+              <ma14:wrappingTextBoxFlag xmlns="" xmlns:ma14="http://schemas.microsoft.com/office/mac/drawingml/2011/main" val="1"/>
+            </a:ext>
+          </a:extLst>
+        </p:spPr>
+        <p:txBody>
+          <a:bodyPr rtlCol="0" anchor="ctr"/>
+          <a:lstStyle/>
+          <a:p>
+            <a:pPr algn="ctr"/>
+            <a:endParaRPr kumimoji="1" lang="ja-JP" altLang="en-US" sz="2000">
+              <a:latin typeface="Plantagenet Cherokee" panose="02020000000000000000" pitchFamily="18" charset="-79"/>
+              <a:cs typeface="Plantagenet Cherokee" panose="02020000000000000000" pitchFamily="18" charset="-79"/>
+            </a:endParaRPr>
+          </a:p>
+        </p:txBody>
+      </p:sp>
+      <p:sp>
+        <p:nvSpPr>
+          <p:cNvPr id="2" name="正方形/長方形 1">
+            <a:extLst>
+              <a:ext uri="{FF2B5EF4-FFF2-40B4-BE49-F238E27FC236}">
+                <a16:creationId xmlns:a16="http://schemas.microsoft.com/office/drawing/2014/main" id="{10E74CC0-DF2F-AF6D-B4D6-A55E1EEDCB12}"/>
+              </a:ext>
+            </a:extLst>
+          </p:cNvPr>
+          <p:cNvSpPr>
+            <a:spLocks noChangeAspect="1"/>
+          </p:cNvSpPr>
+          <p:nvPr/>
+        </p:nvSpPr>
+        <p:spPr>
+          <a:xfrm>
+            <a:off x="2512086" y="1247263"/>
+            <a:ext cx="992373" cy="4363475"/>
+          </a:xfrm>
+          <a:prstGeom prst="rect">
+            <a:avLst/>
+          </a:prstGeom>
+          <a:solidFill>
+            <a:schemeClr val="bg1"/>
+          </a:solidFill>
+          <a:ln w="12700">
+            <a:noFill/>
+            <a:miter lim="400000"/>
+          </a:ln>
+          <a:extLst>
+            <a:ext uri="{C572A759-6A51-4108-AA02-DFA0A04FC94B}">
+              <ma14:wrappingTextBoxFlag xmlns="" xmlns:ma14="http://schemas.microsoft.com/office/mac/drawingml/2011/main" val="1"/>
+            </a:ext>
+          </a:extLst>
+        </p:spPr>
+        <p:txBody>
+          <a:bodyPr rtlCol="0" anchor="ctr"/>
+          <a:lstStyle/>
+          <a:p>
+            <a:pPr algn="ctr"/>
+            <a:endParaRPr kumimoji="1" lang="ja-JP" altLang="en-US" sz="2000">
+              <a:latin typeface="Plantagenet Cherokee" panose="02020000000000000000" pitchFamily="18" charset="-79"/>
+              <a:cs typeface="Plantagenet Cherokee" panose="02020000000000000000" pitchFamily="18" charset="-79"/>
+            </a:endParaRPr>
+          </a:p>
+        </p:txBody>
+      </p:sp>
+      <p:sp>
+        <p:nvSpPr>
+          <p:cNvPr id="4" name="平行四辺形 3">
+            <a:extLst>
+              <a:ext uri="{FF2B5EF4-FFF2-40B4-BE49-F238E27FC236}">
+                <a16:creationId xmlns:a16="http://schemas.microsoft.com/office/drawing/2014/main" id="{FA33888D-86F2-D809-EE8B-63E2CFC0D93E}"/>
+              </a:ext>
+            </a:extLst>
+          </p:cNvPr>
+          <p:cNvSpPr/>
+          <p:nvPr/>
+        </p:nvSpPr>
+        <p:spPr>
+          <a:xfrm>
+            <a:off x="3132674" y="1247262"/>
+            <a:ext cx="3489189" cy="2054909"/>
+          </a:xfrm>
+          <a:prstGeom prst="parallelogram">
+            <a:avLst>
+              <a:gd name="adj" fmla="val 110661"/>
+            </a:avLst>
+          </a:prstGeom>
+          <a:solidFill>
+            <a:schemeClr val="bg1"/>
+          </a:solidFill>
+          <a:ln w="12700">
+            <a:noFill/>
+            <a:miter lim="400000"/>
+          </a:ln>
+          <a:extLst>
+            <a:ext uri="{C572A759-6A51-4108-AA02-DFA0A04FC94B}">
+              <ma14:wrappingTextBoxFlag xmlns="" xmlns:ma14="http://schemas.microsoft.com/office/mac/drawingml/2011/main" val="1"/>
+            </a:ext>
+          </a:extLst>
+        </p:spPr>
+        <p:txBody>
+          <a:bodyPr rtlCol="0" anchor="ctr"/>
+          <a:lstStyle/>
+          <a:p>
+            <a:pPr algn="ctr"/>
+            <a:endParaRPr kumimoji="1" lang="ja-JP" altLang="en-US"/>
+          </a:p>
+        </p:txBody>
+      </p:sp>
+      <p:sp>
+        <p:nvSpPr>
+          <p:cNvPr id="5" name="平行四辺形 4">
+            <a:extLst>
+              <a:ext uri="{FF2B5EF4-FFF2-40B4-BE49-F238E27FC236}">
+                <a16:creationId xmlns:a16="http://schemas.microsoft.com/office/drawing/2014/main" id="{71354601-FEC4-1C68-1105-FF4E5A37F197}"/>
+              </a:ext>
+            </a:extLst>
+          </p:cNvPr>
+          <p:cNvSpPr/>
+          <p:nvPr/>
+        </p:nvSpPr>
+        <p:spPr>
+          <a:xfrm flipV="1">
+            <a:off x="3060115" y="3266979"/>
+            <a:ext cx="3712474" cy="2343755"/>
+          </a:xfrm>
+          <a:prstGeom prst="parallelogram">
+            <a:avLst>
+              <a:gd name="adj" fmla="val 103481"/>
+            </a:avLst>
+          </a:prstGeom>
+          <a:solidFill>
+            <a:schemeClr val="bg1"/>
+          </a:solidFill>
+          <a:ln w="12700">
+            <a:noFill/>
+            <a:miter lim="400000"/>
+          </a:ln>
+          <a:extLst>
+            <a:ext uri="{C572A759-6A51-4108-AA02-DFA0A04FC94B}">
+              <ma14:wrappingTextBoxFlag xmlns="" xmlns:ma14="http://schemas.microsoft.com/office/mac/drawingml/2011/main" val="1"/>
+            </a:ext>
+          </a:extLst>
+        </p:spPr>
+        <p:txBody>
+          <a:bodyPr rtlCol="0" anchor="ctr"/>
+          <a:lstStyle/>
+          <a:p>
+            <a:pPr algn="ctr"/>
+            <a:endParaRPr kumimoji="1" lang="ja-JP" altLang="en-US"/>
+          </a:p>
+        </p:txBody>
+      </p:sp>
+      <p:pic>
+        <p:nvPicPr>
+          <p:cNvPr id="3" name="図 2">
+            <a:extLst>
+              <a:ext uri="{FF2B5EF4-FFF2-40B4-BE49-F238E27FC236}">
+                <a16:creationId xmlns:a16="http://schemas.microsoft.com/office/drawing/2014/main" id="{C9CBFF53-0166-8434-0D85-2FD45A47EFBA}"/>
+              </a:ext>
+            </a:extLst>
+          </p:cNvPr>
+          <p:cNvPicPr>
+            <a:picLocks noChangeAspect="1"/>
+          </p:cNvPicPr>
+          <p:nvPr/>
+        </p:nvPicPr>
+        <p:blipFill>
+          <a:blip r:embed="rId2">
+            <a:extLst>
+              <a:ext uri="{28A0092B-C50C-407E-A947-70E740481C1C}">
+                <a14:useLocalDpi xmlns:a14="http://schemas.microsoft.com/office/drawing/2010/main" val="0"/>
+              </a:ext>
+            </a:extLst>
+          </a:blip>
+          <a:stretch>
+            <a:fillRect/>
+          </a:stretch>
+        </p:blipFill>
+        <p:spPr>
+          <a:xfrm>
+            <a:off x="9021904" y="-1045136"/>
+            <a:ext cx="3255774" cy="3255774"/>
+          </a:xfrm>
+          <a:prstGeom prst="rect">
+            <a:avLst/>
+          </a:prstGeom>
+        </p:spPr>
+      </p:pic>
+      <p:sp>
+        <p:nvSpPr>
+          <p:cNvPr id="8" name="正方形/長方形 7">
+            <a:extLst>
+              <a:ext uri="{FF2B5EF4-FFF2-40B4-BE49-F238E27FC236}">
+                <a16:creationId xmlns:a16="http://schemas.microsoft.com/office/drawing/2014/main" id="{7D771DA1-8EC3-E03E-99A8-996978FC7CC3}"/>
+              </a:ext>
+            </a:extLst>
+          </p:cNvPr>
+          <p:cNvSpPr/>
+          <p:nvPr/>
+        </p:nvSpPr>
+        <p:spPr>
+          <a:xfrm>
+            <a:off x="9971295" y="1733975"/>
+            <a:ext cx="641279" cy="5124025"/>
+          </a:xfrm>
+          <a:prstGeom prst="rect">
+            <a:avLst/>
+          </a:prstGeom>
+          <a:solidFill>
+            <a:schemeClr val="bg1">
+              <a:lumMod val="95000"/>
+            </a:schemeClr>
+          </a:solidFill>
+          <a:ln w="12700">
+            <a:noFill/>
+            <a:miter lim="400000"/>
+          </a:ln>
+          <a:extLst>
+            <a:ext uri="{C572A759-6A51-4108-AA02-DFA0A04FC94B}">
+              <ma14:wrappingTextBoxFlag xmlns="" xmlns:ma14="http://schemas.microsoft.com/office/mac/drawingml/2011/main" val="1"/>
+            </a:ext>
+          </a:extLst>
+        </p:spPr>
+        <p:txBody>
+          <a:bodyPr rtlCol="0" anchor="ctr"/>
+          <a:lstStyle/>
+          <a:p>
+            <a:pPr algn="ctr"/>
+            <a:endParaRPr kumimoji="1" lang="ja-JP" altLang="en-US"/>
+          </a:p>
+        </p:txBody>
+      </p:sp>
+    </p:spTree>
+    <p:extLst>
+      <p:ext uri="{BB962C8B-B14F-4D97-AF65-F5344CB8AC3E}">
+        <p14:creationId xmlns:p14="http://schemas.microsoft.com/office/powerpoint/2010/main" val="2214775662"/>
+      </p:ext>
+    </p:extLst>
+  </p:cSld>
+  <p:clrMapOvr>
+    <a:masterClrMapping/>
+  </p:clrMapOvr>
+</p:sld>
+</file>
+
+<file path=ppt/slides/slide11.xml><?xml version="1.0" encoding="utf-8"?>
+<p:sld xmlns:a="http://schemas.openxmlformats.org/drawingml/2006/main" xmlns:r="http://schemas.openxmlformats.org/officeDocument/2006/relationships" xmlns:p="http://schemas.openxmlformats.org/presentationml/2006/main">
+  <p:cSld>
+    <p:spTree>
+      <p:nvGrpSpPr>
+        <p:cNvPr id="1" name=""/>
+        <p:cNvGrpSpPr/>
+        <p:nvPr/>
+      </p:nvGrpSpPr>
+      <p:grpSpPr>
+        <a:xfrm>
+          <a:off x="0" y="0"/>
+          <a:ext cx="0" cy="0"/>
+          <a:chOff x="0" y="0"/>
+          <a:chExt cx="0" cy="0"/>
+        </a:xfrm>
+      </p:grpSpPr>
+      <p:sp>
+        <p:nvSpPr>
+          <p:cNvPr id="17" name="円/楕円 16">
+            <a:extLst>
+              <a:ext uri="{FF2B5EF4-FFF2-40B4-BE49-F238E27FC236}">
+                <a16:creationId xmlns:a16="http://schemas.microsoft.com/office/drawing/2014/main" id="{5B7E9BC7-E1B5-80B6-63D0-4BEC40733C34}"/>
+              </a:ext>
+            </a:extLst>
+          </p:cNvPr>
+          <p:cNvSpPr>
+            <a:spLocks noChangeAspect="1"/>
+          </p:cNvSpPr>
+          <p:nvPr/>
+        </p:nvSpPr>
+        <p:spPr>
+          <a:xfrm>
+            <a:off x="1351692" y="130725"/>
+            <a:ext cx="6596551" cy="6596551"/>
+          </a:xfrm>
+          <a:prstGeom prst="ellipse">
+            <a:avLst/>
+          </a:prstGeom>
+          <a:solidFill>
+            <a:srgbClr val="209CEE"/>
+          </a:solidFill>
+          <a:ln w="12700">
+            <a:noFill/>
+            <a:miter lim="400000"/>
+          </a:ln>
+          <a:extLst>
+            <a:ext uri="{C572A759-6A51-4108-AA02-DFA0A04FC94B}">
+              <ma14:wrappingTextBoxFlag xmlns="" xmlns:ma14="http://schemas.microsoft.com/office/mac/drawingml/2011/main" val="1"/>
+            </a:ext>
+          </a:extLst>
+        </p:spPr>
+        <p:txBody>
+          <a:bodyPr rtlCol="0" anchor="ctr"/>
+          <a:lstStyle/>
+          <a:p>
+            <a:pPr algn="ctr"/>
+            <a:endParaRPr kumimoji="1" lang="ja-JP" altLang="en-US" sz="2000">
+              <a:latin typeface="Plantagenet Cherokee" panose="02020000000000000000" pitchFamily="18" charset="-79"/>
+              <a:cs typeface="Plantagenet Cherokee" panose="02020000000000000000" pitchFamily="18" charset="-79"/>
+            </a:endParaRPr>
+          </a:p>
+        </p:txBody>
+      </p:sp>
+      <p:sp>
+        <p:nvSpPr>
+          <p:cNvPr id="2" name="正方形/長方形 1">
+            <a:extLst>
+              <a:ext uri="{FF2B5EF4-FFF2-40B4-BE49-F238E27FC236}">
+                <a16:creationId xmlns:a16="http://schemas.microsoft.com/office/drawing/2014/main" id="{10E74CC0-DF2F-AF6D-B4D6-A55E1EEDCB12}"/>
+              </a:ext>
+            </a:extLst>
+          </p:cNvPr>
+          <p:cNvSpPr>
+            <a:spLocks noChangeAspect="1"/>
+          </p:cNvSpPr>
+          <p:nvPr/>
+        </p:nvSpPr>
+        <p:spPr>
+          <a:xfrm>
+            <a:off x="2793448" y="1247263"/>
+            <a:ext cx="992370" cy="4363475"/>
+          </a:xfrm>
+          <a:prstGeom prst="rect">
+            <a:avLst/>
+          </a:prstGeom>
+          <a:solidFill>
+            <a:schemeClr val="bg1"/>
+          </a:solidFill>
+          <a:ln w="12700">
+            <a:noFill/>
+            <a:miter lim="400000"/>
+          </a:ln>
+          <a:extLst>
+            <a:ext uri="{C572A759-6A51-4108-AA02-DFA0A04FC94B}">
+              <ma14:wrappingTextBoxFlag xmlns="" xmlns:ma14="http://schemas.microsoft.com/office/mac/drawingml/2011/main" val="1"/>
+            </a:ext>
+          </a:extLst>
+        </p:spPr>
+        <p:txBody>
+          <a:bodyPr rtlCol="0" anchor="ctr"/>
+          <a:lstStyle/>
+          <a:p>
+            <a:pPr algn="ctr"/>
+            <a:endParaRPr kumimoji="1" lang="ja-JP" altLang="en-US" sz="2000">
+              <a:latin typeface="Plantagenet Cherokee" panose="02020000000000000000" pitchFamily="18" charset="-79"/>
+              <a:cs typeface="Plantagenet Cherokee" panose="02020000000000000000" pitchFamily="18" charset="-79"/>
+            </a:endParaRPr>
+          </a:p>
+        </p:txBody>
+      </p:sp>
+      <p:sp>
+        <p:nvSpPr>
+          <p:cNvPr id="4" name="平行四辺形 3">
+            <a:extLst>
+              <a:ext uri="{FF2B5EF4-FFF2-40B4-BE49-F238E27FC236}">
+                <a16:creationId xmlns:a16="http://schemas.microsoft.com/office/drawing/2014/main" id="{FA33888D-86F2-D809-EE8B-63E2CFC0D93E}"/>
+              </a:ext>
+            </a:extLst>
+          </p:cNvPr>
+          <p:cNvSpPr/>
+          <p:nvPr/>
+        </p:nvSpPr>
+        <p:spPr>
+          <a:xfrm>
+            <a:off x="3333645" y="1247262"/>
+            <a:ext cx="3248028" cy="2329949"/>
+          </a:xfrm>
+          <a:prstGeom prst="parallelogram">
+            <a:avLst>
+              <a:gd name="adj" fmla="val 91027"/>
+            </a:avLst>
+          </a:prstGeom>
+          <a:solidFill>
+            <a:schemeClr val="bg1"/>
+          </a:solidFill>
+          <a:ln w="12700">
+            <a:noFill/>
+            <a:miter lim="400000"/>
+          </a:ln>
+          <a:extLst>
+            <a:ext uri="{C572A759-6A51-4108-AA02-DFA0A04FC94B}">
+              <ma14:wrappingTextBoxFlag xmlns="" xmlns:ma14="http://schemas.microsoft.com/office/mac/drawingml/2011/main" val="1"/>
+            </a:ext>
+          </a:extLst>
+        </p:spPr>
+        <p:txBody>
+          <a:bodyPr rtlCol="0" anchor="ctr"/>
+          <a:lstStyle/>
+          <a:p>
+            <a:pPr algn="ctr"/>
+            <a:endParaRPr kumimoji="1" lang="ja-JP" altLang="en-US"/>
+          </a:p>
+        </p:txBody>
+      </p:sp>
+      <p:sp>
+        <p:nvSpPr>
+          <p:cNvPr id="5" name="平行四辺形 4">
+            <a:extLst>
+              <a:ext uri="{FF2B5EF4-FFF2-40B4-BE49-F238E27FC236}">
+                <a16:creationId xmlns:a16="http://schemas.microsoft.com/office/drawing/2014/main" id="{71354601-FEC4-1C68-1105-FF4E5A37F197}"/>
+              </a:ext>
+            </a:extLst>
+          </p:cNvPr>
+          <p:cNvSpPr/>
+          <p:nvPr/>
+        </p:nvSpPr>
+        <p:spPr>
+          <a:xfrm flipV="1">
+            <a:off x="3354943" y="3266983"/>
+            <a:ext cx="3489193" cy="2343755"/>
+          </a:xfrm>
+          <a:prstGeom prst="parallelogram">
+            <a:avLst>
+              <a:gd name="adj" fmla="val 94907"/>
+            </a:avLst>
+          </a:prstGeom>
+          <a:solidFill>
+            <a:schemeClr val="bg1"/>
+          </a:solidFill>
+          <a:ln w="12700">
+            <a:noFill/>
+            <a:miter lim="400000"/>
+          </a:ln>
+          <a:extLst>
+            <a:ext uri="{C572A759-6A51-4108-AA02-DFA0A04FC94B}">
+              <ma14:wrappingTextBoxFlag xmlns="" xmlns:ma14="http://schemas.microsoft.com/office/mac/drawingml/2011/main" val="1"/>
+            </a:ext>
+          </a:extLst>
+        </p:spPr>
+        <p:txBody>
+          <a:bodyPr rtlCol="0" anchor="ctr"/>
+          <a:lstStyle/>
+          <a:p>
+            <a:pPr algn="ctr"/>
+            <a:endParaRPr kumimoji="1" lang="ja-JP" altLang="en-US"/>
+          </a:p>
+        </p:txBody>
+      </p:sp>
+      <p:pic>
+        <p:nvPicPr>
+          <p:cNvPr id="9" name="図 8">
+            <a:extLst>
+              <a:ext uri="{FF2B5EF4-FFF2-40B4-BE49-F238E27FC236}">
+                <a16:creationId xmlns:a16="http://schemas.microsoft.com/office/drawing/2014/main" id="{92D026F4-FBE3-3095-FAA2-07DCBC3670B3}"/>
+              </a:ext>
+            </a:extLst>
+          </p:cNvPr>
+          <p:cNvPicPr>
+            <a:picLocks noChangeAspect="1"/>
+          </p:cNvPicPr>
+          <p:nvPr/>
+        </p:nvPicPr>
+        <p:blipFill>
+          <a:blip r:embed="rId2">
+            <a:extLst>
+              <a:ext uri="{28A0092B-C50C-407E-A947-70E740481C1C}">
+                <a14:useLocalDpi xmlns:a14="http://schemas.microsoft.com/office/drawing/2010/main" val="0"/>
+              </a:ext>
+            </a:extLst>
+          </a:blip>
+          <a:stretch>
+            <a:fillRect/>
+          </a:stretch>
+        </p:blipFill>
+        <p:spPr>
+          <a:xfrm>
+            <a:off x="8879722" y="-918251"/>
+            <a:ext cx="3312278" cy="3312278"/>
+          </a:xfrm>
+          <a:prstGeom prst="rect">
+            <a:avLst/>
+          </a:prstGeom>
+        </p:spPr>
+      </p:pic>
+      <p:sp>
+        <p:nvSpPr>
+          <p:cNvPr id="10" name="正方形/長方形 9">
+            <a:extLst>
+              <a:ext uri="{FF2B5EF4-FFF2-40B4-BE49-F238E27FC236}">
+                <a16:creationId xmlns:a16="http://schemas.microsoft.com/office/drawing/2014/main" id="{00413F8A-FFFA-86C4-76C5-6C3461EB338E}"/>
+              </a:ext>
+            </a:extLst>
+          </p:cNvPr>
+          <p:cNvSpPr/>
+          <p:nvPr/>
+        </p:nvSpPr>
+        <p:spPr>
+          <a:xfrm>
+            <a:off x="8393708" y="1603251"/>
+            <a:ext cx="641279" cy="5124025"/>
+          </a:xfrm>
+          <a:prstGeom prst="rect">
+            <a:avLst/>
+          </a:prstGeom>
+          <a:solidFill>
+            <a:schemeClr val="bg1">
+              <a:lumMod val="95000"/>
+            </a:schemeClr>
+          </a:solidFill>
+          <a:ln w="12700">
+            <a:noFill/>
+            <a:miter lim="400000"/>
+          </a:ln>
+          <a:extLst>
+            <a:ext uri="{C572A759-6A51-4108-AA02-DFA0A04FC94B}">
+              <ma14:wrappingTextBoxFlag xmlns="" xmlns:ma14="http://schemas.microsoft.com/office/mac/drawingml/2011/main" val="1"/>
+            </a:ext>
+          </a:extLst>
+        </p:spPr>
+        <p:txBody>
+          <a:bodyPr rtlCol="0" anchor="ctr"/>
+          <a:lstStyle/>
+          <a:p>
+            <a:pPr algn="ctr"/>
+            <a:endParaRPr kumimoji="1" lang="ja-JP" altLang="en-US"/>
+          </a:p>
+        </p:txBody>
+      </p:sp>
+    </p:spTree>
+    <p:extLst>
+      <p:ext uri="{BB962C8B-B14F-4D97-AF65-F5344CB8AC3E}">
+        <p14:creationId xmlns:p14="http://schemas.microsoft.com/office/powerpoint/2010/main" val="1414100325"/>
+      </p:ext>
+    </p:extLst>
+  </p:cSld>
+  <p:clrMapOvr>
+    <a:masterClrMapping/>
+  </p:clrMapOvr>
+</p:sld>
+</file>
+
+<file path=ppt/slides/slide12.xml><?xml version="1.0" encoding="utf-8"?>
+<p:sld xmlns:a="http://schemas.openxmlformats.org/drawingml/2006/main" xmlns:r="http://schemas.openxmlformats.org/officeDocument/2006/relationships" xmlns:p="http://schemas.openxmlformats.org/presentationml/2006/main">
+  <p:cSld>
+    <p:spTree>
+      <p:nvGrpSpPr>
+        <p:cNvPr id="1" name=""/>
+        <p:cNvGrpSpPr/>
+        <p:nvPr/>
+      </p:nvGrpSpPr>
+      <p:grpSpPr>
+        <a:xfrm>
+          <a:off x="0" y="0"/>
+          <a:ext cx="0" cy="0"/>
+          <a:chOff x="0" y="0"/>
+          <a:chExt cx="0" cy="0"/>
+        </a:xfrm>
+      </p:grpSpPr>
+      <p:sp>
+        <p:nvSpPr>
+          <p:cNvPr id="17" name="円/楕円 16">
+            <a:extLst>
+              <a:ext uri="{FF2B5EF4-FFF2-40B4-BE49-F238E27FC236}">
+                <a16:creationId xmlns:a16="http://schemas.microsoft.com/office/drawing/2014/main" id="{5B7E9BC7-E1B5-80B6-63D0-4BEC40733C34}"/>
+              </a:ext>
+            </a:extLst>
+          </p:cNvPr>
+          <p:cNvSpPr>
+            <a:spLocks noChangeAspect="1"/>
+          </p:cNvSpPr>
+          <p:nvPr/>
+        </p:nvSpPr>
+        <p:spPr>
+          <a:xfrm>
+            <a:off x="1100482" y="130725"/>
+            <a:ext cx="6596551" cy="6596551"/>
+          </a:xfrm>
+          <a:prstGeom prst="ellipse">
+            <a:avLst/>
+          </a:prstGeom>
+          <a:solidFill>
+            <a:srgbClr val="209CEE"/>
+          </a:solidFill>
+          <a:ln w="12700">
+            <a:noFill/>
+            <a:miter lim="400000"/>
+          </a:ln>
+          <a:extLst>
+            <a:ext uri="{C572A759-6A51-4108-AA02-DFA0A04FC94B}">
+              <ma14:wrappingTextBoxFlag xmlns="" xmlns:ma14="http://schemas.microsoft.com/office/mac/drawingml/2011/main" val="1"/>
+            </a:ext>
+          </a:extLst>
+        </p:spPr>
+        <p:txBody>
+          <a:bodyPr rtlCol="0" anchor="ctr"/>
+          <a:lstStyle/>
+          <a:p>
+            <a:pPr algn="ctr"/>
+            <a:endParaRPr kumimoji="1" lang="ja-JP" altLang="en-US" sz="2000">
+              <a:latin typeface="Plantagenet Cherokee" panose="02020000000000000000" pitchFamily="18" charset="-79"/>
+              <a:cs typeface="Plantagenet Cherokee" panose="02020000000000000000" pitchFamily="18" charset="-79"/>
+            </a:endParaRPr>
+          </a:p>
+        </p:txBody>
+      </p:sp>
+      <p:sp>
+        <p:nvSpPr>
+          <p:cNvPr id="2" name="正方形/長方形 1">
+            <a:extLst>
+              <a:ext uri="{FF2B5EF4-FFF2-40B4-BE49-F238E27FC236}">
+                <a16:creationId xmlns:a16="http://schemas.microsoft.com/office/drawing/2014/main" id="{10E74CC0-DF2F-AF6D-B4D6-A55E1EEDCB12}"/>
+              </a:ext>
+            </a:extLst>
+          </p:cNvPr>
+          <p:cNvSpPr>
+            <a:spLocks noChangeAspect="1"/>
+          </p:cNvSpPr>
+          <p:nvPr/>
+        </p:nvSpPr>
+        <p:spPr>
+          <a:xfrm>
+            <a:off x="2572380" y="1247263"/>
+            <a:ext cx="1022515" cy="4363475"/>
+          </a:xfrm>
+          <a:prstGeom prst="rect">
+            <a:avLst/>
+          </a:prstGeom>
+          <a:solidFill>
+            <a:schemeClr val="bg1"/>
+          </a:solidFill>
+          <a:ln w="12700">
+            <a:noFill/>
+            <a:miter lim="400000"/>
+          </a:ln>
+          <a:extLst>
+            <a:ext uri="{C572A759-6A51-4108-AA02-DFA0A04FC94B}">
+              <ma14:wrappingTextBoxFlag xmlns="" xmlns:ma14="http://schemas.microsoft.com/office/mac/drawingml/2011/main" val="1"/>
+            </a:ext>
+          </a:extLst>
+        </p:spPr>
+        <p:txBody>
+          <a:bodyPr rtlCol="0" anchor="ctr"/>
+          <a:lstStyle/>
+          <a:p>
+            <a:pPr algn="ctr"/>
+            <a:endParaRPr kumimoji="1" lang="ja-JP" altLang="en-US" sz="2000">
+              <a:latin typeface="Plantagenet Cherokee" panose="02020000000000000000" pitchFamily="18" charset="-79"/>
+              <a:cs typeface="Plantagenet Cherokee" panose="02020000000000000000" pitchFamily="18" charset="-79"/>
+            </a:endParaRPr>
+          </a:p>
+        </p:txBody>
+      </p:sp>
+      <p:sp>
+        <p:nvSpPr>
+          <p:cNvPr id="4" name="平行四辺形 3">
+            <a:extLst>
+              <a:ext uri="{FF2B5EF4-FFF2-40B4-BE49-F238E27FC236}">
+                <a16:creationId xmlns:a16="http://schemas.microsoft.com/office/drawing/2014/main" id="{FA33888D-86F2-D809-EE8B-63E2CFC0D93E}"/>
+              </a:ext>
+            </a:extLst>
+          </p:cNvPr>
+          <p:cNvSpPr/>
+          <p:nvPr/>
+        </p:nvSpPr>
+        <p:spPr>
+          <a:xfrm>
+            <a:off x="3132675" y="1245997"/>
+            <a:ext cx="3237982" cy="2054909"/>
+          </a:xfrm>
+          <a:prstGeom prst="parallelogram">
+            <a:avLst>
+              <a:gd name="adj" fmla="val 100881"/>
+            </a:avLst>
+          </a:prstGeom>
+          <a:solidFill>
+            <a:schemeClr val="bg1"/>
+          </a:solidFill>
+          <a:ln w="12700">
+            <a:noFill/>
+            <a:miter lim="400000"/>
+          </a:ln>
+          <a:extLst>
+            <a:ext uri="{C572A759-6A51-4108-AA02-DFA0A04FC94B}">
+              <ma14:wrappingTextBoxFlag xmlns="" xmlns:ma14="http://schemas.microsoft.com/office/mac/drawingml/2011/main" val="1"/>
+            </a:ext>
+          </a:extLst>
+        </p:spPr>
+        <p:txBody>
+          <a:bodyPr rtlCol="0" anchor="ctr"/>
+          <a:lstStyle/>
+          <a:p>
+            <a:pPr algn="ctr"/>
+            <a:endParaRPr kumimoji="1" lang="ja-JP" altLang="en-US"/>
+          </a:p>
+        </p:txBody>
+      </p:sp>
+      <p:sp>
+        <p:nvSpPr>
+          <p:cNvPr id="5" name="平行四辺形 4">
+            <a:extLst>
+              <a:ext uri="{FF2B5EF4-FFF2-40B4-BE49-F238E27FC236}">
+                <a16:creationId xmlns:a16="http://schemas.microsoft.com/office/drawing/2014/main" id="{71354601-FEC4-1C68-1105-FF4E5A37F197}"/>
+              </a:ext>
+            </a:extLst>
+          </p:cNvPr>
+          <p:cNvSpPr/>
+          <p:nvPr/>
+        </p:nvSpPr>
+        <p:spPr>
+          <a:xfrm flipV="1">
+            <a:off x="3073589" y="3265718"/>
+            <a:ext cx="3489193" cy="2343755"/>
+          </a:xfrm>
+          <a:prstGeom prst="parallelogram">
+            <a:avLst>
+              <a:gd name="adj" fmla="val 94907"/>
+            </a:avLst>
+          </a:prstGeom>
+          <a:solidFill>
+            <a:schemeClr val="bg1"/>
+          </a:solidFill>
+          <a:ln w="12700">
+            <a:noFill/>
+            <a:miter lim="400000"/>
+          </a:ln>
+          <a:extLst>
+            <a:ext uri="{C572A759-6A51-4108-AA02-DFA0A04FC94B}">
+              <ma14:wrappingTextBoxFlag xmlns="" xmlns:ma14="http://schemas.microsoft.com/office/mac/drawingml/2011/main" val="1"/>
+            </a:ext>
+          </a:extLst>
+        </p:spPr>
+        <p:txBody>
+          <a:bodyPr rtlCol="0" anchor="ctr"/>
+          <a:lstStyle/>
+          <a:p>
+            <a:pPr algn="ctr"/>
+            <a:endParaRPr kumimoji="1" lang="ja-JP" altLang="en-US"/>
+          </a:p>
+        </p:txBody>
+      </p:sp>
+      <p:pic>
+        <p:nvPicPr>
+          <p:cNvPr id="9" name="図 8">
+            <a:extLst>
+              <a:ext uri="{FF2B5EF4-FFF2-40B4-BE49-F238E27FC236}">
+                <a16:creationId xmlns:a16="http://schemas.microsoft.com/office/drawing/2014/main" id="{92D026F4-FBE3-3095-FAA2-07DCBC3670B3}"/>
+              </a:ext>
+            </a:extLst>
+          </p:cNvPr>
+          <p:cNvPicPr>
+            <a:picLocks noChangeAspect="1"/>
+          </p:cNvPicPr>
+          <p:nvPr/>
+        </p:nvPicPr>
+        <p:blipFill>
+          <a:blip r:embed="rId2">
+            <a:extLst>
+              <a:ext uri="{28A0092B-C50C-407E-A947-70E740481C1C}">
+                <a14:useLocalDpi xmlns:a14="http://schemas.microsoft.com/office/drawing/2010/main" val="0"/>
+              </a:ext>
+            </a:extLst>
+          </a:blip>
+          <a:stretch>
+            <a:fillRect/>
+          </a:stretch>
+        </p:blipFill>
+        <p:spPr>
+          <a:xfrm>
+            <a:off x="8902239" y="-920821"/>
+            <a:ext cx="3312278" cy="3312278"/>
+          </a:xfrm>
+          <a:prstGeom prst="rect">
+            <a:avLst/>
+          </a:prstGeom>
+        </p:spPr>
+      </p:pic>
+      <p:sp>
+        <p:nvSpPr>
+          <p:cNvPr id="10" name="正方形/長方形 9">
+            <a:extLst>
+              <a:ext uri="{FF2B5EF4-FFF2-40B4-BE49-F238E27FC236}">
+                <a16:creationId xmlns:a16="http://schemas.microsoft.com/office/drawing/2014/main" id="{00413F8A-FFFA-86C4-76C5-6C3461EB338E}"/>
+              </a:ext>
+            </a:extLst>
+          </p:cNvPr>
+          <p:cNvSpPr/>
+          <p:nvPr/>
+        </p:nvSpPr>
+        <p:spPr>
+          <a:xfrm>
+            <a:off x="8685704" y="1603251"/>
+            <a:ext cx="641279" cy="5124025"/>
+          </a:xfrm>
+          <a:prstGeom prst="rect">
+            <a:avLst/>
+          </a:prstGeom>
+          <a:solidFill>
+            <a:schemeClr val="bg1">
+              <a:lumMod val="95000"/>
+            </a:schemeClr>
+          </a:solidFill>
+          <a:ln w="12700">
+            <a:noFill/>
+            <a:miter lim="400000"/>
+          </a:ln>
+          <a:extLst>
+            <a:ext uri="{C572A759-6A51-4108-AA02-DFA0A04FC94B}">
+              <ma14:wrappingTextBoxFlag xmlns="" xmlns:ma14="http://schemas.microsoft.com/office/mac/drawingml/2011/main" val="1"/>
+            </a:ext>
+          </a:extLst>
+        </p:spPr>
+        <p:txBody>
+          <a:bodyPr rtlCol="0" anchor="ctr"/>
+          <a:lstStyle/>
+          <a:p>
+            <a:pPr algn="ctr"/>
+            <a:endParaRPr kumimoji="1" lang="ja-JP" altLang="en-US"/>
+          </a:p>
+        </p:txBody>
+      </p:sp>
+    </p:spTree>
+    <p:extLst>
+      <p:ext uri="{BB962C8B-B14F-4D97-AF65-F5344CB8AC3E}">
+        <p14:creationId xmlns:p14="http://schemas.microsoft.com/office/powerpoint/2010/main" val="3484633980"/>
+      </p:ext>
+    </p:extLst>
+  </p:cSld>
+  <p:clrMapOvr>
+    <a:masterClrMapping/>
+  </p:clrMapOvr>
+</p:sld>
+</file>
+
+<file path=ppt/slides/slide13.xml><?xml version="1.0" encoding="utf-8"?>
+<p:sld xmlns:a="http://schemas.openxmlformats.org/drawingml/2006/main" xmlns:r="http://schemas.openxmlformats.org/officeDocument/2006/relationships" xmlns:p="http://schemas.openxmlformats.org/presentationml/2006/main">
+  <p:cSld>
+    <p:spTree>
+      <p:nvGrpSpPr>
+        <p:cNvPr id="1" name=""/>
+        <p:cNvGrpSpPr/>
+        <p:nvPr/>
+      </p:nvGrpSpPr>
+      <p:grpSpPr>
+        <a:xfrm>
+          <a:off x="0" y="0"/>
+          <a:ext cx="0" cy="0"/>
+          <a:chOff x="0" y="0"/>
+          <a:chExt cx="0" cy="0"/>
+        </a:xfrm>
+      </p:grpSpPr>
+      <p:sp>
+        <p:nvSpPr>
+          <p:cNvPr id="17" name="円/楕円 16">
+            <a:extLst>
+              <a:ext uri="{FF2B5EF4-FFF2-40B4-BE49-F238E27FC236}">
+                <a16:creationId xmlns:a16="http://schemas.microsoft.com/office/drawing/2014/main" id="{5B7E9BC7-E1B5-80B6-63D0-4BEC40733C34}"/>
+              </a:ext>
+            </a:extLst>
+          </p:cNvPr>
+          <p:cNvSpPr>
+            <a:spLocks noChangeAspect="1"/>
+          </p:cNvSpPr>
+          <p:nvPr/>
+        </p:nvSpPr>
+        <p:spPr>
+          <a:xfrm>
+            <a:off x="1351692" y="130725"/>
+            <a:ext cx="6596551" cy="6596551"/>
+          </a:xfrm>
+          <a:prstGeom prst="ellipse">
+            <a:avLst/>
+          </a:prstGeom>
+          <a:solidFill>
+            <a:srgbClr val="209CEE"/>
+          </a:solidFill>
+          <a:ln w="12700">
+            <a:noFill/>
+            <a:miter lim="400000"/>
+          </a:ln>
+          <a:extLst>
+            <a:ext uri="{C572A759-6A51-4108-AA02-DFA0A04FC94B}">
+              <ma14:wrappingTextBoxFlag xmlns="" xmlns:ma14="http://schemas.microsoft.com/office/mac/drawingml/2011/main" val="1"/>
+            </a:ext>
+          </a:extLst>
+        </p:spPr>
+        <p:txBody>
+          <a:bodyPr rtlCol="0" anchor="ctr"/>
+          <a:lstStyle/>
+          <a:p>
+            <a:pPr algn="ctr"/>
+            <a:endParaRPr kumimoji="1" lang="ja-JP" altLang="en-US" sz="2000">
+              <a:latin typeface="Plantagenet Cherokee" panose="02020000000000000000" pitchFamily="18" charset="-79"/>
+              <a:cs typeface="Plantagenet Cherokee" panose="02020000000000000000" pitchFamily="18" charset="-79"/>
+            </a:endParaRPr>
+          </a:p>
+        </p:txBody>
+      </p:sp>
+      <p:sp>
+        <p:nvSpPr>
+          <p:cNvPr id="2" name="正方形/長方形 1">
+            <a:extLst>
+              <a:ext uri="{FF2B5EF4-FFF2-40B4-BE49-F238E27FC236}">
+                <a16:creationId xmlns:a16="http://schemas.microsoft.com/office/drawing/2014/main" id="{10E74CC0-DF2F-AF6D-B4D6-A55E1EEDCB12}"/>
+              </a:ext>
+            </a:extLst>
+          </p:cNvPr>
+          <p:cNvSpPr>
+            <a:spLocks noChangeAspect="1"/>
+          </p:cNvSpPr>
+          <p:nvPr/>
+        </p:nvSpPr>
+        <p:spPr>
+          <a:xfrm>
+            <a:off x="2793448" y="1247263"/>
+            <a:ext cx="992370" cy="4363475"/>
+          </a:xfrm>
+          <a:prstGeom prst="rect">
+            <a:avLst/>
+          </a:prstGeom>
+          <a:solidFill>
+            <a:schemeClr val="bg1"/>
+          </a:solidFill>
+          <a:ln w="12700">
+            <a:noFill/>
+            <a:miter lim="400000"/>
+          </a:ln>
+          <a:extLst>
+            <a:ext uri="{C572A759-6A51-4108-AA02-DFA0A04FC94B}">
+              <ma14:wrappingTextBoxFlag xmlns="" xmlns:ma14="http://schemas.microsoft.com/office/mac/drawingml/2011/main" val="1"/>
+            </a:ext>
+          </a:extLst>
+        </p:spPr>
+        <p:txBody>
+          <a:bodyPr rtlCol="0" anchor="ctr"/>
+          <a:lstStyle/>
+          <a:p>
+            <a:pPr algn="ctr"/>
+            <a:endParaRPr kumimoji="1" lang="ja-JP" altLang="en-US" sz="2000">
+              <a:latin typeface="Plantagenet Cherokee" panose="02020000000000000000" pitchFamily="18" charset="-79"/>
+              <a:cs typeface="Plantagenet Cherokee" panose="02020000000000000000" pitchFamily="18" charset="-79"/>
+            </a:endParaRPr>
+          </a:p>
+        </p:txBody>
+      </p:sp>
+      <p:sp>
+        <p:nvSpPr>
+          <p:cNvPr id="4" name="平行四辺形 3">
+            <a:extLst>
+              <a:ext uri="{FF2B5EF4-FFF2-40B4-BE49-F238E27FC236}">
+                <a16:creationId xmlns:a16="http://schemas.microsoft.com/office/drawing/2014/main" id="{FA33888D-86F2-D809-EE8B-63E2CFC0D93E}"/>
+              </a:ext>
+            </a:extLst>
+          </p:cNvPr>
+          <p:cNvSpPr/>
+          <p:nvPr/>
+        </p:nvSpPr>
+        <p:spPr>
+          <a:xfrm>
+            <a:off x="3414029" y="1247262"/>
+            <a:ext cx="3237982" cy="2054909"/>
+          </a:xfrm>
+          <a:prstGeom prst="parallelogram">
+            <a:avLst>
+              <a:gd name="adj" fmla="val 100881"/>
+            </a:avLst>
+          </a:prstGeom>
+          <a:solidFill>
+            <a:schemeClr val="bg1"/>
+          </a:solidFill>
+          <a:ln w="12700">
+            <a:noFill/>
+            <a:miter lim="400000"/>
+          </a:ln>
+          <a:extLst>
+            <a:ext uri="{C572A759-6A51-4108-AA02-DFA0A04FC94B}">
+              <ma14:wrappingTextBoxFlag xmlns="" xmlns:ma14="http://schemas.microsoft.com/office/mac/drawingml/2011/main" val="1"/>
+            </a:ext>
+          </a:extLst>
+        </p:spPr>
+        <p:txBody>
+          <a:bodyPr rtlCol="0" anchor="ctr"/>
+          <a:lstStyle/>
+          <a:p>
+            <a:pPr algn="ctr"/>
+            <a:endParaRPr kumimoji="1" lang="ja-JP" altLang="en-US"/>
+          </a:p>
+        </p:txBody>
+      </p:sp>
+      <p:sp>
+        <p:nvSpPr>
+          <p:cNvPr id="5" name="平行四辺形 4">
+            <a:extLst>
+              <a:ext uri="{FF2B5EF4-FFF2-40B4-BE49-F238E27FC236}">
+                <a16:creationId xmlns:a16="http://schemas.microsoft.com/office/drawing/2014/main" id="{71354601-FEC4-1C68-1105-FF4E5A37F197}"/>
+              </a:ext>
+            </a:extLst>
+          </p:cNvPr>
+          <p:cNvSpPr/>
+          <p:nvPr/>
+        </p:nvSpPr>
+        <p:spPr>
+          <a:xfrm flipV="1">
+            <a:off x="3354943" y="3266983"/>
+            <a:ext cx="3489193" cy="2343755"/>
+          </a:xfrm>
+          <a:prstGeom prst="parallelogram">
+            <a:avLst>
+              <a:gd name="adj" fmla="val 94907"/>
+            </a:avLst>
+          </a:prstGeom>
+          <a:solidFill>
+            <a:schemeClr val="bg1"/>
+          </a:solidFill>
+          <a:ln w="12700">
+            <a:noFill/>
+            <a:miter lim="400000"/>
+          </a:ln>
+          <a:extLst>
+            <a:ext uri="{C572A759-6A51-4108-AA02-DFA0A04FC94B}">
+              <ma14:wrappingTextBoxFlag xmlns="" xmlns:ma14="http://schemas.microsoft.com/office/mac/drawingml/2011/main" val="1"/>
+            </a:ext>
+          </a:extLst>
+        </p:spPr>
+        <p:txBody>
+          <a:bodyPr rtlCol="0" anchor="ctr"/>
+          <a:lstStyle/>
+          <a:p>
+            <a:pPr algn="ctr"/>
+            <a:endParaRPr kumimoji="1" lang="ja-JP" altLang="en-US"/>
+          </a:p>
+        </p:txBody>
+      </p:sp>
+      <p:pic>
+        <p:nvPicPr>
+          <p:cNvPr id="9" name="図 8">
+            <a:extLst>
+              <a:ext uri="{FF2B5EF4-FFF2-40B4-BE49-F238E27FC236}">
+                <a16:creationId xmlns:a16="http://schemas.microsoft.com/office/drawing/2014/main" id="{92D026F4-FBE3-3095-FAA2-07DCBC3670B3}"/>
+              </a:ext>
+            </a:extLst>
+          </p:cNvPr>
+          <p:cNvPicPr>
+            <a:picLocks noChangeAspect="1"/>
+          </p:cNvPicPr>
+          <p:nvPr/>
+        </p:nvPicPr>
+        <p:blipFill>
+          <a:blip r:embed="rId2">
+            <a:extLst>
+              <a:ext uri="{28A0092B-C50C-407E-A947-70E740481C1C}">
+                <a14:useLocalDpi xmlns:a14="http://schemas.microsoft.com/office/drawing/2010/main" val="0"/>
+              </a:ext>
+            </a:extLst>
+          </a:blip>
+          <a:stretch>
+            <a:fillRect/>
+          </a:stretch>
+        </p:blipFill>
+        <p:spPr>
+          <a:xfrm>
+            <a:off x="8879722" y="-918251"/>
+            <a:ext cx="3312278" cy="3312278"/>
+          </a:xfrm>
+          <a:prstGeom prst="rect">
+            <a:avLst/>
+          </a:prstGeom>
+        </p:spPr>
+      </p:pic>
+      <p:sp>
+        <p:nvSpPr>
+          <p:cNvPr id="10" name="正方形/長方形 9">
+            <a:extLst>
+              <a:ext uri="{FF2B5EF4-FFF2-40B4-BE49-F238E27FC236}">
+                <a16:creationId xmlns:a16="http://schemas.microsoft.com/office/drawing/2014/main" id="{00413F8A-FFFA-86C4-76C5-6C3461EB338E}"/>
+              </a:ext>
+            </a:extLst>
+          </p:cNvPr>
+          <p:cNvSpPr/>
+          <p:nvPr/>
+        </p:nvSpPr>
+        <p:spPr>
+          <a:xfrm>
+            <a:off x="8906473" y="1654761"/>
+            <a:ext cx="641279" cy="5124025"/>
+          </a:xfrm>
+          <a:prstGeom prst="rect">
+            <a:avLst/>
+          </a:prstGeom>
+          <a:solidFill>
+            <a:schemeClr val="bg1">
+              <a:lumMod val="95000"/>
+            </a:schemeClr>
+          </a:solidFill>
+          <a:ln w="12700">
+            <a:noFill/>
+            <a:miter lim="400000"/>
+          </a:ln>
+          <a:extLst>
+            <a:ext uri="{C572A759-6A51-4108-AA02-DFA0A04FC94B}">
+              <ma14:wrappingTextBoxFlag xmlns="" xmlns:ma14="http://schemas.microsoft.com/office/mac/drawingml/2011/main" val="1"/>
+            </a:ext>
+          </a:extLst>
+        </p:spPr>
+        <p:txBody>
+          <a:bodyPr rtlCol="0" anchor="ctr"/>
+          <a:lstStyle/>
+          <a:p>
+            <a:pPr algn="ctr"/>
+            <a:endParaRPr kumimoji="1" lang="ja-JP" altLang="en-US"/>
+          </a:p>
+        </p:txBody>
+      </p:sp>
+    </p:spTree>
+    <p:extLst>
+      <p:ext uri="{BB962C8B-B14F-4D97-AF65-F5344CB8AC3E}">
+        <p14:creationId xmlns:p14="http://schemas.microsoft.com/office/powerpoint/2010/main" val="2689431330"/>
+      </p:ext>
+    </p:extLst>
+  </p:cSld>
+  <p:clrMapOvr>
+    <a:masterClrMapping/>
+  </p:clrMapOvr>
+</p:sld>
+</file>
+
+<file path=ppt/slides/slide14.xml><?xml version="1.0" encoding="utf-8"?>
+<p:sld xmlns:a="http://schemas.openxmlformats.org/drawingml/2006/main" xmlns:r="http://schemas.openxmlformats.org/officeDocument/2006/relationships" xmlns:p="http://schemas.openxmlformats.org/presentationml/2006/main">
+  <p:cSld>
+    <p:spTree>
+      <p:nvGrpSpPr>
+        <p:cNvPr id="1" name=""/>
+        <p:cNvGrpSpPr/>
+        <p:nvPr/>
+      </p:nvGrpSpPr>
+      <p:grpSpPr>
+        <a:xfrm>
+          <a:off x="0" y="0"/>
+          <a:ext cx="0" cy="0"/>
+          <a:chOff x="0" y="0"/>
+          <a:chExt cx="0" cy="0"/>
+        </a:xfrm>
+      </p:grpSpPr>
+      <p:sp>
+        <p:nvSpPr>
+          <p:cNvPr id="17" name="円/楕円 16">
+            <a:extLst>
+              <a:ext uri="{FF2B5EF4-FFF2-40B4-BE49-F238E27FC236}">
+                <a16:creationId xmlns:a16="http://schemas.microsoft.com/office/drawing/2014/main" id="{5B7E9BC7-E1B5-80B6-63D0-4BEC40733C34}"/>
+              </a:ext>
+            </a:extLst>
+          </p:cNvPr>
+          <p:cNvSpPr>
+            <a:spLocks noChangeAspect="1"/>
+          </p:cNvSpPr>
+          <p:nvPr/>
+        </p:nvSpPr>
+        <p:spPr>
+          <a:xfrm>
+            <a:off x="1371788" y="130725"/>
+            <a:ext cx="6596551" cy="6596551"/>
+          </a:xfrm>
+          <a:prstGeom prst="ellipse">
+            <a:avLst/>
+          </a:prstGeom>
+          <a:solidFill>
+            <a:srgbClr val="209CEE"/>
+          </a:solidFill>
+          <a:ln w="12700">
+            <a:noFill/>
+            <a:miter lim="400000"/>
+          </a:ln>
+          <a:extLst>
+            <a:ext uri="{C572A759-6A51-4108-AA02-DFA0A04FC94B}">
+              <ma14:wrappingTextBoxFlag xmlns="" xmlns:ma14="http://schemas.microsoft.com/office/mac/drawingml/2011/main" val="1"/>
+            </a:ext>
+          </a:extLst>
+        </p:spPr>
+        <p:txBody>
+          <a:bodyPr rtlCol="0" anchor="ctr"/>
+          <a:lstStyle/>
+          <a:p>
+            <a:pPr algn="ctr"/>
+            <a:endParaRPr kumimoji="1" lang="ja-JP" altLang="en-US" sz="2000">
+              <a:latin typeface="Plantagenet Cherokee" panose="02020000000000000000" pitchFamily="18" charset="-79"/>
+              <a:cs typeface="Plantagenet Cherokee" panose="02020000000000000000" pitchFamily="18" charset="-79"/>
+            </a:endParaRPr>
+          </a:p>
+        </p:txBody>
+      </p:sp>
+      <p:sp>
+        <p:nvSpPr>
+          <p:cNvPr id="2" name="正方形/長方形 1">
+            <a:extLst>
+              <a:ext uri="{FF2B5EF4-FFF2-40B4-BE49-F238E27FC236}">
+                <a16:creationId xmlns:a16="http://schemas.microsoft.com/office/drawing/2014/main" id="{10E74CC0-DF2F-AF6D-B4D6-A55E1EEDCB12}"/>
+              </a:ext>
+            </a:extLst>
+          </p:cNvPr>
+          <p:cNvSpPr>
+            <a:spLocks noChangeAspect="1"/>
+          </p:cNvSpPr>
+          <p:nvPr/>
+        </p:nvSpPr>
+        <p:spPr>
+          <a:xfrm>
+            <a:off x="2773353" y="1247263"/>
+            <a:ext cx="992370" cy="4363475"/>
+          </a:xfrm>
+          <a:prstGeom prst="rect">
+            <a:avLst/>
+          </a:prstGeom>
+          <a:solidFill>
+            <a:schemeClr val="bg1"/>
+          </a:solidFill>
+          <a:ln w="12700">
+            <a:noFill/>
+            <a:miter lim="400000"/>
+          </a:ln>
+          <a:extLst>
+            <a:ext uri="{C572A759-6A51-4108-AA02-DFA0A04FC94B}">
+              <ma14:wrappingTextBoxFlag xmlns="" xmlns:ma14="http://schemas.microsoft.com/office/mac/drawingml/2011/main" val="1"/>
+            </a:ext>
+          </a:extLst>
+        </p:spPr>
+        <p:txBody>
+          <a:bodyPr rtlCol="0" anchor="ctr"/>
+          <a:lstStyle/>
+          <a:p>
+            <a:pPr algn="ctr"/>
+            <a:endParaRPr kumimoji="1" lang="ja-JP" altLang="en-US" sz="2000">
+              <a:latin typeface="Plantagenet Cherokee" panose="02020000000000000000" pitchFamily="18" charset="-79"/>
+              <a:cs typeface="Plantagenet Cherokee" panose="02020000000000000000" pitchFamily="18" charset="-79"/>
+            </a:endParaRPr>
+          </a:p>
+        </p:txBody>
+      </p:sp>
+      <p:sp>
+        <p:nvSpPr>
+          <p:cNvPr id="4" name="平行四辺形 3">
+            <a:extLst>
+              <a:ext uri="{FF2B5EF4-FFF2-40B4-BE49-F238E27FC236}">
+                <a16:creationId xmlns:a16="http://schemas.microsoft.com/office/drawing/2014/main" id="{FA33888D-86F2-D809-EE8B-63E2CFC0D93E}"/>
+              </a:ext>
+            </a:extLst>
+          </p:cNvPr>
+          <p:cNvSpPr/>
+          <p:nvPr/>
+        </p:nvSpPr>
+        <p:spPr>
+          <a:xfrm>
+            <a:off x="3414029" y="1247262"/>
+            <a:ext cx="3237982" cy="2054909"/>
+          </a:xfrm>
+          <a:prstGeom prst="parallelogram">
+            <a:avLst>
+              <a:gd name="adj" fmla="val 98436"/>
+            </a:avLst>
+          </a:prstGeom>
+          <a:solidFill>
+            <a:schemeClr val="bg1"/>
+          </a:solidFill>
+          <a:ln w="12700">
+            <a:noFill/>
+            <a:miter lim="400000"/>
+          </a:ln>
+          <a:extLst>
+            <a:ext uri="{C572A759-6A51-4108-AA02-DFA0A04FC94B}">
+              <ma14:wrappingTextBoxFlag xmlns="" xmlns:ma14="http://schemas.microsoft.com/office/mac/drawingml/2011/main" val="1"/>
+            </a:ext>
+          </a:extLst>
+        </p:spPr>
+        <p:txBody>
+          <a:bodyPr rtlCol="0" anchor="ctr"/>
+          <a:lstStyle/>
+          <a:p>
+            <a:pPr algn="ctr"/>
+            <a:endParaRPr kumimoji="1" lang="ja-JP" altLang="en-US"/>
+          </a:p>
+        </p:txBody>
+      </p:sp>
+      <p:sp>
+        <p:nvSpPr>
+          <p:cNvPr id="5" name="平行四辺形 4">
+            <a:extLst>
+              <a:ext uri="{FF2B5EF4-FFF2-40B4-BE49-F238E27FC236}">
+                <a16:creationId xmlns:a16="http://schemas.microsoft.com/office/drawing/2014/main" id="{71354601-FEC4-1C68-1105-FF4E5A37F197}"/>
+              </a:ext>
+            </a:extLst>
+          </p:cNvPr>
+          <p:cNvSpPr/>
+          <p:nvPr/>
+        </p:nvSpPr>
+        <p:spPr>
+          <a:xfrm flipV="1">
+            <a:off x="3264510" y="3205424"/>
+            <a:ext cx="3668852" cy="2405312"/>
+          </a:xfrm>
+          <a:prstGeom prst="parallelogram">
+            <a:avLst>
+              <a:gd name="adj" fmla="val 97678"/>
+            </a:avLst>
+          </a:prstGeom>
+          <a:solidFill>
+            <a:schemeClr val="bg1"/>
+          </a:solidFill>
+          <a:ln w="12700">
+            <a:noFill/>
+            <a:miter lim="400000"/>
+          </a:ln>
+          <a:extLst>
+            <a:ext uri="{C572A759-6A51-4108-AA02-DFA0A04FC94B}">
+              <ma14:wrappingTextBoxFlag xmlns="" xmlns:ma14="http://schemas.microsoft.com/office/mac/drawingml/2011/main" val="1"/>
+            </a:ext>
+          </a:extLst>
+        </p:spPr>
+        <p:txBody>
+          <a:bodyPr rtlCol="0" anchor="ctr"/>
+          <a:lstStyle/>
+          <a:p>
+            <a:pPr algn="ctr"/>
+            <a:endParaRPr kumimoji="1" lang="ja-JP" altLang="en-US"/>
+          </a:p>
+        </p:txBody>
+      </p:sp>
+      <p:pic>
+        <p:nvPicPr>
+          <p:cNvPr id="9" name="図 8">
+            <a:extLst>
+              <a:ext uri="{FF2B5EF4-FFF2-40B4-BE49-F238E27FC236}">
+                <a16:creationId xmlns:a16="http://schemas.microsoft.com/office/drawing/2014/main" id="{92D026F4-FBE3-3095-FAA2-07DCBC3670B3}"/>
+              </a:ext>
+            </a:extLst>
+          </p:cNvPr>
+          <p:cNvPicPr>
+            <a:picLocks noChangeAspect="1"/>
+          </p:cNvPicPr>
+          <p:nvPr/>
+        </p:nvPicPr>
+        <p:blipFill>
+          <a:blip r:embed="rId2">
+            <a:extLst>
+              <a:ext uri="{28A0092B-C50C-407E-A947-70E740481C1C}">
+                <a14:useLocalDpi xmlns:a14="http://schemas.microsoft.com/office/drawing/2010/main" val="0"/>
+              </a:ext>
+            </a:extLst>
+          </a:blip>
+          <a:stretch>
+            <a:fillRect/>
+          </a:stretch>
+        </p:blipFill>
+        <p:spPr>
+          <a:xfrm>
+            <a:off x="8879722" y="-918251"/>
+            <a:ext cx="3312278" cy="3312278"/>
+          </a:xfrm>
+          <a:prstGeom prst="rect">
+            <a:avLst/>
+          </a:prstGeom>
+        </p:spPr>
+      </p:pic>
+      <p:sp>
+        <p:nvSpPr>
+          <p:cNvPr id="10" name="正方形/長方形 9">
+            <a:extLst>
+              <a:ext uri="{FF2B5EF4-FFF2-40B4-BE49-F238E27FC236}">
+                <a16:creationId xmlns:a16="http://schemas.microsoft.com/office/drawing/2014/main" id="{00413F8A-FFFA-86C4-76C5-6C3461EB338E}"/>
+              </a:ext>
+            </a:extLst>
+          </p:cNvPr>
+          <p:cNvSpPr/>
+          <p:nvPr/>
+        </p:nvSpPr>
+        <p:spPr>
+          <a:xfrm>
+            <a:off x="8906473" y="1654761"/>
+            <a:ext cx="641279" cy="5124025"/>
+          </a:xfrm>
+          <a:prstGeom prst="rect">
+            <a:avLst/>
+          </a:prstGeom>
+          <a:solidFill>
+            <a:schemeClr val="bg1">
+              <a:lumMod val="95000"/>
+            </a:schemeClr>
+          </a:solidFill>
+          <a:ln w="12700">
+            <a:noFill/>
+            <a:miter lim="400000"/>
+          </a:ln>
+          <a:extLst>
+            <a:ext uri="{C572A759-6A51-4108-AA02-DFA0A04FC94B}">
+              <ma14:wrappingTextBoxFlag xmlns="" xmlns:ma14="http://schemas.microsoft.com/office/mac/drawingml/2011/main" val="1"/>
+            </a:ext>
+          </a:extLst>
+        </p:spPr>
+        <p:txBody>
+          <a:bodyPr rtlCol="0" anchor="ctr"/>
+          <a:lstStyle/>
+          <a:p>
+            <a:pPr algn="ctr"/>
+            <a:endParaRPr kumimoji="1" lang="ja-JP" altLang="en-US"/>
+          </a:p>
+        </p:txBody>
+      </p:sp>
+    </p:spTree>
+    <p:extLst>
+      <p:ext uri="{BB962C8B-B14F-4D97-AF65-F5344CB8AC3E}">
+        <p14:creationId xmlns:p14="http://schemas.microsoft.com/office/powerpoint/2010/main" val="338212432"/>
+      </p:ext>
+    </p:extLst>
+  </p:cSld>
+  <p:clrMapOvr>
+    <a:masterClrMapping/>
+  </p:clrMapOvr>
+</p:sld>
+</file>
+
+<file path=ppt/slides/slide15.xml><?xml version="1.0" encoding="utf-8"?>
+<p:sld xmlns:a="http://schemas.openxmlformats.org/drawingml/2006/main" xmlns:r="http://schemas.openxmlformats.org/officeDocument/2006/relationships" xmlns:p="http://schemas.openxmlformats.org/presentationml/2006/main">
+  <p:cSld>
+    <p:spTree>
+      <p:nvGrpSpPr>
+        <p:cNvPr id="1" name=""/>
+        <p:cNvGrpSpPr/>
+        <p:nvPr/>
+      </p:nvGrpSpPr>
+      <p:grpSpPr>
+        <a:xfrm>
+          <a:off x="0" y="0"/>
+          <a:ext cx="0" cy="0"/>
+          <a:chOff x="0" y="0"/>
+          <a:chExt cx="0" cy="0"/>
+        </a:xfrm>
+      </p:grpSpPr>
+      <p:sp>
+        <p:nvSpPr>
+          <p:cNvPr id="17" name="円/楕円 16">
+            <a:extLst>
+              <a:ext uri="{FF2B5EF4-FFF2-40B4-BE49-F238E27FC236}">
+                <a16:creationId xmlns:a16="http://schemas.microsoft.com/office/drawing/2014/main" id="{5B7E9BC7-E1B5-80B6-63D0-4BEC40733C34}"/>
+              </a:ext>
+            </a:extLst>
+          </p:cNvPr>
+          <p:cNvSpPr>
+            <a:spLocks noChangeAspect="1"/>
+          </p:cNvSpPr>
+          <p:nvPr/>
+        </p:nvSpPr>
+        <p:spPr>
+          <a:xfrm>
+            <a:off x="1371788" y="130725"/>
+            <a:ext cx="6596551" cy="6596551"/>
+          </a:xfrm>
+          <a:prstGeom prst="ellipse">
+            <a:avLst/>
+          </a:prstGeom>
+          <a:solidFill>
+            <a:srgbClr val="209CEE"/>
+          </a:solidFill>
+          <a:ln w="12700">
+            <a:noFill/>
+            <a:miter lim="400000"/>
+          </a:ln>
+          <a:extLst>
+            <a:ext uri="{C572A759-6A51-4108-AA02-DFA0A04FC94B}">
+              <ma14:wrappingTextBoxFlag xmlns="" xmlns:ma14="http://schemas.microsoft.com/office/mac/drawingml/2011/main" val="1"/>
+            </a:ext>
+          </a:extLst>
+        </p:spPr>
+        <p:txBody>
+          <a:bodyPr rtlCol="0" anchor="ctr"/>
+          <a:lstStyle/>
+          <a:p>
+            <a:pPr algn="ctr"/>
+            <a:endParaRPr kumimoji="1" lang="ja-JP" altLang="en-US" sz="2000">
+              <a:latin typeface="Plantagenet Cherokee" panose="02020000000000000000" pitchFamily="18" charset="-79"/>
+              <a:cs typeface="Plantagenet Cherokee" panose="02020000000000000000" pitchFamily="18" charset="-79"/>
+            </a:endParaRPr>
+          </a:p>
+        </p:txBody>
+      </p:sp>
+      <p:sp>
+        <p:nvSpPr>
+          <p:cNvPr id="2" name="正方形/長方形 1">
+            <a:extLst>
+              <a:ext uri="{FF2B5EF4-FFF2-40B4-BE49-F238E27FC236}">
+                <a16:creationId xmlns:a16="http://schemas.microsoft.com/office/drawing/2014/main" id="{10E74CC0-DF2F-AF6D-B4D6-A55E1EEDCB12}"/>
+              </a:ext>
+            </a:extLst>
+          </p:cNvPr>
+          <p:cNvSpPr>
+            <a:spLocks noChangeAspect="1"/>
+          </p:cNvSpPr>
+          <p:nvPr/>
+        </p:nvSpPr>
+        <p:spPr>
+          <a:xfrm>
+            <a:off x="2783401" y="1247263"/>
+            <a:ext cx="992370" cy="4363475"/>
+          </a:xfrm>
+          <a:prstGeom prst="rect">
+            <a:avLst/>
+          </a:prstGeom>
+          <a:solidFill>
+            <a:schemeClr val="bg1"/>
+          </a:solidFill>
+          <a:ln w="12700">
+            <a:noFill/>
+            <a:miter lim="400000"/>
+          </a:ln>
+          <a:extLst>
+            <a:ext uri="{C572A759-6A51-4108-AA02-DFA0A04FC94B}">
+              <ma14:wrappingTextBoxFlag xmlns="" xmlns:ma14="http://schemas.microsoft.com/office/mac/drawingml/2011/main" val="1"/>
+            </a:ext>
+          </a:extLst>
+        </p:spPr>
+        <p:txBody>
+          <a:bodyPr rtlCol="0" anchor="ctr"/>
+          <a:lstStyle/>
+          <a:p>
+            <a:pPr algn="ctr"/>
+            <a:endParaRPr kumimoji="1" lang="ja-JP" altLang="en-US" sz="2000">
+              <a:latin typeface="Plantagenet Cherokee" panose="02020000000000000000" pitchFamily="18" charset="-79"/>
+              <a:cs typeface="Plantagenet Cherokee" panose="02020000000000000000" pitchFamily="18" charset="-79"/>
+            </a:endParaRPr>
+          </a:p>
+        </p:txBody>
+      </p:sp>
+      <p:sp>
+        <p:nvSpPr>
+          <p:cNvPr id="4" name="平行四辺形 3">
+            <a:extLst>
+              <a:ext uri="{FF2B5EF4-FFF2-40B4-BE49-F238E27FC236}">
+                <a16:creationId xmlns:a16="http://schemas.microsoft.com/office/drawing/2014/main" id="{FA33888D-86F2-D809-EE8B-63E2CFC0D93E}"/>
+              </a:ext>
+            </a:extLst>
+          </p:cNvPr>
+          <p:cNvSpPr/>
+          <p:nvPr/>
+        </p:nvSpPr>
+        <p:spPr>
+          <a:xfrm>
+            <a:off x="3414028" y="1247262"/>
+            <a:ext cx="3318367" cy="2054909"/>
+          </a:xfrm>
+          <a:prstGeom prst="parallelogram">
+            <a:avLst>
+              <a:gd name="adj" fmla="val 102837"/>
+            </a:avLst>
+          </a:prstGeom>
+          <a:solidFill>
+            <a:schemeClr val="bg1"/>
+          </a:solidFill>
+          <a:ln w="12700">
+            <a:noFill/>
+            <a:miter lim="400000"/>
+          </a:ln>
+          <a:extLst>
+            <a:ext uri="{C572A759-6A51-4108-AA02-DFA0A04FC94B}">
+              <ma14:wrappingTextBoxFlag xmlns="" xmlns:ma14="http://schemas.microsoft.com/office/mac/drawingml/2011/main" val="1"/>
+            </a:ext>
+          </a:extLst>
+        </p:spPr>
+        <p:txBody>
+          <a:bodyPr rtlCol="0" anchor="ctr"/>
+          <a:lstStyle/>
+          <a:p>
+            <a:pPr algn="ctr"/>
+            <a:endParaRPr kumimoji="1" lang="ja-JP" altLang="en-US"/>
+          </a:p>
+        </p:txBody>
+      </p:sp>
+      <p:sp>
+        <p:nvSpPr>
+          <p:cNvPr id="5" name="平行四辺形 4">
+            <a:extLst>
+              <a:ext uri="{FF2B5EF4-FFF2-40B4-BE49-F238E27FC236}">
+                <a16:creationId xmlns:a16="http://schemas.microsoft.com/office/drawing/2014/main" id="{71354601-FEC4-1C68-1105-FF4E5A37F197}"/>
+              </a:ext>
+            </a:extLst>
+          </p:cNvPr>
+          <p:cNvSpPr/>
+          <p:nvPr/>
+        </p:nvSpPr>
+        <p:spPr>
+          <a:xfrm flipV="1">
+            <a:off x="3234366" y="3205424"/>
+            <a:ext cx="3668852" cy="2405312"/>
+          </a:xfrm>
+          <a:prstGeom prst="parallelogram">
+            <a:avLst>
+              <a:gd name="adj" fmla="val 97260"/>
+            </a:avLst>
+          </a:prstGeom>
+          <a:solidFill>
+            <a:schemeClr val="bg1"/>
+          </a:solidFill>
+          <a:ln w="12700">
+            <a:noFill/>
+            <a:miter lim="400000"/>
+          </a:ln>
+          <a:extLst>
+            <a:ext uri="{C572A759-6A51-4108-AA02-DFA0A04FC94B}">
+              <ma14:wrappingTextBoxFlag xmlns="" xmlns:ma14="http://schemas.microsoft.com/office/mac/drawingml/2011/main" val="1"/>
+            </a:ext>
+          </a:extLst>
+        </p:spPr>
+        <p:txBody>
+          <a:bodyPr rtlCol="0" anchor="ctr"/>
+          <a:lstStyle/>
+          <a:p>
+            <a:pPr algn="ctr"/>
+            <a:endParaRPr kumimoji="1" lang="ja-JP" altLang="en-US"/>
+          </a:p>
+        </p:txBody>
+      </p:sp>
+      <p:pic>
+        <p:nvPicPr>
+          <p:cNvPr id="9" name="図 8">
+            <a:extLst>
+              <a:ext uri="{FF2B5EF4-FFF2-40B4-BE49-F238E27FC236}">
+                <a16:creationId xmlns:a16="http://schemas.microsoft.com/office/drawing/2014/main" id="{92D026F4-FBE3-3095-FAA2-07DCBC3670B3}"/>
+              </a:ext>
+            </a:extLst>
+          </p:cNvPr>
+          <p:cNvPicPr>
+            <a:picLocks noChangeAspect="1"/>
+          </p:cNvPicPr>
+          <p:nvPr/>
+        </p:nvPicPr>
+        <p:blipFill>
+          <a:blip r:embed="rId2">
+            <a:extLst>
+              <a:ext uri="{28A0092B-C50C-407E-A947-70E740481C1C}">
+                <a14:useLocalDpi xmlns:a14="http://schemas.microsoft.com/office/drawing/2010/main" val="0"/>
+              </a:ext>
+            </a:extLst>
+          </a:blip>
+          <a:stretch>
+            <a:fillRect/>
+          </a:stretch>
+        </p:blipFill>
+        <p:spPr>
+          <a:xfrm>
+            <a:off x="8879722" y="-918251"/>
+            <a:ext cx="3312278" cy="3312278"/>
+          </a:xfrm>
+          <a:prstGeom prst="rect">
+            <a:avLst/>
+          </a:prstGeom>
+        </p:spPr>
+      </p:pic>
+      <p:sp>
+        <p:nvSpPr>
+          <p:cNvPr id="10" name="正方形/長方形 9">
+            <a:extLst>
+              <a:ext uri="{FF2B5EF4-FFF2-40B4-BE49-F238E27FC236}">
+                <a16:creationId xmlns:a16="http://schemas.microsoft.com/office/drawing/2014/main" id="{00413F8A-FFFA-86C4-76C5-6C3461EB338E}"/>
+              </a:ext>
+            </a:extLst>
+          </p:cNvPr>
+          <p:cNvSpPr/>
+          <p:nvPr/>
+        </p:nvSpPr>
+        <p:spPr>
+          <a:xfrm>
+            <a:off x="9206399" y="1603251"/>
+            <a:ext cx="641279" cy="5124025"/>
+          </a:xfrm>
+          <a:prstGeom prst="rect">
+            <a:avLst/>
+          </a:prstGeom>
+          <a:solidFill>
+            <a:schemeClr val="bg1">
+              <a:lumMod val="95000"/>
+            </a:schemeClr>
+          </a:solidFill>
+          <a:ln w="12700">
+            <a:noFill/>
+            <a:miter lim="400000"/>
+          </a:ln>
+          <a:extLst>
+            <a:ext uri="{C572A759-6A51-4108-AA02-DFA0A04FC94B}">
+              <ma14:wrappingTextBoxFlag xmlns="" xmlns:ma14="http://schemas.microsoft.com/office/mac/drawingml/2011/main" val="1"/>
+            </a:ext>
+          </a:extLst>
+        </p:spPr>
+        <p:txBody>
+          <a:bodyPr rtlCol="0" anchor="ctr"/>
+          <a:lstStyle/>
+          <a:p>
+            <a:pPr algn="ctr"/>
+            <a:endParaRPr kumimoji="1" lang="ja-JP" altLang="en-US"/>
+          </a:p>
+        </p:txBody>
+      </p:sp>
+    </p:spTree>
+    <p:extLst>
+      <p:ext uri="{BB962C8B-B14F-4D97-AF65-F5344CB8AC3E}">
+        <p14:creationId xmlns:p14="http://schemas.microsoft.com/office/powerpoint/2010/main" val="894074049"/>
+      </p:ext>
+    </p:extLst>
+  </p:cSld>
+  <p:clrMapOvr>
+    <a:masterClrMapping/>
+  </p:clrMapOvr>
+</p:sld>
+</file>
+
+<file path=ppt/slides/slide16.xml><?xml version="1.0" encoding="utf-8"?>
+<p:sld xmlns:a="http://schemas.openxmlformats.org/drawingml/2006/main" xmlns:r="http://schemas.openxmlformats.org/officeDocument/2006/relationships" xmlns:p="http://schemas.openxmlformats.org/presentationml/2006/main">
+  <p:cSld>
+    <p:spTree>
+      <p:nvGrpSpPr>
+        <p:cNvPr id="1" name=""/>
+        <p:cNvGrpSpPr/>
+        <p:nvPr/>
+      </p:nvGrpSpPr>
+      <p:grpSpPr>
+        <a:xfrm>
+          <a:off x="0" y="0"/>
+          <a:ext cx="0" cy="0"/>
+          <a:chOff x="0" y="0"/>
+          <a:chExt cx="0" cy="0"/>
+        </a:xfrm>
+      </p:grpSpPr>
+      <p:sp>
+        <p:nvSpPr>
+          <p:cNvPr id="17" name="円/楕円 16">
+            <a:extLst>
+              <a:ext uri="{FF2B5EF4-FFF2-40B4-BE49-F238E27FC236}">
+                <a16:creationId xmlns:a16="http://schemas.microsoft.com/office/drawing/2014/main" id="{5B7E9BC7-E1B5-80B6-63D0-4BEC40733C34}"/>
+              </a:ext>
+            </a:extLst>
+          </p:cNvPr>
+          <p:cNvSpPr>
+            <a:spLocks noChangeAspect="1"/>
+          </p:cNvSpPr>
+          <p:nvPr/>
+        </p:nvSpPr>
+        <p:spPr>
+          <a:xfrm>
+            <a:off x="1221066" y="140773"/>
+            <a:ext cx="6305149" cy="6305149"/>
+          </a:xfrm>
+          <a:prstGeom prst="ellipse">
+            <a:avLst/>
+          </a:prstGeom>
+          <a:solidFill>
+            <a:srgbClr val="209CEE"/>
+          </a:solidFill>
+          <a:ln w="12700">
+            <a:noFill/>
+            <a:miter lim="400000"/>
+          </a:ln>
+          <a:extLst>
+            <a:ext uri="{C572A759-6A51-4108-AA02-DFA0A04FC94B}">
+              <ma14:wrappingTextBoxFlag xmlns="" xmlns:ma14="http://schemas.microsoft.com/office/mac/drawingml/2011/main" val="1"/>
+            </a:ext>
+          </a:extLst>
+        </p:spPr>
+        <p:txBody>
+          <a:bodyPr rtlCol="0" anchor="ctr"/>
+          <a:lstStyle/>
+          <a:p>
+            <a:pPr algn="ctr"/>
+            <a:endParaRPr kumimoji="1" lang="ja-JP" altLang="en-US" sz="2000">
+              <a:latin typeface="Plantagenet Cherokee" panose="02020000000000000000" pitchFamily="18" charset="-79"/>
+              <a:cs typeface="Plantagenet Cherokee" panose="02020000000000000000" pitchFamily="18" charset="-79"/>
+            </a:endParaRPr>
+          </a:p>
+        </p:txBody>
+      </p:sp>
+      <p:sp>
+        <p:nvSpPr>
+          <p:cNvPr id="2" name="正方形/長方形 1">
+            <a:extLst>
+              <a:ext uri="{FF2B5EF4-FFF2-40B4-BE49-F238E27FC236}">
+                <a16:creationId xmlns:a16="http://schemas.microsoft.com/office/drawing/2014/main" id="{10E74CC0-DF2F-AF6D-B4D6-A55E1EEDCB12}"/>
+              </a:ext>
+            </a:extLst>
+          </p:cNvPr>
+          <p:cNvSpPr>
+            <a:spLocks noChangeAspect="1"/>
+          </p:cNvSpPr>
+          <p:nvPr/>
+        </p:nvSpPr>
+        <p:spPr>
+          <a:xfrm>
+            <a:off x="2733156" y="1516159"/>
+            <a:ext cx="812988" cy="3383378"/>
+          </a:xfrm>
+          <a:prstGeom prst="rect">
+            <a:avLst/>
+          </a:prstGeom>
+          <a:solidFill>
+            <a:schemeClr val="bg1"/>
+          </a:solidFill>
+          <a:ln w="12700">
+            <a:noFill/>
+            <a:miter lim="400000"/>
+          </a:ln>
+          <a:extLst>
+            <a:ext uri="{C572A759-6A51-4108-AA02-DFA0A04FC94B}">
+              <ma14:wrappingTextBoxFlag xmlns="" xmlns:ma14="http://schemas.microsoft.com/office/mac/drawingml/2011/main" val="1"/>
+            </a:ext>
+          </a:extLst>
+        </p:spPr>
+        <p:txBody>
+          <a:bodyPr rtlCol="0" anchor="ctr"/>
+          <a:lstStyle/>
+          <a:p>
+            <a:pPr algn="ctr"/>
+            <a:endParaRPr kumimoji="1" lang="ja-JP" altLang="en-US" sz="2000">
+              <a:latin typeface="Plantagenet Cherokee" panose="02020000000000000000" pitchFamily="18" charset="-79"/>
+              <a:cs typeface="Plantagenet Cherokee" panose="02020000000000000000" pitchFamily="18" charset="-79"/>
+            </a:endParaRPr>
+          </a:p>
+        </p:txBody>
+      </p:sp>
+      <p:sp>
+        <p:nvSpPr>
+          <p:cNvPr id="4" name="平行四辺形 3">
+            <a:extLst>
+              <a:ext uri="{FF2B5EF4-FFF2-40B4-BE49-F238E27FC236}">
+                <a16:creationId xmlns:a16="http://schemas.microsoft.com/office/drawing/2014/main" id="{FA33888D-86F2-D809-EE8B-63E2CFC0D93E}"/>
+              </a:ext>
+            </a:extLst>
+          </p:cNvPr>
+          <p:cNvSpPr/>
+          <p:nvPr/>
+        </p:nvSpPr>
+        <p:spPr>
+          <a:xfrm>
+            <a:off x="3534605" y="1516159"/>
+            <a:ext cx="2718534" cy="1634786"/>
+          </a:xfrm>
+          <a:prstGeom prst="parallelogram">
+            <a:avLst>
+              <a:gd name="adj" fmla="val 101114"/>
+            </a:avLst>
+          </a:prstGeom>
+          <a:solidFill>
+            <a:schemeClr val="bg1"/>
+          </a:solidFill>
+          <a:ln w="12700">
+            <a:noFill/>
+            <a:miter lim="400000"/>
+          </a:ln>
+          <a:extLst>
+            <a:ext uri="{C572A759-6A51-4108-AA02-DFA0A04FC94B}">
+              <ma14:wrappingTextBoxFlag xmlns="" xmlns:ma14="http://schemas.microsoft.com/office/mac/drawingml/2011/main" val="1"/>
+            </a:ext>
+          </a:extLst>
+        </p:spPr>
+        <p:txBody>
+          <a:bodyPr rtlCol="0" anchor="ctr"/>
+          <a:lstStyle/>
+          <a:p>
+            <a:pPr algn="ctr"/>
+            <a:endParaRPr kumimoji="1" lang="ja-JP" altLang="en-US"/>
+          </a:p>
+        </p:txBody>
+      </p:sp>
+      <p:sp>
+        <p:nvSpPr>
+          <p:cNvPr id="10" name="正方形/長方形 9">
+            <a:extLst>
+              <a:ext uri="{FF2B5EF4-FFF2-40B4-BE49-F238E27FC236}">
+                <a16:creationId xmlns:a16="http://schemas.microsoft.com/office/drawing/2014/main" id="{00413F8A-FFFA-86C4-76C5-6C3461EB338E}"/>
+              </a:ext>
+            </a:extLst>
+          </p:cNvPr>
+          <p:cNvSpPr/>
+          <p:nvPr/>
+        </p:nvSpPr>
+        <p:spPr>
+          <a:xfrm>
+            <a:off x="11011129" y="1311849"/>
+            <a:ext cx="641279" cy="5124025"/>
+          </a:xfrm>
+          <a:prstGeom prst="rect">
+            <a:avLst/>
+          </a:prstGeom>
+          <a:solidFill>
+            <a:schemeClr val="bg1">
+              <a:lumMod val="95000"/>
+            </a:schemeClr>
+          </a:solidFill>
+          <a:ln w="12700">
+            <a:noFill/>
+            <a:miter lim="400000"/>
+          </a:ln>
+          <a:extLst>
+            <a:ext uri="{C572A759-6A51-4108-AA02-DFA0A04FC94B}">
+              <ma14:wrappingTextBoxFlag xmlns="" xmlns:ma14="http://schemas.microsoft.com/office/mac/drawingml/2011/main" val="1"/>
+            </a:ext>
+          </a:extLst>
+        </p:spPr>
+        <p:txBody>
+          <a:bodyPr rtlCol="0" anchor="ctr"/>
+          <a:lstStyle/>
+          <a:p>
+            <a:pPr algn="ctr"/>
+            <a:endParaRPr kumimoji="1" lang="ja-JP" altLang="en-US"/>
+          </a:p>
+        </p:txBody>
+      </p:sp>
+      <p:sp>
+        <p:nvSpPr>
+          <p:cNvPr id="3" name="平行四辺形 2">
+            <a:extLst>
+              <a:ext uri="{FF2B5EF4-FFF2-40B4-BE49-F238E27FC236}">
+                <a16:creationId xmlns:a16="http://schemas.microsoft.com/office/drawing/2014/main" id="{7A5DA42C-8085-AE58-45BF-292430BA7453}"/>
+              </a:ext>
+            </a:extLst>
+          </p:cNvPr>
+          <p:cNvSpPr/>
+          <p:nvPr/>
+        </p:nvSpPr>
+        <p:spPr>
+          <a:xfrm flipV="1">
+            <a:off x="3534605" y="3264751"/>
+            <a:ext cx="2718534" cy="1634786"/>
+          </a:xfrm>
+          <a:prstGeom prst="parallelogram">
+            <a:avLst>
+              <a:gd name="adj" fmla="val 101114"/>
+            </a:avLst>
+          </a:prstGeom>
+          <a:solidFill>
+            <a:schemeClr val="bg1"/>
+          </a:solidFill>
+          <a:ln w="12700">
+            <a:noFill/>
+            <a:miter lim="400000"/>
+          </a:ln>
+          <a:extLst>
+            <a:ext uri="{C572A759-6A51-4108-AA02-DFA0A04FC94B}">
+              <ma14:wrappingTextBoxFlag xmlns="" xmlns:ma14="http://schemas.microsoft.com/office/mac/drawingml/2011/main" val="1"/>
+            </a:ext>
+          </a:extLst>
+        </p:spPr>
+        <p:txBody>
+          <a:bodyPr rtlCol="0" anchor="ctr"/>
+          <a:lstStyle/>
+          <a:p>
+            <a:pPr algn="ctr"/>
+            <a:endParaRPr kumimoji="1" lang="ja-JP" altLang="en-US"/>
+          </a:p>
+        </p:txBody>
+      </p:sp>
+    </p:spTree>
+    <p:extLst>
+      <p:ext uri="{BB962C8B-B14F-4D97-AF65-F5344CB8AC3E}">
+        <p14:creationId xmlns:p14="http://schemas.microsoft.com/office/powerpoint/2010/main" val="4071081763"/>
+      </p:ext>
+    </p:extLst>
+  </p:cSld>
+  <p:clrMapOvr>
+    <a:masterClrMapping/>
+  </p:clrMapOvr>
+</p:sld>
+</file>
+
+<file path=ppt/slides/slide17.xml><?xml version="1.0" encoding="utf-8"?>
+<p:sld xmlns:a="http://schemas.openxmlformats.org/drawingml/2006/main" xmlns:r="http://schemas.openxmlformats.org/officeDocument/2006/relationships" xmlns:p="http://schemas.openxmlformats.org/presentationml/2006/main">
+  <p:cSld>
+    <p:spTree>
+      <p:nvGrpSpPr>
+        <p:cNvPr id="1" name=""/>
+        <p:cNvGrpSpPr/>
+        <p:nvPr/>
+      </p:nvGrpSpPr>
+      <p:grpSpPr>
+        <a:xfrm>
+          <a:off x="0" y="0"/>
+          <a:ext cx="0" cy="0"/>
+          <a:chOff x="0" y="0"/>
+          <a:chExt cx="0" cy="0"/>
+        </a:xfrm>
+      </p:grpSpPr>
+      <p:sp>
+        <p:nvSpPr>
+          <p:cNvPr id="17" name="円/楕円 16">
+            <a:extLst>
+              <a:ext uri="{FF2B5EF4-FFF2-40B4-BE49-F238E27FC236}">
+                <a16:creationId xmlns:a16="http://schemas.microsoft.com/office/drawing/2014/main" id="{5B7E9BC7-E1B5-80B6-63D0-4BEC40733C34}"/>
+              </a:ext>
+            </a:extLst>
+          </p:cNvPr>
+          <p:cNvSpPr>
+            <a:spLocks noChangeAspect="1"/>
+          </p:cNvSpPr>
+          <p:nvPr/>
+        </p:nvSpPr>
+        <p:spPr>
+          <a:xfrm>
+            <a:off x="1180871" y="130725"/>
+            <a:ext cx="6596551" cy="6596551"/>
+          </a:xfrm>
+          <a:prstGeom prst="ellipse">
+            <a:avLst/>
+          </a:prstGeom>
+          <a:solidFill>
+            <a:srgbClr val="209CEE"/>
+          </a:solidFill>
+          <a:ln w="12700">
+            <a:noFill/>
+            <a:miter lim="400000"/>
+          </a:ln>
+          <a:extLst>
+            <a:ext uri="{C572A759-6A51-4108-AA02-DFA0A04FC94B}">
+              <ma14:wrappingTextBoxFlag xmlns="" xmlns:ma14="http://schemas.microsoft.com/office/mac/drawingml/2011/main" val="1"/>
+            </a:ext>
+          </a:extLst>
+        </p:spPr>
+        <p:txBody>
+          <a:bodyPr rtlCol="0" anchor="ctr"/>
+          <a:lstStyle/>
+          <a:p>
+            <a:pPr algn="ctr"/>
+            <a:endParaRPr kumimoji="1" lang="ja-JP" altLang="en-US" sz="2000">
+              <a:latin typeface="Plantagenet Cherokee" panose="02020000000000000000" pitchFamily="18" charset="-79"/>
+              <a:cs typeface="Plantagenet Cherokee" panose="02020000000000000000" pitchFamily="18" charset="-79"/>
+            </a:endParaRPr>
+          </a:p>
+        </p:txBody>
+      </p:sp>
+      <p:sp>
+        <p:nvSpPr>
+          <p:cNvPr id="2" name="正方形/長方形 1">
+            <a:extLst>
+              <a:ext uri="{FF2B5EF4-FFF2-40B4-BE49-F238E27FC236}">
+                <a16:creationId xmlns:a16="http://schemas.microsoft.com/office/drawing/2014/main" id="{10E74CC0-DF2F-AF6D-B4D6-A55E1EEDCB12}"/>
+              </a:ext>
+            </a:extLst>
+          </p:cNvPr>
+          <p:cNvSpPr>
+            <a:spLocks noChangeAspect="1"/>
+          </p:cNvSpPr>
+          <p:nvPr/>
+        </p:nvSpPr>
+        <p:spPr>
+          <a:xfrm>
+            <a:off x="2682914" y="1516156"/>
+            <a:ext cx="870063" cy="3825688"/>
+          </a:xfrm>
+          <a:prstGeom prst="rect">
+            <a:avLst/>
+          </a:prstGeom>
+          <a:solidFill>
+            <a:schemeClr val="bg1"/>
+          </a:solidFill>
+          <a:ln w="12700">
+            <a:noFill/>
+            <a:miter lim="400000"/>
+          </a:ln>
+          <a:extLst>
+            <a:ext uri="{C572A759-6A51-4108-AA02-DFA0A04FC94B}">
+              <ma14:wrappingTextBoxFlag xmlns="" xmlns:ma14="http://schemas.microsoft.com/office/mac/drawingml/2011/main" val="1"/>
+            </a:ext>
+          </a:extLst>
+        </p:spPr>
+        <p:txBody>
+          <a:bodyPr rtlCol="0" anchor="ctr"/>
+          <a:lstStyle/>
+          <a:p>
+            <a:pPr algn="ctr"/>
+            <a:endParaRPr kumimoji="1" lang="ja-JP" altLang="en-US" sz="2000">
+              <a:latin typeface="Plantagenet Cherokee" panose="02020000000000000000" pitchFamily="18" charset="-79"/>
+              <a:cs typeface="Plantagenet Cherokee" panose="02020000000000000000" pitchFamily="18" charset="-79"/>
+            </a:endParaRPr>
+          </a:p>
+        </p:txBody>
+      </p:sp>
+      <p:sp>
+        <p:nvSpPr>
+          <p:cNvPr id="4" name="平行四辺形 3">
+            <a:extLst>
+              <a:ext uri="{FF2B5EF4-FFF2-40B4-BE49-F238E27FC236}">
+                <a16:creationId xmlns:a16="http://schemas.microsoft.com/office/drawing/2014/main" id="{FA33888D-86F2-D809-EE8B-63E2CFC0D93E}"/>
+              </a:ext>
+            </a:extLst>
+          </p:cNvPr>
+          <p:cNvSpPr/>
+          <p:nvPr/>
+        </p:nvSpPr>
+        <p:spPr>
+          <a:xfrm>
+            <a:off x="3524556" y="1516158"/>
+            <a:ext cx="2909387" cy="1749555"/>
+          </a:xfrm>
+          <a:prstGeom prst="parallelogram">
+            <a:avLst>
+              <a:gd name="adj" fmla="val 101114"/>
+            </a:avLst>
+          </a:prstGeom>
+          <a:solidFill>
+            <a:schemeClr val="bg1"/>
+          </a:solidFill>
+          <a:ln w="12700">
+            <a:noFill/>
+            <a:miter lim="400000"/>
+          </a:ln>
+          <a:extLst>
+            <a:ext uri="{C572A759-6A51-4108-AA02-DFA0A04FC94B}">
+              <ma14:wrappingTextBoxFlag xmlns="" xmlns:ma14="http://schemas.microsoft.com/office/mac/drawingml/2011/main" val="1"/>
+            </a:ext>
+          </a:extLst>
+        </p:spPr>
+        <p:txBody>
+          <a:bodyPr rtlCol="0" anchor="ctr"/>
+          <a:lstStyle/>
+          <a:p>
+            <a:pPr algn="ctr"/>
+            <a:endParaRPr kumimoji="1" lang="ja-JP" altLang="en-US"/>
+          </a:p>
+        </p:txBody>
+      </p:sp>
+      <p:sp>
+        <p:nvSpPr>
+          <p:cNvPr id="5" name="平行四辺形 4">
+            <a:extLst>
+              <a:ext uri="{FF2B5EF4-FFF2-40B4-BE49-F238E27FC236}">
+                <a16:creationId xmlns:a16="http://schemas.microsoft.com/office/drawing/2014/main" id="{71354601-FEC4-1C68-1105-FF4E5A37F197}"/>
+              </a:ext>
+            </a:extLst>
+          </p:cNvPr>
+          <p:cNvSpPr/>
+          <p:nvPr/>
+        </p:nvSpPr>
+        <p:spPr>
+          <a:xfrm flipV="1">
+            <a:off x="3435328" y="3356149"/>
+            <a:ext cx="3216676" cy="1979525"/>
+          </a:xfrm>
+          <a:prstGeom prst="parallelogram">
+            <a:avLst>
+              <a:gd name="adj" fmla="val 99798"/>
+            </a:avLst>
+          </a:prstGeom>
+          <a:solidFill>
+            <a:schemeClr val="bg1"/>
+          </a:solidFill>
+          <a:ln w="12700">
+            <a:noFill/>
+            <a:miter lim="400000"/>
+          </a:ln>
+          <a:extLst>
+            <a:ext uri="{C572A759-6A51-4108-AA02-DFA0A04FC94B}">
+              <ma14:wrappingTextBoxFlag xmlns="" xmlns:ma14="http://schemas.microsoft.com/office/mac/drawingml/2011/main" val="1"/>
+            </a:ext>
+          </a:extLst>
+        </p:spPr>
+        <p:txBody>
+          <a:bodyPr rtlCol="0" anchor="ctr"/>
+          <a:lstStyle/>
+          <a:p>
+            <a:pPr algn="ctr"/>
+            <a:endParaRPr kumimoji="1" lang="ja-JP" altLang="en-US"/>
+          </a:p>
+        </p:txBody>
+      </p:sp>
+      <p:pic>
+        <p:nvPicPr>
+          <p:cNvPr id="9" name="図 8">
+            <a:extLst>
+              <a:ext uri="{FF2B5EF4-FFF2-40B4-BE49-F238E27FC236}">
+                <a16:creationId xmlns:a16="http://schemas.microsoft.com/office/drawing/2014/main" id="{92D026F4-FBE3-3095-FAA2-07DCBC3670B3}"/>
+              </a:ext>
+            </a:extLst>
+          </p:cNvPr>
+          <p:cNvPicPr>
+            <a:picLocks noChangeAspect="1"/>
+          </p:cNvPicPr>
+          <p:nvPr/>
+        </p:nvPicPr>
+        <p:blipFill>
+          <a:blip r:embed="rId2">
+            <a:extLst>
+              <a:ext uri="{28A0092B-C50C-407E-A947-70E740481C1C}">
+                <a14:useLocalDpi xmlns:a14="http://schemas.microsoft.com/office/drawing/2010/main" val="0"/>
+              </a:ext>
+            </a:extLst>
+          </a:blip>
+          <a:stretch>
+            <a:fillRect/>
+          </a:stretch>
+        </p:blipFill>
+        <p:spPr>
+          <a:xfrm>
+            <a:off x="8879722" y="-918251"/>
+            <a:ext cx="3312278" cy="3312278"/>
+          </a:xfrm>
+          <a:prstGeom prst="rect">
+            <a:avLst/>
+          </a:prstGeom>
+        </p:spPr>
+      </p:pic>
+      <p:sp>
+        <p:nvSpPr>
+          <p:cNvPr id="10" name="正方形/長方形 9">
+            <a:extLst>
+              <a:ext uri="{FF2B5EF4-FFF2-40B4-BE49-F238E27FC236}">
+                <a16:creationId xmlns:a16="http://schemas.microsoft.com/office/drawing/2014/main" id="{00413F8A-FFFA-86C4-76C5-6C3461EB338E}"/>
+              </a:ext>
+            </a:extLst>
+          </p:cNvPr>
+          <p:cNvSpPr/>
+          <p:nvPr/>
+        </p:nvSpPr>
+        <p:spPr>
+          <a:xfrm>
+            <a:off x="9206399" y="1603251"/>
+            <a:ext cx="641279" cy="5124025"/>
+          </a:xfrm>
+          <a:prstGeom prst="rect">
+            <a:avLst/>
+          </a:prstGeom>
+          <a:solidFill>
+            <a:schemeClr val="bg1">
+              <a:lumMod val="95000"/>
+            </a:schemeClr>
+          </a:solidFill>
+          <a:ln w="12700">
+            <a:noFill/>
+            <a:miter lim="400000"/>
+          </a:ln>
+          <a:extLst>
+            <a:ext uri="{C572A759-6A51-4108-AA02-DFA0A04FC94B}">
+              <ma14:wrappingTextBoxFlag xmlns="" xmlns:ma14="http://schemas.microsoft.com/office/mac/drawingml/2011/main" val="1"/>
+            </a:ext>
+          </a:extLst>
+        </p:spPr>
+        <p:txBody>
+          <a:bodyPr rtlCol="0" anchor="ctr"/>
+          <a:lstStyle/>
+          <a:p>
+            <a:pPr algn="ctr"/>
+            <a:endParaRPr kumimoji="1" lang="ja-JP" altLang="en-US"/>
+          </a:p>
+        </p:txBody>
+      </p:sp>
+    </p:spTree>
+    <p:extLst>
+      <p:ext uri="{BB962C8B-B14F-4D97-AF65-F5344CB8AC3E}">
+        <p14:creationId xmlns:p14="http://schemas.microsoft.com/office/powerpoint/2010/main" val="413277465"/>
+      </p:ext>
+    </p:extLst>
+  </p:cSld>
+  <p:clrMapOvr>
+    <a:masterClrMapping/>
+  </p:clrMapOvr>
+</p:sld>
+</file>
+
+<file path=ppt/slides/slide18.xml><?xml version="1.0" encoding="utf-8"?>
+<p:sld xmlns:a="http://schemas.openxmlformats.org/drawingml/2006/main" xmlns:r="http://schemas.openxmlformats.org/officeDocument/2006/relationships" xmlns:p="http://schemas.openxmlformats.org/presentationml/2006/main">
+  <p:cSld>
+    <p:spTree>
+      <p:nvGrpSpPr>
+        <p:cNvPr id="1" name=""/>
+        <p:cNvGrpSpPr/>
+        <p:nvPr/>
+      </p:nvGrpSpPr>
+      <p:grpSpPr>
+        <a:xfrm>
+          <a:off x="0" y="0"/>
+          <a:ext cx="0" cy="0"/>
+          <a:chOff x="0" y="0"/>
+          <a:chExt cx="0" cy="0"/>
+        </a:xfrm>
+      </p:grpSpPr>
+      <p:sp>
+        <p:nvSpPr>
+          <p:cNvPr id="17" name="円/楕円 16">
+            <a:extLst>
+              <a:ext uri="{FF2B5EF4-FFF2-40B4-BE49-F238E27FC236}">
+                <a16:creationId xmlns:a16="http://schemas.microsoft.com/office/drawing/2014/main" id="{5B7E9BC7-E1B5-80B6-63D0-4BEC40733C34}"/>
+              </a:ext>
+            </a:extLst>
+          </p:cNvPr>
+          <p:cNvSpPr>
+            <a:spLocks noChangeAspect="1"/>
+          </p:cNvSpPr>
+          <p:nvPr/>
+        </p:nvSpPr>
+        <p:spPr>
+          <a:xfrm>
+            <a:off x="1271306" y="140773"/>
+            <a:ext cx="6305149" cy="6305149"/>
+          </a:xfrm>
+          <a:prstGeom prst="ellipse">
+            <a:avLst/>
+          </a:prstGeom>
+          <a:solidFill>
+            <a:srgbClr val="209CEE"/>
+          </a:solidFill>
+          <a:ln w="12700">
+            <a:noFill/>
+            <a:miter lim="400000"/>
+          </a:ln>
+          <a:extLst>
+            <a:ext uri="{C572A759-6A51-4108-AA02-DFA0A04FC94B}">
+              <ma14:wrappingTextBoxFlag xmlns="" xmlns:ma14="http://schemas.microsoft.com/office/mac/drawingml/2011/main" val="1"/>
+            </a:ext>
+          </a:extLst>
+        </p:spPr>
+        <p:txBody>
+          <a:bodyPr rtlCol="0" anchor="ctr"/>
+          <a:lstStyle/>
+          <a:p>
+            <a:pPr algn="ctr"/>
+            <a:endParaRPr kumimoji="1" lang="ja-JP" altLang="en-US" sz="2000">
+              <a:latin typeface="Plantagenet Cherokee" panose="02020000000000000000" pitchFamily="18" charset="-79"/>
+              <a:cs typeface="Plantagenet Cherokee" panose="02020000000000000000" pitchFamily="18" charset="-79"/>
+            </a:endParaRPr>
+          </a:p>
+        </p:txBody>
+      </p:sp>
+      <p:sp>
+        <p:nvSpPr>
+          <p:cNvPr id="2" name="正方形/長方形 1">
+            <a:extLst>
+              <a:ext uri="{FF2B5EF4-FFF2-40B4-BE49-F238E27FC236}">
+                <a16:creationId xmlns:a16="http://schemas.microsoft.com/office/drawing/2014/main" id="{10E74CC0-DF2F-AF6D-B4D6-A55E1EEDCB12}"/>
+              </a:ext>
+            </a:extLst>
+          </p:cNvPr>
+          <p:cNvSpPr>
+            <a:spLocks noChangeAspect="1"/>
+          </p:cNvSpPr>
+          <p:nvPr/>
+        </p:nvSpPr>
+        <p:spPr>
+          <a:xfrm>
+            <a:off x="2873829" y="1516156"/>
+            <a:ext cx="812988" cy="3574728"/>
+          </a:xfrm>
+          <a:prstGeom prst="rect">
+            <a:avLst/>
+          </a:prstGeom>
+          <a:solidFill>
+            <a:schemeClr val="bg1"/>
+          </a:solidFill>
+          <a:ln w="12700">
+            <a:noFill/>
+            <a:miter lim="400000"/>
+          </a:ln>
+          <a:extLst>
+            <a:ext uri="{C572A759-6A51-4108-AA02-DFA0A04FC94B}">
+              <ma14:wrappingTextBoxFlag xmlns="" xmlns:ma14="http://schemas.microsoft.com/office/mac/drawingml/2011/main" val="1"/>
+            </a:ext>
+          </a:extLst>
+        </p:spPr>
+        <p:txBody>
+          <a:bodyPr rtlCol="0" anchor="ctr"/>
+          <a:lstStyle/>
+          <a:p>
+            <a:pPr algn="ctr"/>
+            <a:endParaRPr kumimoji="1" lang="ja-JP" altLang="en-US" sz="2000">
+              <a:latin typeface="Plantagenet Cherokee" panose="02020000000000000000" pitchFamily="18" charset="-79"/>
+              <a:cs typeface="Plantagenet Cherokee" panose="02020000000000000000" pitchFamily="18" charset="-79"/>
+            </a:endParaRPr>
+          </a:p>
+        </p:txBody>
+      </p:sp>
+      <p:sp>
+        <p:nvSpPr>
+          <p:cNvPr id="4" name="平行四辺形 3">
+            <a:extLst>
+              <a:ext uri="{FF2B5EF4-FFF2-40B4-BE49-F238E27FC236}">
+                <a16:creationId xmlns:a16="http://schemas.microsoft.com/office/drawing/2014/main" id="{FA33888D-86F2-D809-EE8B-63E2CFC0D93E}"/>
+              </a:ext>
+            </a:extLst>
+          </p:cNvPr>
+          <p:cNvSpPr/>
+          <p:nvPr/>
+        </p:nvSpPr>
+        <p:spPr>
+          <a:xfrm>
+            <a:off x="3544653" y="1516159"/>
+            <a:ext cx="2718534" cy="1634786"/>
+          </a:xfrm>
+          <a:prstGeom prst="parallelogram">
+            <a:avLst>
+              <a:gd name="adj" fmla="val 101114"/>
+            </a:avLst>
+          </a:prstGeom>
+          <a:solidFill>
+            <a:schemeClr val="bg1"/>
+          </a:solidFill>
+          <a:ln w="12700">
+            <a:noFill/>
+            <a:miter lim="400000"/>
+          </a:ln>
+          <a:extLst>
+            <a:ext uri="{C572A759-6A51-4108-AA02-DFA0A04FC94B}">
+              <ma14:wrappingTextBoxFlag xmlns="" xmlns:ma14="http://schemas.microsoft.com/office/mac/drawingml/2011/main" val="1"/>
+            </a:ext>
+          </a:extLst>
+        </p:spPr>
+        <p:txBody>
+          <a:bodyPr rtlCol="0" anchor="ctr"/>
+          <a:lstStyle/>
+          <a:p>
+            <a:pPr algn="ctr"/>
+            <a:endParaRPr kumimoji="1" lang="ja-JP" altLang="en-US"/>
+          </a:p>
+        </p:txBody>
+      </p:sp>
+      <p:sp>
+        <p:nvSpPr>
+          <p:cNvPr id="5" name="平行四辺形 4">
+            <a:extLst>
+              <a:ext uri="{FF2B5EF4-FFF2-40B4-BE49-F238E27FC236}">
+                <a16:creationId xmlns:a16="http://schemas.microsoft.com/office/drawing/2014/main" id="{71354601-FEC4-1C68-1105-FF4E5A37F197}"/>
+              </a:ext>
+            </a:extLst>
+          </p:cNvPr>
+          <p:cNvSpPr/>
+          <p:nvPr/>
+        </p:nvSpPr>
+        <p:spPr>
+          <a:xfrm flipV="1">
+            <a:off x="3505665" y="3215474"/>
+            <a:ext cx="3005665" cy="1849670"/>
+          </a:xfrm>
+          <a:prstGeom prst="parallelogram">
+            <a:avLst>
+              <a:gd name="adj" fmla="val 102515"/>
+            </a:avLst>
+          </a:prstGeom>
+          <a:solidFill>
+            <a:schemeClr val="bg1"/>
+          </a:solidFill>
+          <a:ln w="12700">
+            <a:noFill/>
+            <a:miter lim="400000"/>
+          </a:ln>
+          <a:extLst>
+            <a:ext uri="{C572A759-6A51-4108-AA02-DFA0A04FC94B}">
+              <ma14:wrappingTextBoxFlag xmlns="" xmlns:ma14="http://schemas.microsoft.com/office/mac/drawingml/2011/main" val="1"/>
+            </a:ext>
+          </a:extLst>
+        </p:spPr>
+        <p:txBody>
+          <a:bodyPr rtlCol="0" anchor="ctr"/>
+          <a:lstStyle/>
+          <a:p>
+            <a:pPr algn="ctr"/>
+            <a:endParaRPr kumimoji="1" lang="ja-JP" altLang="en-US"/>
+          </a:p>
+        </p:txBody>
+      </p:sp>
+      <p:sp>
+        <p:nvSpPr>
+          <p:cNvPr id="10" name="正方形/長方形 9">
+            <a:extLst>
+              <a:ext uri="{FF2B5EF4-FFF2-40B4-BE49-F238E27FC236}">
+                <a16:creationId xmlns:a16="http://schemas.microsoft.com/office/drawing/2014/main" id="{00413F8A-FFFA-86C4-76C5-6C3461EB338E}"/>
+              </a:ext>
+            </a:extLst>
+          </p:cNvPr>
+          <p:cNvSpPr/>
+          <p:nvPr/>
+        </p:nvSpPr>
+        <p:spPr>
+          <a:xfrm>
+            <a:off x="11011129" y="1311849"/>
+            <a:ext cx="641279" cy="5124025"/>
+          </a:xfrm>
+          <a:prstGeom prst="rect">
+            <a:avLst/>
+          </a:prstGeom>
+          <a:solidFill>
+            <a:schemeClr val="bg1">
+              <a:lumMod val="95000"/>
+            </a:schemeClr>
+          </a:solidFill>
+          <a:ln w="12700">
+            <a:noFill/>
+            <a:miter lim="400000"/>
+          </a:ln>
+          <a:extLst>
+            <a:ext uri="{C572A759-6A51-4108-AA02-DFA0A04FC94B}">
+              <ma14:wrappingTextBoxFlag xmlns="" xmlns:ma14="http://schemas.microsoft.com/office/mac/drawingml/2011/main" val="1"/>
+            </a:ext>
+          </a:extLst>
+        </p:spPr>
+        <p:txBody>
+          <a:bodyPr rtlCol="0" anchor="ctr"/>
+          <a:lstStyle/>
+          <a:p>
+            <a:pPr algn="ctr"/>
+            <a:endParaRPr kumimoji="1" lang="ja-JP" altLang="en-US"/>
+          </a:p>
+        </p:txBody>
+      </p:sp>
+    </p:spTree>
+    <p:extLst>
+      <p:ext uri="{BB962C8B-B14F-4D97-AF65-F5344CB8AC3E}">
+        <p14:creationId xmlns:p14="http://schemas.microsoft.com/office/powerpoint/2010/main" val="1862730137"/>
+      </p:ext>
+    </p:extLst>
+  </p:cSld>
+  <p:clrMapOvr>
+    <a:masterClrMapping/>
+  </p:clrMapOvr>
+</p:sld>
+</file>
+
+<file path=ppt/slides/slide19.xml><?xml version="1.0" encoding="utf-8"?>
+<p:sld xmlns:a="http://schemas.openxmlformats.org/drawingml/2006/main" xmlns:r="http://schemas.openxmlformats.org/officeDocument/2006/relationships" xmlns:p="http://schemas.openxmlformats.org/presentationml/2006/main">
+  <p:cSld>
+    <p:spTree>
+      <p:nvGrpSpPr>
+        <p:cNvPr id="1" name=""/>
+        <p:cNvGrpSpPr/>
+        <p:nvPr/>
+      </p:nvGrpSpPr>
+      <p:grpSpPr>
+        <a:xfrm>
+          <a:off x="0" y="0"/>
+          <a:ext cx="0" cy="0"/>
+          <a:chOff x="0" y="0"/>
+          <a:chExt cx="0" cy="0"/>
+        </a:xfrm>
+      </p:grpSpPr>
+      <p:sp>
+        <p:nvSpPr>
+          <p:cNvPr id="17" name="円/楕円 16">
+            <a:extLst>
+              <a:ext uri="{FF2B5EF4-FFF2-40B4-BE49-F238E27FC236}">
+                <a16:creationId xmlns:a16="http://schemas.microsoft.com/office/drawing/2014/main" id="{5B7E9BC7-E1B5-80B6-63D0-4BEC40733C34}"/>
+              </a:ext>
+            </a:extLst>
+          </p:cNvPr>
+          <p:cNvSpPr>
+            <a:spLocks noChangeAspect="1"/>
+          </p:cNvSpPr>
+          <p:nvPr/>
+        </p:nvSpPr>
+        <p:spPr>
+          <a:xfrm>
+            <a:off x="1291402" y="120677"/>
+            <a:ext cx="6305149" cy="6305149"/>
+          </a:xfrm>
+          <a:prstGeom prst="ellipse">
+            <a:avLst/>
+          </a:prstGeom>
+          <a:solidFill>
+            <a:srgbClr val="209CEE"/>
+          </a:solidFill>
+          <a:ln w="12700">
+            <a:noFill/>
+            <a:miter lim="400000"/>
+          </a:ln>
+          <a:extLst>
+            <a:ext uri="{C572A759-6A51-4108-AA02-DFA0A04FC94B}">
+              <ma14:wrappingTextBoxFlag xmlns="" xmlns:ma14="http://schemas.microsoft.com/office/mac/drawingml/2011/main" val="1"/>
+            </a:ext>
+          </a:extLst>
+        </p:spPr>
+        <p:txBody>
+          <a:bodyPr rtlCol="0" anchor="ctr"/>
+          <a:lstStyle/>
+          <a:p>
+            <a:pPr algn="ctr"/>
+            <a:endParaRPr kumimoji="1" lang="ja-JP" altLang="en-US" sz="2000">
+              <a:latin typeface="Plantagenet Cherokee" panose="02020000000000000000" pitchFamily="18" charset="-79"/>
+              <a:cs typeface="Plantagenet Cherokee" panose="02020000000000000000" pitchFamily="18" charset="-79"/>
+            </a:endParaRPr>
+          </a:p>
+        </p:txBody>
+      </p:sp>
+      <p:sp>
+        <p:nvSpPr>
+          <p:cNvPr id="2" name="正方形/長方形 1">
+            <a:extLst>
+              <a:ext uri="{FF2B5EF4-FFF2-40B4-BE49-F238E27FC236}">
+                <a16:creationId xmlns:a16="http://schemas.microsoft.com/office/drawing/2014/main" id="{10E74CC0-DF2F-AF6D-B4D6-A55E1EEDCB12}"/>
+              </a:ext>
+            </a:extLst>
+          </p:cNvPr>
+          <p:cNvSpPr>
+            <a:spLocks noChangeAspect="1"/>
+          </p:cNvSpPr>
+          <p:nvPr/>
+        </p:nvSpPr>
+        <p:spPr>
+          <a:xfrm>
+            <a:off x="2893925" y="1516156"/>
+            <a:ext cx="843134" cy="3574728"/>
+          </a:xfrm>
+          <a:prstGeom prst="rect">
+            <a:avLst/>
+          </a:prstGeom>
+          <a:solidFill>
+            <a:schemeClr val="bg1"/>
+          </a:solidFill>
+          <a:ln w="12700">
+            <a:noFill/>
+            <a:miter lim="400000"/>
+          </a:ln>
+          <a:extLst>
+            <a:ext uri="{C572A759-6A51-4108-AA02-DFA0A04FC94B}">
+              <ma14:wrappingTextBoxFlag xmlns="" xmlns:ma14="http://schemas.microsoft.com/office/mac/drawingml/2011/main" val="1"/>
+            </a:ext>
+          </a:extLst>
+        </p:spPr>
+        <p:txBody>
+          <a:bodyPr rtlCol="0" anchor="ctr"/>
+          <a:lstStyle/>
+          <a:p>
+            <a:pPr algn="ctr"/>
+            <a:endParaRPr kumimoji="1" lang="ja-JP" altLang="en-US" sz="2000">
+              <a:latin typeface="Plantagenet Cherokee" panose="02020000000000000000" pitchFamily="18" charset="-79"/>
+              <a:cs typeface="Plantagenet Cherokee" panose="02020000000000000000" pitchFamily="18" charset="-79"/>
+            </a:endParaRPr>
+          </a:p>
+        </p:txBody>
+      </p:sp>
+      <p:sp>
+        <p:nvSpPr>
+          <p:cNvPr id="4" name="平行四辺形 3">
+            <a:extLst>
+              <a:ext uri="{FF2B5EF4-FFF2-40B4-BE49-F238E27FC236}">
+                <a16:creationId xmlns:a16="http://schemas.microsoft.com/office/drawing/2014/main" id="{FA33888D-86F2-D809-EE8B-63E2CFC0D93E}"/>
+              </a:ext>
+            </a:extLst>
+          </p:cNvPr>
+          <p:cNvSpPr/>
+          <p:nvPr/>
+        </p:nvSpPr>
+        <p:spPr>
+          <a:xfrm>
+            <a:off x="3594893" y="1516159"/>
+            <a:ext cx="2718534" cy="1634786"/>
+          </a:xfrm>
+          <a:prstGeom prst="parallelogram">
+            <a:avLst>
+              <a:gd name="adj" fmla="val 101114"/>
+            </a:avLst>
+          </a:prstGeom>
+          <a:solidFill>
+            <a:schemeClr val="bg1"/>
+          </a:solidFill>
+          <a:ln w="12700">
+            <a:noFill/>
+            <a:miter lim="400000"/>
+          </a:ln>
+          <a:extLst>
+            <a:ext uri="{C572A759-6A51-4108-AA02-DFA0A04FC94B}">
+              <ma14:wrappingTextBoxFlag xmlns="" xmlns:ma14="http://schemas.microsoft.com/office/mac/drawingml/2011/main" val="1"/>
+            </a:ext>
+          </a:extLst>
+        </p:spPr>
+        <p:txBody>
+          <a:bodyPr rtlCol="0" anchor="ctr"/>
+          <a:lstStyle/>
+          <a:p>
+            <a:pPr algn="ctr"/>
+            <a:endParaRPr kumimoji="1" lang="ja-JP" altLang="en-US"/>
+          </a:p>
+        </p:txBody>
+      </p:sp>
+      <p:sp>
+        <p:nvSpPr>
+          <p:cNvPr id="5" name="平行四辺形 4">
+            <a:extLst>
+              <a:ext uri="{FF2B5EF4-FFF2-40B4-BE49-F238E27FC236}">
+                <a16:creationId xmlns:a16="http://schemas.microsoft.com/office/drawing/2014/main" id="{71354601-FEC4-1C68-1105-FF4E5A37F197}"/>
+              </a:ext>
+            </a:extLst>
+          </p:cNvPr>
+          <p:cNvSpPr/>
+          <p:nvPr/>
+        </p:nvSpPr>
+        <p:spPr>
+          <a:xfrm flipV="1">
+            <a:off x="3505665" y="3215474"/>
+            <a:ext cx="3005665" cy="1849670"/>
+          </a:xfrm>
+          <a:prstGeom prst="parallelogram">
+            <a:avLst>
+              <a:gd name="adj" fmla="val 99799"/>
+            </a:avLst>
+          </a:prstGeom>
+          <a:solidFill>
+            <a:schemeClr val="bg1"/>
+          </a:solidFill>
+          <a:ln w="12700">
+            <a:noFill/>
+            <a:miter lim="400000"/>
+          </a:ln>
+          <a:extLst>
+            <a:ext uri="{C572A759-6A51-4108-AA02-DFA0A04FC94B}">
+              <ma14:wrappingTextBoxFlag xmlns="" xmlns:ma14="http://schemas.microsoft.com/office/mac/drawingml/2011/main" val="1"/>
+            </a:ext>
+          </a:extLst>
+        </p:spPr>
+        <p:txBody>
+          <a:bodyPr rtlCol="0" anchor="ctr"/>
+          <a:lstStyle/>
+          <a:p>
+            <a:pPr algn="ctr"/>
+            <a:endParaRPr kumimoji="1" lang="ja-JP" altLang="en-US"/>
+          </a:p>
+        </p:txBody>
+      </p:sp>
+      <p:sp>
+        <p:nvSpPr>
+          <p:cNvPr id="10" name="正方形/長方形 9">
+            <a:extLst>
+              <a:ext uri="{FF2B5EF4-FFF2-40B4-BE49-F238E27FC236}">
+                <a16:creationId xmlns:a16="http://schemas.microsoft.com/office/drawing/2014/main" id="{00413F8A-FFFA-86C4-76C5-6C3461EB338E}"/>
+              </a:ext>
+            </a:extLst>
+          </p:cNvPr>
+          <p:cNvSpPr/>
+          <p:nvPr/>
+        </p:nvSpPr>
+        <p:spPr>
+          <a:xfrm>
+            <a:off x="11011129" y="1311849"/>
+            <a:ext cx="641279" cy="5124025"/>
+          </a:xfrm>
+          <a:prstGeom prst="rect">
+            <a:avLst/>
+          </a:prstGeom>
+          <a:solidFill>
+            <a:schemeClr val="bg1">
+              <a:lumMod val="95000"/>
+            </a:schemeClr>
+          </a:solidFill>
+          <a:ln w="12700">
+            <a:noFill/>
+            <a:miter lim="400000"/>
+          </a:ln>
+          <a:extLst>
+            <a:ext uri="{C572A759-6A51-4108-AA02-DFA0A04FC94B}">
+              <ma14:wrappingTextBoxFlag xmlns="" xmlns:ma14="http://schemas.microsoft.com/office/mac/drawingml/2011/main" val="1"/>
+            </a:ext>
+          </a:extLst>
+        </p:spPr>
+        <p:txBody>
+          <a:bodyPr rtlCol="0" anchor="ctr"/>
+          <a:lstStyle/>
+          <a:p>
+            <a:pPr algn="ctr"/>
+            <a:endParaRPr kumimoji="1" lang="ja-JP" altLang="en-US"/>
+          </a:p>
+        </p:txBody>
+      </p:sp>
+    </p:spTree>
+    <p:extLst>
+      <p:ext uri="{BB962C8B-B14F-4D97-AF65-F5344CB8AC3E}">
+        <p14:creationId xmlns:p14="http://schemas.microsoft.com/office/powerpoint/2010/main" val="441983475"/>
       </p:ext>
     </p:extLst>
   </p:cSld>
@@ -7851,7 +10693,7 @@
           </a:ln>
           <a:extLst>
             <a:ext uri="{C572A759-6A51-4108-AA02-DFA0A04FC94B}">
-              <ma14:wrappingTextBoxFlag xmlns="" xmlns:ma14="http://schemas.microsoft.com/office/mac/drawingml/2011/main" val="1"/>
+              <ma14:wrappingTextBoxFlag xmlns:ma14="http://schemas.microsoft.com/office/mac/drawingml/2011/main" xmlns="" val="1"/>
             </a:ext>
           </a:extLst>
         </p:spPr>
@@ -7905,6 +10747,474 @@
     <p:extLst>
       <p:ext uri="{BB962C8B-B14F-4D97-AF65-F5344CB8AC3E}">
         <p14:creationId xmlns:p14="http://schemas.microsoft.com/office/powerpoint/2010/main" val="1170598070"/>
+      </p:ext>
+    </p:extLst>
+  </p:cSld>
+  <p:clrMapOvr>
+    <a:masterClrMapping/>
+  </p:clrMapOvr>
+</p:sld>
+</file>
+
+<file path=ppt/slides/slide20.xml><?xml version="1.0" encoding="utf-8"?>
+<p:sld xmlns:a="http://schemas.openxmlformats.org/drawingml/2006/main" xmlns:r="http://schemas.openxmlformats.org/officeDocument/2006/relationships" xmlns:p="http://schemas.openxmlformats.org/presentationml/2006/main">
+  <p:cSld>
+    <p:spTree>
+      <p:nvGrpSpPr>
+        <p:cNvPr id="1" name=""/>
+        <p:cNvGrpSpPr/>
+        <p:nvPr/>
+      </p:nvGrpSpPr>
+      <p:grpSpPr>
+        <a:xfrm>
+          <a:off x="0" y="0"/>
+          <a:ext cx="0" cy="0"/>
+          <a:chOff x="0" y="0"/>
+          <a:chExt cx="0" cy="0"/>
+        </a:xfrm>
+      </p:grpSpPr>
+      <p:sp>
+        <p:nvSpPr>
+          <p:cNvPr id="17" name="円/楕円 16">
+            <a:extLst>
+              <a:ext uri="{FF2B5EF4-FFF2-40B4-BE49-F238E27FC236}">
+                <a16:creationId xmlns:a16="http://schemas.microsoft.com/office/drawing/2014/main" id="{5B7E9BC7-E1B5-80B6-63D0-4BEC40733C34}"/>
+              </a:ext>
+            </a:extLst>
+          </p:cNvPr>
+          <p:cNvSpPr>
+            <a:spLocks noChangeAspect="1"/>
+          </p:cNvSpPr>
+          <p:nvPr/>
+        </p:nvSpPr>
+        <p:spPr>
+          <a:xfrm>
+            <a:off x="1291402" y="120677"/>
+            <a:ext cx="6305149" cy="6305149"/>
+          </a:xfrm>
+          <a:prstGeom prst="ellipse">
+            <a:avLst/>
+          </a:prstGeom>
+          <a:solidFill>
+            <a:srgbClr val="209CEE"/>
+          </a:solidFill>
+          <a:ln w="12700">
+            <a:noFill/>
+            <a:miter lim="400000"/>
+          </a:ln>
+          <a:extLst>
+            <a:ext uri="{C572A759-6A51-4108-AA02-DFA0A04FC94B}">
+              <ma14:wrappingTextBoxFlag xmlns="" xmlns:ma14="http://schemas.microsoft.com/office/mac/drawingml/2011/main" val="1"/>
+            </a:ext>
+          </a:extLst>
+        </p:spPr>
+        <p:txBody>
+          <a:bodyPr rtlCol="0" anchor="ctr"/>
+          <a:lstStyle/>
+          <a:p>
+            <a:pPr algn="ctr"/>
+            <a:endParaRPr kumimoji="1" lang="ja-JP" altLang="en-US" sz="2000">
+              <a:latin typeface="Plantagenet Cherokee" panose="02020000000000000000" pitchFamily="18" charset="-79"/>
+              <a:cs typeface="Plantagenet Cherokee" panose="02020000000000000000" pitchFamily="18" charset="-79"/>
+            </a:endParaRPr>
+          </a:p>
+        </p:txBody>
+      </p:sp>
+      <p:sp>
+        <p:nvSpPr>
+          <p:cNvPr id="2" name="正方形/長方形 1">
+            <a:extLst>
+              <a:ext uri="{FF2B5EF4-FFF2-40B4-BE49-F238E27FC236}">
+                <a16:creationId xmlns:a16="http://schemas.microsoft.com/office/drawing/2014/main" id="{10E74CC0-DF2F-AF6D-B4D6-A55E1EEDCB12}"/>
+              </a:ext>
+            </a:extLst>
+          </p:cNvPr>
+          <p:cNvSpPr>
+            <a:spLocks noChangeAspect="1"/>
+          </p:cNvSpPr>
+          <p:nvPr/>
+        </p:nvSpPr>
+        <p:spPr>
+          <a:xfrm>
+            <a:off x="2893928" y="1516156"/>
+            <a:ext cx="843134" cy="3609276"/>
+          </a:xfrm>
+          <a:prstGeom prst="rect">
+            <a:avLst/>
+          </a:prstGeom>
+          <a:solidFill>
+            <a:schemeClr val="bg1"/>
+          </a:solidFill>
+          <a:ln w="12700">
+            <a:noFill/>
+            <a:miter lim="400000"/>
+          </a:ln>
+          <a:extLst>
+            <a:ext uri="{C572A759-6A51-4108-AA02-DFA0A04FC94B}">
+              <ma14:wrappingTextBoxFlag xmlns="" xmlns:ma14="http://schemas.microsoft.com/office/mac/drawingml/2011/main" val="1"/>
+            </a:ext>
+          </a:extLst>
+        </p:spPr>
+        <p:txBody>
+          <a:bodyPr rtlCol="0" anchor="ctr"/>
+          <a:lstStyle/>
+          <a:p>
+            <a:pPr algn="ctr"/>
+            <a:endParaRPr kumimoji="1" lang="ja-JP" altLang="en-US" sz="2000">
+              <a:latin typeface="Plantagenet Cherokee" panose="02020000000000000000" pitchFamily="18" charset="-79"/>
+              <a:cs typeface="Plantagenet Cherokee" panose="02020000000000000000" pitchFamily="18" charset="-79"/>
+            </a:endParaRPr>
+          </a:p>
+        </p:txBody>
+      </p:sp>
+      <p:sp>
+        <p:nvSpPr>
+          <p:cNvPr id="4" name="平行四辺形 3">
+            <a:extLst>
+              <a:ext uri="{FF2B5EF4-FFF2-40B4-BE49-F238E27FC236}">
+                <a16:creationId xmlns:a16="http://schemas.microsoft.com/office/drawing/2014/main" id="{FA33888D-86F2-D809-EE8B-63E2CFC0D93E}"/>
+              </a:ext>
+            </a:extLst>
+          </p:cNvPr>
+          <p:cNvSpPr/>
+          <p:nvPr/>
+        </p:nvSpPr>
+        <p:spPr>
+          <a:xfrm>
+            <a:off x="3594893" y="1516159"/>
+            <a:ext cx="2718534" cy="1634786"/>
+          </a:xfrm>
+          <a:prstGeom prst="parallelogram">
+            <a:avLst>
+              <a:gd name="adj" fmla="val 101114"/>
+            </a:avLst>
+          </a:prstGeom>
+          <a:solidFill>
+            <a:schemeClr val="bg1"/>
+          </a:solidFill>
+          <a:ln w="12700">
+            <a:noFill/>
+            <a:miter lim="400000"/>
+          </a:ln>
+          <a:extLst>
+            <a:ext uri="{C572A759-6A51-4108-AA02-DFA0A04FC94B}">
+              <ma14:wrappingTextBoxFlag xmlns="" xmlns:ma14="http://schemas.microsoft.com/office/mac/drawingml/2011/main" val="1"/>
+            </a:ext>
+          </a:extLst>
+        </p:spPr>
+        <p:txBody>
+          <a:bodyPr rtlCol="0" anchor="ctr"/>
+          <a:lstStyle/>
+          <a:p>
+            <a:pPr algn="ctr"/>
+            <a:endParaRPr kumimoji="1" lang="ja-JP" altLang="en-US"/>
+          </a:p>
+        </p:txBody>
+      </p:sp>
+      <p:sp>
+        <p:nvSpPr>
+          <p:cNvPr id="5" name="平行四辺形 4">
+            <a:extLst>
+              <a:ext uri="{FF2B5EF4-FFF2-40B4-BE49-F238E27FC236}">
+                <a16:creationId xmlns:a16="http://schemas.microsoft.com/office/drawing/2014/main" id="{71354601-FEC4-1C68-1105-FF4E5A37F197}"/>
+              </a:ext>
+            </a:extLst>
+          </p:cNvPr>
+          <p:cNvSpPr/>
+          <p:nvPr/>
+        </p:nvSpPr>
+        <p:spPr>
+          <a:xfrm flipV="1">
+            <a:off x="3505665" y="3245618"/>
+            <a:ext cx="3005665" cy="1849670"/>
+          </a:xfrm>
+          <a:prstGeom prst="parallelogram">
+            <a:avLst>
+              <a:gd name="adj" fmla="val 99799"/>
+            </a:avLst>
+          </a:prstGeom>
+          <a:solidFill>
+            <a:schemeClr val="bg1"/>
+          </a:solidFill>
+          <a:ln w="12700">
+            <a:noFill/>
+            <a:miter lim="400000"/>
+          </a:ln>
+          <a:extLst>
+            <a:ext uri="{C572A759-6A51-4108-AA02-DFA0A04FC94B}">
+              <ma14:wrappingTextBoxFlag xmlns="" xmlns:ma14="http://schemas.microsoft.com/office/mac/drawingml/2011/main" val="1"/>
+            </a:ext>
+          </a:extLst>
+        </p:spPr>
+        <p:txBody>
+          <a:bodyPr rtlCol="0" anchor="ctr"/>
+          <a:lstStyle/>
+          <a:p>
+            <a:pPr algn="ctr"/>
+            <a:endParaRPr kumimoji="1" lang="ja-JP" altLang="en-US"/>
+          </a:p>
+        </p:txBody>
+      </p:sp>
+      <p:sp>
+        <p:nvSpPr>
+          <p:cNvPr id="10" name="正方形/長方形 9">
+            <a:extLst>
+              <a:ext uri="{FF2B5EF4-FFF2-40B4-BE49-F238E27FC236}">
+                <a16:creationId xmlns:a16="http://schemas.microsoft.com/office/drawing/2014/main" id="{00413F8A-FFFA-86C4-76C5-6C3461EB338E}"/>
+              </a:ext>
+            </a:extLst>
+          </p:cNvPr>
+          <p:cNvSpPr/>
+          <p:nvPr/>
+        </p:nvSpPr>
+        <p:spPr>
+          <a:xfrm>
+            <a:off x="10806856" y="588932"/>
+            <a:ext cx="641279" cy="5124025"/>
+          </a:xfrm>
+          <a:prstGeom prst="rect">
+            <a:avLst/>
+          </a:prstGeom>
+          <a:solidFill>
+            <a:schemeClr val="bg1">
+              <a:lumMod val="95000"/>
+            </a:schemeClr>
+          </a:solidFill>
+          <a:ln w="12700">
+            <a:noFill/>
+            <a:miter lim="400000"/>
+          </a:ln>
+          <a:extLst>
+            <a:ext uri="{C572A759-6A51-4108-AA02-DFA0A04FC94B}">
+              <ma14:wrappingTextBoxFlag xmlns="" xmlns:ma14="http://schemas.microsoft.com/office/mac/drawingml/2011/main" val="1"/>
+            </a:ext>
+          </a:extLst>
+        </p:spPr>
+        <p:txBody>
+          <a:bodyPr rtlCol="0" anchor="ctr"/>
+          <a:lstStyle/>
+          <a:p>
+            <a:pPr algn="ctr"/>
+            <a:endParaRPr kumimoji="1" lang="ja-JP" altLang="en-US"/>
+          </a:p>
+        </p:txBody>
+      </p:sp>
+    </p:spTree>
+    <p:extLst>
+      <p:ext uri="{BB962C8B-B14F-4D97-AF65-F5344CB8AC3E}">
+        <p14:creationId xmlns:p14="http://schemas.microsoft.com/office/powerpoint/2010/main" val="1044851347"/>
+      </p:ext>
+    </p:extLst>
+  </p:cSld>
+  <p:clrMapOvr>
+    <a:masterClrMapping/>
+  </p:clrMapOvr>
+</p:sld>
+</file>
+
+<file path=ppt/slides/slide21.xml><?xml version="1.0" encoding="utf-8"?>
+<p:sld xmlns:a="http://schemas.openxmlformats.org/drawingml/2006/main" xmlns:r="http://schemas.openxmlformats.org/officeDocument/2006/relationships" xmlns:p="http://schemas.openxmlformats.org/presentationml/2006/main">
+  <p:cSld>
+    <p:spTree>
+      <p:nvGrpSpPr>
+        <p:cNvPr id="1" name=""/>
+        <p:cNvGrpSpPr/>
+        <p:nvPr/>
+      </p:nvGrpSpPr>
+      <p:grpSpPr>
+        <a:xfrm>
+          <a:off x="0" y="0"/>
+          <a:ext cx="0" cy="0"/>
+          <a:chOff x="0" y="0"/>
+          <a:chExt cx="0" cy="0"/>
+        </a:xfrm>
+      </p:grpSpPr>
+      <p:sp>
+        <p:nvSpPr>
+          <p:cNvPr id="17" name="円/楕円 16">
+            <a:extLst>
+              <a:ext uri="{FF2B5EF4-FFF2-40B4-BE49-F238E27FC236}">
+                <a16:creationId xmlns:a16="http://schemas.microsoft.com/office/drawing/2014/main" id="{5B7E9BC7-E1B5-80B6-63D0-4BEC40733C34}"/>
+              </a:ext>
+            </a:extLst>
+          </p:cNvPr>
+          <p:cNvSpPr>
+            <a:spLocks noChangeAspect="1"/>
+          </p:cNvSpPr>
+          <p:nvPr/>
+        </p:nvSpPr>
+        <p:spPr>
+          <a:xfrm>
+            <a:off x="1200967" y="68705"/>
+            <a:ext cx="6646796" cy="6646796"/>
+          </a:xfrm>
+          <a:prstGeom prst="ellipse">
+            <a:avLst/>
+          </a:prstGeom>
+          <a:solidFill>
+            <a:srgbClr val="209CEE"/>
+          </a:solidFill>
+          <a:ln w="12700">
+            <a:noFill/>
+            <a:miter lim="400000"/>
+          </a:ln>
+          <a:extLst>
+            <a:ext uri="{C572A759-6A51-4108-AA02-DFA0A04FC94B}">
+              <ma14:wrappingTextBoxFlag xmlns="" xmlns:ma14="http://schemas.microsoft.com/office/mac/drawingml/2011/main" val="1"/>
+            </a:ext>
+          </a:extLst>
+        </p:spPr>
+        <p:txBody>
+          <a:bodyPr rtlCol="0" anchor="ctr"/>
+          <a:lstStyle/>
+          <a:p>
+            <a:pPr algn="ctr"/>
+            <a:endParaRPr kumimoji="1" lang="ja-JP" altLang="en-US" sz="2000">
+              <a:latin typeface="Plantagenet Cherokee" panose="02020000000000000000" pitchFamily="18" charset="-79"/>
+              <a:cs typeface="Plantagenet Cherokee" panose="02020000000000000000" pitchFamily="18" charset="-79"/>
+            </a:endParaRPr>
+          </a:p>
+        </p:txBody>
+      </p:sp>
+      <p:sp>
+        <p:nvSpPr>
+          <p:cNvPr id="2" name="正方形/長方形 1">
+            <a:extLst>
+              <a:ext uri="{FF2B5EF4-FFF2-40B4-BE49-F238E27FC236}">
+                <a16:creationId xmlns:a16="http://schemas.microsoft.com/office/drawing/2014/main" id="{10E74CC0-DF2F-AF6D-B4D6-A55E1EEDCB12}"/>
+              </a:ext>
+            </a:extLst>
+          </p:cNvPr>
+          <p:cNvSpPr>
+            <a:spLocks noChangeAspect="1"/>
+          </p:cNvSpPr>
+          <p:nvPr/>
+        </p:nvSpPr>
+        <p:spPr>
+          <a:xfrm>
+            <a:off x="2944168" y="1646781"/>
+            <a:ext cx="843134" cy="3609276"/>
+          </a:xfrm>
+          <a:prstGeom prst="rect">
+            <a:avLst/>
+          </a:prstGeom>
+          <a:solidFill>
+            <a:schemeClr val="bg1"/>
+          </a:solidFill>
+          <a:ln w="12700">
+            <a:noFill/>
+            <a:miter lim="400000"/>
+          </a:ln>
+          <a:extLst>
+            <a:ext uri="{C572A759-6A51-4108-AA02-DFA0A04FC94B}">
+              <ma14:wrappingTextBoxFlag xmlns="" xmlns:ma14="http://schemas.microsoft.com/office/mac/drawingml/2011/main" val="1"/>
+            </a:ext>
+          </a:extLst>
+        </p:spPr>
+        <p:txBody>
+          <a:bodyPr rtlCol="0" anchor="ctr"/>
+          <a:lstStyle/>
+          <a:p>
+            <a:pPr algn="ctr"/>
+            <a:endParaRPr kumimoji="1" lang="ja-JP" altLang="en-US" sz="2000">
+              <a:latin typeface="Plantagenet Cherokee" panose="02020000000000000000" pitchFamily="18" charset="-79"/>
+              <a:cs typeface="Plantagenet Cherokee" panose="02020000000000000000" pitchFamily="18" charset="-79"/>
+            </a:endParaRPr>
+          </a:p>
+        </p:txBody>
+      </p:sp>
+      <p:sp>
+        <p:nvSpPr>
+          <p:cNvPr id="4" name="平行四辺形 3">
+            <a:extLst>
+              <a:ext uri="{FF2B5EF4-FFF2-40B4-BE49-F238E27FC236}">
+                <a16:creationId xmlns:a16="http://schemas.microsoft.com/office/drawing/2014/main" id="{FA33888D-86F2-D809-EE8B-63E2CFC0D93E}"/>
+              </a:ext>
+            </a:extLst>
+          </p:cNvPr>
+          <p:cNvSpPr/>
+          <p:nvPr/>
+        </p:nvSpPr>
+        <p:spPr>
+          <a:xfrm>
+            <a:off x="3645133" y="1646784"/>
+            <a:ext cx="2718534" cy="1634786"/>
+          </a:xfrm>
+          <a:prstGeom prst="parallelogram">
+            <a:avLst>
+              <a:gd name="adj" fmla="val 101114"/>
+            </a:avLst>
+          </a:prstGeom>
+          <a:solidFill>
+            <a:schemeClr val="bg1"/>
+          </a:solidFill>
+          <a:ln w="12700">
+            <a:noFill/>
+            <a:miter lim="400000"/>
+          </a:ln>
+          <a:extLst>
+            <a:ext uri="{C572A759-6A51-4108-AA02-DFA0A04FC94B}">
+              <ma14:wrappingTextBoxFlag xmlns="" xmlns:ma14="http://schemas.microsoft.com/office/mac/drawingml/2011/main" val="1"/>
+            </a:ext>
+          </a:extLst>
+        </p:spPr>
+        <p:txBody>
+          <a:bodyPr rtlCol="0" anchor="ctr"/>
+          <a:lstStyle/>
+          <a:p>
+            <a:pPr algn="ctr"/>
+            <a:endParaRPr kumimoji="1" lang="ja-JP" altLang="en-US"/>
+          </a:p>
+        </p:txBody>
+      </p:sp>
+      <p:sp>
+        <p:nvSpPr>
+          <p:cNvPr id="5" name="平行四辺形 4">
+            <a:extLst>
+              <a:ext uri="{FF2B5EF4-FFF2-40B4-BE49-F238E27FC236}">
+                <a16:creationId xmlns:a16="http://schemas.microsoft.com/office/drawing/2014/main" id="{71354601-FEC4-1C68-1105-FF4E5A37F197}"/>
+              </a:ext>
+            </a:extLst>
+          </p:cNvPr>
+          <p:cNvSpPr/>
+          <p:nvPr/>
+        </p:nvSpPr>
+        <p:spPr>
+          <a:xfrm flipV="1">
+            <a:off x="3555905" y="3376243"/>
+            <a:ext cx="3005665" cy="1849670"/>
+          </a:xfrm>
+          <a:prstGeom prst="parallelogram">
+            <a:avLst>
+              <a:gd name="adj" fmla="val 99799"/>
+            </a:avLst>
+          </a:prstGeom>
+          <a:solidFill>
+            <a:schemeClr val="bg1"/>
+          </a:solidFill>
+          <a:ln w="12700">
+            <a:noFill/>
+            <a:miter lim="400000"/>
+          </a:ln>
+          <a:extLst>
+            <a:ext uri="{C572A759-6A51-4108-AA02-DFA0A04FC94B}">
+              <ma14:wrappingTextBoxFlag xmlns="" xmlns:ma14="http://schemas.microsoft.com/office/mac/drawingml/2011/main" val="1"/>
+            </a:ext>
+          </a:extLst>
+        </p:spPr>
+        <p:txBody>
+          <a:bodyPr rtlCol="0" anchor="ctr"/>
+          <a:lstStyle/>
+          <a:p>
+            <a:pPr algn="ctr"/>
+            <a:endParaRPr kumimoji="1" lang="ja-JP" altLang="en-US"/>
+          </a:p>
+        </p:txBody>
+      </p:sp>
+    </p:spTree>
+    <p:extLst>
+      <p:ext uri="{BB962C8B-B14F-4D97-AF65-F5344CB8AC3E}">
+        <p14:creationId xmlns:p14="http://schemas.microsoft.com/office/powerpoint/2010/main" val="1398700001"/>
       </p:ext>
     </p:extLst>
   </p:cSld>
@@ -7960,7 +11270,7 @@
           </a:ln>
           <a:extLst>
             <a:ext uri="{C572A759-6A51-4108-AA02-DFA0A04FC94B}">
-              <ma14:wrappingTextBoxFlag xmlns="" xmlns:ma14="http://schemas.microsoft.com/office/mac/drawingml/2011/main" val="1"/>
+              <ma14:wrappingTextBoxFlag xmlns:ma14="http://schemas.microsoft.com/office/mac/drawingml/2011/main" xmlns="" val="1"/>
             </a:ext>
           </a:extLst>
         </p:spPr>
@@ -8073,7 +11383,7 @@
           </a:ln>
           <a:extLst>
             <a:ext uri="{C572A759-6A51-4108-AA02-DFA0A04FC94B}">
-              <ma14:wrappingTextBoxFlag xmlns="" xmlns:ma14="http://schemas.microsoft.com/office/mac/drawingml/2011/main" val="1"/>
+              <ma14:wrappingTextBoxFlag xmlns:ma14="http://schemas.microsoft.com/office/mac/drawingml/2011/main" xmlns="" val="1"/>
             </a:ext>
           </a:extLst>
         </p:spPr>
@@ -8118,7 +11428,7 @@
           </a:ln>
           <a:extLst>
             <a:ext uri="{C572A759-6A51-4108-AA02-DFA0A04FC94B}">
-              <ma14:wrappingTextBoxFlag xmlns="" xmlns:ma14="http://schemas.microsoft.com/office/mac/drawingml/2011/main" val="1"/>
+              <ma14:wrappingTextBoxFlag xmlns:ma14="http://schemas.microsoft.com/office/mac/drawingml/2011/main" xmlns="" val="1"/>
             </a:ext>
           </a:extLst>
         </p:spPr>
@@ -8193,7 +11503,7 @@
           </a:ln>
           <a:extLst>
             <a:ext uri="{C572A759-6A51-4108-AA02-DFA0A04FC94B}">
-              <ma14:wrappingTextBoxFlag xmlns="" xmlns:ma14="http://schemas.microsoft.com/office/mac/drawingml/2011/main" val="1"/>
+              <ma14:wrappingTextBoxFlag xmlns:ma14="http://schemas.microsoft.com/office/mac/drawingml/2011/main" xmlns="" val="1"/>
             </a:ext>
           </a:extLst>
         </p:spPr>
@@ -8284,7 +11594,7 @@
           </a:ln>
           <a:extLst>
             <a:ext uri="{C572A759-6A51-4108-AA02-DFA0A04FC94B}">
-              <ma14:wrappingTextBoxFlag xmlns="" xmlns:ma14="http://schemas.microsoft.com/office/mac/drawingml/2011/main" val="1"/>
+              <ma14:wrappingTextBoxFlag xmlns:ma14="http://schemas.microsoft.com/office/mac/drawingml/2011/main" xmlns="" val="1"/>
             </a:ext>
           </a:extLst>
         </p:spPr>
@@ -8329,7 +11639,7 @@
           </a:ln>
           <a:extLst>
             <a:ext uri="{C572A759-6A51-4108-AA02-DFA0A04FC94B}">
-              <ma14:wrappingTextBoxFlag xmlns="" xmlns:ma14="http://schemas.microsoft.com/office/mac/drawingml/2011/main" val="1"/>
+              <ma14:wrappingTextBoxFlag xmlns:ma14="http://schemas.microsoft.com/office/mac/drawingml/2011/main" xmlns="" val="1"/>
             </a:ext>
           </a:extLst>
         </p:spPr>
@@ -8404,7 +11714,7 @@
           </a:ln>
           <a:extLst>
             <a:ext uri="{C572A759-6A51-4108-AA02-DFA0A04FC94B}">
-              <ma14:wrappingTextBoxFlag xmlns="" xmlns:ma14="http://schemas.microsoft.com/office/mac/drawingml/2011/main" val="1"/>
+              <ma14:wrappingTextBoxFlag xmlns:ma14="http://schemas.microsoft.com/office/mac/drawingml/2011/main" xmlns="" val="1"/>
             </a:ext>
           </a:extLst>
         </p:spPr>
@@ -8495,7 +11805,7 @@
           </a:ln>
           <a:extLst>
             <a:ext uri="{C572A759-6A51-4108-AA02-DFA0A04FC94B}">
-              <ma14:wrappingTextBoxFlag xmlns="" xmlns:ma14="http://schemas.microsoft.com/office/mac/drawingml/2011/main" val="1"/>
+              <ma14:wrappingTextBoxFlag xmlns:ma14="http://schemas.microsoft.com/office/mac/drawingml/2011/main" xmlns="" val="1"/>
             </a:ext>
           </a:extLst>
         </p:spPr>
@@ -8540,7 +11850,7 @@
           </a:ln>
           <a:extLst>
             <a:ext uri="{C572A759-6A51-4108-AA02-DFA0A04FC94B}">
-              <ma14:wrappingTextBoxFlag xmlns="" xmlns:ma14="http://schemas.microsoft.com/office/mac/drawingml/2011/main" val="1"/>
+              <ma14:wrappingTextBoxFlag xmlns:ma14="http://schemas.microsoft.com/office/mac/drawingml/2011/main" xmlns="" val="1"/>
             </a:ext>
           </a:extLst>
         </p:spPr>
@@ -8619,7 +11929,7 @@
           </a:ln>
           <a:extLst>
             <a:ext uri="{C572A759-6A51-4108-AA02-DFA0A04FC94B}">
-              <ma14:wrappingTextBoxFlag xmlns="" xmlns:ma14="http://schemas.microsoft.com/office/mac/drawingml/2011/main" val="1"/>
+              <ma14:wrappingTextBoxFlag xmlns:ma14="http://schemas.microsoft.com/office/mac/drawingml/2011/main" xmlns="" val="1"/>
             </a:ext>
           </a:extLst>
         </p:spPr>
@@ -8738,7 +12048,7 @@
           </a:ln>
           <a:extLst>
             <a:ext uri="{C572A759-6A51-4108-AA02-DFA0A04FC94B}">
-              <ma14:wrappingTextBoxFlag xmlns:ma14="http://schemas.microsoft.com/office/mac/drawingml/2011/main" xmlns="" val="1"/>
+              <ma14:wrappingTextBoxFlag xmlns="" xmlns:ma14="http://schemas.microsoft.com/office/mac/drawingml/2011/main" val="1"/>
             </a:ext>
           </a:extLst>
         </p:spPr>
@@ -8815,7 +12125,7 @@
           </a:ln>
           <a:extLst>
             <a:ext uri="{C572A759-6A51-4108-AA02-DFA0A04FC94B}">
-              <ma14:wrappingTextBoxFlag xmlns:ma14="http://schemas.microsoft.com/office/mac/drawingml/2011/main" xmlns="" val="1"/>
+              <ma14:wrappingTextBoxFlag xmlns="" xmlns:ma14="http://schemas.microsoft.com/office/mac/drawingml/2011/main" val="1"/>
             </a:ext>
           </a:extLst>
         </p:spPr>
@@ -8859,7 +12169,7 @@
           </a:ln>
           <a:extLst>
             <a:ext uri="{C572A759-6A51-4108-AA02-DFA0A04FC94B}">
-              <ma14:wrappingTextBoxFlag xmlns:ma14="http://schemas.microsoft.com/office/mac/drawingml/2011/main" xmlns="" val="1"/>
+              <ma14:wrappingTextBoxFlag xmlns="" xmlns:ma14="http://schemas.microsoft.com/office/mac/drawingml/2011/main" val="1"/>
             </a:ext>
           </a:extLst>
         </p:spPr>
@@ -8905,7 +12215,7 @@
           </a:ln>
           <a:extLst>
             <a:ext uri="{C572A759-6A51-4108-AA02-DFA0A04FC94B}">
-              <ma14:wrappingTextBoxFlag xmlns:ma14="http://schemas.microsoft.com/office/mac/drawingml/2011/main" xmlns="" val="1"/>
+              <ma14:wrappingTextBoxFlag xmlns="" xmlns:ma14="http://schemas.microsoft.com/office/mac/drawingml/2011/main" val="1"/>
             </a:ext>
           </a:extLst>
         </p:spPr>
@@ -8951,7 +12261,7 @@
           </a:ln>
           <a:extLst>
             <a:ext uri="{C572A759-6A51-4108-AA02-DFA0A04FC94B}">
-              <ma14:wrappingTextBoxFlag xmlns:ma14="http://schemas.microsoft.com/office/mac/drawingml/2011/main" xmlns="" val="1"/>
+              <ma14:wrappingTextBoxFlag xmlns="" xmlns:ma14="http://schemas.microsoft.com/office/mac/drawingml/2011/main" val="1"/>
             </a:ext>
           </a:extLst>
         </p:spPr>
@@ -8997,7 +12307,7 @@
           </a:ln>
           <a:extLst>
             <a:ext uri="{C572A759-6A51-4108-AA02-DFA0A04FC94B}">
-              <ma14:wrappingTextBoxFlag xmlns:ma14="http://schemas.microsoft.com/office/mac/drawingml/2011/main" xmlns="" val="1"/>
+              <ma14:wrappingTextBoxFlag xmlns="" xmlns:ma14="http://schemas.microsoft.com/office/mac/drawingml/2011/main" val="1"/>
             </a:ext>
           </a:extLst>
         </p:spPr>
@@ -9043,7 +12353,7 @@
           </a:ln>
           <a:extLst>
             <a:ext uri="{C572A759-6A51-4108-AA02-DFA0A04FC94B}">
-              <ma14:wrappingTextBoxFlag xmlns:ma14="http://schemas.microsoft.com/office/mac/drawingml/2011/main" xmlns="" val="1"/>
+              <ma14:wrappingTextBoxFlag xmlns="" xmlns:ma14="http://schemas.microsoft.com/office/mac/drawingml/2011/main" val="1"/>
             </a:ext>
           </a:extLst>
         </p:spPr>
@@ -9117,7 +12427,7 @@
           </a:ln>
           <a:extLst>
             <a:ext uri="{C572A759-6A51-4108-AA02-DFA0A04FC94B}">
-              <ma14:wrappingTextBoxFlag xmlns:ma14="http://schemas.microsoft.com/office/mac/drawingml/2011/main" xmlns="" val="1"/>
+              <ma14:wrappingTextBoxFlag xmlns="" xmlns:ma14="http://schemas.microsoft.com/office/mac/drawingml/2011/main" val="1"/>
             </a:ext>
           </a:extLst>
         </p:spPr>
@@ -9137,6 +12447,444 @@
     <p:extLst>
       <p:ext uri="{BB962C8B-B14F-4D97-AF65-F5344CB8AC3E}">
         <p14:creationId xmlns:p14="http://schemas.microsoft.com/office/powerpoint/2010/main" val="1587690726"/>
+      </p:ext>
+    </p:extLst>
+  </p:cSld>
+  <p:clrMapOvr>
+    <a:masterClrMapping/>
+  </p:clrMapOvr>
+</p:sld>
+</file>
+
+<file path=ppt/slides/slide7.xml><?xml version="1.0" encoding="utf-8"?>
+<p:sld xmlns:a="http://schemas.openxmlformats.org/drawingml/2006/main" xmlns:r="http://schemas.openxmlformats.org/officeDocument/2006/relationships" xmlns:p="http://schemas.openxmlformats.org/presentationml/2006/main">
+  <p:cSld>
+    <p:spTree>
+      <p:nvGrpSpPr>
+        <p:cNvPr id="1" name=""/>
+        <p:cNvGrpSpPr/>
+        <p:nvPr/>
+      </p:nvGrpSpPr>
+      <p:grpSpPr>
+        <a:xfrm>
+          <a:off x="0" y="0"/>
+          <a:ext cx="0" cy="0"/>
+          <a:chOff x="0" y="0"/>
+          <a:chExt cx="0" cy="0"/>
+        </a:xfrm>
+      </p:grpSpPr>
+      <p:pic>
+        <p:nvPicPr>
+          <p:cNvPr id="3" name="図 2">
+            <a:extLst>
+              <a:ext uri="{FF2B5EF4-FFF2-40B4-BE49-F238E27FC236}">
+                <a16:creationId xmlns:a16="http://schemas.microsoft.com/office/drawing/2014/main" id="{814DF1D6-98BE-0DEA-CD74-D23A77B4C6F4}"/>
+              </a:ext>
+            </a:extLst>
+          </p:cNvPr>
+          <p:cNvPicPr>
+            <a:picLocks noChangeAspect="1"/>
+          </p:cNvPicPr>
+          <p:nvPr/>
+        </p:nvPicPr>
+        <p:blipFill>
+          <a:blip r:embed="rId2">
+            <a:extLst>
+              <a:ext uri="{28A0092B-C50C-407E-A947-70E740481C1C}">
+                <a14:useLocalDpi xmlns:a14="http://schemas.microsoft.com/office/drawing/2010/main" val="0"/>
+              </a:ext>
+            </a:extLst>
+          </a:blip>
+          <a:stretch>
+            <a:fillRect/>
+          </a:stretch>
+        </p:blipFill>
+        <p:spPr>
+          <a:xfrm>
+            <a:off x="530330" y="485949"/>
+            <a:ext cx="4357356" cy="4357356"/>
+          </a:xfrm>
+          <a:prstGeom prst="rect">
+            <a:avLst/>
+          </a:prstGeom>
+        </p:spPr>
+      </p:pic>
+    </p:spTree>
+    <p:extLst>
+      <p:ext uri="{BB962C8B-B14F-4D97-AF65-F5344CB8AC3E}">
+        <p14:creationId xmlns:p14="http://schemas.microsoft.com/office/powerpoint/2010/main" val="1453662152"/>
+      </p:ext>
+    </p:extLst>
+  </p:cSld>
+  <p:clrMapOvr>
+    <a:masterClrMapping/>
+  </p:clrMapOvr>
+</p:sld>
+</file>
+
+<file path=ppt/slides/slide8.xml><?xml version="1.0" encoding="utf-8"?>
+<p:sld xmlns:a="http://schemas.openxmlformats.org/drawingml/2006/main" xmlns:r="http://schemas.openxmlformats.org/officeDocument/2006/relationships" xmlns:p="http://schemas.openxmlformats.org/presentationml/2006/main">
+  <p:cSld>
+    <p:spTree>
+      <p:nvGrpSpPr>
+        <p:cNvPr id="1" name=""/>
+        <p:cNvGrpSpPr/>
+        <p:nvPr/>
+      </p:nvGrpSpPr>
+      <p:grpSpPr>
+        <a:xfrm>
+          <a:off x="0" y="0"/>
+          <a:ext cx="0" cy="0"/>
+          <a:chOff x="0" y="0"/>
+          <a:chExt cx="0" cy="0"/>
+        </a:xfrm>
+      </p:grpSpPr>
+      <p:sp>
+        <p:nvSpPr>
+          <p:cNvPr id="17" name="円/楕円 16">
+            <a:extLst>
+              <a:ext uri="{FF2B5EF4-FFF2-40B4-BE49-F238E27FC236}">
+                <a16:creationId xmlns:a16="http://schemas.microsoft.com/office/drawing/2014/main" id="{5B7E9BC7-E1B5-80B6-63D0-4BEC40733C34}"/>
+              </a:ext>
+            </a:extLst>
+          </p:cNvPr>
+          <p:cNvSpPr>
+            <a:spLocks noChangeAspect="1"/>
+          </p:cNvSpPr>
+          <p:nvPr/>
+        </p:nvSpPr>
+        <p:spPr>
+          <a:xfrm>
+            <a:off x="1673239" y="130725"/>
+            <a:ext cx="6596551" cy="6596551"/>
+          </a:xfrm>
+          <a:prstGeom prst="ellipse">
+            <a:avLst/>
+          </a:prstGeom>
+          <a:solidFill>
+            <a:srgbClr val="209CEE"/>
+          </a:solidFill>
+          <a:ln w="12700">
+            <a:noFill/>
+            <a:miter lim="400000"/>
+          </a:ln>
+          <a:extLst>
+            <a:ext uri="{C572A759-6A51-4108-AA02-DFA0A04FC94B}">
+              <ma14:wrappingTextBoxFlag xmlns="" xmlns:ma14="http://schemas.microsoft.com/office/mac/drawingml/2011/main" val="1"/>
+            </a:ext>
+          </a:extLst>
+        </p:spPr>
+        <p:txBody>
+          <a:bodyPr rtlCol="0" anchor="ctr"/>
+          <a:lstStyle/>
+          <a:p>
+            <a:pPr algn="ctr"/>
+            <a:endParaRPr kumimoji="1" lang="ja-JP" altLang="en-US" sz="2000">
+              <a:latin typeface="Plantagenet Cherokee" panose="02020000000000000000" pitchFamily="18" charset="-79"/>
+              <a:cs typeface="Plantagenet Cherokee" panose="02020000000000000000" pitchFamily="18" charset="-79"/>
+            </a:endParaRPr>
+          </a:p>
+        </p:txBody>
+      </p:sp>
+      <p:sp>
+        <p:nvSpPr>
+          <p:cNvPr id="2" name="正方形/長方形 1">
+            <a:extLst>
+              <a:ext uri="{FF2B5EF4-FFF2-40B4-BE49-F238E27FC236}">
+                <a16:creationId xmlns:a16="http://schemas.microsoft.com/office/drawing/2014/main" id="{10E74CC0-DF2F-AF6D-B4D6-A55E1EEDCB12}"/>
+              </a:ext>
+            </a:extLst>
+          </p:cNvPr>
+          <p:cNvSpPr>
+            <a:spLocks noChangeAspect="1"/>
+          </p:cNvSpPr>
+          <p:nvPr/>
+        </p:nvSpPr>
+        <p:spPr>
+          <a:xfrm>
+            <a:off x="3235570" y="1272384"/>
+            <a:ext cx="1062709" cy="4313233"/>
+          </a:xfrm>
+          <a:prstGeom prst="rect">
+            <a:avLst/>
+          </a:prstGeom>
+          <a:solidFill>
+            <a:schemeClr val="bg1"/>
+          </a:solidFill>
+          <a:ln w="12700">
+            <a:noFill/>
+            <a:miter lim="400000"/>
+          </a:ln>
+          <a:extLst>
+            <a:ext uri="{C572A759-6A51-4108-AA02-DFA0A04FC94B}">
+              <ma14:wrappingTextBoxFlag xmlns="" xmlns:ma14="http://schemas.microsoft.com/office/mac/drawingml/2011/main" val="1"/>
+            </a:ext>
+          </a:extLst>
+        </p:spPr>
+        <p:txBody>
+          <a:bodyPr rtlCol="0" anchor="ctr"/>
+          <a:lstStyle/>
+          <a:p>
+            <a:pPr algn="ctr"/>
+            <a:endParaRPr kumimoji="1" lang="ja-JP" altLang="en-US" sz="2000">
+              <a:latin typeface="Plantagenet Cherokee" panose="02020000000000000000" pitchFamily="18" charset="-79"/>
+              <a:cs typeface="Plantagenet Cherokee" panose="02020000000000000000" pitchFamily="18" charset="-79"/>
+            </a:endParaRPr>
+          </a:p>
+        </p:txBody>
+      </p:sp>
+      <p:sp>
+        <p:nvSpPr>
+          <p:cNvPr id="3" name="山形 2">
+            <a:extLst>
+              <a:ext uri="{FF2B5EF4-FFF2-40B4-BE49-F238E27FC236}">
+                <a16:creationId xmlns:a16="http://schemas.microsoft.com/office/drawing/2014/main" id="{816834E6-CDA4-A6D3-D2C1-5D26D8A6E658}"/>
+              </a:ext>
+            </a:extLst>
+          </p:cNvPr>
+          <p:cNvSpPr/>
+          <p:nvPr/>
+        </p:nvSpPr>
+        <p:spPr>
+          <a:xfrm flipH="1">
+            <a:off x="4037028" y="1272384"/>
+            <a:ext cx="3217886" cy="4313233"/>
+          </a:xfrm>
+          <a:prstGeom prst="chevron">
+            <a:avLst>
+              <a:gd name="adj" fmla="val 61008"/>
+            </a:avLst>
+          </a:prstGeom>
+          <a:solidFill>
+            <a:schemeClr val="bg1"/>
+          </a:solidFill>
+          <a:ln w="12700">
+            <a:noFill/>
+            <a:miter lim="400000"/>
+          </a:ln>
+          <a:extLst>
+            <a:ext uri="{C572A759-6A51-4108-AA02-DFA0A04FC94B}">
+              <ma14:wrappingTextBoxFlag xmlns="" xmlns:ma14="http://schemas.microsoft.com/office/mac/drawingml/2011/main" val="1"/>
+            </a:ext>
+          </a:extLst>
+        </p:spPr>
+        <p:txBody>
+          <a:bodyPr rtlCol="0" anchor="ctr"/>
+          <a:lstStyle/>
+          <a:p>
+            <a:pPr algn="ctr"/>
+            <a:endParaRPr kumimoji="1" lang="ja-JP" altLang="en-US"/>
+          </a:p>
+        </p:txBody>
+      </p:sp>
+    </p:spTree>
+    <p:extLst>
+      <p:ext uri="{BB962C8B-B14F-4D97-AF65-F5344CB8AC3E}">
+        <p14:creationId xmlns:p14="http://schemas.microsoft.com/office/powerpoint/2010/main" val="154802262"/>
+      </p:ext>
+    </p:extLst>
+  </p:cSld>
+  <p:clrMapOvr>
+    <a:masterClrMapping/>
+  </p:clrMapOvr>
+</p:sld>
+</file>
+
+<file path=ppt/slides/slide9.xml><?xml version="1.0" encoding="utf-8"?>
+<p:sld xmlns:a="http://schemas.openxmlformats.org/drawingml/2006/main" xmlns:r="http://schemas.openxmlformats.org/officeDocument/2006/relationships" xmlns:p="http://schemas.openxmlformats.org/presentationml/2006/main">
+  <p:cSld>
+    <p:spTree>
+      <p:nvGrpSpPr>
+        <p:cNvPr id="1" name=""/>
+        <p:cNvGrpSpPr/>
+        <p:nvPr/>
+      </p:nvGrpSpPr>
+      <p:grpSpPr>
+        <a:xfrm>
+          <a:off x="0" y="0"/>
+          <a:ext cx="0" cy="0"/>
+          <a:chOff x="0" y="0"/>
+          <a:chExt cx="0" cy="0"/>
+        </a:xfrm>
+      </p:grpSpPr>
+      <p:sp>
+        <p:nvSpPr>
+          <p:cNvPr id="17" name="円/楕円 16">
+            <a:extLst>
+              <a:ext uri="{FF2B5EF4-FFF2-40B4-BE49-F238E27FC236}">
+                <a16:creationId xmlns:a16="http://schemas.microsoft.com/office/drawing/2014/main" id="{5B7E9BC7-E1B5-80B6-63D0-4BEC40733C34}"/>
+              </a:ext>
+            </a:extLst>
+          </p:cNvPr>
+          <p:cNvSpPr>
+            <a:spLocks noChangeAspect="1"/>
+          </p:cNvSpPr>
+          <p:nvPr/>
+        </p:nvSpPr>
+        <p:spPr>
+          <a:xfrm>
+            <a:off x="1502416" y="130725"/>
+            <a:ext cx="6596551" cy="6596551"/>
+          </a:xfrm>
+          <a:prstGeom prst="ellipse">
+            <a:avLst/>
+          </a:prstGeom>
+          <a:solidFill>
+            <a:srgbClr val="209CEE"/>
+          </a:solidFill>
+          <a:ln w="12700">
+            <a:noFill/>
+            <a:miter lim="400000"/>
+          </a:ln>
+          <a:extLst>
+            <a:ext uri="{C572A759-6A51-4108-AA02-DFA0A04FC94B}">
+              <ma14:wrappingTextBoxFlag xmlns="" xmlns:ma14="http://schemas.microsoft.com/office/mac/drawingml/2011/main" val="1"/>
+            </a:ext>
+          </a:extLst>
+        </p:spPr>
+        <p:txBody>
+          <a:bodyPr rtlCol="0" anchor="ctr"/>
+          <a:lstStyle/>
+          <a:p>
+            <a:pPr algn="ctr"/>
+            <a:endParaRPr kumimoji="1" lang="ja-JP" altLang="en-US" sz="2000">
+              <a:latin typeface="Plantagenet Cherokee" panose="02020000000000000000" pitchFamily="18" charset="-79"/>
+              <a:cs typeface="Plantagenet Cherokee" panose="02020000000000000000" pitchFamily="18" charset="-79"/>
+            </a:endParaRPr>
+          </a:p>
+        </p:txBody>
+      </p:sp>
+      <p:sp>
+        <p:nvSpPr>
+          <p:cNvPr id="2" name="正方形/長方形 1">
+            <a:extLst>
+              <a:ext uri="{FF2B5EF4-FFF2-40B4-BE49-F238E27FC236}">
+                <a16:creationId xmlns:a16="http://schemas.microsoft.com/office/drawing/2014/main" id="{10E74CC0-DF2F-AF6D-B4D6-A55E1EEDCB12}"/>
+              </a:ext>
+            </a:extLst>
+          </p:cNvPr>
+          <p:cNvSpPr>
+            <a:spLocks noChangeAspect="1"/>
+          </p:cNvSpPr>
+          <p:nvPr/>
+        </p:nvSpPr>
+        <p:spPr>
+          <a:xfrm>
+            <a:off x="3054700" y="1272384"/>
+            <a:ext cx="982324" cy="4313233"/>
+          </a:xfrm>
+          <a:prstGeom prst="rect">
+            <a:avLst/>
+          </a:prstGeom>
+          <a:solidFill>
+            <a:schemeClr val="bg1"/>
+          </a:solidFill>
+          <a:ln w="12700">
+            <a:noFill/>
+            <a:miter lim="400000"/>
+          </a:ln>
+          <a:extLst>
+            <a:ext uri="{C572A759-6A51-4108-AA02-DFA0A04FC94B}">
+              <ma14:wrappingTextBoxFlag xmlns="" xmlns:ma14="http://schemas.microsoft.com/office/mac/drawingml/2011/main" val="1"/>
+            </a:ext>
+          </a:extLst>
+        </p:spPr>
+        <p:txBody>
+          <a:bodyPr rtlCol="0" anchor="ctr"/>
+          <a:lstStyle/>
+          <a:p>
+            <a:pPr algn="ctr"/>
+            <a:endParaRPr kumimoji="1" lang="ja-JP" altLang="en-US" sz="2000">
+              <a:latin typeface="Plantagenet Cherokee" panose="02020000000000000000" pitchFamily="18" charset="-79"/>
+              <a:cs typeface="Plantagenet Cherokee" panose="02020000000000000000" pitchFamily="18" charset="-79"/>
+            </a:endParaRPr>
+          </a:p>
+        </p:txBody>
+      </p:sp>
+      <p:sp>
+        <p:nvSpPr>
+          <p:cNvPr id="3" name="山形 2">
+            <a:extLst>
+              <a:ext uri="{FF2B5EF4-FFF2-40B4-BE49-F238E27FC236}">
+                <a16:creationId xmlns:a16="http://schemas.microsoft.com/office/drawing/2014/main" id="{816834E6-CDA4-A6D3-D2C1-5D26D8A6E658}"/>
+              </a:ext>
+            </a:extLst>
+          </p:cNvPr>
+          <p:cNvSpPr/>
+          <p:nvPr/>
+        </p:nvSpPr>
+        <p:spPr>
+          <a:xfrm flipH="1">
+            <a:off x="3645140" y="1272384"/>
+            <a:ext cx="3227931" cy="4313233"/>
+          </a:xfrm>
+          <a:prstGeom prst="chevron">
+            <a:avLst>
+              <a:gd name="adj" fmla="val 60541"/>
+            </a:avLst>
+          </a:prstGeom>
+          <a:solidFill>
+            <a:schemeClr val="bg1"/>
+          </a:solidFill>
+          <a:ln w="12700">
+            <a:noFill/>
+            <a:miter lim="400000"/>
+          </a:ln>
+          <a:extLst>
+            <a:ext uri="{C572A759-6A51-4108-AA02-DFA0A04FC94B}">
+              <ma14:wrappingTextBoxFlag xmlns="" xmlns:ma14="http://schemas.microsoft.com/office/mac/drawingml/2011/main" val="1"/>
+            </a:ext>
+          </a:extLst>
+        </p:spPr>
+        <p:txBody>
+          <a:bodyPr rtlCol="0" anchor="ctr"/>
+          <a:lstStyle/>
+          <a:p>
+            <a:pPr algn="ctr"/>
+            <a:endParaRPr kumimoji="1" lang="ja-JP" altLang="en-US"/>
+          </a:p>
+        </p:txBody>
+      </p:sp>
+      <p:pic>
+        <p:nvPicPr>
+          <p:cNvPr id="4" name="図 3">
+            <a:extLst>
+              <a:ext uri="{FF2B5EF4-FFF2-40B4-BE49-F238E27FC236}">
+                <a16:creationId xmlns:a16="http://schemas.microsoft.com/office/drawing/2014/main" id="{D24FB805-379B-ED36-6565-3A1E591C1E23}"/>
+              </a:ext>
+            </a:extLst>
+          </p:cNvPr>
+          <p:cNvPicPr>
+            <a:picLocks noChangeAspect="1"/>
+          </p:cNvPicPr>
+          <p:nvPr/>
+        </p:nvPicPr>
+        <p:blipFill>
+          <a:blip r:embed="rId2">
+            <a:extLst>
+              <a:ext uri="{28A0092B-C50C-407E-A947-70E740481C1C}">
+                <a14:useLocalDpi xmlns:a14="http://schemas.microsoft.com/office/drawing/2010/main" val="0"/>
+              </a:ext>
+            </a:extLst>
+          </a:blip>
+          <a:stretch>
+            <a:fillRect/>
+          </a:stretch>
+        </p:blipFill>
+        <p:spPr>
+          <a:xfrm>
+            <a:off x="8739652" y="-683288"/>
+            <a:ext cx="3537020" cy="3537020"/>
+          </a:xfrm>
+          <a:prstGeom prst="rect">
+            <a:avLst/>
+          </a:prstGeom>
+        </p:spPr>
+      </p:pic>
+    </p:spTree>
+    <p:extLst>
+      <p:ext uri="{BB962C8B-B14F-4D97-AF65-F5344CB8AC3E}">
+        <p14:creationId xmlns:p14="http://schemas.microsoft.com/office/powerpoint/2010/main" val="650452768"/>
       </p:ext>
     </p:extLst>
   </p:cSld>
@@ -9380,7 +13128,7 @@
         </a:ln>
         <a:extLst>
           <a:ext uri="{C572A759-6A51-4108-AA02-DFA0A04FC94B}">
-            <ma14:wrappingTextBoxFlag xmlns:p="http://schemas.openxmlformats.org/presentationml/2006/main" xmlns:r="http://schemas.openxmlformats.org/officeDocument/2006/relationships" xmlns="" xmlns:ma14="http://schemas.microsoft.com/office/mac/drawingml/2011/main" val="1"/>
+            <ma14:wrappingTextBoxFlag xmlns:ma14="http://schemas.microsoft.com/office/mac/drawingml/2011/main" xmlns="" xmlns:r="http://schemas.openxmlformats.org/officeDocument/2006/relationships" xmlns:p="http://schemas.openxmlformats.org/presentationml/2006/main" val="1"/>
           </a:ext>
         </a:extLst>
       </a:spPr>

--- a/_memo/100knocks.pptx
+++ b/_memo/100knocks.pptx
@@ -5,10 +5,10 @@
     <p:sldMasterId id="2147483648" r:id="rId1"/>
   </p:sldMasterIdLst>
   <p:notesMasterIdLst>
-    <p:notesMasterId r:id="rId23"/>
+    <p:notesMasterId r:id="rId29"/>
   </p:notesMasterIdLst>
   <p:handoutMasterIdLst>
-    <p:handoutMasterId r:id="rId24"/>
+    <p:handoutMasterId r:id="rId30"/>
   </p:handoutMasterIdLst>
   <p:sldIdLst>
     <p:sldId id="633" r:id="rId2"/>
@@ -32,6 +32,12 @@
     <p:sldId id="651" r:id="rId20"/>
     <p:sldId id="652" r:id="rId21"/>
     <p:sldId id="653" r:id="rId22"/>
+    <p:sldId id="654" r:id="rId23"/>
+    <p:sldId id="655" r:id="rId24"/>
+    <p:sldId id="656" r:id="rId25"/>
+    <p:sldId id="658" r:id="rId26"/>
+    <p:sldId id="657" r:id="rId27"/>
+    <p:sldId id="659" r:id="rId28"/>
   </p:sldIdLst>
   <p:sldSz cx="12192000" cy="6858000"/>
   <p:notesSz cx="6735763" cy="9866313"/>
@@ -156,6 +162,12 @@
             <p14:sldId id="651"/>
             <p14:sldId id="652"/>
             <p14:sldId id="653"/>
+            <p14:sldId id="654"/>
+            <p14:sldId id="655"/>
+            <p14:sldId id="656"/>
+            <p14:sldId id="658"/>
+            <p14:sldId id="657"/>
+            <p14:sldId id="659"/>
           </p14:sldIdLst>
         </p14:section>
         <p14:section name="アイコン" id="{E6A61129-24E8-BE4F-97F7-218E9035C89D}">
@@ -11215,6 +11227,1614 @@
     <p:extLst>
       <p:ext uri="{BB962C8B-B14F-4D97-AF65-F5344CB8AC3E}">
         <p14:creationId xmlns:p14="http://schemas.microsoft.com/office/powerpoint/2010/main" val="1398700001"/>
+      </p:ext>
+    </p:extLst>
+  </p:cSld>
+  <p:clrMapOvr>
+    <a:masterClrMapping/>
+  </p:clrMapOvr>
+</p:sld>
+</file>
+
+<file path=ppt/slides/slide22.xml><?xml version="1.0" encoding="utf-8"?>
+<p:sld xmlns:a="http://schemas.openxmlformats.org/drawingml/2006/main" xmlns:r="http://schemas.openxmlformats.org/officeDocument/2006/relationships" xmlns:p="http://schemas.openxmlformats.org/presentationml/2006/main">
+  <p:cSld>
+    <p:spTree>
+      <p:nvGrpSpPr>
+        <p:cNvPr id="1" name=""/>
+        <p:cNvGrpSpPr/>
+        <p:nvPr/>
+      </p:nvGrpSpPr>
+      <p:grpSpPr>
+        <a:xfrm>
+          <a:off x="0" y="0"/>
+          <a:ext cx="0" cy="0"/>
+          <a:chOff x="0" y="0"/>
+          <a:chExt cx="0" cy="0"/>
+        </a:xfrm>
+      </p:grpSpPr>
+      <p:sp>
+        <p:nvSpPr>
+          <p:cNvPr id="17" name="円/楕円 16">
+            <a:extLst>
+              <a:ext uri="{FF2B5EF4-FFF2-40B4-BE49-F238E27FC236}">
+                <a16:creationId xmlns:a16="http://schemas.microsoft.com/office/drawing/2014/main" id="{5B7E9BC7-E1B5-80B6-63D0-4BEC40733C34}"/>
+              </a:ext>
+            </a:extLst>
+          </p:cNvPr>
+          <p:cNvSpPr>
+            <a:spLocks noChangeAspect="1"/>
+          </p:cNvSpPr>
+          <p:nvPr/>
+        </p:nvSpPr>
+        <p:spPr>
+          <a:xfrm>
+            <a:off x="1110534" y="18464"/>
+            <a:ext cx="6829487" cy="6829487"/>
+          </a:xfrm>
+          <a:prstGeom prst="ellipse">
+            <a:avLst/>
+          </a:prstGeom>
+          <a:solidFill>
+            <a:srgbClr val="209CEE"/>
+          </a:solidFill>
+          <a:ln w="12700">
+            <a:noFill/>
+            <a:miter lim="400000"/>
+          </a:ln>
+          <a:extLst>
+            <a:ext uri="{C572A759-6A51-4108-AA02-DFA0A04FC94B}">
+              <ma14:wrappingTextBoxFlag xmlns="" xmlns:ma14="http://schemas.microsoft.com/office/mac/drawingml/2011/main" val="1"/>
+            </a:ext>
+          </a:extLst>
+        </p:spPr>
+        <p:txBody>
+          <a:bodyPr rtlCol="0" anchor="ctr"/>
+          <a:lstStyle/>
+          <a:p>
+            <a:pPr algn="ctr"/>
+            <a:endParaRPr kumimoji="1" lang="ja-JP" altLang="en-US" sz="2000">
+              <a:latin typeface="Plantagenet Cherokee" panose="02020000000000000000" pitchFamily="18" charset="-79"/>
+              <a:cs typeface="Plantagenet Cherokee" panose="02020000000000000000" pitchFamily="18" charset="-79"/>
+            </a:endParaRPr>
+          </a:p>
+        </p:txBody>
+      </p:sp>
+      <p:sp>
+        <p:nvSpPr>
+          <p:cNvPr id="2" name="正方形/長方形 1">
+            <a:extLst>
+              <a:ext uri="{FF2B5EF4-FFF2-40B4-BE49-F238E27FC236}">
+                <a16:creationId xmlns:a16="http://schemas.microsoft.com/office/drawing/2014/main" id="{10E74CC0-DF2F-AF6D-B4D6-A55E1EEDCB12}"/>
+              </a:ext>
+            </a:extLst>
+          </p:cNvPr>
+          <p:cNvSpPr>
+            <a:spLocks noChangeAspect="1"/>
+          </p:cNvSpPr>
+          <p:nvPr/>
+        </p:nvSpPr>
+        <p:spPr>
+          <a:xfrm>
+            <a:off x="2934120" y="1656829"/>
+            <a:ext cx="843134" cy="3609276"/>
+          </a:xfrm>
+          <a:prstGeom prst="rect">
+            <a:avLst/>
+          </a:prstGeom>
+          <a:solidFill>
+            <a:schemeClr val="bg1"/>
+          </a:solidFill>
+          <a:ln w="12700">
+            <a:noFill/>
+            <a:miter lim="400000"/>
+          </a:ln>
+          <a:extLst>
+            <a:ext uri="{C572A759-6A51-4108-AA02-DFA0A04FC94B}">
+              <ma14:wrappingTextBoxFlag xmlns="" xmlns:ma14="http://schemas.microsoft.com/office/mac/drawingml/2011/main" val="1"/>
+            </a:ext>
+          </a:extLst>
+        </p:spPr>
+        <p:txBody>
+          <a:bodyPr rtlCol="0" anchor="ctr"/>
+          <a:lstStyle/>
+          <a:p>
+            <a:pPr algn="ctr"/>
+            <a:endParaRPr kumimoji="1" lang="ja-JP" altLang="en-US" sz="2000">
+              <a:latin typeface="Plantagenet Cherokee" panose="02020000000000000000" pitchFamily="18" charset="-79"/>
+              <a:cs typeface="Plantagenet Cherokee" panose="02020000000000000000" pitchFamily="18" charset="-79"/>
+            </a:endParaRPr>
+          </a:p>
+        </p:txBody>
+      </p:sp>
+      <p:sp>
+        <p:nvSpPr>
+          <p:cNvPr id="4" name="平行四辺形 3">
+            <a:extLst>
+              <a:ext uri="{FF2B5EF4-FFF2-40B4-BE49-F238E27FC236}">
+                <a16:creationId xmlns:a16="http://schemas.microsoft.com/office/drawing/2014/main" id="{FA33888D-86F2-D809-EE8B-63E2CFC0D93E}"/>
+              </a:ext>
+            </a:extLst>
+          </p:cNvPr>
+          <p:cNvSpPr/>
+          <p:nvPr/>
+        </p:nvSpPr>
+        <p:spPr>
+          <a:xfrm>
+            <a:off x="3635085" y="1656832"/>
+            <a:ext cx="2718534" cy="1634786"/>
+          </a:xfrm>
+          <a:prstGeom prst="parallelogram">
+            <a:avLst>
+              <a:gd name="adj" fmla="val 101114"/>
+            </a:avLst>
+          </a:prstGeom>
+          <a:solidFill>
+            <a:schemeClr val="bg1"/>
+          </a:solidFill>
+          <a:ln w="12700">
+            <a:noFill/>
+            <a:miter lim="400000"/>
+          </a:ln>
+          <a:extLst>
+            <a:ext uri="{C572A759-6A51-4108-AA02-DFA0A04FC94B}">
+              <ma14:wrappingTextBoxFlag xmlns="" xmlns:ma14="http://schemas.microsoft.com/office/mac/drawingml/2011/main" val="1"/>
+            </a:ext>
+          </a:extLst>
+        </p:spPr>
+        <p:txBody>
+          <a:bodyPr rtlCol="0" anchor="ctr"/>
+          <a:lstStyle/>
+          <a:p>
+            <a:pPr algn="ctr"/>
+            <a:endParaRPr kumimoji="1" lang="ja-JP" altLang="en-US"/>
+          </a:p>
+        </p:txBody>
+      </p:sp>
+      <p:sp>
+        <p:nvSpPr>
+          <p:cNvPr id="5" name="平行四辺形 4">
+            <a:extLst>
+              <a:ext uri="{FF2B5EF4-FFF2-40B4-BE49-F238E27FC236}">
+                <a16:creationId xmlns:a16="http://schemas.microsoft.com/office/drawing/2014/main" id="{71354601-FEC4-1C68-1105-FF4E5A37F197}"/>
+              </a:ext>
+            </a:extLst>
+          </p:cNvPr>
+          <p:cNvSpPr/>
+          <p:nvPr/>
+        </p:nvSpPr>
+        <p:spPr>
+          <a:xfrm flipV="1">
+            <a:off x="3545857" y="3386291"/>
+            <a:ext cx="3005665" cy="1849670"/>
+          </a:xfrm>
+          <a:prstGeom prst="parallelogram">
+            <a:avLst>
+              <a:gd name="adj" fmla="val 99799"/>
+            </a:avLst>
+          </a:prstGeom>
+          <a:solidFill>
+            <a:schemeClr val="bg1"/>
+          </a:solidFill>
+          <a:ln w="12700">
+            <a:noFill/>
+            <a:miter lim="400000"/>
+          </a:ln>
+          <a:extLst>
+            <a:ext uri="{C572A759-6A51-4108-AA02-DFA0A04FC94B}">
+              <ma14:wrappingTextBoxFlag xmlns="" xmlns:ma14="http://schemas.microsoft.com/office/mac/drawingml/2011/main" val="1"/>
+            </a:ext>
+          </a:extLst>
+        </p:spPr>
+        <p:txBody>
+          <a:bodyPr rtlCol="0" anchor="ctr"/>
+          <a:lstStyle/>
+          <a:p>
+            <a:pPr algn="ctr"/>
+            <a:endParaRPr kumimoji="1" lang="ja-JP" altLang="en-US"/>
+          </a:p>
+        </p:txBody>
+      </p:sp>
+    </p:spTree>
+    <p:extLst>
+      <p:ext uri="{BB962C8B-B14F-4D97-AF65-F5344CB8AC3E}">
+        <p14:creationId xmlns:p14="http://schemas.microsoft.com/office/powerpoint/2010/main" val="124215171"/>
+      </p:ext>
+    </p:extLst>
+  </p:cSld>
+  <p:clrMapOvr>
+    <a:masterClrMapping/>
+  </p:clrMapOvr>
+</p:sld>
+</file>
+
+<file path=ppt/slides/slide23.xml><?xml version="1.0" encoding="utf-8"?>
+<p:sld xmlns:a="http://schemas.openxmlformats.org/drawingml/2006/main" xmlns:r="http://schemas.openxmlformats.org/officeDocument/2006/relationships" xmlns:p="http://schemas.openxmlformats.org/presentationml/2006/main">
+  <p:cSld>
+    <p:spTree>
+      <p:nvGrpSpPr>
+        <p:cNvPr id="1" name=""/>
+        <p:cNvGrpSpPr/>
+        <p:nvPr/>
+      </p:nvGrpSpPr>
+      <p:grpSpPr>
+        <a:xfrm>
+          <a:off x="0" y="0"/>
+          <a:ext cx="0" cy="0"/>
+          <a:chOff x="0" y="0"/>
+          <a:chExt cx="0" cy="0"/>
+        </a:xfrm>
+      </p:grpSpPr>
+      <p:sp>
+        <p:nvSpPr>
+          <p:cNvPr id="17" name="円/楕円 16">
+            <a:extLst>
+              <a:ext uri="{FF2B5EF4-FFF2-40B4-BE49-F238E27FC236}">
+                <a16:creationId xmlns:a16="http://schemas.microsoft.com/office/drawing/2014/main" id="{5B7E9BC7-E1B5-80B6-63D0-4BEC40733C34}"/>
+              </a:ext>
+            </a:extLst>
+          </p:cNvPr>
+          <p:cNvSpPr>
+            <a:spLocks noChangeAspect="1"/>
+          </p:cNvSpPr>
+          <p:nvPr/>
+        </p:nvSpPr>
+        <p:spPr>
+          <a:xfrm>
+            <a:off x="1130630" y="18464"/>
+            <a:ext cx="6829487" cy="6829487"/>
+          </a:xfrm>
+          <a:prstGeom prst="ellipse">
+            <a:avLst/>
+          </a:prstGeom>
+          <a:solidFill>
+            <a:srgbClr val="209CEE"/>
+          </a:solidFill>
+          <a:ln w="12700">
+            <a:noFill/>
+            <a:miter lim="400000"/>
+          </a:ln>
+          <a:extLst>
+            <a:ext uri="{C572A759-6A51-4108-AA02-DFA0A04FC94B}">
+              <ma14:wrappingTextBoxFlag xmlns="" xmlns:ma14="http://schemas.microsoft.com/office/mac/drawingml/2011/main" val="1"/>
+            </a:ext>
+          </a:extLst>
+        </p:spPr>
+        <p:txBody>
+          <a:bodyPr rtlCol="0" anchor="ctr"/>
+          <a:lstStyle/>
+          <a:p>
+            <a:pPr algn="ctr"/>
+            <a:endParaRPr kumimoji="1" lang="ja-JP" altLang="en-US" sz="2000">
+              <a:latin typeface="Plantagenet Cherokee" panose="02020000000000000000" pitchFamily="18" charset="-79"/>
+              <a:cs typeface="Plantagenet Cherokee" panose="02020000000000000000" pitchFamily="18" charset="-79"/>
+            </a:endParaRPr>
+          </a:p>
+        </p:txBody>
+      </p:sp>
+      <p:sp>
+        <p:nvSpPr>
+          <p:cNvPr id="2" name="正方形/長方形 1">
+            <a:extLst>
+              <a:ext uri="{FF2B5EF4-FFF2-40B4-BE49-F238E27FC236}">
+                <a16:creationId xmlns:a16="http://schemas.microsoft.com/office/drawing/2014/main" id="{10E74CC0-DF2F-AF6D-B4D6-A55E1EEDCB12}"/>
+              </a:ext>
+            </a:extLst>
+          </p:cNvPr>
+          <p:cNvSpPr>
+            <a:spLocks noChangeAspect="1"/>
+          </p:cNvSpPr>
+          <p:nvPr/>
+        </p:nvSpPr>
+        <p:spPr>
+          <a:xfrm>
+            <a:off x="3044648" y="1656829"/>
+            <a:ext cx="843134" cy="3609276"/>
+          </a:xfrm>
+          <a:prstGeom prst="rect">
+            <a:avLst/>
+          </a:prstGeom>
+          <a:solidFill>
+            <a:schemeClr val="bg1"/>
+          </a:solidFill>
+          <a:ln w="12700">
+            <a:noFill/>
+            <a:miter lim="400000"/>
+          </a:ln>
+          <a:extLst>
+            <a:ext uri="{C572A759-6A51-4108-AA02-DFA0A04FC94B}">
+              <ma14:wrappingTextBoxFlag xmlns="" xmlns:ma14="http://schemas.microsoft.com/office/mac/drawingml/2011/main" val="1"/>
+            </a:ext>
+          </a:extLst>
+        </p:spPr>
+        <p:txBody>
+          <a:bodyPr rtlCol="0" anchor="ctr"/>
+          <a:lstStyle/>
+          <a:p>
+            <a:pPr algn="ctr"/>
+            <a:endParaRPr kumimoji="1" lang="ja-JP" altLang="en-US" sz="2000">
+              <a:latin typeface="Plantagenet Cherokee" panose="02020000000000000000" pitchFamily="18" charset="-79"/>
+              <a:cs typeface="Plantagenet Cherokee" panose="02020000000000000000" pitchFamily="18" charset="-79"/>
+            </a:endParaRPr>
+          </a:p>
+        </p:txBody>
+      </p:sp>
+      <p:sp>
+        <p:nvSpPr>
+          <p:cNvPr id="4" name="平行四辺形 3">
+            <a:extLst>
+              <a:ext uri="{FF2B5EF4-FFF2-40B4-BE49-F238E27FC236}">
+                <a16:creationId xmlns:a16="http://schemas.microsoft.com/office/drawing/2014/main" id="{FA33888D-86F2-D809-EE8B-63E2CFC0D93E}"/>
+              </a:ext>
+            </a:extLst>
+          </p:cNvPr>
+          <p:cNvSpPr/>
+          <p:nvPr/>
+        </p:nvSpPr>
+        <p:spPr>
+          <a:xfrm>
+            <a:off x="3635085" y="1656832"/>
+            <a:ext cx="2718534" cy="1634786"/>
+          </a:xfrm>
+          <a:prstGeom prst="parallelogram">
+            <a:avLst>
+              <a:gd name="adj" fmla="val 101114"/>
+            </a:avLst>
+          </a:prstGeom>
+          <a:solidFill>
+            <a:schemeClr val="bg1"/>
+          </a:solidFill>
+          <a:ln w="12700">
+            <a:noFill/>
+            <a:miter lim="400000"/>
+          </a:ln>
+          <a:extLst>
+            <a:ext uri="{C572A759-6A51-4108-AA02-DFA0A04FC94B}">
+              <ma14:wrappingTextBoxFlag xmlns="" xmlns:ma14="http://schemas.microsoft.com/office/mac/drawingml/2011/main" val="1"/>
+            </a:ext>
+          </a:extLst>
+        </p:spPr>
+        <p:txBody>
+          <a:bodyPr rtlCol="0" anchor="ctr"/>
+          <a:lstStyle/>
+          <a:p>
+            <a:pPr algn="ctr"/>
+            <a:endParaRPr kumimoji="1" lang="ja-JP" altLang="en-US"/>
+          </a:p>
+        </p:txBody>
+      </p:sp>
+      <p:sp>
+        <p:nvSpPr>
+          <p:cNvPr id="5" name="平行四辺形 4">
+            <a:extLst>
+              <a:ext uri="{FF2B5EF4-FFF2-40B4-BE49-F238E27FC236}">
+                <a16:creationId xmlns:a16="http://schemas.microsoft.com/office/drawing/2014/main" id="{71354601-FEC4-1C68-1105-FF4E5A37F197}"/>
+              </a:ext>
+            </a:extLst>
+          </p:cNvPr>
+          <p:cNvSpPr/>
+          <p:nvPr/>
+        </p:nvSpPr>
+        <p:spPr>
+          <a:xfrm flipV="1">
+            <a:off x="3545857" y="3386291"/>
+            <a:ext cx="3005665" cy="1849670"/>
+          </a:xfrm>
+          <a:prstGeom prst="parallelogram">
+            <a:avLst>
+              <a:gd name="adj" fmla="val 99799"/>
+            </a:avLst>
+          </a:prstGeom>
+          <a:solidFill>
+            <a:schemeClr val="bg1"/>
+          </a:solidFill>
+          <a:ln w="12700">
+            <a:noFill/>
+            <a:miter lim="400000"/>
+          </a:ln>
+          <a:extLst>
+            <a:ext uri="{C572A759-6A51-4108-AA02-DFA0A04FC94B}">
+              <ma14:wrappingTextBoxFlag xmlns="" xmlns:ma14="http://schemas.microsoft.com/office/mac/drawingml/2011/main" val="1"/>
+            </a:ext>
+          </a:extLst>
+        </p:spPr>
+        <p:txBody>
+          <a:bodyPr rtlCol="0" anchor="ctr"/>
+          <a:lstStyle/>
+          <a:p>
+            <a:pPr algn="ctr"/>
+            <a:endParaRPr kumimoji="1" lang="ja-JP" altLang="en-US"/>
+          </a:p>
+        </p:txBody>
+      </p:sp>
+    </p:spTree>
+    <p:extLst>
+      <p:ext uri="{BB962C8B-B14F-4D97-AF65-F5344CB8AC3E}">
+        <p14:creationId xmlns:p14="http://schemas.microsoft.com/office/powerpoint/2010/main" val="1945000073"/>
+      </p:ext>
+    </p:extLst>
+  </p:cSld>
+  <p:clrMapOvr>
+    <a:masterClrMapping/>
+  </p:clrMapOvr>
+</p:sld>
+</file>
+
+<file path=ppt/slides/slide24.xml><?xml version="1.0" encoding="utf-8"?>
+<p:sld xmlns:a="http://schemas.openxmlformats.org/drawingml/2006/main" xmlns:r="http://schemas.openxmlformats.org/officeDocument/2006/relationships" xmlns:p="http://schemas.openxmlformats.org/presentationml/2006/main">
+  <p:cSld>
+    <p:spTree>
+      <p:nvGrpSpPr>
+        <p:cNvPr id="1" name=""/>
+        <p:cNvGrpSpPr/>
+        <p:nvPr/>
+      </p:nvGrpSpPr>
+      <p:grpSpPr>
+        <a:xfrm>
+          <a:off x="0" y="0"/>
+          <a:ext cx="0" cy="0"/>
+          <a:chOff x="0" y="0"/>
+          <a:chExt cx="0" cy="0"/>
+        </a:xfrm>
+      </p:grpSpPr>
+      <p:sp>
+        <p:nvSpPr>
+          <p:cNvPr id="17" name="円/楕円 16">
+            <a:extLst>
+              <a:ext uri="{FF2B5EF4-FFF2-40B4-BE49-F238E27FC236}">
+                <a16:creationId xmlns:a16="http://schemas.microsoft.com/office/drawing/2014/main" id="{5B7E9BC7-E1B5-80B6-63D0-4BEC40733C34}"/>
+              </a:ext>
+            </a:extLst>
+          </p:cNvPr>
+          <p:cNvSpPr>
+            <a:spLocks noChangeAspect="1"/>
+          </p:cNvSpPr>
+          <p:nvPr/>
+        </p:nvSpPr>
+        <p:spPr>
+          <a:xfrm>
+            <a:off x="1080390" y="18464"/>
+            <a:ext cx="6829487" cy="6829487"/>
+          </a:xfrm>
+          <a:prstGeom prst="ellipse">
+            <a:avLst/>
+          </a:prstGeom>
+          <a:solidFill>
+            <a:srgbClr val="209CEE"/>
+          </a:solidFill>
+          <a:ln w="12700">
+            <a:noFill/>
+            <a:miter lim="400000"/>
+          </a:ln>
+          <a:extLst>
+            <a:ext uri="{C572A759-6A51-4108-AA02-DFA0A04FC94B}">
+              <ma14:wrappingTextBoxFlag xmlns="" xmlns:ma14="http://schemas.microsoft.com/office/mac/drawingml/2011/main" val="1"/>
+            </a:ext>
+          </a:extLst>
+        </p:spPr>
+        <p:txBody>
+          <a:bodyPr rtlCol="0" anchor="ctr"/>
+          <a:lstStyle/>
+          <a:p>
+            <a:pPr algn="ctr"/>
+            <a:endParaRPr kumimoji="1" lang="ja-JP" altLang="en-US" sz="2000">
+              <a:latin typeface="Plantagenet Cherokee" panose="02020000000000000000" pitchFamily="18" charset="-79"/>
+              <a:cs typeface="Plantagenet Cherokee" panose="02020000000000000000" pitchFamily="18" charset="-79"/>
+            </a:endParaRPr>
+          </a:p>
+        </p:txBody>
+      </p:sp>
+      <p:sp>
+        <p:nvSpPr>
+          <p:cNvPr id="2" name="正方形/長方形 1">
+            <a:extLst>
+              <a:ext uri="{FF2B5EF4-FFF2-40B4-BE49-F238E27FC236}">
+                <a16:creationId xmlns:a16="http://schemas.microsoft.com/office/drawing/2014/main" id="{10E74CC0-DF2F-AF6D-B4D6-A55E1EEDCB12}"/>
+              </a:ext>
+            </a:extLst>
+          </p:cNvPr>
+          <p:cNvSpPr>
+            <a:spLocks noChangeAspect="1"/>
+          </p:cNvSpPr>
+          <p:nvPr/>
+        </p:nvSpPr>
+        <p:spPr>
+          <a:xfrm>
+            <a:off x="2873828" y="1656829"/>
+            <a:ext cx="774173" cy="3609276"/>
+          </a:xfrm>
+          <a:prstGeom prst="rect">
+            <a:avLst/>
+          </a:prstGeom>
+          <a:solidFill>
+            <a:schemeClr val="bg1"/>
+          </a:solidFill>
+          <a:ln w="12700">
+            <a:noFill/>
+            <a:miter lim="400000"/>
+          </a:ln>
+          <a:extLst>
+            <a:ext uri="{C572A759-6A51-4108-AA02-DFA0A04FC94B}">
+              <ma14:wrappingTextBoxFlag xmlns="" xmlns:ma14="http://schemas.microsoft.com/office/mac/drawingml/2011/main" val="1"/>
+            </a:ext>
+          </a:extLst>
+        </p:spPr>
+        <p:txBody>
+          <a:bodyPr rtlCol="0" anchor="ctr"/>
+          <a:lstStyle/>
+          <a:p>
+            <a:pPr algn="ctr"/>
+            <a:endParaRPr kumimoji="1" lang="ja-JP" altLang="en-US" sz="2000">
+              <a:latin typeface="Plantagenet Cherokee" panose="02020000000000000000" pitchFamily="18" charset="-79"/>
+              <a:cs typeface="Plantagenet Cherokee" panose="02020000000000000000" pitchFamily="18" charset="-79"/>
+            </a:endParaRPr>
+          </a:p>
+        </p:txBody>
+      </p:sp>
+      <p:sp>
+        <p:nvSpPr>
+          <p:cNvPr id="4" name="平行四辺形 3">
+            <a:extLst>
+              <a:ext uri="{FF2B5EF4-FFF2-40B4-BE49-F238E27FC236}">
+                <a16:creationId xmlns:a16="http://schemas.microsoft.com/office/drawing/2014/main" id="{FA33888D-86F2-D809-EE8B-63E2CFC0D93E}"/>
+              </a:ext>
+            </a:extLst>
+          </p:cNvPr>
+          <p:cNvSpPr/>
+          <p:nvPr/>
+        </p:nvSpPr>
+        <p:spPr>
+          <a:xfrm>
+            <a:off x="3635085" y="1656832"/>
+            <a:ext cx="2718534" cy="1634786"/>
+          </a:xfrm>
+          <a:prstGeom prst="parallelogram">
+            <a:avLst>
+              <a:gd name="adj" fmla="val 95582"/>
+            </a:avLst>
+          </a:prstGeom>
+          <a:solidFill>
+            <a:schemeClr val="bg1"/>
+          </a:solidFill>
+          <a:ln w="12700">
+            <a:noFill/>
+            <a:miter lim="400000"/>
+          </a:ln>
+          <a:extLst>
+            <a:ext uri="{C572A759-6A51-4108-AA02-DFA0A04FC94B}">
+              <ma14:wrappingTextBoxFlag xmlns="" xmlns:ma14="http://schemas.microsoft.com/office/mac/drawingml/2011/main" val="1"/>
+            </a:ext>
+          </a:extLst>
+        </p:spPr>
+        <p:txBody>
+          <a:bodyPr rtlCol="0" anchor="ctr"/>
+          <a:lstStyle/>
+          <a:p>
+            <a:pPr algn="ctr"/>
+            <a:endParaRPr kumimoji="1" lang="ja-JP" altLang="en-US"/>
+          </a:p>
+        </p:txBody>
+      </p:sp>
+      <p:sp>
+        <p:nvSpPr>
+          <p:cNvPr id="5" name="平行四辺形 4">
+            <a:extLst>
+              <a:ext uri="{FF2B5EF4-FFF2-40B4-BE49-F238E27FC236}">
+                <a16:creationId xmlns:a16="http://schemas.microsoft.com/office/drawing/2014/main" id="{71354601-FEC4-1C68-1105-FF4E5A37F197}"/>
+              </a:ext>
+            </a:extLst>
+          </p:cNvPr>
+          <p:cNvSpPr/>
+          <p:nvPr/>
+        </p:nvSpPr>
+        <p:spPr>
+          <a:xfrm flipV="1">
+            <a:off x="3636289" y="3386291"/>
+            <a:ext cx="3005665" cy="1849670"/>
+          </a:xfrm>
+          <a:prstGeom prst="parallelogram">
+            <a:avLst>
+              <a:gd name="adj" fmla="val 93823"/>
+            </a:avLst>
+          </a:prstGeom>
+          <a:solidFill>
+            <a:schemeClr val="bg1"/>
+          </a:solidFill>
+          <a:ln w="12700">
+            <a:noFill/>
+            <a:miter lim="400000"/>
+          </a:ln>
+          <a:extLst>
+            <a:ext uri="{C572A759-6A51-4108-AA02-DFA0A04FC94B}">
+              <ma14:wrappingTextBoxFlag xmlns="" xmlns:ma14="http://schemas.microsoft.com/office/mac/drawingml/2011/main" val="1"/>
+            </a:ext>
+          </a:extLst>
+        </p:spPr>
+        <p:txBody>
+          <a:bodyPr rtlCol="0" anchor="ctr"/>
+          <a:lstStyle/>
+          <a:p>
+            <a:pPr algn="ctr"/>
+            <a:endParaRPr kumimoji="1" lang="ja-JP" altLang="en-US"/>
+          </a:p>
+        </p:txBody>
+      </p:sp>
+      <p:sp>
+        <p:nvSpPr>
+          <p:cNvPr id="6" name="直角三角形 5">
+            <a:extLst>
+              <a:ext uri="{FF2B5EF4-FFF2-40B4-BE49-F238E27FC236}">
+                <a16:creationId xmlns:a16="http://schemas.microsoft.com/office/drawing/2014/main" id="{5C0D6FF2-F6EC-166D-E341-14C6BDB520FC}"/>
+              </a:ext>
+            </a:extLst>
+          </p:cNvPr>
+          <p:cNvSpPr/>
+          <p:nvPr/>
+        </p:nvSpPr>
+        <p:spPr>
+          <a:xfrm flipH="1">
+            <a:off x="4350935" y="1656830"/>
+            <a:ext cx="2002683" cy="1634789"/>
+          </a:xfrm>
+          <a:prstGeom prst="rtTriangle">
+            <a:avLst/>
+          </a:prstGeom>
+          <a:solidFill>
+            <a:srgbClr val="209CEE"/>
+          </a:solidFill>
+          <a:ln w="12700">
+            <a:noFill/>
+            <a:miter lim="400000"/>
+          </a:ln>
+          <a:extLst>
+            <a:ext uri="{C572A759-6A51-4108-AA02-DFA0A04FC94B}">
+              <ma14:wrappingTextBoxFlag xmlns="" xmlns:ma14="http://schemas.microsoft.com/office/mac/drawingml/2011/main" val="1"/>
+            </a:ext>
+          </a:extLst>
+        </p:spPr>
+        <p:txBody>
+          <a:bodyPr rtlCol="0" anchor="ctr"/>
+          <a:lstStyle/>
+          <a:p>
+            <a:pPr algn="ctr"/>
+            <a:endParaRPr kumimoji="1" lang="ja-JP" altLang="en-US"/>
+          </a:p>
+        </p:txBody>
+      </p:sp>
+      <p:sp>
+        <p:nvSpPr>
+          <p:cNvPr id="7" name="直角三角形 6">
+            <a:extLst>
+              <a:ext uri="{FF2B5EF4-FFF2-40B4-BE49-F238E27FC236}">
+                <a16:creationId xmlns:a16="http://schemas.microsoft.com/office/drawing/2014/main" id="{408292A6-FACD-FB33-3976-4EB67E11A1EC}"/>
+              </a:ext>
+            </a:extLst>
+          </p:cNvPr>
+          <p:cNvSpPr/>
+          <p:nvPr/>
+        </p:nvSpPr>
+        <p:spPr>
+          <a:xfrm flipH="1" flipV="1">
+            <a:off x="4350934" y="3386290"/>
+            <a:ext cx="2291020" cy="1849668"/>
+          </a:xfrm>
+          <a:prstGeom prst="rtTriangle">
+            <a:avLst/>
+          </a:prstGeom>
+          <a:solidFill>
+            <a:srgbClr val="209CEE"/>
+          </a:solidFill>
+          <a:ln w="12700">
+            <a:noFill/>
+            <a:miter lim="400000"/>
+          </a:ln>
+          <a:extLst>
+            <a:ext uri="{C572A759-6A51-4108-AA02-DFA0A04FC94B}">
+              <ma14:wrappingTextBoxFlag xmlns="" xmlns:ma14="http://schemas.microsoft.com/office/mac/drawingml/2011/main" val="1"/>
+            </a:ext>
+          </a:extLst>
+        </p:spPr>
+        <p:txBody>
+          <a:bodyPr rtlCol="0" anchor="ctr"/>
+          <a:lstStyle/>
+          <a:p>
+            <a:pPr algn="ctr"/>
+            <a:endParaRPr kumimoji="1" lang="ja-JP" altLang="en-US"/>
+          </a:p>
+        </p:txBody>
+      </p:sp>
+    </p:spTree>
+    <p:extLst>
+      <p:ext uri="{BB962C8B-B14F-4D97-AF65-F5344CB8AC3E}">
+        <p14:creationId xmlns:p14="http://schemas.microsoft.com/office/powerpoint/2010/main" val="1370067897"/>
+      </p:ext>
+    </p:extLst>
+  </p:cSld>
+  <p:clrMapOvr>
+    <a:masterClrMapping/>
+  </p:clrMapOvr>
+</p:sld>
+</file>
+
+<file path=ppt/slides/slide25.xml><?xml version="1.0" encoding="utf-8"?>
+<p:sld xmlns:a="http://schemas.openxmlformats.org/drawingml/2006/main" xmlns:r="http://schemas.openxmlformats.org/officeDocument/2006/relationships" xmlns:p="http://schemas.openxmlformats.org/presentationml/2006/main">
+  <p:cSld>
+    <p:spTree>
+      <p:nvGrpSpPr>
+        <p:cNvPr id="1" name=""/>
+        <p:cNvGrpSpPr/>
+        <p:nvPr/>
+      </p:nvGrpSpPr>
+      <p:grpSpPr>
+        <a:xfrm>
+          <a:off x="0" y="0"/>
+          <a:ext cx="0" cy="0"/>
+          <a:chOff x="0" y="0"/>
+          <a:chExt cx="0" cy="0"/>
+        </a:xfrm>
+      </p:grpSpPr>
+      <p:sp>
+        <p:nvSpPr>
+          <p:cNvPr id="17" name="円/楕円 16">
+            <a:extLst>
+              <a:ext uri="{FF2B5EF4-FFF2-40B4-BE49-F238E27FC236}">
+                <a16:creationId xmlns:a16="http://schemas.microsoft.com/office/drawing/2014/main" id="{5B7E9BC7-E1B5-80B6-63D0-4BEC40733C34}"/>
+              </a:ext>
+            </a:extLst>
+          </p:cNvPr>
+          <p:cNvSpPr>
+            <a:spLocks noChangeAspect="1"/>
+          </p:cNvSpPr>
+          <p:nvPr/>
+        </p:nvSpPr>
+        <p:spPr>
+          <a:xfrm>
+            <a:off x="1110534" y="18464"/>
+            <a:ext cx="6829487" cy="6829487"/>
+          </a:xfrm>
+          <a:prstGeom prst="ellipse">
+            <a:avLst/>
+          </a:prstGeom>
+          <a:solidFill>
+            <a:srgbClr val="209CEE"/>
+          </a:solidFill>
+          <a:ln w="12700">
+            <a:noFill/>
+            <a:miter lim="400000"/>
+          </a:ln>
+          <a:extLst>
+            <a:ext uri="{C572A759-6A51-4108-AA02-DFA0A04FC94B}">
+              <ma14:wrappingTextBoxFlag xmlns="" xmlns:ma14="http://schemas.microsoft.com/office/mac/drawingml/2011/main" val="1"/>
+            </a:ext>
+          </a:extLst>
+        </p:spPr>
+        <p:txBody>
+          <a:bodyPr rtlCol="0" anchor="ctr"/>
+          <a:lstStyle/>
+          <a:p>
+            <a:pPr algn="ctr"/>
+            <a:endParaRPr kumimoji="1" lang="ja-JP" altLang="en-US" sz="2000">
+              <a:latin typeface="Plantagenet Cherokee" panose="02020000000000000000" pitchFamily="18" charset="-79"/>
+              <a:cs typeface="Plantagenet Cherokee" panose="02020000000000000000" pitchFamily="18" charset="-79"/>
+            </a:endParaRPr>
+          </a:p>
+        </p:txBody>
+      </p:sp>
+      <p:sp>
+        <p:nvSpPr>
+          <p:cNvPr id="2" name="正方形/長方形 1">
+            <a:extLst>
+              <a:ext uri="{FF2B5EF4-FFF2-40B4-BE49-F238E27FC236}">
+                <a16:creationId xmlns:a16="http://schemas.microsoft.com/office/drawing/2014/main" id="{10E74CC0-DF2F-AF6D-B4D6-A55E1EEDCB12}"/>
+              </a:ext>
+            </a:extLst>
+          </p:cNvPr>
+          <p:cNvSpPr>
+            <a:spLocks noChangeAspect="1"/>
+          </p:cNvSpPr>
+          <p:nvPr/>
+        </p:nvSpPr>
+        <p:spPr>
+          <a:xfrm>
+            <a:off x="3034602" y="1656829"/>
+            <a:ext cx="754076" cy="3609276"/>
+          </a:xfrm>
+          <a:prstGeom prst="rect">
+            <a:avLst/>
+          </a:prstGeom>
+          <a:solidFill>
+            <a:schemeClr val="bg1"/>
+          </a:solidFill>
+          <a:ln w="12700">
+            <a:noFill/>
+            <a:miter lim="400000"/>
+          </a:ln>
+          <a:extLst>
+            <a:ext uri="{C572A759-6A51-4108-AA02-DFA0A04FC94B}">
+              <ma14:wrappingTextBoxFlag xmlns="" xmlns:ma14="http://schemas.microsoft.com/office/mac/drawingml/2011/main" val="1"/>
+            </a:ext>
+          </a:extLst>
+        </p:spPr>
+        <p:txBody>
+          <a:bodyPr rtlCol="0" anchor="ctr"/>
+          <a:lstStyle/>
+          <a:p>
+            <a:pPr algn="ctr"/>
+            <a:endParaRPr kumimoji="1" lang="ja-JP" altLang="en-US" sz="2000">
+              <a:latin typeface="Plantagenet Cherokee" panose="02020000000000000000" pitchFamily="18" charset="-79"/>
+              <a:cs typeface="Plantagenet Cherokee" panose="02020000000000000000" pitchFamily="18" charset="-79"/>
+            </a:endParaRPr>
+          </a:p>
+        </p:txBody>
+      </p:sp>
+      <p:sp>
+        <p:nvSpPr>
+          <p:cNvPr id="4" name="平行四辺形 3">
+            <a:extLst>
+              <a:ext uri="{FF2B5EF4-FFF2-40B4-BE49-F238E27FC236}">
+                <a16:creationId xmlns:a16="http://schemas.microsoft.com/office/drawing/2014/main" id="{FA33888D-86F2-D809-EE8B-63E2CFC0D93E}"/>
+              </a:ext>
+            </a:extLst>
+          </p:cNvPr>
+          <p:cNvSpPr/>
+          <p:nvPr/>
+        </p:nvSpPr>
+        <p:spPr>
+          <a:xfrm>
+            <a:off x="3635085" y="1656832"/>
+            <a:ext cx="2718534" cy="1634786"/>
+          </a:xfrm>
+          <a:prstGeom prst="parallelogram">
+            <a:avLst>
+              <a:gd name="adj" fmla="val 95582"/>
+            </a:avLst>
+          </a:prstGeom>
+          <a:solidFill>
+            <a:schemeClr val="bg1"/>
+          </a:solidFill>
+          <a:ln w="12700">
+            <a:noFill/>
+            <a:miter lim="400000"/>
+          </a:ln>
+          <a:extLst>
+            <a:ext uri="{C572A759-6A51-4108-AA02-DFA0A04FC94B}">
+              <ma14:wrappingTextBoxFlag xmlns="" xmlns:ma14="http://schemas.microsoft.com/office/mac/drawingml/2011/main" val="1"/>
+            </a:ext>
+          </a:extLst>
+        </p:spPr>
+        <p:txBody>
+          <a:bodyPr rtlCol="0" anchor="ctr"/>
+          <a:lstStyle/>
+          <a:p>
+            <a:pPr algn="ctr"/>
+            <a:endParaRPr kumimoji="1" lang="ja-JP" altLang="en-US"/>
+          </a:p>
+        </p:txBody>
+      </p:sp>
+      <p:sp>
+        <p:nvSpPr>
+          <p:cNvPr id="5" name="平行四辺形 4">
+            <a:extLst>
+              <a:ext uri="{FF2B5EF4-FFF2-40B4-BE49-F238E27FC236}">
+                <a16:creationId xmlns:a16="http://schemas.microsoft.com/office/drawing/2014/main" id="{71354601-FEC4-1C68-1105-FF4E5A37F197}"/>
+              </a:ext>
+            </a:extLst>
+          </p:cNvPr>
+          <p:cNvSpPr/>
+          <p:nvPr/>
+        </p:nvSpPr>
+        <p:spPr>
+          <a:xfrm flipV="1">
+            <a:off x="3636289" y="3386291"/>
+            <a:ext cx="3005665" cy="1849670"/>
+          </a:xfrm>
+          <a:prstGeom prst="parallelogram">
+            <a:avLst>
+              <a:gd name="adj" fmla="val 93823"/>
+            </a:avLst>
+          </a:prstGeom>
+          <a:solidFill>
+            <a:schemeClr val="bg1"/>
+          </a:solidFill>
+          <a:ln w="12700">
+            <a:noFill/>
+            <a:miter lim="400000"/>
+          </a:ln>
+          <a:extLst>
+            <a:ext uri="{C572A759-6A51-4108-AA02-DFA0A04FC94B}">
+              <ma14:wrappingTextBoxFlag xmlns="" xmlns:ma14="http://schemas.microsoft.com/office/mac/drawingml/2011/main" val="1"/>
+            </a:ext>
+          </a:extLst>
+        </p:spPr>
+        <p:txBody>
+          <a:bodyPr rtlCol="0" anchor="ctr"/>
+          <a:lstStyle/>
+          <a:p>
+            <a:pPr algn="ctr"/>
+            <a:endParaRPr kumimoji="1" lang="ja-JP" altLang="en-US"/>
+          </a:p>
+        </p:txBody>
+      </p:sp>
+      <p:sp>
+        <p:nvSpPr>
+          <p:cNvPr id="6" name="直角三角形 5">
+            <a:extLst>
+              <a:ext uri="{FF2B5EF4-FFF2-40B4-BE49-F238E27FC236}">
+                <a16:creationId xmlns:a16="http://schemas.microsoft.com/office/drawing/2014/main" id="{5C0D6FF2-F6EC-166D-E341-14C6BDB520FC}"/>
+              </a:ext>
+            </a:extLst>
+          </p:cNvPr>
+          <p:cNvSpPr/>
+          <p:nvPr/>
+        </p:nvSpPr>
+        <p:spPr>
+          <a:xfrm flipH="1">
+            <a:off x="4479594" y="1656830"/>
+            <a:ext cx="1874023" cy="1634789"/>
+          </a:xfrm>
+          <a:prstGeom prst="rtTriangle">
+            <a:avLst/>
+          </a:prstGeom>
+          <a:solidFill>
+            <a:srgbClr val="209CEE"/>
+          </a:solidFill>
+          <a:ln w="12700">
+            <a:noFill/>
+            <a:miter lim="400000"/>
+          </a:ln>
+          <a:extLst>
+            <a:ext uri="{C572A759-6A51-4108-AA02-DFA0A04FC94B}">
+              <ma14:wrappingTextBoxFlag xmlns="" xmlns:ma14="http://schemas.microsoft.com/office/mac/drawingml/2011/main" val="1"/>
+            </a:ext>
+          </a:extLst>
+        </p:spPr>
+        <p:txBody>
+          <a:bodyPr rtlCol="0" anchor="ctr"/>
+          <a:lstStyle/>
+          <a:p>
+            <a:pPr algn="ctr"/>
+            <a:endParaRPr kumimoji="1" lang="ja-JP" altLang="en-US"/>
+          </a:p>
+        </p:txBody>
+      </p:sp>
+      <p:sp>
+        <p:nvSpPr>
+          <p:cNvPr id="7" name="直角三角形 6">
+            <a:extLst>
+              <a:ext uri="{FF2B5EF4-FFF2-40B4-BE49-F238E27FC236}">
+                <a16:creationId xmlns:a16="http://schemas.microsoft.com/office/drawing/2014/main" id="{408292A6-FACD-FB33-3976-4EB67E11A1EC}"/>
+              </a:ext>
+            </a:extLst>
+          </p:cNvPr>
+          <p:cNvSpPr/>
+          <p:nvPr/>
+        </p:nvSpPr>
+        <p:spPr>
+          <a:xfrm flipH="1" flipV="1">
+            <a:off x="4480798" y="3386290"/>
+            <a:ext cx="2161155" cy="1849668"/>
+          </a:xfrm>
+          <a:prstGeom prst="rtTriangle">
+            <a:avLst/>
+          </a:prstGeom>
+          <a:solidFill>
+            <a:srgbClr val="209CEE"/>
+          </a:solidFill>
+          <a:ln w="12700">
+            <a:noFill/>
+            <a:miter lim="400000"/>
+          </a:ln>
+          <a:extLst>
+            <a:ext uri="{C572A759-6A51-4108-AA02-DFA0A04FC94B}">
+              <ma14:wrappingTextBoxFlag xmlns="" xmlns:ma14="http://schemas.microsoft.com/office/mac/drawingml/2011/main" val="1"/>
+            </a:ext>
+          </a:extLst>
+        </p:spPr>
+        <p:txBody>
+          <a:bodyPr rtlCol="0" anchor="ctr"/>
+          <a:lstStyle/>
+          <a:p>
+            <a:pPr algn="ctr"/>
+            <a:endParaRPr kumimoji="1" lang="ja-JP" altLang="en-US"/>
+          </a:p>
+        </p:txBody>
+      </p:sp>
+    </p:spTree>
+    <p:extLst>
+      <p:ext uri="{BB962C8B-B14F-4D97-AF65-F5344CB8AC3E}">
+        <p14:creationId xmlns:p14="http://schemas.microsoft.com/office/powerpoint/2010/main" val="1093091029"/>
+      </p:ext>
+    </p:extLst>
+  </p:cSld>
+  <p:clrMapOvr>
+    <a:masterClrMapping/>
+  </p:clrMapOvr>
+</p:sld>
+</file>
+
+<file path=ppt/slides/slide26.xml><?xml version="1.0" encoding="utf-8"?>
+<p:sld xmlns:a="http://schemas.openxmlformats.org/drawingml/2006/main" xmlns:r="http://schemas.openxmlformats.org/officeDocument/2006/relationships" xmlns:p="http://schemas.openxmlformats.org/presentationml/2006/main">
+  <p:cSld>
+    <p:spTree>
+      <p:nvGrpSpPr>
+        <p:cNvPr id="1" name=""/>
+        <p:cNvGrpSpPr/>
+        <p:nvPr/>
+      </p:nvGrpSpPr>
+      <p:grpSpPr>
+        <a:xfrm>
+          <a:off x="0" y="0"/>
+          <a:ext cx="0" cy="0"/>
+          <a:chOff x="0" y="0"/>
+          <a:chExt cx="0" cy="0"/>
+        </a:xfrm>
+      </p:grpSpPr>
+      <p:sp>
+        <p:nvSpPr>
+          <p:cNvPr id="17" name="円/楕円 16">
+            <a:extLst>
+              <a:ext uri="{FF2B5EF4-FFF2-40B4-BE49-F238E27FC236}">
+                <a16:creationId xmlns:a16="http://schemas.microsoft.com/office/drawing/2014/main" id="{5B7E9BC7-E1B5-80B6-63D0-4BEC40733C34}"/>
+              </a:ext>
+            </a:extLst>
+          </p:cNvPr>
+          <p:cNvSpPr>
+            <a:spLocks noChangeAspect="1"/>
+          </p:cNvSpPr>
+          <p:nvPr/>
+        </p:nvSpPr>
+        <p:spPr>
+          <a:xfrm>
+            <a:off x="1080390" y="18464"/>
+            <a:ext cx="6829487" cy="6829487"/>
+          </a:xfrm>
+          <a:prstGeom prst="ellipse">
+            <a:avLst/>
+          </a:prstGeom>
+          <a:solidFill>
+            <a:srgbClr val="209CEE"/>
+          </a:solidFill>
+          <a:ln w="12700">
+            <a:noFill/>
+            <a:miter lim="400000"/>
+          </a:ln>
+          <a:extLst>
+            <a:ext uri="{C572A759-6A51-4108-AA02-DFA0A04FC94B}">
+              <ma14:wrappingTextBoxFlag xmlns="" xmlns:ma14="http://schemas.microsoft.com/office/mac/drawingml/2011/main" val="1"/>
+            </a:ext>
+          </a:extLst>
+        </p:spPr>
+        <p:txBody>
+          <a:bodyPr rtlCol="0" anchor="ctr"/>
+          <a:lstStyle/>
+          <a:p>
+            <a:pPr algn="ctr"/>
+            <a:endParaRPr kumimoji="1" lang="ja-JP" altLang="en-US" sz="2000">
+              <a:latin typeface="Plantagenet Cherokee" panose="02020000000000000000" pitchFamily="18" charset="-79"/>
+              <a:cs typeface="Plantagenet Cherokee" panose="02020000000000000000" pitchFamily="18" charset="-79"/>
+            </a:endParaRPr>
+          </a:p>
+        </p:txBody>
+      </p:sp>
+      <p:sp>
+        <p:nvSpPr>
+          <p:cNvPr id="2" name="正方形/長方形 1">
+            <a:extLst>
+              <a:ext uri="{FF2B5EF4-FFF2-40B4-BE49-F238E27FC236}">
+                <a16:creationId xmlns:a16="http://schemas.microsoft.com/office/drawing/2014/main" id="{10E74CC0-DF2F-AF6D-B4D6-A55E1EEDCB12}"/>
+              </a:ext>
+            </a:extLst>
+          </p:cNvPr>
+          <p:cNvSpPr>
+            <a:spLocks noChangeAspect="1"/>
+          </p:cNvSpPr>
+          <p:nvPr/>
+        </p:nvSpPr>
+        <p:spPr>
+          <a:xfrm>
+            <a:off x="2984360" y="1656829"/>
+            <a:ext cx="804318" cy="3609276"/>
+          </a:xfrm>
+          <a:prstGeom prst="rect">
+            <a:avLst/>
+          </a:prstGeom>
+          <a:solidFill>
+            <a:schemeClr val="bg1"/>
+          </a:solidFill>
+          <a:ln w="12700">
+            <a:noFill/>
+            <a:miter lim="400000"/>
+          </a:ln>
+          <a:extLst>
+            <a:ext uri="{C572A759-6A51-4108-AA02-DFA0A04FC94B}">
+              <ma14:wrappingTextBoxFlag xmlns="" xmlns:ma14="http://schemas.microsoft.com/office/mac/drawingml/2011/main" val="1"/>
+            </a:ext>
+          </a:extLst>
+        </p:spPr>
+        <p:txBody>
+          <a:bodyPr rtlCol="0" anchor="ctr"/>
+          <a:lstStyle/>
+          <a:p>
+            <a:pPr algn="ctr"/>
+            <a:endParaRPr kumimoji="1" lang="ja-JP" altLang="en-US" sz="2000">
+              <a:latin typeface="Plantagenet Cherokee" panose="02020000000000000000" pitchFamily="18" charset="-79"/>
+              <a:cs typeface="Plantagenet Cherokee" panose="02020000000000000000" pitchFamily="18" charset="-79"/>
+            </a:endParaRPr>
+          </a:p>
+        </p:txBody>
+      </p:sp>
+      <p:sp>
+        <p:nvSpPr>
+          <p:cNvPr id="4" name="平行四辺形 3">
+            <a:extLst>
+              <a:ext uri="{FF2B5EF4-FFF2-40B4-BE49-F238E27FC236}">
+                <a16:creationId xmlns:a16="http://schemas.microsoft.com/office/drawing/2014/main" id="{FA33888D-86F2-D809-EE8B-63E2CFC0D93E}"/>
+              </a:ext>
+            </a:extLst>
+          </p:cNvPr>
+          <p:cNvSpPr/>
+          <p:nvPr/>
+        </p:nvSpPr>
+        <p:spPr>
+          <a:xfrm>
+            <a:off x="3635085" y="1656832"/>
+            <a:ext cx="2718534" cy="1634786"/>
+          </a:xfrm>
+          <a:prstGeom prst="parallelogram">
+            <a:avLst>
+              <a:gd name="adj" fmla="val 95582"/>
+            </a:avLst>
+          </a:prstGeom>
+          <a:solidFill>
+            <a:schemeClr val="bg1"/>
+          </a:solidFill>
+          <a:ln w="12700">
+            <a:noFill/>
+            <a:miter lim="400000"/>
+          </a:ln>
+          <a:extLst>
+            <a:ext uri="{C572A759-6A51-4108-AA02-DFA0A04FC94B}">
+              <ma14:wrappingTextBoxFlag xmlns="" xmlns:ma14="http://schemas.microsoft.com/office/mac/drawingml/2011/main" val="1"/>
+            </a:ext>
+          </a:extLst>
+        </p:spPr>
+        <p:txBody>
+          <a:bodyPr rtlCol="0" anchor="ctr"/>
+          <a:lstStyle/>
+          <a:p>
+            <a:pPr algn="ctr"/>
+            <a:endParaRPr kumimoji="1" lang="ja-JP" altLang="en-US"/>
+          </a:p>
+        </p:txBody>
+      </p:sp>
+      <p:sp>
+        <p:nvSpPr>
+          <p:cNvPr id="5" name="平行四辺形 4">
+            <a:extLst>
+              <a:ext uri="{FF2B5EF4-FFF2-40B4-BE49-F238E27FC236}">
+                <a16:creationId xmlns:a16="http://schemas.microsoft.com/office/drawing/2014/main" id="{71354601-FEC4-1C68-1105-FF4E5A37F197}"/>
+              </a:ext>
+            </a:extLst>
+          </p:cNvPr>
+          <p:cNvSpPr/>
+          <p:nvPr/>
+        </p:nvSpPr>
+        <p:spPr>
+          <a:xfrm flipV="1">
+            <a:off x="3636289" y="3386291"/>
+            <a:ext cx="3005665" cy="1849670"/>
+          </a:xfrm>
+          <a:prstGeom prst="parallelogram">
+            <a:avLst>
+              <a:gd name="adj" fmla="val 93823"/>
+            </a:avLst>
+          </a:prstGeom>
+          <a:solidFill>
+            <a:schemeClr val="bg1"/>
+          </a:solidFill>
+          <a:ln w="12700">
+            <a:noFill/>
+            <a:miter lim="400000"/>
+          </a:ln>
+          <a:extLst>
+            <a:ext uri="{C572A759-6A51-4108-AA02-DFA0A04FC94B}">
+              <ma14:wrappingTextBoxFlag xmlns="" xmlns:ma14="http://schemas.microsoft.com/office/mac/drawingml/2011/main" val="1"/>
+            </a:ext>
+          </a:extLst>
+        </p:spPr>
+        <p:txBody>
+          <a:bodyPr rtlCol="0" anchor="ctr"/>
+          <a:lstStyle/>
+          <a:p>
+            <a:pPr algn="ctr"/>
+            <a:endParaRPr kumimoji="1" lang="ja-JP" altLang="en-US"/>
+          </a:p>
+        </p:txBody>
+      </p:sp>
+      <p:sp>
+        <p:nvSpPr>
+          <p:cNvPr id="6" name="直角三角形 5">
+            <a:extLst>
+              <a:ext uri="{FF2B5EF4-FFF2-40B4-BE49-F238E27FC236}">
+                <a16:creationId xmlns:a16="http://schemas.microsoft.com/office/drawing/2014/main" id="{5C0D6FF2-F6EC-166D-E341-14C6BDB520FC}"/>
+              </a:ext>
+            </a:extLst>
+          </p:cNvPr>
+          <p:cNvSpPr/>
+          <p:nvPr/>
+        </p:nvSpPr>
+        <p:spPr>
+          <a:xfrm flipH="1">
+            <a:off x="4479594" y="1656830"/>
+            <a:ext cx="1874023" cy="1634789"/>
+          </a:xfrm>
+          <a:prstGeom prst="rtTriangle">
+            <a:avLst/>
+          </a:prstGeom>
+          <a:solidFill>
+            <a:srgbClr val="209CEE"/>
+          </a:solidFill>
+          <a:ln w="12700">
+            <a:noFill/>
+            <a:miter lim="400000"/>
+          </a:ln>
+          <a:extLst>
+            <a:ext uri="{C572A759-6A51-4108-AA02-DFA0A04FC94B}">
+              <ma14:wrappingTextBoxFlag xmlns="" xmlns:ma14="http://schemas.microsoft.com/office/mac/drawingml/2011/main" val="1"/>
+            </a:ext>
+          </a:extLst>
+        </p:spPr>
+        <p:txBody>
+          <a:bodyPr rtlCol="0" anchor="ctr"/>
+          <a:lstStyle/>
+          <a:p>
+            <a:pPr algn="ctr"/>
+            <a:endParaRPr kumimoji="1" lang="ja-JP" altLang="en-US"/>
+          </a:p>
+        </p:txBody>
+      </p:sp>
+      <p:sp>
+        <p:nvSpPr>
+          <p:cNvPr id="7" name="直角三角形 6">
+            <a:extLst>
+              <a:ext uri="{FF2B5EF4-FFF2-40B4-BE49-F238E27FC236}">
+                <a16:creationId xmlns:a16="http://schemas.microsoft.com/office/drawing/2014/main" id="{408292A6-FACD-FB33-3976-4EB67E11A1EC}"/>
+              </a:ext>
+            </a:extLst>
+          </p:cNvPr>
+          <p:cNvSpPr/>
+          <p:nvPr/>
+        </p:nvSpPr>
+        <p:spPr>
+          <a:xfrm flipH="1" flipV="1">
+            <a:off x="4480798" y="3386290"/>
+            <a:ext cx="2161155" cy="1849668"/>
+          </a:xfrm>
+          <a:prstGeom prst="rtTriangle">
+            <a:avLst/>
+          </a:prstGeom>
+          <a:solidFill>
+            <a:srgbClr val="209CEE"/>
+          </a:solidFill>
+          <a:ln w="12700">
+            <a:noFill/>
+            <a:miter lim="400000"/>
+          </a:ln>
+          <a:extLst>
+            <a:ext uri="{C572A759-6A51-4108-AA02-DFA0A04FC94B}">
+              <ma14:wrappingTextBoxFlag xmlns="" xmlns:ma14="http://schemas.microsoft.com/office/mac/drawingml/2011/main" val="1"/>
+            </a:ext>
+          </a:extLst>
+        </p:spPr>
+        <p:txBody>
+          <a:bodyPr rtlCol="0" anchor="ctr"/>
+          <a:lstStyle/>
+          <a:p>
+            <a:pPr algn="ctr"/>
+            <a:endParaRPr kumimoji="1" lang="ja-JP" altLang="en-US"/>
+          </a:p>
+        </p:txBody>
+      </p:sp>
+    </p:spTree>
+    <p:extLst>
+      <p:ext uri="{BB962C8B-B14F-4D97-AF65-F5344CB8AC3E}">
+        <p14:creationId xmlns:p14="http://schemas.microsoft.com/office/powerpoint/2010/main" val="2612659872"/>
+      </p:ext>
+    </p:extLst>
+  </p:cSld>
+  <p:clrMapOvr>
+    <a:masterClrMapping/>
+  </p:clrMapOvr>
+</p:sld>
+</file>
+
+<file path=ppt/slides/slide27.xml><?xml version="1.0" encoding="utf-8"?>
+<p:sld xmlns:a="http://schemas.openxmlformats.org/drawingml/2006/main" xmlns:r="http://schemas.openxmlformats.org/officeDocument/2006/relationships" xmlns:p="http://schemas.openxmlformats.org/presentationml/2006/main">
+  <p:cSld>
+    <p:spTree>
+      <p:nvGrpSpPr>
+        <p:cNvPr id="1" name=""/>
+        <p:cNvGrpSpPr/>
+        <p:nvPr/>
+      </p:nvGrpSpPr>
+      <p:grpSpPr>
+        <a:xfrm>
+          <a:off x="0" y="0"/>
+          <a:ext cx="0" cy="0"/>
+          <a:chOff x="0" y="0"/>
+          <a:chExt cx="0" cy="0"/>
+        </a:xfrm>
+      </p:grpSpPr>
+      <p:sp>
+        <p:nvSpPr>
+          <p:cNvPr id="17" name="円/楕円 16">
+            <a:extLst>
+              <a:ext uri="{FF2B5EF4-FFF2-40B4-BE49-F238E27FC236}">
+                <a16:creationId xmlns:a16="http://schemas.microsoft.com/office/drawing/2014/main" id="{5B7E9BC7-E1B5-80B6-63D0-4BEC40733C34}"/>
+              </a:ext>
+            </a:extLst>
+          </p:cNvPr>
+          <p:cNvSpPr>
+            <a:spLocks noChangeAspect="1"/>
+          </p:cNvSpPr>
+          <p:nvPr/>
+        </p:nvSpPr>
+        <p:spPr>
+          <a:xfrm>
+            <a:off x="1080390" y="18464"/>
+            <a:ext cx="6829487" cy="6829487"/>
+          </a:xfrm>
+          <a:prstGeom prst="ellipse">
+            <a:avLst/>
+          </a:prstGeom>
+          <a:solidFill>
+            <a:srgbClr val="209CEE"/>
+          </a:solidFill>
+          <a:ln w="12700">
+            <a:noFill/>
+            <a:miter lim="400000"/>
+          </a:ln>
+          <a:extLst>
+            <a:ext uri="{C572A759-6A51-4108-AA02-DFA0A04FC94B}">
+              <ma14:wrappingTextBoxFlag xmlns="" xmlns:ma14="http://schemas.microsoft.com/office/mac/drawingml/2011/main" val="1"/>
+            </a:ext>
+          </a:extLst>
+        </p:spPr>
+        <p:txBody>
+          <a:bodyPr rtlCol="0" anchor="ctr"/>
+          <a:lstStyle/>
+          <a:p>
+            <a:pPr algn="ctr"/>
+            <a:endParaRPr kumimoji="1" lang="ja-JP" altLang="en-US" sz="2000">
+              <a:latin typeface="Plantagenet Cherokee" panose="02020000000000000000" pitchFamily="18" charset="-79"/>
+              <a:cs typeface="Plantagenet Cherokee" panose="02020000000000000000" pitchFamily="18" charset="-79"/>
+            </a:endParaRPr>
+          </a:p>
+        </p:txBody>
+      </p:sp>
+      <p:sp>
+        <p:nvSpPr>
+          <p:cNvPr id="2" name="正方形/長方形 1">
+            <a:extLst>
+              <a:ext uri="{FF2B5EF4-FFF2-40B4-BE49-F238E27FC236}">
+                <a16:creationId xmlns:a16="http://schemas.microsoft.com/office/drawing/2014/main" id="{10E74CC0-DF2F-AF6D-B4D6-A55E1EEDCB12}"/>
+              </a:ext>
+            </a:extLst>
+          </p:cNvPr>
+          <p:cNvSpPr>
+            <a:spLocks noChangeAspect="1"/>
+          </p:cNvSpPr>
+          <p:nvPr/>
+        </p:nvSpPr>
+        <p:spPr>
+          <a:xfrm>
+            <a:off x="2954214" y="1656829"/>
+            <a:ext cx="804318" cy="3609273"/>
+          </a:xfrm>
+          <a:prstGeom prst="rect">
+            <a:avLst/>
+          </a:prstGeom>
+          <a:solidFill>
+            <a:schemeClr val="bg1"/>
+          </a:solidFill>
+          <a:ln w="12700">
+            <a:noFill/>
+            <a:miter lim="400000"/>
+          </a:ln>
+          <a:extLst>
+            <a:ext uri="{C572A759-6A51-4108-AA02-DFA0A04FC94B}">
+              <ma14:wrappingTextBoxFlag xmlns="" xmlns:ma14="http://schemas.microsoft.com/office/mac/drawingml/2011/main" val="1"/>
+            </a:ext>
+          </a:extLst>
+        </p:spPr>
+        <p:txBody>
+          <a:bodyPr rtlCol="0" anchor="ctr"/>
+          <a:lstStyle/>
+          <a:p>
+            <a:pPr algn="ctr"/>
+            <a:endParaRPr kumimoji="1" lang="ja-JP" altLang="en-US" sz="2000">
+              <a:latin typeface="Plantagenet Cherokee" panose="02020000000000000000" pitchFamily="18" charset="-79"/>
+              <a:cs typeface="Plantagenet Cherokee" panose="02020000000000000000" pitchFamily="18" charset="-79"/>
+            </a:endParaRPr>
+          </a:p>
+        </p:txBody>
+      </p:sp>
+      <p:sp>
+        <p:nvSpPr>
+          <p:cNvPr id="4" name="平行四辺形 3">
+            <a:extLst>
+              <a:ext uri="{FF2B5EF4-FFF2-40B4-BE49-F238E27FC236}">
+                <a16:creationId xmlns:a16="http://schemas.microsoft.com/office/drawing/2014/main" id="{FA33888D-86F2-D809-EE8B-63E2CFC0D93E}"/>
+              </a:ext>
+            </a:extLst>
+          </p:cNvPr>
+          <p:cNvSpPr/>
+          <p:nvPr/>
+        </p:nvSpPr>
+        <p:spPr>
+          <a:xfrm>
+            <a:off x="3635085" y="1656832"/>
+            <a:ext cx="2718534" cy="1634786"/>
+          </a:xfrm>
+          <a:prstGeom prst="parallelogram">
+            <a:avLst>
+              <a:gd name="adj" fmla="val 95582"/>
+            </a:avLst>
+          </a:prstGeom>
+          <a:solidFill>
+            <a:schemeClr val="bg1"/>
+          </a:solidFill>
+          <a:ln w="12700">
+            <a:noFill/>
+            <a:miter lim="400000"/>
+          </a:ln>
+          <a:extLst>
+            <a:ext uri="{C572A759-6A51-4108-AA02-DFA0A04FC94B}">
+              <ma14:wrappingTextBoxFlag xmlns="" xmlns:ma14="http://schemas.microsoft.com/office/mac/drawingml/2011/main" val="1"/>
+            </a:ext>
+          </a:extLst>
+        </p:spPr>
+        <p:txBody>
+          <a:bodyPr rtlCol="0" anchor="ctr"/>
+          <a:lstStyle/>
+          <a:p>
+            <a:pPr algn="ctr"/>
+            <a:endParaRPr kumimoji="1" lang="ja-JP" altLang="en-US"/>
+          </a:p>
+        </p:txBody>
+      </p:sp>
+      <p:sp>
+        <p:nvSpPr>
+          <p:cNvPr id="5" name="平行四辺形 4">
+            <a:extLst>
+              <a:ext uri="{FF2B5EF4-FFF2-40B4-BE49-F238E27FC236}">
+                <a16:creationId xmlns:a16="http://schemas.microsoft.com/office/drawing/2014/main" id="{71354601-FEC4-1C68-1105-FF4E5A37F197}"/>
+              </a:ext>
+            </a:extLst>
+          </p:cNvPr>
+          <p:cNvSpPr/>
+          <p:nvPr/>
+        </p:nvSpPr>
+        <p:spPr>
+          <a:xfrm flipV="1">
+            <a:off x="3636289" y="3416435"/>
+            <a:ext cx="3005665" cy="1849670"/>
+          </a:xfrm>
+          <a:prstGeom prst="parallelogram">
+            <a:avLst>
+              <a:gd name="adj" fmla="val 93823"/>
+            </a:avLst>
+          </a:prstGeom>
+          <a:solidFill>
+            <a:schemeClr val="bg1"/>
+          </a:solidFill>
+          <a:ln w="12700">
+            <a:noFill/>
+            <a:miter lim="400000"/>
+          </a:ln>
+          <a:extLst>
+            <a:ext uri="{C572A759-6A51-4108-AA02-DFA0A04FC94B}">
+              <ma14:wrappingTextBoxFlag xmlns="" xmlns:ma14="http://schemas.microsoft.com/office/mac/drawingml/2011/main" val="1"/>
+            </a:ext>
+          </a:extLst>
+        </p:spPr>
+        <p:txBody>
+          <a:bodyPr rtlCol="0" anchor="ctr"/>
+          <a:lstStyle/>
+          <a:p>
+            <a:pPr algn="ctr"/>
+            <a:endParaRPr kumimoji="1" lang="ja-JP" altLang="en-US"/>
+          </a:p>
+        </p:txBody>
+      </p:sp>
+      <p:sp>
+        <p:nvSpPr>
+          <p:cNvPr id="6" name="直角三角形 5">
+            <a:extLst>
+              <a:ext uri="{FF2B5EF4-FFF2-40B4-BE49-F238E27FC236}">
+                <a16:creationId xmlns:a16="http://schemas.microsoft.com/office/drawing/2014/main" id="{5C0D6FF2-F6EC-166D-E341-14C6BDB520FC}"/>
+              </a:ext>
+            </a:extLst>
+          </p:cNvPr>
+          <p:cNvSpPr/>
+          <p:nvPr/>
+        </p:nvSpPr>
+        <p:spPr>
+          <a:xfrm flipH="1">
+            <a:off x="4479594" y="1656830"/>
+            <a:ext cx="1874023" cy="1634789"/>
+          </a:xfrm>
+          <a:prstGeom prst="rtTriangle">
+            <a:avLst/>
+          </a:prstGeom>
+          <a:solidFill>
+            <a:srgbClr val="209CEE"/>
+          </a:solidFill>
+          <a:ln w="12700">
+            <a:noFill/>
+            <a:miter lim="400000"/>
+          </a:ln>
+          <a:extLst>
+            <a:ext uri="{C572A759-6A51-4108-AA02-DFA0A04FC94B}">
+              <ma14:wrappingTextBoxFlag xmlns="" xmlns:ma14="http://schemas.microsoft.com/office/mac/drawingml/2011/main" val="1"/>
+            </a:ext>
+          </a:extLst>
+        </p:spPr>
+        <p:txBody>
+          <a:bodyPr rtlCol="0" anchor="ctr"/>
+          <a:lstStyle/>
+          <a:p>
+            <a:pPr algn="ctr"/>
+            <a:endParaRPr kumimoji="1" lang="ja-JP" altLang="en-US"/>
+          </a:p>
+        </p:txBody>
+      </p:sp>
+      <p:sp>
+        <p:nvSpPr>
+          <p:cNvPr id="7" name="直角三角形 6">
+            <a:extLst>
+              <a:ext uri="{FF2B5EF4-FFF2-40B4-BE49-F238E27FC236}">
+                <a16:creationId xmlns:a16="http://schemas.microsoft.com/office/drawing/2014/main" id="{408292A6-FACD-FB33-3976-4EB67E11A1EC}"/>
+              </a:ext>
+            </a:extLst>
+          </p:cNvPr>
+          <p:cNvSpPr/>
+          <p:nvPr/>
+        </p:nvSpPr>
+        <p:spPr>
+          <a:xfrm flipH="1" flipV="1">
+            <a:off x="4480798" y="3416434"/>
+            <a:ext cx="2161155" cy="1849668"/>
+          </a:xfrm>
+          <a:prstGeom prst="rtTriangle">
+            <a:avLst/>
+          </a:prstGeom>
+          <a:solidFill>
+            <a:srgbClr val="209CEE"/>
+          </a:solidFill>
+          <a:ln w="12700">
+            <a:noFill/>
+            <a:miter lim="400000"/>
+          </a:ln>
+          <a:extLst>
+            <a:ext uri="{C572A759-6A51-4108-AA02-DFA0A04FC94B}">
+              <ma14:wrappingTextBoxFlag xmlns="" xmlns:ma14="http://schemas.microsoft.com/office/mac/drawingml/2011/main" val="1"/>
+            </a:ext>
+          </a:extLst>
+        </p:spPr>
+        <p:txBody>
+          <a:bodyPr rtlCol="0" anchor="ctr"/>
+          <a:lstStyle/>
+          <a:p>
+            <a:pPr algn="ctr"/>
+            <a:endParaRPr kumimoji="1" lang="ja-JP" altLang="en-US"/>
+          </a:p>
+        </p:txBody>
+      </p:sp>
+    </p:spTree>
+    <p:extLst>
+      <p:ext uri="{BB962C8B-B14F-4D97-AF65-F5344CB8AC3E}">
+        <p14:creationId xmlns:p14="http://schemas.microsoft.com/office/powerpoint/2010/main" val="3926723543"/>
       </p:ext>
     </p:extLst>
   </p:cSld>

--- a/_memo/100knocks.pptx
+++ b/_memo/100knocks.pptx
@@ -5,10 +5,10 @@
     <p:sldMasterId id="2147483648" r:id="rId1"/>
   </p:sldMasterIdLst>
   <p:notesMasterIdLst>
-    <p:notesMasterId r:id="rId29"/>
+    <p:notesMasterId r:id="rId30"/>
   </p:notesMasterIdLst>
   <p:handoutMasterIdLst>
-    <p:handoutMasterId r:id="rId30"/>
+    <p:handoutMasterId r:id="rId31"/>
   </p:handoutMasterIdLst>
   <p:sldIdLst>
     <p:sldId id="633" r:id="rId2"/>
@@ -38,6 +38,7 @@
     <p:sldId id="658" r:id="rId26"/>
     <p:sldId id="657" r:id="rId27"/>
     <p:sldId id="659" r:id="rId28"/>
+    <p:sldId id="660" r:id="rId29"/>
   </p:sldIdLst>
   <p:sldSz cx="12192000" cy="6858000"/>
   <p:notesSz cx="6735763" cy="9866313"/>
@@ -168,6 +169,7 @@
             <p14:sldId id="658"/>
             <p14:sldId id="657"/>
             <p14:sldId id="659"/>
+            <p14:sldId id="660"/>
           </p14:sldIdLst>
         </p14:section>
         <p14:section name="アイコン" id="{E6A61129-24E8-BE4F-97F7-218E9035C89D}">
@@ -12835,6 +12837,344 @@
     <p:extLst>
       <p:ext uri="{BB962C8B-B14F-4D97-AF65-F5344CB8AC3E}">
         <p14:creationId xmlns:p14="http://schemas.microsoft.com/office/powerpoint/2010/main" val="3926723543"/>
+      </p:ext>
+    </p:extLst>
+  </p:cSld>
+  <p:clrMapOvr>
+    <a:masterClrMapping/>
+  </p:clrMapOvr>
+</p:sld>
+</file>
+
+<file path=ppt/slides/slide28.xml><?xml version="1.0" encoding="utf-8"?>
+<p:sld xmlns:a="http://schemas.openxmlformats.org/drawingml/2006/main" xmlns:r="http://schemas.openxmlformats.org/officeDocument/2006/relationships" xmlns:p="http://schemas.openxmlformats.org/presentationml/2006/main">
+  <p:cSld>
+    <p:spTree>
+      <p:nvGrpSpPr>
+        <p:cNvPr id="1" name=""/>
+        <p:cNvGrpSpPr/>
+        <p:nvPr/>
+      </p:nvGrpSpPr>
+      <p:grpSpPr>
+        <a:xfrm>
+          <a:off x="0" y="0"/>
+          <a:ext cx="0" cy="0"/>
+          <a:chOff x="0" y="0"/>
+          <a:chExt cx="0" cy="0"/>
+        </a:xfrm>
+      </p:grpSpPr>
+      <p:sp>
+        <p:nvSpPr>
+          <p:cNvPr id="17" name="円/楕円 16">
+            <a:extLst>
+              <a:ext uri="{FF2B5EF4-FFF2-40B4-BE49-F238E27FC236}">
+                <a16:creationId xmlns:a16="http://schemas.microsoft.com/office/drawing/2014/main" id="{5B7E9BC7-E1B5-80B6-63D0-4BEC40733C34}"/>
+              </a:ext>
+            </a:extLst>
+          </p:cNvPr>
+          <p:cNvSpPr>
+            <a:spLocks noChangeAspect="1"/>
+          </p:cNvSpPr>
+          <p:nvPr/>
+        </p:nvSpPr>
+        <p:spPr>
+          <a:xfrm>
+            <a:off x="1100486" y="18464"/>
+            <a:ext cx="6829487" cy="6829487"/>
+          </a:xfrm>
+          <a:prstGeom prst="ellipse">
+            <a:avLst/>
+          </a:prstGeom>
+          <a:solidFill>
+            <a:srgbClr val="209CEE"/>
+          </a:solidFill>
+          <a:ln w="12700">
+            <a:noFill/>
+            <a:miter lim="400000"/>
+          </a:ln>
+          <a:extLst>
+            <a:ext uri="{C572A759-6A51-4108-AA02-DFA0A04FC94B}">
+              <ma14:wrappingTextBoxFlag xmlns="" xmlns:ma14="http://schemas.microsoft.com/office/mac/drawingml/2011/main" val="1"/>
+            </a:ext>
+          </a:extLst>
+        </p:spPr>
+        <p:txBody>
+          <a:bodyPr rtlCol="0" anchor="ctr"/>
+          <a:lstStyle/>
+          <a:p>
+            <a:pPr algn="ctr"/>
+            <a:endParaRPr kumimoji="1" lang="ja-JP" altLang="en-US" sz="2000">
+              <a:latin typeface="Plantagenet Cherokee" panose="02020000000000000000" pitchFamily="18" charset="-79"/>
+              <a:cs typeface="Plantagenet Cherokee" panose="02020000000000000000" pitchFamily="18" charset="-79"/>
+            </a:endParaRPr>
+          </a:p>
+        </p:txBody>
+      </p:sp>
+      <p:sp>
+        <p:nvSpPr>
+          <p:cNvPr id="2" name="正方形/長方形 1">
+            <a:extLst>
+              <a:ext uri="{FF2B5EF4-FFF2-40B4-BE49-F238E27FC236}">
+                <a16:creationId xmlns:a16="http://schemas.microsoft.com/office/drawing/2014/main" id="{10E74CC0-DF2F-AF6D-B4D6-A55E1EEDCB12}"/>
+              </a:ext>
+            </a:extLst>
+          </p:cNvPr>
+          <p:cNvSpPr>
+            <a:spLocks noChangeAspect="1"/>
+          </p:cNvSpPr>
+          <p:nvPr/>
+        </p:nvSpPr>
+        <p:spPr>
+          <a:xfrm>
+            <a:off x="2994406" y="1656829"/>
+            <a:ext cx="804318" cy="3609273"/>
+          </a:xfrm>
+          <a:prstGeom prst="rect">
+            <a:avLst/>
+          </a:prstGeom>
+          <a:solidFill>
+            <a:schemeClr val="bg1"/>
+          </a:solidFill>
+          <a:ln w="12700">
+            <a:noFill/>
+            <a:miter lim="400000"/>
+          </a:ln>
+          <a:extLst>
+            <a:ext uri="{C572A759-6A51-4108-AA02-DFA0A04FC94B}">
+              <ma14:wrappingTextBoxFlag xmlns="" xmlns:ma14="http://schemas.microsoft.com/office/mac/drawingml/2011/main" val="1"/>
+            </a:ext>
+          </a:extLst>
+        </p:spPr>
+        <p:txBody>
+          <a:bodyPr rtlCol="0" anchor="ctr"/>
+          <a:lstStyle/>
+          <a:p>
+            <a:pPr algn="ctr"/>
+            <a:endParaRPr kumimoji="1" lang="ja-JP" altLang="en-US" sz="2000">
+              <a:latin typeface="Plantagenet Cherokee" panose="02020000000000000000" pitchFamily="18" charset="-79"/>
+              <a:cs typeface="Plantagenet Cherokee" panose="02020000000000000000" pitchFamily="18" charset="-79"/>
+            </a:endParaRPr>
+          </a:p>
+        </p:txBody>
+      </p:sp>
+      <p:sp>
+        <p:nvSpPr>
+          <p:cNvPr id="4" name="平行四辺形 3">
+            <a:extLst>
+              <a:ext uri="{FF2B5EF4-FFF2-40B4-BE49-F238E27FC236}">
+                <a16:creationId xmlns:a16="http://schemas.microsoft.com/office/drawing/2014/main" id="{FA33888D-86F2-D809-EE8B-63E2CFC0D93E}"/>
+              </a:ext>
+            </a:extLst>
+          </p:cNvPr>
+          <p:cNvSpPr/>
+          <p:nvPr/>
+        </p:nvSpPr>
+        <p:spPr>
+          <a:xfrm>
+            <a:off x="3635085" y="1656832"/>
+            <a:ext cx="2718534" cy="1634786"/>
+          </a:xfrm>
+          <a:prstGeom prst="parallelogram">
+            <a:avLst>
+              <a:gd name="adj" fmla="val 95582"/>
+            </a:avLst>
+          </a:prstGeom>
+          <a:solidFill>
+            <a:schemeClr val="bg1"/>
+          </a:solidFill>
+          <a:ln w="12700">
+            <a:noFill/>
+            <a:miter lim="400000"/>
+          </a:ln>
+          <a:extLst>
+            <a:ext uri="{C572A759-6A51-4108-AA02-DFA0A04FC94B}">
+              <ma14:wrappingTextBoxFlag xmlns="" xmlns:ma14="http://schemas.microsoft.com/office/mac/drawingml/2011/main" val="1"/>
+            </a:ext>
+          </a:extLst>
+        </p:spPr>
+        <p:txBody>
+          <a:bodyPr rtlCol="0" anchor="ctr"/>
+          <a:lstStyle/>
+          <a:p>
+            <a:pPr algn="ctr"/>
+            <a:endParaRPr kumimoji="1" lang="ja-JP" altLang="en-US"/>
+          </a:p>
+        </p:txBody>
+      </p:sp>
+      <p:sp>
+        <p:nvSpPr>
+          <p:cNvPr id="5" name="平行四辺形 4">
+            <a:extLst>
+              <a:ext uri="{FF2B5EF4-FFF2-40B4-BE49-F238E27FC236}">
+                <a16:creationId xmlns:a16="http://schemas.microsoft.com/office/drawing/2014/main" id="{71354601-FEC4-1C68-1105-FF4E5A37F197}"/>
+              </a:ext>
+            </a:extLst>
+          </p:cNvPr>
+          <p:cNvSpPr/>
+          <p:nvPr/>
+        </p:nvSpPr>
+        <p:spPr>
+          <a:xfrm flipV="1">
+            <a:off x="3636289" y="3466681"/>
+            <a:ext cx="3005665" cy="1799424"/>
+          </a:xfrm>
+          <a:prstGeom prst="parallelogram">
+            <a:avLst>
+              <a:gd name="adj" fmla="val 93823"/>
+            </a:avLst>
+          </a:prstGeom>
+          <a:solidFill>
+            <a:schemeClr val="bg1"/>
+          </a:solidFill>
+          <a:ln w="12700">
+            <a:noFill/>
+            <a:miter lim="400000"/>
+          </a:ln>
+          <a:extLst>
+            <a:ext uri="{C572A759-6A51-4108-AA02-DFA0A04FC94B}">
+              <ma14:wrappingTextBoxFlag xmlns="" xmlns:ma14="http://schemas.microsoft.com/office/mac/drawingml/2011/main" val="1"/>
+            </a:ext>
+          </a:extLst>
+        </p:spPr>
+        <p:txBody>
+          <a:bodyPr rtlCol="0" anchor="ctr"/>
+          <a:lstStyle/>
+          <a:p>
+            <a:pPr algn="ctr"/>
+            <a:endParaRPr kumimoji="1" lang="ja-JP" altLang="en-US"/>
+          </a:p>
+        </p:txBody>
+      </p:sp>
+      <p:sp>
+        <p:nvSpPr>
+          <p:cNvPr id="6" name="直角三角形 5">
+            <a:extLst>
+              <a:ext uri="{FF2B5EF4-FFF2-40B4-BE49-F238E27FC236}">
+                <a16:creationId xmlns:a16="http://schemas.microsoft.com/office/drawing/2014/main" id="{5C0D6FF2-F6EC-166D-E341-14C6BDB520FC}"/>
+              </a:ext>
+            </a:extLst>
+          </p:cNvPr>
+          <p:cNvSpPr/>
+          <p:nvPr/>
+        </p:nvSpPr>
+        <p:spPr>
+          <a:xfrm flipH="1">
+            <a:off x="4479594" y="1656830"/>
+            <a:ext cx="1874023" cy="1634789"/>
+          </a:xfrm>
+          <a:prstGeom prst="rtTriangle">
+            <a:avLst/>
+          </a:prstGeom>
+          <a:solidFill>
+            <a:srgbClr val="209CEE"/>
+          </a:solidFill>
+          <a:ln w="12700">
+            <a:noFill/>
+            <a:miter lim="400000"/>
+          </a:ln>
+          <a:extLst>
+            <a:ext uri="{C572A759-6A51-4108-AA02-DFA0A04FC94B}">
+              <ma14:wrappingTextBoxFlag xmlns="" xmlns:ma14="http://schemas.microsoft.com/office/mac/drawingml/2011/main" val="1"/>
+            </a:ext>
+          </a:extLst>
+        </p:spPr>
+        <p:txBody>
+          <a:bodyPr rtlCol="0" anchor="ctr"/>
+          <a:lstStyle/>
+          <a:p>
+            <a:pPr algn="ctr"/>
+            <a:endParaRPr kumimoji="1" lang="ja-JP" altLang="en-US"/>
+          </a:p>
+        </p:txBody>
+      </p:sp>
+      <p:sp>
+        <p:nvSpPr>
+          <p:cNvPr id="7" name="直角三角形 6">
+            <a:extLst>
+              <a:ext uri="{FF2B5EF4-FFF2-40B4-BE49-F238E27FC236}">
+                <a16:creationId xmlns:a16="http://schemas.microsoft.com/office/drawing/2014/main" id="{408292A6-FACD-FB33-3976-4EB67E11A1EC}"/>
+              </a:ext>
+            </a:extLst>
+          </p:cNvPr>
+          <p:cNvSpPr/>
+          <p:nvPr/>
+        </p:nvSpPr>
+        <p:spPr>
+          <a:xfrm flipH="1" flipV="1">
+            <a:off x="4480797" y="3466678"/>
+            <a:ext cx="2161155" cy="1799424"/>
+          </a:xfrm>
+          <a:prstGeom prst="rtTriangle">
+            <a:avLst/>
+          </a:prstGeom>
+          <a:solidFill>
+            <a:srgbClr val="209CEE"/>
+          </a:solidFill>
+          <a:ln w="12700">
+            <a:noFill/>
+            <a:miter lim="400000"/>
+          </a:ln>
+          <a:extLst>
+            <a:ext uri="{C572A759-6A51-4108-AA02-DFA0A04FC94B}">
+              <ma14:wrappingTextBoxFlag xmlns="" xmlns:ma14="http://schemas.microsoft.com/office/mac/drawingml/2011/main" val="1"/>
+            </a:ext>
+          </a:extLst>
+        </p:spPr>
+        <p:txBody>
+          <a:bodyPr rtlCol="0" anchor="ctr"/>
+          <a:lstStyle/>
+          <a:p>
+            <a:pPr algn="ctr"/>
+            <a:endParaRPr kumimoji="1" lang="ja-JP" altLang="en-US"/>
+          </a:p>
+        </p:txBody>
+      </p:sp>
+      <p:sp>
+        <p:nvSpPr>
+          <p:cNvPr id="3" name="正方形/長方形 2">
+            <a:extLst>
+              <a:ext uri="{FF2B5EF4-FFF2-40B4-BE49-F238E27FC236}">
+                <a16:creationId xmlns:a16="http://schemas.microsoft.com/office/drawing/2014/main" id="{337BFC40-7338-7F73-A1E4-03EA9BBC6250}"/>
+              </a:ext>
+            </a:extLst>
+          </p:cNvPr>
+          <p:cNvSpPr/>
+          <p:nvPr/>
+        </p:nvSpPr>
+        <p:spPr>
+          <a:xfrm>
+            <a:off x="9774533" y="1272854"/>
+            <a:ext cx="442128" cy="4312292"/>
+          </a:xfrm>
+          <a:prstGeom prst="rect">
+            <a:avLst/>
+          </a:prstGeom>
+          <a:solidFill>
+            <a:schemeClr val="accent6"/>
+          </a:solidFill>
+          <a:ln w="12700">
+            <a:noFill/>
+            <a:miter lim="400000"/>
+          </a:ln>
+          <a:extLst>
+            <a:ext uri="{C572A759-6A51-4108-AA02-DFA0A04FC94B}">
+              <ma14:wrappingTextBoxFlag xmlns="" xmlns:ma14="http://schemas.microsoft.com/office/mac/drawingml/2011/main" val="1"/>
+            </a:ext>
+          </a:extLst>
+        </p:spPr>
+        <p:txBody>
+          <a:bodyPr rtlCol="0" anchor="ctr"/>
+          <a:lstStyle/>
+          <a:p>
+            <a:pPr algn="ctr"/>
+            <a:endParaRPr kumimoji="1" lang="ja-JP" altLang="en-US"/>
+          </a:p>
+        </p:txBody>
+      </p:sp>
+    </p:spTree>
+    <p:extLst>
+      <p:ext uri="{BB962C8B-B14F-4D97-AF65-F5344CB8AC3E}">
+        <p14:creationId xmlns:p14="http://schemas.microsoft.com/office/powerpoint/2010/main" val="987698814"/>
       </p:ext>
     </p:extLst>
   </p:cSld>

--- a/_memo/100knocks.pptx
+++ b/_memo/100knocks.pptx
@@ -5,10 +5,10 @@
     <p:sldMasterId id="2147483648" r:id="rId1"/>
   </p:sldMasterIdLst>
   <p:notesMasterIdLst>
-    <p:notesMasterId r:id="rId46"/>
+    <p:notesMasterId r:id="rId47"/>
   </p:notesMasterIdLst>
   <p:handoutMasterIdLst>
-    <p:handoutMasterId r:id="rId47"/>
+    <p:handoutMasterId r:id="rId48"/>
   </p:handoutMasterIdLst>
   <p:sldIdLst>
     <p:sldId id="633" r:id="rId2"/>
@@ -55,6 +55,7 @@
     <p:sldId id="675" r:id="rId43"/>
     <p:sldId id="678" r:id="rId44"/>
     <p:sldId id="677" r:id="rId45"/>
+    <p:sldId id="679" r:id="rId46"/>
   </p:sldIdLst>
   <p:sldSz cx="12192000" cy="6858000"/>
   <p:notesSz cx="6735763" cy="9866313"/>
@@ -202,6 +203,7 @@
             <p14:sldId id="675"/>
             <p14:sldId id="678"/>
             <p14:sldId id="677"/>
+            <p14:sldId id="679"/>
           </p14:sldIdLst>
         </p14:section>
         <p14:section name="アイコン" id="{E6A61129-24E8-BE4F-97F7-218E9035C89D}">
@@ -13163,10 +13165,10 @@
       </p:sp>
       <p:sp>
         <p:nvSpPr>
-          <p:cNvPr id="3" name="正方形/長方形 2">
-            <a:extLst>
-              <a:ext uri="{FF2B5EF4-FFF2-40B4-BE49-F238E27FC236}">
-                <a16:creationId xmlns:a16="http://schemas.microsoft.com/office/drawing/2014/main" id="{337BFC40-7338-7F73-A1E4-03EA9BBC6250}"/>
+          <p:cNvPr id="8" name="正方形/長方形 7">
+            <a:extLst>
+              <a:ext uri="{FF2B5EF4-FFF2-40B4-BE49-F238E27FC236}">
+                <a16:creationId xmlns:a16="http://schemas.microsoft.com/office/drawing/2014/main" id="{8BED8700-9365-D39F-CC68-A53CD1A9623E}"/>
               </a:ext>
             </a:extLst>
           </p:cNvPr>
@@ -13175,30 +13177,36 @@
         </p:nvSpPr>
         <p:spPr>
           <a:xfrm>
-            <a:off x="9774533" y="1272854"/>
-            <a:ext cx="442128" cy="4312292"/>
+            <a:off x="10433539" y="0"/>
+            <a:ext cx="1758461" cy="472273"/>
           </a:xfrm>
           <a:prstGeom prst="rect">
             <a:avLst/>
           </a:prstGeom>
           <a:solidFill>
-            <a:schemeClr val="accent6"/>
-          </a:solidFill>
-          <a:ln w="12700">
-            <a:noFill/>
-            <a:miter lim="400000"/>
-          </a:ln>
-          <a:extLst>
-            <a:ext uri="{C572A759-6A51-4108-AA02-DFA0A04FC94B}">
-              <ma14:wrappingTextBoxFlag xmlns="" xmlns:ma14="http://schemas.microsoft.com/office/mac/drawingml/2011/main" val="1"/>
-            </a:ext>
-          </a:extLst>
-        </p:spPr>
-        <p:txBody>
-          <a:bodyPr rtlCol="0" anchor="ctr"/>
-          <a:lstStyle/>
-          <a:p>
-            <a:pPr algn="ctr"/>
+            <a:schemeClr val="bg1">
+              <a:lumMod val="95000"/>
+            </a:schemeClr>
+          </a:solidFill>
+          <a:ln w="12700">
+            <a:noFill/>
+            <a:miter lim="400000"/>
+          </a:ln>
+          <a:extLst>
+            <a:ext uri="{C572A759-6A51-4108-AA02-DFA0A04FC94B}">
+              <ma14:wrappingTextBoxFlag xmlns="" xmlns:ma14="http://schemas.microsoft.com/office/mac/drawingml/2011/main" val="1"/>
+            </a:ext>
+          </a:extLst>
+        </p:spPr>
+        <p:txBody>
+          <a:bodyPr rtlCol="0" anchor="ctr"/>
+          <a:lstStyle/>
+          <a:p>
+            <a:pPr algn="ctr"/>
+            <a:r>
+              <a:rPr kumimoji="1" lang="en" altLang="ja-JP"/>
+              <a:t>favicon</a:t>
+            </a:r>
             <a:endParaRPr kumimoji="1" lang="ja-JP" altLang="en-US"/>
           </a:p>
         </p:txBody>
@@ -27361,7 +27369,7 @@
         </p:nvCxnSpPr>
         <p:spPr>
           <a:xfrm flipH="1">
-            <a:off x="9824295" y="488128"/>
+            <a:off x="9865351" y="764512"/>
             <a:ext cx="1091203" cy="1168511"/>
           </a:xfrm>
           <a:prstGeom prst="line">
@@ -28045,10 +28053,211 @@
           </a:p>
         </p:txBody>
       </p:sp>
+      <p:sp>
+        <p:nvSpPr>
+          <p:cNvPr id="25" name="正方形/長方形 24">
+            <a:extLst>
+              <a:ext uri="{FF2B5EF4-FFF2-40B4-BE49-F238E27FC236}">
+                <a16:creationId xmlns:a16="http://schemas.microsoft.com/office/drawing/2014/main" id="{0EC76B71-3BA0-BC74-4E0F-92FEF3E347F9}"/>
+              </a:ext>
+            </a:extLst>
+          </p:cNvPr>
+          <p:cNvSpPr/>
+          <p:nvPr/>
+        </p:nvSpPr>
+        <p:spPr>
+          <a:xfrm>
+            <a:off x="10433539" y="0"/>
+            <a:ext cx="1758461" cy="472273"/>
+          </a:xfrm>
+          <a:prstGeom prst="rect">
+            <a:avLst/>
+          </a:prstGeom>
+          <a:solidFill>
+            <a:schemeClr val="bg1">
+              <a:lumMod val="95000"/>
+            </a:schemeClr>
+          </a:solidFill>
+          <a:ln w="12700">
+            <a:noFill/>
+            <a:miter lim="400000"/>
+          </a:ln>
+          <a:extLst>
+            <a:ext uri="{C572A759-6A51-4108-AA02-DFA0A04FC94B}">
+              <ma14:wrappingTextBoxFlag xmlns="" xmlns:ma14="http://schemas.microsoft.com/office/mac/drawingml/2011/main" val="1"/>
+            </a:ext>
+          </a:extLst>
+        </p:spPr>
+        <p:txBody>
+          <a:bodyPr rtlCol="0" anchor="ctr"/>
+          <a:lstStyle/>
+          <a:p>
+            <a:pPr algn="ctr"/>
+            <a:r>
+              <a:rPr kumimoji="1" lang="ja-JP" altLang="en-US"/>
+              <a:t>最新版</a:t>
+            </a:r>
+          </a:p>
+        </p:txBody>
+      </p:sp>
     </p:spTree>
     <p:extLst>
       <p:ext uri="{BB962C8B-B14F-4D97-AF65-F5344CB8AC3E}">
         <p14:creationId xmlns:p14="http://schemas.microsoft.com/office/powerpoint/2010/main" val="1157931423"/>
+      </p:ext>
+    </p:extLst>
+  </p:cSld>
+  <p:clrMapOvr>
+    <a:masterClrMapping/>
+  </p:clrMapOvr>
+</p:sld>
+</file>
+
+<file path=ppt/slides/slide45.xml><?xml version="1.0" encoding="utf-8"?>
+<p:sld xmlns:a="http://schemas.openxmlformats.org/drawingml/2006/main" xmlns:r="http://schemas.openxmlformats.org/officeDocument/2006/relationships" xmlns:p="http://schemas.openxmlformats.org/presentationml/2006/main">
+  <p:cSld>
+    <p:spTree>
+      <p:nvGrpSpPr>
+        <p:cNvPr id="1" name=""/>
+        <p:cNvGrpSpPr/>
+        <p:nvPr/>
+      </p:nvGrpSpPr>
+      <p:grpSpPr>
+        <a:xfrm>
+          <a:off x="0" y="0"/>
+          <a:ext cx="0" cy="0"/>
+          <a:chOff x="0" y="0"/>
+          <a:chExt cx="0" cy="0"/>
+        </a:xfrm>
+      </p:grpSpPr>
+      <p:sp>
+        <p:nvSpPr>
+          <p:cNvPr id="28" name="円/楕円 27">
+            <a:extLst>
+              <a:ext uri="{FF2B5EF4-FFF2-40B4-BE49-F238E27FC236}">
+                <a16:creationId xmlns:a16="http://schemas.microsoft.com/office/drawing/2014/main" id="{54868F49-C7B1-9016-FCA9-1164F778B8B7}"/>
+              </a:ext>
+            </a:extLst>
+          </p:cNvPr>
+          <p:cNvSpPr>
+            <a:spLocks noChangeAspect="1"/>
+          </p:cNvSpPr>
+          <p:nvPr/>
+        </p:nvSpPr>
+        <p:spPr>
+          <a:xfrm>
+            <a:off x="47776" y="728783"/>
+            <a:ext cx="5770220" cy="5770220"/>
+          </a:xfrm>
+          <a:prstGeom prst="ellipse">
+            <a:avLst/>
+          </a:prstGeom>
+          <a:solidFill>
+            <a:srgbClr val="209CEE"/>
+          </a:solidFill>
+          <a:ln w="12700">
+            <a:noFill/>
+            <a:miter lim="400000"/>
+          </a:ln>
+          <a:extLst>
+            <a:ext uri="{C572A759-6A51-4108-AA02-DFA0A04FC94B}">
+              <ma14:wrappingTextBoxFlag xmlns="" xmlns:ma14="http://schemas.microsoft.com/office/mac/drawingml/2011/main" val="1"/>
+            </a:ext>
+          </a:extLst>
+        </p:spPr>
+        <p:txBody>
+          <a:bodyPr rtlCol="0" anchor="ctr"/>
+          <a:lstStyle/>
+          <a:p>
+            <a:pPr algn="ctr"/>
+            <a:endParaRPr kumimoji="1" lang="ja-JP" altLang="en-US" sz="2000">
+              <a:latin typeface="Plantagenet Cherokee" panose="02020000000000000000" pitchFamily="18" charset="-79"/>
+              <a:cs typeface="Plantagenet Cherokee" panose="02020000000000000000" pitchFamily="18" charset="-79"/>
+            </a:endParaRPr>
+          </a:p>
+        </p:txBody>
+      </p:sp>
+      <p:sp>
+        <p:nvSpPr>
+          <p:cNvPr id="31" name="円/楕円 30">
+            <a:extLst>
+              <a:ext uri="{FF2B5EF4-FFF2-40B4-BE49-F238E27FC236}">
+                <a16:creationId xmlns:a16="http://schemas.microsoft.com/office/drawing/2014/main" id="{555A3D6B-7AF5-9F90-0B29-00614509B58A}"/>
+              </a:ext>
+            </a:extLst>
+          </p:cNvPr>
+          <p:cNvSpPr>
+            <a:spLocks noChangeAspect="1"/>
+          </p:cNvSpPr>
+          <p:nvPr/>
+        </p:nvSpPr>
+        <p:spPr>
+          <a:xfrm>
+            <a:off x="6187319" y="728783"/>
+            <a:ext cx="5770220" cy="5770220"/>
+          </a:xfrm>
+          <a:prstGeom prst="ellipse">
+            <a:avLst/>
+          </a:prstGeom>
+          <a:solidFill>
+            <a:srgbClr val="209CEE"/>
+          </a:solidFill>
+          <a:ln w="12700">
+            <a:noFill/>
+            <a:miter lim="400000"/>
+          </a:ln>
+          <a:extLst>
+            <a:ext uri="{C572A759-6A51-4108-AA02-DFA0A04FC94B}">
+              <ma14:wrappingTextBoxFlag xmlns="" xmlns:ma14="http://schemas.microsoft.com/office/mac/drawingml/2011/main" val="1"/>
+            </a:ext>
+          </a:extLst>
+        </p:spPr>
+        <p:txBody>
+          <a:bodyPr rtlCol="0" anchor="ctr"/>
+          <a:lstStyle/>
+          <a:p>
+            <a:pPr algn="ctr"/>
+            <a:endParaRPr kumimoji="1" lang="ja-JP" altLang="en-US" sz="2000">
+              <a:latin typeface="Plantagenet Cherokee" panose="02020000000000000000" pitchFamily="18" charset="-79"/>
+              <a:cs typeface="Plantagenet Cherokee" panose="02020000000000000000" pitchFamily="18" charset="-79"/>
+            </a:endParaRPr>
+          </a:p>
+        </p:txBody>
+      </p:sp>
+      <p:pic>
+        <p:nvPicPr>
+          <p:cNvPr id="32" name="図 31">
+            <a:extLst>
+              <a:ext uri="{FF2B5EF4-FFF2-40B4-BE49-F238E27FC236}">
+                <a16:creationId xmlns:a16="http://schemas.microsoft.com/office/drawing/2014/main" id="{5264F868-E7E1-91D7-BC5A-AAEAF95EC511}"/>
+              </a:ext>
+            </a:extLst>
+          </p:cNvPr>
+          <p:cNvPicPr>
+            <a:picLocks noChangeAspect="1"/>
+          </p:cNvPicPr>
+          <p:nvPr/>
+        </p:nvPicPr>
+        <p:blipFill>
+          <a:blip r:embed="rId2"/>
+          <a:stretch>
+            <a:fillRect/>
+          </a:stretch>
+        </p:blipFill>
+        <p:spPr>
+          <a:xfrm>
+            <a:off x="1677271" y="2004263"/>
+            <a:ext cx="2869382" cy="3219261"/>
+          </a:xfrm>
+          <a:prstGeom prst="rect">
+            <a:avLst/>
+          </a:prstGeom>
+        </p:spPr>
+      </p:pic>
+    </p:spTree>
+    <p:extLst>
+      <p:ext uri="{BB962C8B-B14F-4D97-AF65-F5344CB8AC3E}">
+        <p14:creationId xmlns:p14="http://schemas.microsoft.com/office/powerpoint/2010/main" val="3238930142"/>
       </p:ext>
     </p:extLst>
   </p:cSld>

--- a/_memo/100knocks.pptx
+++ b/_memo/100knocks.pptx
@@ -27066,7 +27066,7 @@
         </p:nvSpPr>
         <p:spPr>
           <a:xfrm>
-            <a:off x="952129" y="15627"/>
+            <a:off x="27686" y="15627"/>
             <a:ext cx="6829487" cy="6829487"/>
           </a:xfrm>
           <a:prstGeom prst="ellipse">
@@ -27111,7 +27111,7 @@
         </p:nvSpPr>
         <p:spPr>
           <a:xfrm>
-            <a:off x="3635085" y="1656832"/>
+            <a:off x="2710642" y="1656832"/>
             <a:ext cx="2718534" cy="1634786"/>
           </a:xfrm>
           <a:prstGeom prst="parallelogram">
@@ -27155,7 +27155,7 @@
         </p:nvSpPr>
         <p:spPr>
           <a:xfrm flipV="1">
-            <a:off x="3636289" y="3466681"/>
+            <a:off x="2711846" y="3466681"/>
             <a:ext cx="3005665" cy="1799424"/>
           </a:xfrm>
           <a:prstGeom prst="parallelogram">
@@ -27199,7 +27199,7 @@
         </p:nvSpPr>
         <p:spPr>
           <a:xfrm flipH="1">
-            <a:off x="4479594" y="1656830"/>
+            <a:off x="3555151" y="1656830"/>
             <a:ext cx="1874023" cy="1634789"/>
           </a:xfrm>
           <a:prstGeom prst="rtTriangle">
@@ -27241,7 +27241,7 @@
         </p:nvSpPr>
         <p:spPr>
           <a:xfrm flipH="1" flipV="1">
-            <a:off x="4480797" y="3466678"/>
+            <a:off x="3556354" y="3466678"/>
             <a:ext cx="2161155" cy="1799424"/>
           </a:xfrm>
           <a:prstGeom prst="rtTriangle">
@@ -27271,10 +27271,10 @@
       </p:sp>
       <p:sp>
         <p:nvSpPr>
-          <p:cNvPr id="3" name="正方形/長方形 2">
-            <a:extLst>
-              <a:ext uri="{FF2B5EF4-FFF2-40B4-BE49-F238E27FC236}">
-                <a16:creationId xmlns:a16="http://schemas.microsoft.com/office/drawing/2014/main" id="{337BFC40-7338-7F73-A1E4-03EA9BBC6250}"/>
+          <p:cNvPr id="15" name="正方形/長方形 14">
+            <a:extLst>
+              <a:ext uri="{FF2B5EF4-FFF2-40B4-BE49-F238E27FC236}">
+                <a16:creationId xmlns:a16="http://schemas.microsoft.com/office/drawing/2014/main" id="{6C726D84-7A8E-43B2-A982-67A734AEF1A5}"/>
               </a:ext>
             </a:extLst>
           </p:cNvPr>
@@ -27283,40 +27283,86 @@
         </p:nvSpPr>
         <p:spPr>
           <a:xfrm>
-            <a:off x="11443256" y="852041"/>
-            <a:ext cx="399783" cy="4312292"/>
+            <a:off x="1797787" y="1656639"/>
+            <a:ext cx="110837" cy="3609464"/>
           </a:xfrm>
           <a:prstGeom prst="rect">
             <a:avLst/>
           </a:prstGeom>
           <a:solidFill>
-            <a:schemeClr val="accent6"/>
-          </a:solidFill>
-          <a:ln w="12700">
-            <a:noFill/>
-            <a:miter lim="400000"/>
-          </a:ln>
-          <a:extLst>
-            <a:ext uri="{C572A759-6A51-4108-AA02-DFA0A04FC94B}">
-              <ma14:wrappingTextBoxFlag xmlns="" xmlns:ma14="http://schemas.microsoft.com/office/mac/drawingml/2011/main" val="1"/>
-            </a:ext>
-          </a:extLst>
-        </p:spPr>
-        <p:txBody>
-          <a:bodyPr rtlCol="0" anchor="ctr"/>
-          <a:lstStyle/>
-          <a:p>
-            <a:pPr algn="ctr"/>
-            <a:endParaRPr kumimoji="1" lang="ja-JP" altLang="en-US"/>
-          </a:p>
-        </p:txBody>
-      </p:sp>
-      <p:sp>
-        <p:nvSpPr>
-          <p:cNvPr id="9" name="三角形 8">
-            <a:extLst>
-              <a:ext uri="{FF2B5EF4-FFF2-40B4-BE49-F238E27FC236}">
-                <a16:creationId xmlns:a16="http://schemas.microsoft.com/office/drawing/2014/main" id="{3F9FDFEC-76C9-5174-8D25-16956F11DDB1}"/>
+            <a:schemeClr val="bg1">
+              <a:alpha val="79000"/>
+            </a:schemeClr>
+          </a:solidFill>
+          <a:ln w="12700">
+            <a:noFill/>
+            <a:miter lim="400000"/>
+          </a:ln>
+          <a:extLst>
+            <a:ext uri="{C572A759-6A51-4108-AA02-DFA0A04FC94B}">
+              <ma14:wrappingTextBoxFlag xmlns="" xmlns:ma14="http://schemas.microsoft.com/office/mac/drawingml/2011/main" val="1"/>
+            </a:ext>
+          </a:extLst>
+        </p:spPr>
+        <p:txBody>
+          <a:bodyPr rtlCol="0" anchor="ctr"/>
+          <a:lstStyle/>
+          <a:p>
+            <a:pPr algn="ctr"/>
+            <a:endParaRPr kumimoji="1" lang="ja-JP" altLang="en-US"/>
+          </a:p>
+        </p:txBody>
+      </p:sp>
+      <p:sp>
+        <p:nvSpPr>
+          <p:cNvPr id="8" name="三角形 7">
+            <a:extLst>
+              <a:ext uri="{FF2B5EF4-FFF2-40B4-BE49-F238E27FC236}">
+                <a16:creationId xmlns:a16="http://schemas.microsoft.com/office/drawing/2014/main" id="{1A144155-824D-1813-4312-D6F43481941A}"/>
+              </a:ext>
+            </a:extLst>
+          </p:cNvPr>
+          <p:cNvSpPr>
+            <a:spLocks noChangeAspect="1"/>
+          </p:cNvSpPr>
+          <p:nvPr/>
+        </p:nvSpPr>
+        <p:spPr>
+          <a:xfrm rot="16200000" flipH="1">
+            <a:off x="2578937" y="3334177"/>
+            <a:ext cx="190638" cy="90000"/>
+          </a:xfrm>
+          <a:prstGeom prst="triangle">
+            <a:avLst/>
+          </a:prstGeom>
+          <a:solidFill>
+            <a:srgbClr val="209CEE"/>
+          </a:solidFill>
+          <a:ln w="12700">
+            <a:noFill/>
+            <a:miter lim="400000"/>
+          </a:ln>
+          <a:extLst>
+            <a:ext uri="{C572A759-6A51-4108-AA02-DFA0A04FC94B}">
+              <ma14:wrappingTextBoxFlag xmlns="" xmlns:ma14="http://schemas.microsoft.com/office/mac/drawingml/2011/main" val="1"/>
+            </a:ext>
+          </a:extLst>
+        </p:spPr>
+        <p:txBody>
+          <a:bodyPr rtlCol="0" anchor="ctr"/>
+          <a:lstStyle/>
+          <a:p>
+            <a:pPr algn="ctr"/>
+            <a:endParaRPr kumimoji="1" lang="ja-JP" altLang="en-US"/>
+          </a:p>
+        </p:txBody>
+      </p:sp>
+      <p:sp>
+        <p:nvSpPr>
+          <p:cNvPr id="12" name="平行四辺形 11">
+            <a:extLst>
+              <a:ext uri="{FF2B5EF4-FFF2-40B4-BE49-F238E27FC236}">
+                <a16:creationId xmlns:a16="http://schemas.microsoft.com/office/drawing/2014/main" id="{A481F423-A91B-5CDC-FE3A-8E269F4FB245}"/>
               </a:ext>
             </a:extLst>
           </p:cNvPr>
@@ -27324,266 +27370,9 @@
           <p:nvPr/>
         </p:nvSpPr>
         <p:spPr>
-          <a:xfrm rot="5400000">
-            <a:off x="8689516" y="638512"/>
-            <a:ext cx="175061" cy="252000"/>
-          </a:xfrm>
-          <a:prstGeom prst="triangle">
-            <a:avLst/>
-          </a:prstGeom>
-          <a:solidFill>
-            <a:srgbClr val="209CEE"/>
-          </a:solidFill>
-          <a:ln w="12700">
-            <a:noFill/>
-            <a:miter lim="400000"/>
-          </a:ln>
-          <a:extLst>
-            <a:ext uri="{C572A759-6A51-4108-AA02-DFA0A04FC94B}">
-              <ma14:wrappingTextBoxFlag xmlns="" xmlns:ma14="http://schemas.microsoft.com/office/mac/drawingml/2011/main" val="1"/>
-            </a:ext>
-          </a:extLst>
-        </p:spPr>
-        <p:txBody>
-          <a:bodyPr rtlCol="0" anchor="ctr"/>
-          <a:lstStyle/>
-          <a:p>
-            <a:pPr algn="ctr"/>
-            <a:endParaRPr kumimoji="1" lang="ja-JP" altLang="en-US"/>
-          </a:p>
-        </p:txBody>
-      </p:sp>
-      <p:cxnSp>
-        <p:nvCxnSpPr>
-          <p:cNvPr id="11" name="直線コネクタ 10">
-            <a:extLst>
-              <a:ext uri="{FF2B5EF4-FFF2-40B4-BE49-F238E27FC236}">
-                <a16:creationId xmlns:a16="http://schemas.microsoft.com/office/drawing/2014/main" id="{7779E94C-8631-925A-2F9D-57DC314CE2E4}"/>
-              </a:ext>
-            </a:extLst>
-          </p:cNvPr>
-          <p:cNvCxnSpPr>
-            <a:cxnSpLocks/>
-          </p:cNvCxnSpPr>
-          <p:nvPr/>
-        </p:nvCxnSpPr>
-        <p:spPr>
-          <a:xfrm flipH="1">
-            <a:off x="9865351" y="764512"/>
-            <a:ext cx="1091203" cy="1168511"/>
-          </a:xfrm>
-          <a:prstGeom prst="line">
-            <a:avLst/>
-          </a:prstGeom>
-          <a:ln w="34925">
-            <a:solidFill>
-              <a:srgbClr val="209CEE"/>
-            </a:solidFill>
-          </a:ln>
-        </p:spPr>
-        <p:style>
-          <a:lnRef idx="1">
-            <a:schemeClr val="accent1"/>
-          </a:lnRef>
-          <a:fillRef idx="0">
-            <a:schemeClr val="accent1"/>
-          </a:fillRef>
-          <a:effectRef idx="0">
-            <a:schemeClr val="accent1"/>
-          </a:effectRef>
-          <a:fontRef idx="minor">
-            <a:schemeClr val="tx1"/>
-          </a:fontRef>
-        </p:style>
-      </p:cxnSp>
-      <p:cxnSp>
-        <p:nvCxnSpPr>
-          <p:cNvPr id="13" name="直線コネクタ 12">
-            <a:extLst>
-              <a:ext uri="{FF2B5EF4-FFF2-40B4-BE49-F238E27FC236}">
-                <a16:creationId xmlns:a16="http://schemas.microsoft.com/office/drawing/2014/main" id="{E85A5342-42D1-E953-D890-AA82936FFB2C}"/>
-              </a:ext>
-            </a:extLst>
-          </p:cNvPr>
-          <p:cNvCxnSpPr>
-            <a:cxnSpLocks/>
-          </p:cNvCxnSpPr>
-          <p:nvPr/>
-        </p:nvCxnSpPr>
-        <p:spPr>
-          <a:xfrm flipH="1" flipV="1">
-            <a:off x="9863136" y="1602156"/>
-            <a:ext cx="1242451" cy="1323472"/>
-          </a:xfrm>
-          <a:prstGeom prst="line">
-            <a:avLst/>
-          </a:prstGeom>
-          <a:ln w="34925">
-            <a:solidFill>
-              <a:srgbClr val="209CEE"/>
-            </a:solidFill>
-          </a:ln>
-        </p:spPr>
-        <p:style>
-          <a:lnRef idx="1">
-            <a:schemeClr val="accent1"/>
-          </a:lnRef>
-          <a:fillRef idx="0">
-            <a:schemeClr val="accent1"/>
-          </a:fillRef>
-          <a:effectRef idx="0">
-            <a:schemeClr val="accent1"/>
-          </a:effectRef>
-          <a:fontRef idx="minor">
-            <a:schemeClr val="tx1"/>
-          </a:fontRef>
-        </p:style>
-      </p:cxnSp>
-      <p:cxnSp>
-        <p:nvCxnSpPr>
-          <p:cNvPr id="22" name="直線コネクタ 21">
-            <a:extLst>
-              <a:ext uri="{FF2B5EF4-FFF2-40B4-BE49-F238E27FC236}">
-                <a16:creationId xmlns:a16="http://schemas.microsoft.com/office/drawing/2014/main" id="{73E0247B-47EA-3632-1E8F-8C5304943FF0}"/>
-              </a:ext>
-            </a:extLst>
-          </p:cNvPr>
-          <p:cNvCxnSpPr>
-            <a:cxnSpLocks/>
-          </p:cNvCxnSpPr>
-          <p:nvPr/>
-        </p:nvCxnSpPr>
-        <p:spPr>
-          <a:xfrm flipH="1" flipV="1">
-            <a:off x="9567414" y="3993629"/>
-            <a:ext cx="1348084" cy="1435993"/>
-          </a:xfrm>
-          <a:prstGeom prst="line">
-            <a:avLst/>
-          </a:prstGeom>
-          <a:ln w="69850">
-            <a:solidFill>
-              <a:schemeClr val="bg1"/>
-            </a:solidFill>
-          </a:ln>
-        </p:spPr>
-        <p:style>
-          <a:lnRef idx="1">
-            <a:schemeClr val="accent1"/>
-          </a:lnRef>
-          <a:fillRef idx="0">
-            <a:schemeClr val="accent1"/>
-          </a:fillRef>
-          <a:effectRef idx="0">
-            <a:schemeClr val="accent1"/>
-          </a:effectRef>
-          <a:fontRef idx="minor">
-            <a:schemeClr val="tx1"/>
-          </a:fontRef>
-        </p:style>
-      </p:cxnSp>
-      <p:cxnSp>
-        <p:nvCxnSpPr>
-          <p:cNvPr id="24" name="直線コネクタ 23">
-            <a:extLst>
-              <a:ext uri="{FF2B5EF4-FFF2-40B4-BE49-F238E27FC236}">
-                <a16:creationId xmlns:a16="http://schemas.microsoft.com/office/drawing/2014/main" id="{4476C1A0-2C95-C41D-F93E-91CCB0AEDA8C}"/>
-              </a:ext>
-            </a:extLst>
-          </p:cNvPr>
-          <p:cNvCxnSpPr>
-            <a:cxnSpLocks/>
-          </p:cNvCxnSpPr>
-          <p:nvPr/>
-        </p:nvCxnSpPr>
-        <p:spPr>
-          <a:xfrm flipH="1">
-            <a:off x="9487717" y="1693667"/>
-            <a:ext cx="1846473" cy="1630551"/>
-          </a:xfrm>
-          <a:prstGeom prst="line">
-            <a:avLst/>
-          </a:prstGeom>
-          <a:ln w="69850">
-            <a:solidFill>
-              <a:schemeClr val="bg1"/>
-            </a:solidFill>
-          </a:ln>
-        </p:spPr>
-        <p:style>
-          <a:lnRef idx="1">
-            <a:schemeClr val="accent1"/>
-          </a:lnRef>
-          <a:fillRef idx="0">
-            <a:schemeClr val="accent1"/>
-          </a:fillRef>
-          <a:effectRef idx="0">
-            <a:schemeClr val="accent1"/>
-          </a:effectRef>
-          <a:fontRef idx="minor">
-            <a:schemeClr val="tx1"/>
-          </a:fontRef>
-        </p:style>
-      </p:cxnSp>
-      <p:cxnSp>
-        <p:nvCxnSpPr>
-          <p:cNvPr id="10" name="直線コネクタ 9">
-            <a:extLst>
-              <a:ext uri="{FF2B5EF4-FFF2-40B4-BE49-F238E27FC236}">
-                <a16:creationId xmlns:a16="http://schemas.microsoft.com/office/drawing/2014/main" id="{B593A18F-A01E-0AE3-C7B0-AEF2C3B4AFC2}"/>
-              </a:ext>
-            </a:extLst>
-          </p:cNvPr>
-          <p:cNvCxnSpPr>
-            <a:cxnSpLocks/>
-          </p:cNvCxnSpPr>
-          <p:nvPr/>
-        </p:nvCxnSpPr>
-        <p:spPr>
-          <a:xfrm flipH="1">
-            <a:off x="9197354" y="2995460"/>
-            <a:ext cx="1384756" cy="1437711"/>
-          </a:xfrm>
-          <a:prstGeom prst="line">
-            <a:avLst/>
-          </a:prstGeom>
-          <a:ln w="69850">
-            <a:solidFill>
-              <a:schemeClr val="bg1"/>
-            </a:solidFill>
-          </a:ln>
-        </p:spPr>
-        <p:style>
-          <a:lnRef idx="1">
-            <a:schemeClr val="accent1"/>
-          </a:lnRef>
-          <a:fillRef idx="0">
-            <a:schemeClr val="accent1"/>
-          </a:fillRef>
-          <a:effectRef idx="0">
-            <a:schemeClr val="accent1"/>
-          </a:effectRef>
-          <a:fontRef idx="minor">
-            <a:schemeClr val="tx1"/>
-          </a:fontRef>
-        </p:style>
-      </p:cxnSp>
-      <p:sp>
-        <p:nvSpPr>
-          <p:cNvPr id="16" name="平行四辺形 15">
-            <a:extLst>
-              <a:ext uri="{FF2B5EF4-FFF2-40B4-BE49-F238E27FC236}">
-                <a16:creationId xmlns:a16="http://schemas.microsoft.com/office/drawing/2014/main" id="{0A68880B-159C-6A6B-E165-3EDC6B1DA4B4}"/>
-              </a:ext>
-            </a:extLst>
-          </p:cNvPr>
-          <p:cNvSpPr/>
-          <p:nvPr/>
-        </p:nvSpPr>
-        <p:spPr>
-          <a:xfrm>
-            <a:off x="8970048" y="1656639"/>
-            <a:ext cx="1708493" cy="1634786"/>
+          <a:xfrm>
+            <a:off x="2411610" y="1656639"/>
+            <a:ext cx="1728589" cy="1634786"/>
           </a:xfrm>
           <a:prstGeom prst="parallelogram">
             <a:avLst>
@@ -27591,48 +27380,6 @@
             </a:avLst>
           </a:prstGeom>
           <a:solidFill>
-            <a:schemeClr val="bg1"/>
-          </a:solidFill>
-          <a:ln w="12700">
-            <a:noFill/>
-            <a:miter lim="400000"/>
-          </a:ln>
-          <a:extLst>
-            <a:ext uri="{C572A759-6A51-4108-AA02-DFA0A04FC94B}">
-              <ma14:wrappingTextBoxFlag xmlns="" xmlns:ma14="http://schemas.microsoft.com/office/mac/drawingml/2011/main" val="1"/>
-            </a:ext>
-          </a:extLst>
-        </p:spPr>
-        <p:txBody>
-          <a:bodyPr rtlCol="0" anchor="ctr"/>
-          <a:lstStyle/>
-          <a:p>
-            <a:pPr algn="ctr"/>
-            <a:endParaRPr kumimoji="1" lang="ja-JP" altLang="en-US"/>
-          </a:p>
-        </p:txBody>
-      </p:sp>
-      <p:sp>
-        <p:nvSpPr>
-          <p:cNvPr id="15" name="正方形/長方形 14">
-            <a:extLst>
-              <a:ext uri="{FF2B5EF4-FFF2-40B4-BE49-F238E27FC236}">
-                <a16:creationId xmlns:a16="http://schemas.microsoft.com/office/drawing/2014/main" id="{6C726D84-7A8E-43B2-A982-67A734AEF1A5}"/>
-              </a:ext>
-            </a:extLst>
-          </p:cNvPr>
-          <p:cNvSpPr/>
-          <p:nvPr/>
-        </p:nvSpPr>
-        <p:spPr>
-          <a:xfrm>
-            <a:off x="2722230" y="1656639"/>
-            <a:ext cx="110837" cy="3609464"/>
-          </a:xfrm>
-          <a:prstGeom prst="rect">
-            <a:avLst/>
-          </a:prstGeom>
-          <a:solidFill>
             <a:schemeClr val="bg1">
               <a:alpha val="79000"/>
             </a:schemeClr>
@@ -27658,52 +27405,10 @@
       </p:sp>
       <p:sp>
         <p:nvSpPr>
-          <p:cNvPr id="19" name="三角形 18">
-            <a:extLst>
-              <a:ext uri="{FF2B5EF4-FFF2-40B4-BE49-F238E27FC236}">
-                <a16:creationId xmlns:a16="http://schemas.microsoft.com/office/drawing/2014/main" id="{77B81787-E5CD-41EC-C3C1-05DB92B9F2A4}"/>
-              </a:ext>
-            </a:extLst>
-          </p:cNvPr>
-          <p:cNvSpPr/>
-          <p:nvPr/>
-        </p:nvSpPr>
-        <p:spPr>
-          <a:xfrm rot="5400000">
-            <a:off x="8974971" y="386547"/>
-            <a:ext cx="176401" cy="203162"/>
-          </a:xfrm>
-          <a:prstGeom prst="triangle">
-            <a:avLst/>
-          </a:prstGeom>
-          <a:solidFill>
-            <a:srgbClr val="209CEE"/>
-          </a:solidFill>
-          <a:ln w="12700">
-            <a:noFill/>
-            <a:miter lim="400000"/>
-          </a:ln>
-          <a:extLst>
-            <a:ext uri="{C572A759-6A51-4108-AA02-DFA0A04FC94B}">
-              <ma14:wrappingTextBoxFlag xmlns="" xmlns:ma14="http://schemas.microsoft.com/office/mac/drawingml/2011/main" val="1"/>
-            </a:ext>
-          </a:extLst>
-        </p:spPr>
-        <p:txBody>
-          <a:bodyPr rtlCol="0" anchor="ctr"/>
-          <a:lstStyle/>
-          <a:p>
-            <a:pPr algn="ctr"/>
-            <a:endParaRPr kumimoji="1" lang="ja-JP" altLang="en-US"/>
-          </a:p>
-        </p:txBody>
-      </p:sp>
-      <p:sp>
-        <p:nvSpPr>
-          <p:cNvPr id="8" name="三角形 7">
-            <a:extLst>
-              <a:ext uri="{FF2B5EF4-FFF2-40B4-BE49-F238E27FC236}">
-                <a16:creationId xmlns:a16="http://schemas.microsoft.com/office/drawing/2014/main" id="{1A144155-824D-1813-4312-D6F43481941A}"/>
+          <p:cNvPr id="2" name="正方形/長方形 1">
+            <a:extLst>
+              <a:ext uri="{FF2B5EF4-FFF2-40B4-BE49-F238E27FC236}">
+                <a16:creationId xmlns:a16="http://schemas.microsoft.com/office/drawing/2014/main" id="{10E74CC0-DF2F-AF6D-B4D6-A55E1EEDCB12}"/>
               </a:ext>
             </a:extLst>
           </p:cNvPr>
@@ -27713,98 +27418,8 @@
           <p:nvPr/>
         </p:nvSpPr>
         <p:spPr>
-          <a:xfrm rot="16200000" flipH="1">
-            <a:off x="3503380" y="3334177"/>
-            <a:ext cx="190638" cy="90000"/>
-          </a:xfrm>
-          <a:prstGeom prst="triangle">
-            <a:avLst/>
-          </a:prstGeom>
-          <a:solidFill>
-            <a:srgbClr val="209CEE"/>
-          </a:solidFill>
-          <a:ln w="12700">
-            <a:noFill/>
-            <a:miter lim="400000"/>
-          </a:ln>
-          <a:extLst>
-            <a:ext uri="{C572A759-6A51-4108-AA02-DFA0A04FC94B}">
-              <ma14:wrappingTextBoxFlag xmlns="" xmlns:ma14="http://schemas.microsoft.com/office/mac/drawingml/2011/main" val="1"/>
-            </a:ext>
-          </a:extLst>
-        </p:spPr>
-        <p:txBody>
-          <a:bodyPr rtlCol="0" anchor="ctr"/>
-          <a:lstStyle/>
-          <a:p>
-            <a:pPr algn="ctr"/>
-            <a:endParaRPr kumimoji="1" lang="ja-JP" altLang="en-US"/>
-          </a:p>
-        </p:txBody>
-      </p:sp>
-      <p:sp>
-        <p:nvSpPr>
-          <p:cNvPr id="12" name="平行四辺形 11">
-            <a:extLst>
-              <a:ext uri="{FF2B5EF4-FFF2-40B4-BE49-F238E27FC236}">
-                <a16:creationId xmlns:a16="http://schemas.microsoft.com/office/drawing/2014/main" id="{A481F423-A91B-5CDC-FE3A-8E269F4FB245}"/>
-              </a:ext>
-            </a:extLst>
-          </p:cNvPr>
-          <p:cNvSpPr/>
-          <p:nvPr/>
-        </p:nvSpPr>
-        <p:spPr>
-          <a:xfrm>
-            <a:off x="3336053" y="1656639"/>
-            <a:ext cx="1728589" cy="1634786"/>
-          </a:xfrm>
-          <a:prstGeom prst="parallelogram">
-            <a:avLst>
-              <a:gd name="adj" fmla="val 97772"/>
-            </a:avLst>
-          </a:prstGeom>
-          <a:solidFill>
-            <a:schemeClr val="bg1">
-              <a:alpha val="79000"/>
-            </a:schemeClr>
-          </a:solidFill>
-          <a:ln w="12700">
-            <a:noFill/>
-            <a:miter lim="400000"/>
-          </a:ln>
-          <a:extLst>
-            <a:ext uri="{C572A759-6A51-4108-AA02-DFA0A04FC94B}">
-              <ma14:wrappingTextBoxFlag xmlns="" xmlns:ma14="http://schemas.microsoft.com/office/mac/drawingml/2011/main" val="1"/>
-            </a:ext>
-          </a:extLst>
-        </p:spPr>
-        <p:txBody>
-          <a:bodyPr rtlCol="0" anchor="ctr"/>
-          <a:lstStyle/>
-          <a:p>
-            <a:pPr algn="ctr"/>
-            <a:endParaRPr kumimoji="1" lang="ja-JP" altLang="en-US"/>
-          </a:p>
-        </p:txBody>
-      </p:sp>
-      <p:sp>
-        <p:nvSpPr>
-          <p:cNvPr id="2" name="正方形/長方形 1">
-            <a:extLst>
-              <a:ext uri="{FF2B5EF4-FFF2-40B4-BE49-F238E27FC236}">
-                <a16:creationId xmlns:a16="http://schemas.microsoft.com/office/drawing/2014/main" id="{10E74CC0-DF2F-AF6D-B4D6-A55E1EEDCB12}"/>
-              </a:ext>
-            </a:extLst>
-          </p:cNvPr>
-          <p:cNvSpPr>
-            <a:spLocks noChangeAspect="1"/>
-          </p:cNvSpPr>
-          <p:nvPr/>
-        </p:nvSpPr>
-        <p:spPr>
-          <a:xfrm>
-            <a:off x="2934118" y="1656829"/>
+          <a:xfrm>
+            <a:off x="2009675" y="1656829"/>
             <a:ext cx="703832" cy="3609273"/>
           </a:xfrm>
           <a:prstGeom prst="rect">
@@ -27849,7 +27464,7 @@
         </p:nvSpPr>
         <p:spPr>
           <a:xfrm flipV="1">
-            <a:off x="3380860" y="3470299"/>
+            <a:off x="2456417" y="3470299"/>
             <a:ext cx="1829814" cy="1800000"/>
           </a:xfrm>
           <a:prstGeom prst="parallelogram">
@@ -27883,10 +27498,10 @@
       </p:sp>
       <p:sp>
         <p:nvSpPr>
-          <p:cNvPr id="14" name="山形 13">
-            <a:extLst>
-              <a:ext uri="{FF2B5EF4-FFF2-40B4-BE49-F238E27FC236}">
-                <a16:creationId xmlns:a16="http://schemas.microsoft.com/office/drawing/2014/main" id="{D33EB8BF-07F7-5D8F-FE6F-A3D383B3CD4E}"/>
+          <p:cNvPr id="23" name="三角形 22">
+            <a:extLst>
+              <a:ext uri="{FF2B5EF4-FFF2-40B4-BE49-F238E27FC236}">
+                <a16:creationId xmlns:a16="http://schemas.microsoft.com/office/drawing/2014/main" id="{4270D2C7-1328-C6A6-633B-3315E463738F}"/>
               </a:ext>
             </a:extLst>
           </p:cNvPr>
@@ -27894,14 +27509,12 @@
           <p:nvPr/>
         </p:nvSpPr>
         <p:spPr>
-          <a:xfrm flipH="1">
-            <a:off x="9125379" y="1436472"/>
-            <a:ext cx="461959" cy="716908"/>
-          </a:xfrm>
-          <a:prstGeom prst="chevron">
-            <a:avLst>
-              <a:gd name="adj" fmla="val 74808"/>
-            </a:avLst>
+          <a:xfrm rot="16200000" flipH="1">
+            <a:off x="2170212" y="3196565"/>
+            <a:ext cx="752395" cy="335120"/>
+          </a:xfrm>
+          <a:prstGeom prst="triangle">
+            <a:avLst/>
           </a:prstGeom>
           <a:solidFill>
             <a:srgbClr val="209CEE"/>
@@ -27927,10 +27540,10 @@
       </p:sp>
       <p:sp>
         <p:nvSpPr>
-          <p:cNvPr id="23" name="三角形 22">
-            <a:extLst>
-              <a:ext uri="{FF2B5EF4-FFF2-40B4-BE49-F238E27FC236}">
-                <a16:creationId xmlns:a16="http://schemas.microsoft.com/office/drawing/2014/main" id="{4270D2C7-1328-C6A6-633B-3315E463738F}"/>
+          <p:cNvPr id="20" name="三角形 19">
+            <a:extLst>
+              <a:ext uri="{FF2B5EF4-FFF2-40B4-BE49-F238E27FC236}">
+                <a16:creationId xmlns:a16="http://schemas.microsoft.com/office/drawing/2014/main" id="{781F9203-EB1C-0B90-FC2B-A1A7ED967D7F}"/>
               </a:ext>
             </a:extLst>
           </p:cNvPr>
@@ -27939,49 +27552,7 @@
         </p:nvSpPr>
         <p:spPr>
           <a:xfrm rot="16200000" flipH="1">
-            <a:off x="3094655" y="3196565"/>
-            <a:ext cx="752395" cy="335120"/>
-          </a:xfrm>
-          <a:prstGeom prst="triangle">
-            <a:avLst/>
-          </a:prstGeom>
-          <a:solidFill>
-            <a:srgbClr val="209CEE"/>
-          </a:solidFill>
-          <a:ln w="12700">
-            <a:noFill/>
-            <a:miter lim="400000"/>
-          </a:ln>
-          <a:extLst>
-            <a:ext uri="{C572A759-6A51-4108-AA02-DFA0A04FC94B}">
-              <ma14:wrappingTextBoxFlag xmlns="" xmlns:ma14="http://schemas.microsoft.com/office/mac/drawingml/2011/main" val="1"/>
-            </a:ext>
-          </a:extLst>
-        </p:spPr>
-        <p:txBody>
-          <a:bodyPr rtlCol="0" anchor="ctr"/>
-          <a:lstStyle/>
-          <a:p>
-            <a:pPr algn="ctr"/>
-            <a:endParaRPr kumimoji="1" lang="ja-JP" altLang="en-US"/>
-          </a:p>
-        </p:txBody>
-      </p:sp>
-      <p:sp>
-        <p:nvSpPr>
-          <p:cNvPr id="20" name="三角形 19">
-            <a:extLst>
-              <a:ext uri="{FF2B5EF4-FFF2-40B4-BE49-F238E27FC236}">
-                <a16:creationId xmlns:a16="http://schemas.microsoft.com/office/drawing/2014/main" id="{781F9203-EB1C-0B90-FC2B-A1A7ED967D7F}"/>
-              </a:ext>
-            </a:extLst>
-          </p:cNvPr>
-          <p:cNvSpPr/>
-          <p:nvPr/>
-        </p:nvSpPr>
-        <p:spPr>
-          <a:xfrm rot="16200000" flipH="1">
-            <a:off x="3279330" y="3250705"/>
+            <a:off x="2354887" y="3250705"/>
             <a:ext cx="497122" cy="221420"/>
           </a:xfrm>
           <a:prstGeom prst="triangle">
@@ -28025,7 +27596,7 @@
         </p:nvSpPr>
         <p:spPr>
           <a:xfrm rot="16200000" flipH="1">
-            <a:off x="3502691" y="3332417"/>
+            <a:off x="2578248" y="3332417"/>
             <a:ext cx="190638" cy="90000"/>
           </a:xfrm>
           <a:prstGeom prst="triangle">
@@ -28055,51 +27626,81 @@
       </p:sp>
       <p:sp>
         <p:nvSpPr>
-          <p:cNvPr id="25" name="正方形/長方形 24">
-            <a:extLst>
-              <a:ext uri="{FF2B5EF4-FFF2-40B4-BE49-F238E27FC236}">
-                <a16:creationId xmlns:a16="http://schemas.microsoft.com/office/drawing/2014/main" id="{0EC76B71-3BA0-BC74-4E0F-92FEF3E347F9}"/>
-              </a:ext>
-            </a:extLst>
-          </p:cNvPr>
-          <p:cNvSpPr/>
-          <p:nvPr/>
-        </p:nvSpPr>
-        <p:spPr>
-          <a:xfrm>
-            <a:off x="10433539" y="0"/>
-            <a:ext cx="1758461" cy="472273"/>
+          <p:cNvPr id="26" name="円/楕円 25">
+            <a:extLst>
+              <a:ext uri="{FF2B5EF4-FFF2-40B4-BE49-F238E27FC236}">
+                <a16:creationId xmlns:a16="http://schemas.microsoft.com/office/drawing/2014/main" id="{083A294B-1898-9FB8-C13C-BC3D839EB28A}"/>
+              </a:ext>
+            </a:extLst>
+          </p:cNvPr>
+          <p:cNvSpPr>
+            <a:spLocks noChangeAspect="1"/>
+          </p:cNvSpPr>
+          <p:nvPr/>
+        </p:nvSpPr>
+        <p:spPr>
+          <a:xfrm>
+            <a:off x="7037185" y="909651"/>
+            <a:ext cx="5099261" cy="5099261"/>
+          </a:xfrm>
+          <a:prstGeom prst="ellipse">
+            <a:avLst/>
+          </a:prstGeom>
+          <a:solidFill>
+            <a:srgbClr val="209CEE"/>
+          </a:solidFill>
+          <a:ln w="12700">
+            <a:noFill/>
+            <a:miter lim="400000"/>
+          </a:ln>
+          <a:extLst>
+            <a:ext uri="{C572A759-6A51-4108-AA02-DFA0A04FC94B}">
+              <ma14:wrappingTextBoxFlag xmlns="" xmlns:ma14="http://schemas.microsoft.com/office/mac/drawingml/2011/main" val="1"/>
+            </a:ext>
+          </a:extLst>
+        </p:spPr>
+        <p:txBody>
+          <a:bodyPr rtlCol="0" anchor="ctr"/>
+          <a:lstStyle/>
+          <a:p>
+            <a:pPr algn="ctr"/>
+            <a:endParaRPr kumimoji="1" lang="ja-JP" altLang="en-US" sz="2000">
+              <a:latin typeface="Plantagenet Cherokee" panose="02020000000000000000" pitchFamily="18" charset="-79"/>
+              <a:cs typeface="Plantagenet Cherokee" panose="02020000000000000000" pitchFamily="18" charset="-79"/>
+            </a:endParaRPr>
+          </a:p>
+        </p:txBody>
+      </p:sp>
+      <p:pic>
+        <p:nvPicPr>
+          <p:cNvPr id="27" name="図 26">
+            <a:extLst>
+              <a:ext uri="{FF2B5EF4-FFF2-40B4-BE49-F238E27FC236}">
+                <a16:creationId xmlns:a16="http://schemas.microsoft.com/office/drawing/2014/main" id="{8933666F-01F8-8591-5364-2C140D8234E1}"/>
+              </a:ext>
+            </a:extLst>
+          </p:cNvPr>
+          <p:cNvPicPr>
+            <a:picLocks noChangeAspect="1"/>
+          </p:cNvPicPr>
+          <p:nvPr/>
+        </p:nvPicPr>
+        <p:blipFill>
+          <a:blip r:embed="rId2"/>
+          <a:stretch>
+            <a:fillRect/>
+          </a:stretch>
+        </p:blipFill>
+        <p:spPr>
+          <a:xfrm>
+            <a:off x="8536053" y="2036818"/>
+            <a:ext cx="2535732" cy="2844927"/>
           </a:xfrm>
           <a:prstGeom prst="rect">
             <a:avLst/>
           </a:prstGeom>
-          <a:solidFill>
-            <a:schemeClr val="bg1">
-              <a:lumMod val="95000"/>
-            </a:schemeClr>
-          </a:solidFill>
-          <a:ln w="12700">
-            <a:noFill/>
-            <a:miter lim="400000"/>
-          </a:ln>
-          <a:extLst>
-            <a:ext uri="{C572A759-6A51-4108-AA02-DFA0A04FC94B}">
-              <ma14:wrappingTextBoxFlag xmlns="" xmlns:ma14="http://schemas.microsoft.com/office/mac/drawingml/2011/main" val="1"/>
-            </a:ext>
-          </a:extLst>
-        </p:spPr>
-        <p:txBody>
-          <a:bodyPr rtlCol="0" anchor="ctr"/>
-          <a:lstStyle/>
-          <a:p>
-            <a:pPr algn="ctr"/>
-            <a:r>
-              <a:rPr kumimoji="1" lang="ja-JP" altLang="en-US"/>
-              <a:t>最新版</a:t>
-            </a:r>
-          </a:p>
-        </p:txBody>
-      </p:sp>
+        </p:spPr>
+      </p:pic>
     </p:spTree>
     <p:extLst>
       <p:ext uri="{BB962C8B-B14F-4D97-AF65-F5344CB8AC3E}">
@@ -28132,10 +27733,10 @@
       </p:grpSpPr>
       <p:sp>
         <p:nvSpPr>
-          <p:cNvPr id="28" name="円/楕円 27">
-            <a:extLst>
-              <a:ext uri="{FF2B5EF4-FFF2-40B4-BE49-F238E27FC236}">
-                <a16:creationId xmlns:a16="http://schemas.microsoft.com/office/drawing/2014/main" id="{54868F49-C7B1-9016-FCA9-1164F778B8B7}"/>
+          <p:cNvPr id="17" name="円/楕円 16">
+            <a:extLst>
+              <a:ext uri="{FF2B5EF4-FFF2-40B4-BE49-F238E27FC236}">
+                <a16:creationId xmlns:a16="http://schemas.microsoft.com/office/drawing/2014/main" id="{5B7E9BC7-E1B5-80B6-63D0-4BEC40733C34}"/>
               </a:ext>
             </a:extLst>
           </p:cNvPr>
@@ -28146,8 +27747,8 @@
         </p:nvSpPr>
         <p:spPr>
           <a:xfrm>
-            <a:off x="47776" y="728783"/>
-            <a:ext cx="5770220" cy="5770220"/>
+            <a:off x="27686" y="15627"/>
+            <a:ext cx="6829487" cy="6829487"/>
           </a:xfrm>
           <a:prstGeom prst="ellipse">
             <a:avLst/>
@@ -28179,10 +27780,226 @@
       </p:sp>
       <p:sp>
         <p:nvSpPr>
-          <p:cNvPr id="31" name="円/楕円 30">
-            <a:extLst>
-              <a:ext uri="{FF2B5EF4-FFF2-40B4-BE49-F238E27FC236}">
-                <a16:creationId xmlns:a16="http://schemas.microsoft.com/office/drawing/2014/main" id="{555A3D6B-7AF5-9F90-0B29-00614509B58A}"/>
+          <p:cNvPr id="4" name="平行四辺形 3">
+            <a:extLst>
+              <a:ext uri="{FF2B5EF4-FFF2-40B4-BE49-F238E27FC236}">
+                <a16:creationId xmlns:a16="http://schemas.microsoft.com/office/drawing/2014/main" id="{FA33888D-86F2-D809-EE8B-63E2CFC0D93E}"/>
+              </a:ext>
+            </a:extLst>
+          </p:cNvPr>
+          <p:cNvSpPr/>
+          <p:nvPr/>
+        </p:nvSpPr>
+        <p:spPr>
+          <a:xfrm>
+            <a:off x="2710642" y="1656832"/>
+            <a:ext cx="2718534" cy="1634786"/>
+          </a:xfrm>
+          <a:prstGeom prst="parallelogram">
+            <a:avLst>
+              <a:gd name="adj" fmla="val 95582"/>
+            </a:avLst>
+          </a:prstGeom>
+          <a:solidFill>
+            <a:schemeClr val="bg1"/>
+          </a:solidFill>
+          <a:ln w="12700">
+            <a:noFill/>
+            <a:miter lim="400000"/>
+          </a:ln>
+          <a:extLst>
+            <a:ext uri="{C572A759-6A51-4108-AA02-DFA0A04FC94B}">
+              <ma14:wrappingTextBoxFlag xmlns="" xmlns:ma14="http://schemas.microsoft.com/office/mac/drawingml/2011/main" val="1"/>
+            </a:ext>
+          </a:extLst>
+        </p:spPr>
+        <p:txBody>
+          <a:bodyPr rtlCol="0" anchor="ctr"/>
+          <a:lstStyle/>
+          <a:p>
+            <a:pPr algn="ctr"/>
+            <a:endParaRPr kumimoji="1" lang="ja-JP" altLang="en-US"/>
+          </a:p>
+        </p:txBody>
+      </p:sp>
+      <p:sp>
+        <p:nvSpPr>
+          <p:cNvPr id="5" name="平行四辺形 4">
+            <a:extLst>
+              <a:ext uri="{FF2B5EF4-FFF2-40B4-BE49-F238E27FC236}">
+                <a16:creationId xmlns:a16="http://schemas.microsoft.com/office/drawing/2014/main" id="{71354601-FEC4-1C68-1105-FF4E5A37F197}"/>
+              </a:ext>
+            </a:extLst>
+          </p:cNvPr>
+          <p:cNvSpPr/>
+          <p:nvPr/>
+        </p:nvSpPr>
+        <p:spPr>
+          <a:xfrm flipV="1">
+            <a:off x="2711846" y="3466681"/>
+            <a:ext cx="3005665" cy="1799424"/>
+          </a:xfrm>
+          <a:prstGeom prst="parallelogram">
+            <a:avLst>
+              <a:gd name="adj" fmla="val 93823"/>
+            </a:avLst>
+          </a:prstGeom>
+          <a:solidFill>
+            <a:schemeClr val="bg1"/>
+          </a:solidFill>
+          <a:ln w="12700">
+            <a:noFill/>
+            <a:miter lim="400000"/>
+          </a:ln>
+          <a:extLst>
+            <a:ext uri="{C572A759-6A51-4108-AA02-DFA0A04FC94B}">
+              <ma14:wrappingTextBoxFlag xmlns="" xmlns:ma14="http://schemas.microsoft.com/office/mac/drawingml/2011/main" val="1"/>
+            </a:ext>
+          </a:extLst>
+        </p:spPr>
+        <p:txBody>
+          <a:bodyPr rtlCol="0" anchor="ctr"/>
+          <a:lstStyle/>
+          <a:p>
+            <a:pPr algn="ctr"/>
+            <a:endParaRPr kumimoji="1" lang="ja-JP" altLang="en-US"/>
+          </a:p>
+        </p:txBody>
+      </p:sp>
+      <p:sp>
+        <p:nvSpPr>
+          <p:cNvPr id="6" name="直角三角形 5">
+            <a:extLst>
+              <a:ext uri="{FF2B5EF4-FFF2-40B4-BE49-F238E27FC236}">
+                <a16:creationId xmlns:a16="http://schemas.microsoft.com/office/drawing/2014/main" id="{5C0D6FF2-F6EC-166D-E341-14C6BDB520FC}"/>
+              </a:ext>
+            </a:extLst>
+          </p:cNvPr>
+          <p:cNvSpPr/>
+          <p:nvPr/>
+        </p:nvSpPr>
+        <p:spPr>
+          <a:xfrm flipH="1">
+            <a:off x="3555151" y="1656830"/>
+            <a:ext cx="1874023" cy="1634789"/>
+          </a:xfrm>
+          <a:prstGeom prst="rtTriangle">
+            <a:avLst/>
+          </a:prstGeom>
+          <a:solidFill>
+            <a:srgbClr val="209CEE"/>
+          </a:solidFill>
+          <a:ln w="12700">
+            <a:noFill/>
+            <a:miter lim="400000"/>
+          </a:ln>
+          <a:extLst>
+            <a:ext uri="{C572A759-6A51-4108-AA02-DFA0A04FC94B}">
+              <ma14:wrappingTextBoxFlag xmlns="" xmlns:ma14="http://schemas.microsoft.com/office/mac/drawingml/2011/main" val="1"/>
+            </a:ext>
+          </a:extLst>
+        </p:spPr>
+        <p:txBody>
+          <a:bodyPr rtlCol="0" anchor="ctr"/>
+          <a:lstStyle/>
+          <a:p>
+            <a:pPr algn="ctr"/>
+            <a:endParaRPr kumimoji="1" lang="ja-JP" altLang="en-US"/>
+          </a:p>
+        </p:txBody>
+      </p:sp>
+      <p:sp>
+        <p:nvSpPr>
+          <p:cNvPr id="7" name="直角三角形 6">
+            <a:extLst>
+              <a:ext uri="{FF2B5EF4-FFF2-40B4-BE49-F238E27FC236}">
+                <a16:creationId xmlns:a16="http://schemas.microsoft.com/office/drawing/2014/main" id="{408292A6-FACD-FB33-3976-4EB67E11A1EC}"/>
+              </a:ext>
+            </a:extLst>
+          </p:cNvPr>
+          <p:cNvSpPr/>
+          <p:nvPr/>
+        </p:nvSpPr>
+        <p:spPr>
+          <a:xfrm flipH="1" flipV="1">
+            <a:off x="3556354" y="3466678"/>
+            <a:ext cx="2161155" cy="1799424"/>
+          </a:xfrm>
+          <a:prstGeom prst="rtTriangle">
+            <a:avLst/>
+          </a:prstGeom>
+          <a:solidFill>
+            <a:srgbClr val="209CEE"/>
+          </a:solidFill>
+          <a:ln w="12700">
+            <a:noFill/>
+            <a:miter lim="400000"/>
+          </a:ln>
+          <a:extLst>
+            <a:ext uri="{C572A759-6A51-4108-AA02-DFA0A04FC94B}">
+              <ma14:wrappingTextBoxFlag xmlns="" xmlns:ma14="http://schemas.microsoft.com/office/mac/drawingml/2011/main" val="1"/>
+            </a:ext>
+          </a:extLst>
+        </p:spPr>
+        <p:txBody>
+          <a:bodyPr rtlCol="0" anchor="ctr"/>
+          <a:lstStyle/>
+          <a:p>
+            <a:pPr algn="ctr"/>
+            <a:endParaRPr kumimoji="1" lang="ja-JP" altLang="en-US"/>
+          </a:p>
+        </p:txBody>
+      </p:sp>
+      <p:sp>
+        <p:nvSpPr>
+          <p:cNvPr id="15" name="正方形/長方形 14">
+            <a:extLst>
+              <a:ext uri="{FF2B5EF4-FFF2-40B4-BE49-F238E27FC236}">
+                <a16:creationId xmlns:a16="http://schemas.microsoft.com/office/drawing/2014/main" id="{6C726D84-7A8E-43B2-A982-67A734AEF1A5}"/>
+              </a:ext>
+            </a:extLst>
+          </p:cNvPr>
+          <p:cNvSpPr/>
+          <p:nvPr/>
+        </p:nvSpPr>
+        <p:spPr>
+          <a:xfrm>
+            <a:off x="1757595" y="1656639"/>
+            <a:ext cx="110837" cy="3609464"/>
+          </a:xfrm>
+          <a:prstGeom prst="rect">
+            <a:avLst/>
+          </a:prstGeom>
+          <a:solidFill>
+            <a:schemeClr val="bg1">
+              <a:alpha val="79000"/>
+            </a:schemeClr>
+          </a:solidFill>
+          <a:ln w="12700">
+            <a:noFill/>
+            <a:miter lim="400000"/>
+          </a:ln>
+          <a:extLst>
+            <a:ext uri="{C572A759-6A51-4108-AA02-DFA0A04FC94B}">
+              <ma14:wrappingTextBoxFlag xmlns="" xmlns:ma14="http://schemas.microsoft.com/office/mac/drawingml/2011/main" val="1"/>
+            </a:ext>
+          </a:extLst>
+        </p:spPr>
+        <p:txBody>
+          <a:bodyPr rtlCol="0" anchor="ctr"/>
+          <a:lstStyle/>
+          <a:p>
+            <a:pPr algn="ctr"/>
+            <a:endParaRPr kumimoji="1" lang="ja-JP" altLang="en-US"/>
+          </a:p>
+        </p:txBody>
+      </p:sp>
+      <p:sp>
+        <p:nvSpPr>
+          <p:cNvPr id="8" name="三角形 7">
+            <a:extLst>
+              <a:ext uri="{FF2B5EF4-FFF2-40B4-BE49-F238E27FC236}">
+                <a16:creationId xmlns:a16="http://schemas.microsoft.com/office/drawing/2014/main" id="{1A144155-824D-1813-4312-D6F43481941A}"/>
               </a:ext>
             </a:extLst>
           </p:cNvPr>
@@ -28192,15 +28009,105 @@
           <p:nvPr/>
         </p:nvSpPr>
         <p:spPr>
-          <a:xfrm>
-            <a:off x="6187319" y="728783"/>
-            <a:ext cx="5770220" cy="5770220"/>
-          </a:xfrm>
-          <a:prstGeom prst="ellipse">
+          <a:xfrm rot="16200000" flipH="1">
+            <a:off x="2578937" y="3334177"/>
+            <a:ext cx="190638" cy="90000"/>
+          </a:xfrm>
+          <a:prstGeom prst="triangle">
             <a:avLst/>
           </a:prstGeom>
           <a:solidFill>
             <a:srgbClr val="209CEE"/>
+          </a:solidFill>
+          <a:ln w="12700">
+            <a:noFill/>
+            <a:miter lim="400000"/>
+          </a:ln>
+          <a:extLst>
+            <a:ext uri="{C572A759-6A51-4108-AA02-DFA0A04FC94B}">
+              <ma14:wrappingTextBoxFlag xmlns="" xmlns:ma14="http://schemas.microsoft.com/office/mac/drawingml/2011/main" val="1"/>
+            </a:ext>
+          </a:extLst>
+        </p:spPr>
+        <p:txBody>
+          <a:bodyPr rtlCol="0" anchor="ctr"/>
+          <a:lstStyle/>
+          <a:p>
+            <a:pPr algn="ctr"/>
+            <a:endParaRPr kumimoji="1" lang="ja-JP" altLang="en-US"/>
+          </a:p>
+        </p:txBody>
+      </p:sp>
+      <p:sp>
+        <p:nvSpPr>
+          <p:cNvPr id="12" name="平行四辺形 11">
+            <a:extLst>
+              <a:ext uri="{FF2B5EF4-FFF2-40B4-BE49-F238E27FC236}">
+                <a16:creationId xmlns:a16="http://schemas.microsoft.com/office/drawing/2014/main" id="{A481F423-A91B-5CDC-FE3A-8E269F4FB245}"/>
+              </a:ext>
+            </a:extLst>
+          </p:cNvPr>
+          <p:cNvSpPr/>
+          <p:nvPr/>
+        </p:nvSpPr>
+        <p:spPr>
+          <a:xfrm>
+            <a:off x="2411610" y="1656639"/>
+            <a:ext cx="1728589" cy="1634786"/>
+          </a:xfrm>
+          <a:prstGeom prst="parallelogram">
+            <a:avLst>
+              <a:gd name="adj" fmla="val 97772"/>
+            </a:avLst>
+          </a:prstGeom>
+          <a:solidFill>
+            <a:schemeClr val="bg1">
+              <a:alpha val="79000"/>
+            </a:schemeClr>
+          </a:solidFill>
+          <a:ln w="12700">
+            <a:noFill/>
+            <a:miter lim="400000"/>
+          </a:ln>
+          <a:extLst>
+            <a:ext uri="{C572A759-6A51-4108-AA02-DFA0A04FC94B}">
+              <ma14:wrappingTextBoxFlag xmlns="" xmlns:ma14="http://schemas.microsoft.com/office/mac/drawingml/2011/main" val="1"/>
+            </a:ext>
+          </a:extLst>
+        </p:spPr>
+        <p:txBody>
+          <a:bodyPr rtlCol="0" anchor="ctr"/>
+          <a:lstStyle/>
+          <a:p>
+            <a:pPr algn="ctr"/>
+            <a:endParaRPr kumimoji="1" lang="ja-JP" altLang="en-US"/>
+          </a:p>
+        </p:txBody>
+      </p:sp>
+      <p:sp>
+        <p:nvSpPr>
+          <p:cNvPr id="2" name="正方形/長方形 1">
+            <a:extLst>
+              <a:ext uri="{FF2B5EF4-FFF2-40B4-BE49-F238E27FC236}">
+                <a16:creationId xmlns:a16="http://schemas.microsoft.com/office/drawing/2014/main" id="{10E74CC0-DF2F-AF6D-B4D6-A55E1EEDCB12}"/>
+              </a:ext>
+            </a:extLst>
+          </p:cNvPr>
+          <p:cNvSpPr>
+            <a:spLocks noChangeAspect="1"/>
+          </p:cNvSpPr>
+          <p:nvPr/>
+        </p:nvSpPr>
+        <p:spPr>
+          <a:xfrm>
+            <a:off x="1979525" y="1656829"/>
+            <a:ext cx="733982" cy="3609273"/>
+          </a:xfrm>
+          <a:prstGeom prst="rect">
+            <a:avLst/>
+          </a:prstGeom>
+          <a:solidFill>
+            <a:schemeClr val="bg1"/>
           </a:solidFill>
           <a:ln w="12700">
             <a:noFill/>
@@ -28224,12 +28131,280 @@
           </a:p>
         </p:txBody>
       </p:sp>
+      <p:sp>
+        <p:nvSpPr>
+          <p:cNvPr id="18" name="平行四辺形 17">
+            <a:extLst>
+              <a:ext uri="{FF2B5EF4-FFF2-40B4-BE49-F238E27FC236}">
+                <a16:creationId xmlns:a16="http://schemas.microsoft.com/office/drawing/2014/main" id="{1F27171F-1DF6-2902-2546-12E382A81E9E}"/>
+              </a:ext>
+            </a:extLst>
+          </p:cNvPr>
+          <p:cNvSpPr/>
+          <p:nvPr/>
+        </p:nvSpPr>
+        <p:spPr>
+          <a:xfrm flipV="1">
+            <a:off x="2456417" y="3470299"/>
+            <a:ext cx="1829814" cy="1800000"/>
+          </a:xfrm>
+          <a:prstGeom prst="parallelogram">
+            <a:avLst>
+              <a:gd name="adj" fmla="val 94811"/>
+            </a:avLst>
+          </a:prstGeom>
+          <a:solidFill>
+            <a:schemeClr val="bg1">
+              <a:alpha val="79000"/>
+            </a:schemeClr>
+          </a:solidFill>
+          <a:ln w="12700">
+            <a:noFill/>
+            <a:miter lim="400000"/>
+          </a:ln>
+          <a:extLst>
+            <a:ext uri="{C572A759-6A51-4108-AA02-DFA0A04FC94B}">
+              <ma14:wrappingTextBoxFlag xmlns="" xmlns:ma14="http://schemas.microsoft.com/office/mac/drawingml/2011/main" val="1"/>
+            </a:ext>
+          </a:extLst>
+        </p:spPr>
+        <p:txBody>
+          <a:bodyPr rtlCol="0" anchor="ctr"/>
+          <a:lstStyle/>
+          <a:p>
+            <a:pPr algn="ctr"/>
+            <a:endParaRPr kumimoji="1" lang="ja-JP" altLang="en-US"/>
+          </a:p>
+        </p:txBody>
+      </p:sp>
+      <p:sp>
+        <p:nvSpPr>
+          <p:cNvPr id="23" name="三角形 22">
+            <a:extLst>
+              <a:ext uri="{FF2B5EF4-FFF2-40B4-BE49-F238E27FC236}">
+                <a16:creationId xmlns:a16="http://schemas.microsoft.com/office/drawing/2014/main" id="{4270D2C7-1328-C6A6-633B-3315E463738F}"/>
+              </a:ext>
+            </a:extLst>
+          </p:cNvPr>
+          <p:cNvSpPr/>
+          <p:nvPr/>
+        </p:nvSpPr>
+        <p:spPr>
+          <a:xfrm rot="16200000" flipH="1">
+            <a:off x="2170212" y="3196565"/>
+            <a:ext cx="752395" cy="335120"/>
+          </a:xfrm>
+          <a:prstGeom prst="triangle">
+            <a:avLst/>
+          </a:prstGeom>
+          <a:solidFill>
+            <a:srgbClr val="209CEE"/>
+          </a:solidFill>
+          <a:ln w="12700">
+            <a:noFill/>
+            <a:miter lim="400000"/>
+          </a:ln>
+          <a:extLst>
+            <a:ext uri="{C572A759-6A51-4108-AA02-DFA0A04FC94B}">
+              <ma14:wrappingTextBoxFlag xmlns="" xmlns:ma14="http://schemas.microsoft.com/office/mac/drawingml/2011/main" val="1"/>
+            </a:ext>
+          </a:extLst>
+        </p:spPr>
+        <p:txBody>
+          <a:bodyPr rtlCol="0" anchor="ctr"/>
+          <a:lstStyle/>
+          <a:p>
+            <a:pPr algn="ctr"/>
+            <a:endParaRPr kumimoji="1" lang="ja-JP" altLang="en-US"/>
+          </a:p>
+        </p:txBody>
+      </p:sp>
+      <p:sp>
+        <p:nvSpPr>
+          <p:cNvPr id="20" name="三角形 19">
+            <a:extLst>
+              <a:ext uri="{FF2B5EF4-FFF2-40B4-BE49-F238E27FC236}">
+                <a16:creationId xmlns:a16="http://schemas.microsoft.com/office/drawing/2014/main" id="{781F9203-EB1C-0B90-FC2B-A1A7ED967D7F}"/>
+              </a:ext>
+            </a:extLst>
+          </p:cNvPr>
+          <p:cNvSpPr/>
+          <p:nvPr/>
+        </p:nvSpPr>
+        <p:spPr>
+          <a:xfrm rot="16200000" flipH="1">
+            <a:off x="2354887" y="3250705"/>
+            <a:ext cx="497122" cy="221420"/>
+          </a:xfrm>
+          <a:prstGeom prst="triangle">
+            <a:avLst/>
+          </a:prstGeom>
+          <a:solidFill>
+            <a:schemeClr val="bg1"/>
+          </a:solidFill>
+          <a:ln w="12700">
+            <a:noFill/>
+            <a:miter lim="400000"/>
+          </a:ln>
+          <a:extLst>
+            <a:ext uri="{C572A759-6A51-4108-AA02-DFA0A04FC94B}">
+              <ma14:wrappingTextBoxFlag xmlns="" xmlns:ma14="http://schemas.microsoft.com/office/mac/drawingml/2011/main" val="1"/>
+            </a:ext>
+          </a:extLst>
+        </p:spPr>
+        <p:txBody>
+          <a:bodyPr rtlCol="0" anchor="ctr"/>
+          <a:lstStyle/>
+          <a:p>
+            <a:pPr algn="ctr"/>
+            <a:endParaRPr kumimoji="1" lang="ja-JP" altLang="en-US"/>
+          </a:p>
+        </p:txBody>
+      </p:sp>
+      <p:sp>
+        <p:nvSpPr>
+          <p:cNvPr id="21" name="三角形 20">
+            <a:extLst>
+              <a:ext uri="{FF2B5EF4-FFF2-40B4-BE49-F238E27FC236}">
+                <a16:creationId xmlns:a16="http://schemas.microsoft.com/office/drawing/2014/main" id="{5505304F-BA2E-A3EF-66BA-F05D4C0FD012}"/>
+              </a:ext>
+            </a:extLst>
+          </p:cNvPr>
+          <p:cNvSpPr>
+            <a:spLocks noChangeAspect="1"/>
+          </p:cNvSpPr>
+          <p:nvPr/>
+        </p:nvSpPr>
+        <p:spPr>
+          <a:xfrm rot="16200000" flipH="1">
+            <a:off x="2578248" y="3332417"/>
+            <a:ext cx="190638" cy="90000"/>
+          </a:xfrm>
+          <a:prstGeom prst="triangle">
+            <a:avLst/>
+          </a:prstGeom>
+          <a:solidFill>
+            <a:srgbClr val="209CEE"/>
+          </a:solidFill>
+          <a:ln w="12700">
+            <a:noFill/>
+            <a:miter lim="400000"/>
+          </a:ln>
+          <a:extLst>
+            <a:ext uri="{C572A759-6A51-4108-AA02-DFA0A04FC94B}">
+              <ma14:wrappingTextBoxFlag xmlns="" xmlns:ma14="http://schemas.microsoft.com/office/mac/drawingml/2011/main" val="1"/>
+            </a:ext>
+          </a:extLst>
+        </p:spPr>
+        <p:txBody>
+          <a:bodyPr rtlCol="0" anchor="ctr"/>
+          <a:lstStyle/>
+          <a:p>
+            <a:pPr algn="ctr"/>
+            <a:endParaRPr kumimoji="1" lang="ja-JP" altLang="en-US"/>
+          </a:p>
+        </p:txBody>
+      </p:sp>
+      <p:sp>
+        <p:nvSpPr>
+          <p:cNvPr id="26" name="円/楕円 25">
+            <a:extLst>
+              <a:ext uri="{FF2B5EF4-FFF2-40B4-BE49-F238E27FC236}">
+                <a16:creationId xmlns:a16="http://schemas.microsoft.com/office/drawing/2014/main" id="{083A294B-1898-9FB8-C13C-BC3D839EB28A}"/>
+              </a:ext>
+            </a:extLst>
+          </p:cNvPr>
+          <p:cNvSpPr>
+            <a:spLocks noChangeAspect="1"/>
+          </p:cNvSpPr>
+          <p:nvPr/>
+        </p:nvSpPr>
+        <p:spPr>
+          <a:xfrm>
+            <a:off x="7037185" y="909651"/>
+            <a:ext cx="5099261" cy="5099261"/>
+          </a:xfrm>
+          <a:prstGeom prst="ellipse">
+            <a:avLst/>
+          </a:prstGeom>
+          <a:solidFill>
+            <a:srgbClr val="209CEE"/>
+          </a:solidFill>
+          <a:ln w="12700">
+            <a:noFill/>
+            <a:miter lim="400000"/>
+          </a:ln>
+          <a:extLst>
+            <a:ext uri="{C572A759-6A51-4108-AA02-DFA0A04FC94B}">
+              <ma14:wrappingTextBoxFlag xmlns="" xmlns:ma14="http://schemas.microsoft.com/office/mac/drawingml/2011/main" val="1"/>
+            </a:ext>
+          </a:extLst>
+        </p:spPr>
+        <p:txBody>
+          <a:bodyPr rtlCol="0" anchor="ctr"/>
+          <a:lstStyle/>
+          <a:p>
+            <a:pPr algn="ctr"/>
+            <a:endParaRPr kumimoji="1" lang="ja-JP" altLang="en-US" sz="2000">
+              <a:latin typeface="Plantagenet Cherokee" panose="02020000000000000000" pitchFamily="18" charset="-79"/>
+              <a:cs typeface="Plantagenet Cherokee" panose="02020000000000000000" pitchFamily="18" charset="-79"/>
+            </a:endParaRPr>
+          </a:p>
+        </p:txBody>
+      </p:sp>
+      <p:sp>
+        <p:nvSpPr>
+          <p:cNvPr id="28" name="正方形/長方形 27">
+            <a:extLst>
+              <a:ext uri="{FF2B5EF4-FFF2-40B4-BE49-F238E27FC236}">
+                <a16:creationId xmlns:a16="http://schemas.microsoft.com/office/drawing/2014/main" id="{8D21F7B9-D771-9AFF-2F57-2B24C4CA7D43}"/>
+              </a:ext>
+            </a:extLst>
+          </p:cNvPr>
+          <p:cNvSpPr/>
+          <p:nvPr/>
+        </p:nvSpPr>
+        <p:spPr>
+          <a:xfrm>
+            <a:off x="10433539" y="0"/>
+            <a:ext cx="1758461" cy="472273"/>
+          </a:xfrm>
+          <a:prstGeom prst="rect">
+            <a:avLst/>
+          </a:prstGeom>
+          <a:solidFill>
+            <a:schemeClr val="bg1">
+              <a:lumMod val="95000"/>
+            </a:schemeClr>
+          </a:solidFill>
+          <a:ln w="12700">
+            <a:noFill/>
+            <a:miter lim="400000"/>
+          </a:ln>
+          <a:extLst>
+            <a:ext uri="{C572A759-6A51-4108-AA02-DFA0A04FC94B}">
+              <ma14:wrappingTextBoxFlag xmlns="" xmlns:ma14="http://schemas.microsoft.com/office/mac/drawingml/2011/main" val="1"/>
+            </a:ext>
+          </a:extLst>
+        </p:spPr>
+        <p:txBody>
+          <a:bodyPr rtlCol="0" anchor="ctr"/>
+          <a:lstStyle/>
+          <a:p>
+            <a:pPr algn="ctr"/>
+            <a:r>
+              <a:rPr kumimoji="1" lang="ja-JP" altLang="en-US"/>
+              <a:t>最新版</a:t>
+            </a:r>
+          </a:p>
+        </p:txBody>
+      </p:sp>
       <p:pic>
         <p:nvPicPr>
-          <p:cNvPr id="32" name="図 31">
-            <a:extLst>
-              <a:ext uri="{FF2B5EF4-FFF2-40B4-BE49-F238E27FC236}">
-                <a16:creationId xmlns:a16="http://schemas.microsoft.com/office/drawing/2014/main" id="{5264F868-E7E1-91D7-BC5A-AAEAF95EC511}"/>
+          <p:cNvPr id="10" name="図 9">
+            <a:extLst>
+              <a:ext uri="{FF2B5EF4-FFF2-40B4-BE49-F238E27FC236}">
+                <a16:creationId xmlns:a16="http://schemas.microsoft.com/office/drawing/2014/main" id="{08F7A9DA-65CB-A1E7-7AF5-59D5486E8DAD}"/>
               </a:ext>
             </a:extLst>
           </p:cNvPr>
@@ -28246,8 +28421,8 @@
         </p:blipFill>
         <p:spPr>
           <a:xfrm>
-            <a:off x="1677271" y="2004263"/>
-            <a:ext cx="2869382" cy="3219261"/>
+            <a:off x="8403706" y="2035963"/>
+            <a:ext cx="2657821" cy="2846637"/>
           </a:xfrm>
           <a:prstGeom prst="rect">
             <a:avLst/>
@@ -28257,7 +28432,7 @@
     </p:spTree>
     <p:extLst>
       <p:ext uri="{BB962C8B-B14F-4D97-AF65-F5344CB8AC3E}">
-        <p14:creationId xmlns:p14="http://schemas.microsoft.com/office/powerpoint/2010/main" val="3238930142"/>
+        <p14:creationId xmlns:p14="http://schemas.microsoft.com/office/powerpoint/2010/main" val="2420390179"/>
       </p:ext>
     </p:extLst>
   </p:cSld>

--- a/_memo/100knocks.pptx
+++ b/_memo/100knocks.pptx
@@ -28421,7 +28421,7 @@
         </p:blipFill>
         <p:spPr>
           <a:xfrm>
-            <a:off x="8403706" y="2035963"/>
+            <a:off x="8443898" y="2035963"/>
             <a:ext cx="2657821" cy="2846637"/>
           </a:xfrm>
           <a:prstGeom prst="rect">

--- a/_memo/100knocks.pptx
+++ b/_memo/100knocks.pptx
@@ -5,10 +5,10 @@
     <p:sldMasterId id="2147483648" r:id="rId1"/>
   </p:sldMasterIdLst>
   <p:notesMasterIdLst>
-    <p:notesMasterId r:id="rId47"/>
+    <p:notesMasterId r:id="rId50"/>
   </p:notesMasterIdLst>
   <p:handoutMasterIdLst>
-    <p:handoutMasterId r:id="rId48"/>
+    <p:handoutMasterId r:id="rId51"/>
   </p:handoutMasterIdLst>
   <p:sldIdLst>
     <p:sldId id="633" r:id="rId2"/>
@@ -45,17 +45,20 @@
     <p:sldId id="665" r:id="rId33"/>
     <p:sldId id="667" r:id="rId34"/>
     <p:sldId id="669" r:id="rId35"/>
-    <p:sldId id="668" r:id="rId36"/>
-    <p:sldId id="670" r:id="rId37"/>
-    <p:sldId id="672" r:id="rId38"/>
-    <p:sldId id="666" r:id="rId39"/>
-    <p:sldId id="671" r:id="rId40"/>
-    <p:sldId id="674" r:id="rId41"/>
-    <p:sldId id="673" r:id="rId42"/>
-    <p:sldId id="675" r:id="rId43"/>
-    <p:sldId id="678" r:id="rId44"/>
-    <p:sldId id="677" r:id="rId45"/>
-    <p:sldId id="679" r:id="rId46"/>
+    <p:sldId id="681" r:id="rId36"/>
+    <p:sldId id="668" r:id="rId37"/>
+    <p:sldId id="670" r:id="rId38"/>
+    <p:sldId id="672" r:id="rId39"/>
+    <p:sldId id="666" r:id="rId40"/>
+    <p:sldId id="671" r:id="rId41"/>
+    <p:sldId id="674" r:id="rId42"/>
+    <p:sldId id="673" r:id="rId43"/>
+    <p:sldId id="675" r:id="rId44"/>
+    <p:sldId id="678" r:id="rId45"/>
+    <p:sldId id="677" r:id="rId46"/>
+    <p:sldId id="679" r:id="rId47"/>
+    <p:sldId id="680" r:id="rId48"/>
+    <p:sldId id="682" r:id="rId49"/>
   </p:sldIdLst>
   <p:sldSz cx="12192000" cy="6858000"/>
   <p:notesSz cx="6735763" cy="9866313"/>
@@ -193,6 +196,7 @@
             <p14:sldId id="665"/>
             <p14:sldId id="667"/>
             <p14:sldId id="669"/>
+            <p14:sldId id="681"/>
             <p14:sldId id="668"/>
             <p14:sldId id="670"/>
             <p14:sldId id="672"/>
@@ -204,6 +208,8 @@
             <p14:sldId id="678"/>
             <p14:sldId id="677"/>
             <p14:sldId id="679"/>
+            <p14:sldId id="680"/>
+            <p14:sldId id="682"/>
           </p14:sldIdLst>
         </p14:section>
         <p14:section name="アイコン" id="{E6A61129-24E8-BE4F-97F7-218E9035C89D}">
@@ -18154,50 +18160,6 @@
       </p:sp>
       <p:sp>
         <p:nvSpPr>
-          <p:cNvPr id="15" name="正方形/長方形 14">
-            <a:extLst>
-              <a:ext uri="{FF2B5EF4-FFF2-40B4-BE49-F238E27FC236}">
-                <a16:creationId xmlns:a16="http://schemas.microsoft.com/office/drawing/2014/main" id="{6C726D84-7A8E-43B2-A982-67A734AEF1A5}"/>
-              </a:ext>
-            </a:extLst>
-          </p:cNvPr>
-          <p:cNvSpPr/>
-          <p:nvPr/>
-        </p:nvSpPr>
-        <p:spPr>
-          <a:xfrm>
-            <a:off x="2883004" y="1656639"/>
-            <a:ext cx="110837" cy="3609464"/>
-          </a:xfrm>
-          <a:prstGeom prst="rect">
-            <a:avLst/>
-          </a:prstGeom>
-          <a:solidFill>
-            <a:schemeClr val="bg1">
-              <a:alpha val="79000"/>
-            </a:schemeClr>
-          </a:solidFill>
-          <a:ln w="12700">
-            <a:noFill/>
-            <a:miter lim="400000"/>
-          </a:ln>
-          <a:extLst>
-            <a:ext uri="{C572A759-6A51-4108-AA02-DFA0A04FC94B}">
-              <ma14:wrappingTextBoxFlag xmlns="" xmlns:ma14="http://schemas.microsoft.com/office/mac/drawingml/2011/main" val="1"/>
-            </a:ext>
-          </a:extLst>
-        </p:spPr>
-        <p:txBody>
-          <a:bodyPr rtlCol="0" anchor="ctr"/>
-          <a:lstStyle/>
-          <a:p>
-            <a:pPr algn="ctr"/>
-            <a:endParaRPr kumimoji="1" lang="ja-JP" altLang="en-US"/>
-          </a:p>
-        </p:txBody>
-      </p:sp>
-      <p:sp>
-        <p:nvSpPr>
           <p:cNvPr id="14" name="三角形 13">
             <a:extLst>
               <a:ext uri="{FF2B5EF4-FFF2-40B4-BE49-F238E27FC236}">
@@ -18260,6 +18222,50 @@
           </a:prstGeom>
           <a:solidFill>
             <a:srgbClr val="209CEE"/>
+          </a:solidFill>
+          <a:ln w="12700">
+            <a:noFill/>
+            <a:miter lim="400000"/>
+          </a:ln>
+          <a:extLst>
+            <a:ext uri="{C572A759-6A51-4108-AA02-DFA0A04FC94B}">
+              <ma14:wrappingTextBoxFlag xmlns="" xmlns:ma14="http://schemas.microsoft.com/office/mac/drawingml/2011/main" val="1"/>
+            </a:ext>
+          </a:extLst>
+        </p:spPr>
+        <p:txBody>
+          <a:bodyPr rtlCol="0" anchor="ctr"/>
+          <a:lstStyle/>
+          <a:p>
+            <a:pPr algn="ctr"/>
+            <a:endParaRPr kumimoji="1" lang="ja-JP" altLang="en-US"/>
+          </a:p>
+        </p:txBody>
+      </p:sp>
+      <p:sp>
+        <p:nvSpPr>
+          <p:cNvPr id="20" name="正方形/長方形 19">
+            <a:extLst>
+              <a:ext uri="{FF2B5EF4-FFF2-40B4-BE49-F238E27FC236}">
+                <a16:creationId xmlns:a16="http://schemas.microsoft.com/office/drawing/2014/main" id="{DA168A26-0E4A-2F32-9D76-6473E604C53B}"/>
+              </a:ext>
+            </a:extLst>
+          </p:cNvPr>
+          <p:cNvSpPr/>
+          <p:nvPr/>
+        </p:nvSpPr>
+        <p:spPr>
+          <a:xfrm>
+            <a:off x="2883004" y="1656639"/>
+            <a:ext cx="110837" cy="3609464"/>
+          </a:xfrm>
+          <a:prstGeom prst="rect">
+            <a:avLst/>
+          </a:prstGeom>
+          <a:solidFill>
+            <a:schemeClr val="bg1">
+              <a:alpha val="76000"/>
+            </a:schemeClr>
           </a:solidFill>
           <a:ln w="12700">
             <a:noFill/>
@@ -18326,7 +18332,7 @@
         </p:nvSpPr>
         <p:spPr>
           <a:xfrm>
-            <a:off x="1086413" y="21010"/>
+            <a:off x="1086413" y="10962"/>
             <a:ext cx="6829487" cy="6829487"/>
           </a:xfrm>
           <a:prstGeom prst="ellipse">
@@ -19111,8 +19117,8 @@
         </p:nvSpPr>
         <p:spPr>
           <a:xfrm rot="5400000">
-            <a:off x="2830248" y="3108334"/>
-            <a:ext cx="411985" cy="545883"/>
+            <a:off x="2203302" y="3104376"/>
+            <a:ext cx="1223756" cy="545883"/>
           </a:xfrm>
           <a:prstGeom prst="triangle">
             <a:avLst/>
@@ -19184,7 +19190,7 @@
     </p:spTree>
     <p:extLst>
       <p:ext uri="{BB962C8B-B14F-4D97-AF65-F5344CB8AC3E}">
-        <p14:creationId xmlns:p14="http://schemas.microsoft.com/office/powerpoint/2010/main" val="697490275"/>
+        <p14:creationId xmlns:p14="http://schemas.microsoft.com/office/powerpoint/2010/main" val="1067718876"/>
       </p:ext>
     </p:extLst>
   </p:cSld>
@@ -19227,7 +19233,7 @@
         </p:nvSpPr>
         <p:spPr>
           <a:xfrm>
-            <a:off x="955786" y="21009"/>
+            <a:off x="1086413" y="21010"/>
             <a:ext cx="6829487" cy="6829487"/>
           </a:xfrm>
           <a:prstGeom prst="ellipse">
@@ -19366,7 +19372,7 @@
         </p:nvSpPr>
         <p:spPr>
           <a:xfrm>
-            <a:off x="2934118" y="1656829"/>
+            <a:off x="3094892" y="1656829"/>
             <a:ext cx="703832" cy="3609273"/>
           </a:xfrm>
           <a:prstGeom prst="rect">
@@ -19591,6 +19597,48 @@
           </a:prstGeom>
           <a:solidFill>
             <a:schemeClr val="accent6"/>
+          </a:solidFill>
+          <a:ln w="12700">
+            <a:noFill/>
+            <a:miter lim="400000"/>
+          </a:ln>
+          <a:extLst>
+            <a:ext uri="{C572A759-6A51-4108-AA02-DFA0A04FC94B}">
+              <ma14:wrappingTextBoxFlag xmlns="" xmlns:ma14="http://schemas.microsoft.com/office/mac/drawingml/2011/main" val="1"/>
+            </a:ext>
+          </a:extLst>
+        </p:spPr>
+        <p:txBody>
+          <a:bodyPr rtlCol="0" anchor="ctr"/>
+          <a:lstStyle/>
+          <a:p>
+            <a:pPr algn="ctr"/>
+            <a:endParaRPr kumimoji="1" lang="ja-JP" altLang="en-US"/>
+          </a:p>
+        </p:txBody>
+      </p:sp>
+      <p:sp>
+        <p:nvSpPr>
+          <p:cNvPr id="8" name="三角形 7">
+            <a:extLst>
+              <a:ext uri="{FF2B5EF4-FFF2-40B4-BE49-F238E27FC236}">
+                <a16:creationId xmlns:a16="http://schemas.microsoft.com/office/drawing/2014/main" id="{5A5E62BB-419A-BDB2-B8F7-1762D46E1C8E}"/>
+              </a:ext>
+            </a:extLst>
+          </p:cNvPr>
+          <p:cNvSpPr/>
+          <p:nvPr/>
+        </p:nvSpPr>
+        <p:spPr>
+          <a:xfrm rot="16200000" flipH="1">
+            <a:off x="3611181" y="3276896"/>
+            <a:ext cx="176401" cy="203162"/>
+          </a:xfrm>
+          <a:prstGeom prst="triangle">
+            <a:avLst/>
+          </a:prstGeom>
+          <a:solidFill>
+            <a:srgbClr val="209CEE"/>
           </a:solidFill>
           <a:ln w="12700">
             <a:noFill/>
@@ -19926,7 +19974,7 @@
         </p:nvSpPr>
         <p:spPr>
           <a:xfrm>
-            <a:off x="2722230" y="1656639"/>
+            <a:off x="2883004" y="1656639"/>
             <a:ext cx="110837" cy="3609464"/>
           </a:xfrm>
           <a:prstGeom prst="rect">
@@ -19958,6 +20006,48 @@
       </p:sp>
       <p:sp>
         <p:nvSpPr>
+          <p:cNvPr id="14" name="三角形 13">
+            <a:extLst>
+              <a:ext uri="{FF2B5EF4-FFF2-40B4-BE49-F238E27FC236}">
+                <a16:creationId xmlns:a16="http://schemas.microsoft.com/office/drawing/2014/main" id="{ABA85D1D-64F6-AE83-9B26-EFD8CC4B935E}"/>
+              </a:ext>
+            </a:extLst>
+          </p:cNvPr>
+          <p:cNvSpPr/>
+          <p:nvPr/>
+        </p:nvSpPr>
+        <p:spPr>
+          <a:xfrm rot="5400000">
+            <a:off x="2830248" y="3108334"/>
+            <a:ext cx="411985" cy="545883"/>
+          </a:xfrm>
+          <a:prstGeom prst="triangle">
+            <a:avLst/>
+          </a:prstGeom>
+          <a:solidFill>
+            <a:srgbClr val="209CEE"/>
+          </a:solidFill>
+          <a:ln w="12700">
+            <a:noFill/>
+            <a:miter lim="400000"/>
+          </a:ln>
+          <a:extLst>
+            <a:ext uri="{C572A759-6A51-4108-AA02-DFA0A04FC94B}">
+              <ma14:wrappingTextBoxFlag xmlns="" xmlns:ma14="http://schemas.microsoft.com/office/mac/drawingml/2011/main" val="1"/>
+            </a:ext>
+          </a:extLst>
+        </p:spPr>
+        <p:txBody>
+          <a:bodyPr rtlCol="0" anchor="ctr"/>
+          <a:lstStyle/>
+          <a:p>
+            <a:pPr algn="ctr"/>
+            <a:endParaRPr kumimoji="1" lang="ja-JP" altLang="en-US"/>
+          </a:p>
+        </p:txBody>
+      </p:sp>
+      <p:sp>
+        <p:nvSpPr>
           <p:cNvPr id="19" name="三角形 18">
             <a:extLst>
               <a:ext uri="{FF2B5EF4-FFF2-40B4-BE49-F238E27FC236}">
@@ -20001,7 +20091,7 @@
     </p:spTree>
     <p:extLst>
       <p:ext uri="{BB962C8B-B14F-4D97-AF65-F5344CB8AC3E}">
-        <p14:creationId xmlns:p14="http://schemas.microsoft.com/office/powerpoint/2010/main" val="1512517077"/>
+        <p14:creationId xmlns:p14="http://schemas.microsoft.com/office/powerpoint/2010/main" val="697490275"/>
       </p:ext>
     </p:extLst>
   </p:cSld>
@@ -20775,48 +20865,6 @@
       </p:sp>
       <p:sp>
         <p:nvSpPr>
-          <p:cNvPr id="14" name="三角形 13">
-            <a:extLst>
-              <a:ext uri="{FF2B5EF4-FFF2-40B4-BE49-F238E27FC236}">
-                <a16:creationId xmlns:a16="http://schemas.microsoft.com/office/drawing/2014/main" id="{ABA85D1D-64F6-AE83-9B26-EFD8CC4B935E}"/>
-              </a:ext>
-            </a:extLst>
-          </p:cNvPr>
-          <p:cNvSpPr/>
-          <p:nvPr/>
-        </p:nvSpPr>
-        <p:spPr>
-          <a:xfrm rot="5400000">
-            <a:off x="2042528" y="3104376"/>
-            <a:ext cx="1223756" cy="545883"/>
-          </a:xfrm>
-          <a:prstGeom prst="triangle">
-            <a:avLst/>
-          </a:prstGeom>
-          <a:solidFill>
-            <a:srgbClr val="209CEE"/>
-          </a:solidFill>
-          <a:ln w="12700">
-            <a:noFill/>
-            <a:miter lim="400000"/>
-          </a:ln>
-          <a:extLst>
-            <a:ext uri="{C572A759-6A51-4108-AA02-DFA0A04FC94B}">
-              <ma14:wrappingTextBoxFlag xmlns="" xmlns:ma14="http://schemas.microsoft.com/office/mac/drawingml/2011/main" val="1"/>
-            </a:ext>
-          </a:extLst>
-        </p:spPr>
-        <p:txBody>
-          <a:bodyPr rtlCol="0" anchor="ctr"/>
-          <a:lstStyle/>
-          <a:p>
-            <a:pPr algn="ctr"/>
-            <a:endParaRPr kumimoji="1" lang="ja-JP" altLang="en-US"/>
-          </a:p>
-        </p:txBody>
-      </p:sp>
-      <p:sp>
-        <p:nvSpPr>
           <p:cNvPr id="19" name="三角形 18">
             <a:extLst>
               <a:ext uri="{FF2B5EF4-FFF2-40B4-BE49-F238E27FC236}">
@@ -20860,7 +20908,7 @@
     </p:spTree>
     <p:extLst>
       <p:ext uri="{BB962C8B-B14F-4D97-AF65-F5344CB8AC3E}">
-        <p14:creationId xmlns:p14="http://schemas.microsoft.com/office/powerpoint/2010/main" val="3917473123"/>
+        <p14:creationId xmlns:p14="http://schemas.microsoft.com/office/powerpoint/2010/main" val="1512517077"/>
       </p:ext>
     </p:extLst>
   </p:cSld>
@@ -20903,7 +20951,7 @@
         </p:nvSpPr>
         <p:spPr>
           <a:xfrm>
-            <a:off x="1096201" y="21014"/>
+            <a:off x="955786" y="21009"/>
             <a:ext cx="6829487" cy="6829487"/>
           </a:xfrm>
           <a:prstGeom prst="ellipse">
@@ -21042,7 +21090,7 @@
         </p:nvSpPr>
         <p:spPr>
           <a:xfrm>
-            <a:off x="3094892" y="1656829"/>
+            <a:off x="2934118" y="1656829"/>
             <a:ext cx="703832" cy="3609273"/>
           </a:xfrm>
           <a:prstGeom prst="rect">
@@ -21289,10 +21337,10 @@
       </p:sp>
       <p:sp>
         <p:nvSpPr>
-          <p:cNvPr id="8" name="三角形 7">
-            <a:extLst>
-              <a:ext uri="{FF2B5EF4-FFF2-40B4-BE49-F238E27FC236}">
-                <a16:creationId xmlns:a16="http://schemas.microsoft.com/office/drawing/2014/main" id="{5A5E62BB-419A-BDB2-B8F7-1762D46E1C8E}"/>
+          <p:cNvPr id="9" name="三角形 8">
+            <a:extLst>
+              <a:ext uri="{FF2B5EF4-FFF2-40B4-BE49-F238E27FC236}">
+                <a16:creationId xmlns:a16="http://schemas.microsoft.com/office/drawing/2014/main" id="{3F9FDFEC-76C9-5174-8D25-16956F11DDB1}"/>
               </a:ext>
             </a:extLst>
           </p:cNvPr>
@@ -21300,50 +21348,8 @@
           <p:nvPr/>
         </p:nvSpPr>
         <p:spPr>
-          <a:xfrm rot="16200000" flipH="1">
-            <a:off x="9561003" y="449659"/>
-            <a:ext cx="175061" cy="252000"/>
-          </a:xfrm>
-          <a:prstGeom prst="triangle">
-            <a:avLst/>
-          </a:prstGeom>
-          <a:solidFill>
-            <a:srgbClr val="209CEE"/>
-          </a:solidFill>
-          <a:ln w="12700">
-            <a:noFill/>
-            <a:miter lim="400000"/>
-          </a:ln>
-          <a:extLst>
-            <a:ext uri="{C572A759-6A51-4108-AA02-DFA0A04FC94B}">
-              <ma14:wrappingTextBoxFlag xmlns="" xmlns:ma14="http://schemas.microsoft.com/office/mac/drawingml/2011/main" val="1"/>
-            </a:ext>
-          </a:extLst>
-        </p:spPr>
-        <p:txBody>
-          <a:bodyPr rtlCol="0" anchor="ctr"/>
-          <a:lstStyle/>
-          <a:p>
-            <a:pPr algn="ctr"/>
-            <a:endParaRPr kumimoji="1" lang="ja-JP" altLang="en-US"/>
-          </a:p>
-        </p:txBody>
-      </p:sp>
-      <p:sp>
-        <p:nvSpPr>
-          <p:cNvPr id="9" name="三角形 8">
-            <a:extLst>
-              <a:ext uri="{FF2B5EF4-FFF2-40B4-BE49-F238E27FC236}">
-                <a16:creationId xmlns:a16="http://schemas.microsoft.com/office/drawing/2014/main" id="{3F9FDFEC-76C9-5174-8D25-16956F11DDB1}"/>
-              </a:ext>
-            </a:extLst>
-          </p:cNvPr>
-          <p:cNvSpPr/>
-          <p:nvPr/>
-        </p:nvSpPr>
-        <p:spPr>
           <a:xfrm rot="5400000">
-            <a:off x="9123460" y="496422"/>
+            <a:off x="8689516" y="638512"/>
             <a:ext cx="175061" cy="252000"/>
           </a:xfrm>
           <a:prstGeom prst="triangle">
@@ -21600,7 +21606,7 @@
         </p:nvSpPr>
         <p:spPr>
           <a:xfrm>
-            <a:off x="8036048" y="1650103"/>
+            <a:off x="8970048" y="1656639"/>
             <a:ext cx="1708493" cy="1634786"/>
           </a:xfrm>
           <a:prstGeom prst="parallelogram">
@@ -21644,7 +21650,7 @@
         </p:nvSpPr>
         <p:spPr>
           <a:xfrm>
-            <a:off x="2883004" y="1656639"/>
+            <a:off x="2722230" y="1656639"/>
             <a:ext cx="110837" cy="3609464"/>
           </a:xfrm>
           <a:prstGeom prst="rect">
@@ -21688,8 +21694,50 @@
         </p:nvSpPr>
         <p:spPr>
           <a:xfrm rot="5400000">
-            <a:off x="2273640" y="3074232"/>
+            <a:off x="2042528" y="3104376"/>
             <a:ext cx="1223756" cy="545883"/>
+          </a:xfrm>
+          <a:prstGeom prst="triangle">
+            <a:avLst/>
+          </a:prstGeom>
+          <a:solidFill>
+            <a:srgbClr val="209CEE"/>
+          </a:solidFill>
+          <a:ln w="12700">
+            <a:noFill/>
+            <a:miter lim="400000"/>
+          </a:ln>
+          <a:extLst>
+            <a:ext uri="{C572A759-6A51-4108-AA02-DFA0A04FC94B}">
+              <ma14:wrappingTextBoxFlag xmlns="" xmlns:ma14="http://schemas.microsoft.com/office/mac/drawingml/2011/main" val="1"/>
+            </a:ext>
+          </a:extLst>
+        </p:spPr>
+        <p:txBody>
+          <a:bodyPr rtlCol="0" anchor="ctr"/>
+          <a:lstStyle/>
+          <a:p>
+            <a:pPr algn="ctr"/>
+            <a:endParaRPr kumimoji="1" lang="ja-JP" altLang="en-US"/>
+          </a:p>
+        </p:txBody>
+      </p:sp>
+      <p:sp>
+        <p:nvSpPr>
+          <p:cNvPr id="19" name="三角形 18">
+            <a:extLst>
+              <a:ext uri="{FF2B5EF4-FFF2-40B4-BE49-F238E27FC236}">
+                <a16:creationId xmlns:a16="http://schemas.microsoft.com/office/drawing/2014/main" id="{77B81787-E5CD-41EC-C3C1-05DB92B9F2A4}"/>
+              </a:ext>
+            </a:extLst>
+          </p:cNvPr>
+          <p:cNvSpPr/>
+          <p:nvPr/>
+        </p:nvSpPr>
+        <p:spPr>
+          <a:xfrm rot="5400000">
+            <a:off x="8974971" y="386547"/>
+            <a:ext cx="176401" cy="203162"/>
           </a:xfrm>
           <a:prstGeom prst="triangle">
             <a:avLst/>
@@ -21719,7 +21767,7 @@
     </p:spTree>
     <p:extLst>
       <p:ext uri="{BB962C8B-B14F-4D97-AF65-F5344CB8AC3E}">
-        <p14:creationId xmlns:p14="http://schemas.microsoft.com/office/powerpoint/2010/main" val="1519399962"/>
+        <p14:creationId xmlns:p14="http://schemas.microsoft.com/office/powerpoint/2010/main" val="3917473123"/>
       </p:ext>
     </p:extLst>
   </p:cSld>
@@ -21762,7 +21810,7 @@
         </p:nvSpPr>
         <p:spPr>
           <a:xfrm>
-            <a:off x="955786" y="21009"/>
+            <a:off x="1096201" y="21014"/>
             <a:ext cx="6829487" cy="6829487"/>
           </a:xfrm>
           <a:prstGeom prst="ellipse">
@@ -21901,7 +21949,7 @@
         </p:nvSpPr>
         <p:spPr>
           <a:xfrm>
-            <a:off x="2934118" y="1656829"/>
+            <a:off x="3094892" y="1656829"/>
             <a:ext cx="703832" cy="3609273"/>
           </a:xfrm>
           <a:prstGeom prst="rect">
@@ -22148,6 +22196,48 @@
       </p:sp>
       <p:sp>
         <p:nvSpPr>
+          <p:cNvPr id="8" name="三角形 7">
+            <a:extLst>
+              <a:ext uri="{FF2B5EF4-FFF2-40B4-BE49-F238E27FC236}">
+                <a16:creationId xmlns:a16="http://schemas.microsoft.com/office/drawing/2014/main" id="{5A5E62BB-419A-BDB2-B8F7-1762D46E1C8E}"/>
+              </a:ext>
+            </a:extLst>
+          </p:cNvPr>
+          <p:cNvSpPr/>
+          <p:nvPr/>
+        </p:nvSpPr>
+        <p:spPr>
+          <a:xfrm rot="16200000" flipH="1">
+            <a:off x="9561003" y="449659"/>
+            <a:ext cx="175061" cy="252000"/>
+          </a:xfrm>
+          <a:prstGeom prst="triangle">
+            <a:avLst/>
+          </a:prstGeom>
+          <a:solidFill>
+            <a:srgbClr val="209CEE"/>
+          </a:solidFill>
+          <a:ln w="12700">
+            <a:noFill/>
+            <a:miter lim="400000"/>
+          </a:ln>
+          <a:extLst>
+            <a:ext uri="{C572A759-6A51-4108-AA02-DFA0A04FC94B}">
+              <ma14:wrappingTextBoxFlag xmlns="" xmlns:ma14="http://schemas.microsoft.com/office/mac/drawingml/2011/main" val="1"/>
+            </a:ext>
+          </a:extLst>
+        </p:spPr>
+        <p:txBody>
+          <a:bodyPr rtlCol="0" anchor="ctr"/>
+          <a:lstStyle/>
+          <a:p>
+            <a:pPr algn="ctr"/>
+            <a:endParaRPr kumimoji="1" lang="ja-JP" altLang="en-US"/>
+          </a:p>
+        </p:txBody>
+      </p:sp>
+      <p:sp>
+        <p:nvSpPr>
           <p:cNvPr id="9" name="三角形 8">
             <a:extLst>
               <a:ext uri="{FF2B5EF4-FFF2-40B4-BE49-F238E27FC236}">
@@ -22160,7 +22250,7 @@
         </p:nvSpPr>
         <p:spPr>
           <a:xfrm rot="5400000">
-            <a:off x="8689516" y="638512"/>
+            <a:off x="9123460" y="496422"/>
             <a:ext cx="175061" cy="252000"/>
           </a:xfrm>
           <a:prstGeom prst="triangle">
@@ -22417,7 +22507,7 @@
         </p:nvSpPr>
         <p:spPr>
           <a:xfrm>
-            <a:off x="8970048" y="1656639"/>
+            <a:off x="8036048" y="1650103"/>
             <a:ext cx="1708493" cy="1634786"/>
           </a:xfrm>
           <a:prstGeom prst="parallelogram">
@@ -22461,7 +22551,7 @@
         </p:nvSpPr>
         <p:spPr>
           <a:xfrm>
-            <a:off x="2722230" y="1656639"/>
+            <a:off x="2883004" y="1656639"/>
             <a:ext cx="110837" cy="3609464"/>
           </a:xfrm>
           <a:prstGeom prst="rect">
@@ -22493,10 +22583,10 @@
       </p:sp>
       <p:sp>
         <p:nvSpPr>
-          <p:cNvPr id="19" name="三角形 18">
-            <a:extLst>
-              <a:ext uri="{FF2B5EF4-FFF2-40B4-BE49-F238E27FC236}">
-                <a16:creationId xmlns:a16="http://schemas.microsoft.com/office/drawing/2014/main" id="{77B81787-E5CD-41EC-C3C1-05DB92B9F2A4}"/>
+          <p:cNvPr id="14" name="三角形 13">
+            <a:extLst>
+              <a:ext uri="{FF2B5EF4-FFF2-40B4-BE49-F238E27FC236}">
+                <a16:creationId xmlns:a16="http://schemas.microsoft.com/office/drawing/2014/main" id="{ABA85D1D-64F6-AE83-9B26-EFD8CC4B935E}"/>
               </a:ext>
             </a:extLst>
           </p:cNvPr>
@@ -22505,52 +22595,8 @@
         </p:nvSpPr>
         <p:spPr>
           <a:xfrm rot="5400000">
-            <a:off x="8974971" y="386547"/>
-            <a:ext cx="176401" cy="203162"/>
-          </a:xfrm>
-          <a:prstGeom prst="triangle">
-            <a:avLst/>
-          </a:prstGeom>
-          <a:solidFill>
-            <a:srgbClr val="209CEE"/>
-          </a:solidFill>
-          <a:ln w="12700">
-            <a:noFill/>
-            <a:miter lim="400000"/>
-          </a:ln>
-          <a:extLst>
-            <a:ext uri="{C572A759-6A51-4108-AA02-DFA0A04FC94B}">
-              <ma14:wrappingTextBoxFlag xmlns="" xmlns:ma14="http://schemas.microsoft.com/office/mac/drawingml/2011/main" val="1"/>
-            </a:ext>
-          </a:extLst>
-        </p:spPr>
-        <p:txBody>
-          <a:bodyPr rtlCol="0" anchor="ctr"/>
-          <a:lstStyle/>
-          <a:p>
-            <a:pPr algn="ctr"/>
-            <a:endParaRPr kumimoji="1" lang="ja-JP" altLang="en-US"/>
-          </a:p>
-        </p:txBody>
-      </p:sp>
-      <p:sp>
-        <p:nvSpPr>
-          <p:cNvPr id="8" name="三角形 7">
-            <a:extLst>
-              <a:ext uri="{FF2B5EF4-FFF2-40B4-BE49-F238E27FC236}">
-                <a16:creationId xmlns:a16="http://schemas.microsoft.com/office/drawing/2014/main" id="{1A144155-824D-1813-4312-D6F43481941A}"/>
-              </a:ext>
-            </a:extLst>
-          </p:cNvPr>
-          <p:cNvSpPr>
-            <a:spLocks noChangeAspect="1"/>
-          </p:cNvSpPr>
-          <p:nvPr/>
-        </p:nvSpPr>
-        <p:spPr>
-          <a:xfrm rot="16200000" flipH="1">
-            <a:off x="3503380" y="3334177"/>
-            <a:ext cx="190638" cy="90000"/>
+            <a:off x="2273640" y="3074232"/>
+            <a:ext cx="1223756" cy="545883"/>
           </a:xfrm>
           <a:prstGeom prst="triangle">
             <a:avLst/>
@@ -22580,7 +22626,7 @@
     </p:spTree>
     <p:extLst>
       <p:ext uri="{BB962C8B-B14F-4D97-AF65-F5344CB8AC3E}">
-        <p14:creationId xmlns:p14="http://schemas.microsoft.com/office/powerpoint/2010/main" val="1030018428"/>
+        <p14:creationId xmlns:p14="http://schemas.microsoft.com/office/powerpoint/2010/main" val="1519399962"/>
       </p:ext>
     </p:extLst>
   </p:cSld>
@@ -24183,54 +24229,10 @@
           </a:p>
         </p:txBody>
       </p:sp>
-      <p:sp>
-        <p:nvSpPr>
-          <p:cNvPr id="14" name="三角形 13">
-            <a:extLst>
-              <a:ext uri="{FF2B5EF4-FFF2-40B4-BE49-F238E27FC236}">
-                <a16:creationId xmlns:a16="http://schemas.microsoft.com/office/drawing/2014/main" id="{4DDF2B61-5448-0F5E-665B-E5A16FD4B74D}"/>
-              </a:ext>
-            </a:extLst>
-          </p:cNvPr>
-          <p:cNvSpPr>
-            <a:spLocks noChangeAspect="1"/>
-          </p:cNvSpPr>
-          <p:nvPr/>
-        </p:nvSpPr>
-        <p:spPr>
-          <a:xfrm rot="5400000">
-            <a:off x="2870335" y="3334177"/>
-            <a:ext cx="190638" cy="90000"/>
-          </a:xfrm>
-          <a:prstGeom prst="triangle">
-            <a:avLst/>
-          </a:prstGeom>
-          <a:solidFill>
-            <a:srgbClr val="209CEE"/>
-          </a:solidFill>
-          <a:ln w="12700">
-            <a:noFill/>
-            <a:miter lim="400000"/>
-          </a:ln>
-          <a:extLst>
-            <a:ext uri="{C572A759-6A51-4108-AA02-DFA0A04FC94B}">
-              <ma14:wrappingTextBoxFlag xmlns="" xmlns:ma14="http://schemas.microsoft.com/office/mac/drawingml/2011/main" val="1"/>
-            </a:ext>
-          </a:extLst>
-        </p:spPr>
-        <p:txBody>
-          <a:bodyPr rtlCol="0" anchor="ctr"/>
-          <a:lstStyle/>
-          <a:p>
-            <a:pPr algn="ctr"/>
-            <a:endParaRPr kumimoji="1" lang="ja-JP" altLang="en-US"/>
-          </a:p>
-        </p:txBody>
-      </p:sp>
     </p:spTree>
     <p:extLst>
       <p:ext uri="{BB962C8B-B14F-4D97-AF65-F5344CB8AC3E}">
-        <p14:creationId xmlns:p14="http://schemas.microsoft.com/office/powerpoint/2010/main" val="125373871"/>
+        <p14:creationId xmlns:p14="http://schemas.microsoft.com/office/powerpoint/2010/main" val="1030018428"/>
       </p:ext>
     </p:extLst>
   </p:cSld>
@@ -25004,50 +25006,6 @@
       </p:sp>
       <p:sp>
         <p:nvSpPr>
-          <p:cNvPr id="14" name="三角形 13">
-            <a:extLst>
-              <a:ext uri="{FF2B5EF4-FFF2-40B4-BE49-F238E27FC236}">
-                <a16:creationId xmlns:a16="http://schemas.microsoft.com/office/drawing/2014/main" id="{ABA85D1D-64F6-AE83-9B26-EFD8CC4B935E}"/>
-              </a:ext>
-            </a:extLst>
-          </p:cNvPr>
-          <p:cNvSpPr/>
-          <p:nvPr/>
-        </p:nvSpPr>
-        <p:spPr>
-          <a:xfrm rot="5400000">
-            <a:off x="1110495" y="2751918"/>
-            <a:ext cx="2439042" cy="1192437"/>
-          </a:xfrm>
-          <a:prstGeom prst="triangle">
-            <a:avLst>
-              <a:gd name="adj" fmla="val 50499"/>
-            </a:avLst>
-          </a:prstGeom>
-          <a:solidFill>
-            <a:srgbClr val="209CEE"/>
-          </a:solidFill>
-          <a:ln w="12700">
-            <a:noFill/>
-            <a:miter lim="400000"/>
-          </a:ln>
-          <a:extLst>
-            <a:ext uri="{C572A759-6A51-4108-AA02-DFA0A04FC94B}">
-              <ma14:wrappingTextBoxFlag xmlns="" xmlns:ma14="http://schemas.microsoft.com/office/mac/drawingml/2011/main" val="1"/>
-            </a:ext>
-          </a:extLst>
-        </p:spPr>
-        <p:txBody>
-          <a:bodyPr rtlCol="0" anchor="ctr"/>
-          <a:lstStyle/>
-          <a:p>
-            <a:pPr algn="ctr"/>
-            <a:endParaRPr kumimoji="1" lang="ja-JP" altLang="en-US"/>
-          </a:p>
-        </p:txBody>
-      </p:sp>
-      <p:sp>
-        <p:nvSpPr>
           <p:cNvPr id="19" name="三角形 18">
             <a:extLst>
               <a:ext uri="{FF2B5EF4-FFF2-40B4-BE49-F238E27FC236}">
@@ -25132,10 +25090,54 @@
           </a:p>
         </p:txBody>
       </p:sp>
+      <p:sp>
+        <p:nvSpPr>
+          <p:cNvPr id="14" name="三角形 13">
+            <a:extLst>
+              <a:ext uri="{FF2B5EF4-FFF2-40B4-BE49-F238E27FC236}">
+                <a16:creationId xmlns:a16="http://schemas.microsoft.com/office/drawing/2014/main" id="{4DDF2B61-5448-0F5E-665B-E5A16FD4B74D}"/>
+              </a:ext>
+            </a:extLst>
+          </p:cNvPr>
+          <p:cNvSpPr>
+            <a:spLocks noChangeAspect="1"/>
+          </p:cNvSpPr>
+          <p:nvPr/>
+        </p:nvSpPr>
+        <p:spPr>
+          <a:xfrm rot="5400000">
+            <a:off x="2870335" y="3334177"/>
+            <a:ext cx="190638" cy="90000"/>
+          </a:xfrm>
+          <a:prstGeom prst="triangle">
+            <a:avLst/>
+          </a:prstGeom>
+          <a:solidFill>
+            <a:srgbClr val="209CEE"/>
+          </a:solidFill>
+          <a:ln w="12700">
+            <a:noFill/>
+            <a:miter lim="400000"/>
+          </a:ln>
+          <a:extLst>
+            <a:ext uri="{C572A759-6A51-4108-AA02-DFA0A04FC94B}">
+              <ma14:wrappingTextBoxFlag xmlns="" xmlns:ma14="http://schemas.microsoft.com/office/mac/drawingml/2011/main" val="1"/>
+            </a:ext>
+          </a:extLst>
+        </p:spPr>
+        <p:txBody>
+          <a:bodyPr rtlCol="0" anchor="ctr"/>
+          <a:lstStyle/>
+          <a:p>
+            <a:pPr algn="ctr"/>
+            <a:endParaRPr kumimoji="1" lang="ja-JP" altLang="en-US"/>
+          </a:p>
+        </p:txBody>
+      </p:sp>
     </p:spTree>
     <p:extLst>
       <p:ext uri="{BB962C8B-B14F-4D97-AF65-F5344CB8AC3E}">
-        <p14:creationId xmlns:p14="http://schemas.microsoft.com/office/powerpoint/2010/main" val="1084151649"/>
+        <p14:creationId xmlns:p14="http://schemas.microsoft.com/office/powerpoint/2010/main" val="125373871"/>
       </p:ext>
     </p:extLst>
   </p:cSld>
@@ -25223,8 +25225,8 @@
         </p:nvSpPr>
         <p:spPr>
           <a:xfrm>
-            <a:off x="3336053" y="1656639"/>
-            <a:ext cx="1728589" cy="1634786"/>
+            <a:off x="3356149" y="1656639"/>
+            <a:ext cx="1708493" cy="1634786"/>
           </a:xfrm>
           <a:prstGeom prst="parallelogram">
             <a:avLst>
@@ -25269,12 +25271,12 @@
         </p:nvSpPr>
         <p:spPr>
           <a:xfrm flipV="1">
-            <a:off x="3380860" y="3470299"/>
-            <a:ext cx="1829814" cy="1800000"/>
+            <a:off x="3469358" y="3566382"/>
+            <a:ext cx="1765835" cy="1703961"/>
           </a:xfrm>
           <a:prstGeom prst="parallelogram">
             <a:avLst>
-              <a:gd name="adj" fmla="val 94811"/>
+              <a:gd name="adj" fmla="val 96485"/>
             </a:avLst>
           </a:prstGeom>
           <a:solidFill>
@@ -25909,6 +25911,50 @@
       </p:sp>
       <p:sp>
         <p:nvSpPr>
+          <p:cNvPr id="14" name="三角形 13">
+            <a:extLst>
+              <a:ext uri="{FF2B5EF4-FFF2-40B4-BE49-F238E27FC236}">
+                <a16:creationId xmlns:a16="http://schemas.microsoft.com/office/drawing/2014/main" id="{ABA85D1D-64F6-AE83-9B26-EFD8CC4B935E}"/>
+              </a:ext>
+            </a:extLst>
+          </p:cNvPr>
+          <p:cNvSpPr/>
+          <p:nvPr/>
+        </p:nvSpPr>
+        <p:spPr>
+          <a:xfrm rot="5400000">
+            <a:off x="1110495" y="2751918"/>
+            <a:ext cx="2439042" cy="1192437"/>
+          </a:xfrm>
+          <a:prstGeom prst="triangle">
+            <a:avLst>
+              <a:gd name="adj" fmla="val 50499"/>
+            </a:avLst>
+          </a:prstGeom>
+          <a:solidFill>
+            <a:srgbClr val="209CEE"/>
+          </a:solidFill>
+          <a:ln w="12700">
+            <a:noFill/>
+            <a:miter lim="400000"/>
+          </a:ln>
+          <a:extLst>
+            <a:ext uri="{C572A759-6A51-4108-AA02-DFA0A04FC94B}">
+              <ma14:wrappingTextBoxFlag xmlns="" xmlns:ma14="http://schemas.microsoft.com/office/mac/drawingml/2011/main" val="1"/>
+            </a:ext>
+          </a:extLst>
+        </p:spPr>
+        <p:txBody>
+          <a:bodyPr rtlCol="0" anchor="ctr"/>
+          <a:lstStyle/>
+          <a:p>
+            <a:pPr algn="ctr"/>
+            <a:endParaRPr kumimoji="1" lang="ja-JP" altLang="en-US"/>
+          </a:p>
+        </p:txBody>
+      </p:sp>
+      <p:sp>
+        <p:nvSpPr>
           <p:cNvPr id="19" name="三角形 18">
             <a:extLst>
               <a:ext uri="{FF2B5EF4-FFF2-40B4-BE49-F238E27FC236}">
@@ -25996,7 +26042,7 @@
     </p:spTree>
     <p:extLst>
       <p:ext uri="{BB962C8B-B14F-4D97-AF65-F5344CB8AC3E}">
-        <p14:creationId xmlns:p14="http://schemas.microsoft.com/office/powerpoint/2010/main" val="795225096"/>
+        <p14:creationId xmlns:p14="http://schemas.microsoft.com/office/powerpoint/2010/main" val="1084151649"/>
       </p:ext>
     </p:extLst>
   </p:cSld>
@@ -26039,7 +26085,7 @@
         </p:nvSpPr>
         <p:spPr>
           <a:xfrm>
-            <a:off x="952129" y="15627"/>
+            <a:off x="955786" y="21009"/>
             <a:ext cx="6829487" cy="6829487"/>
           </a:xfrm>
           <a:prstGeom prst="ellipse">
@@ -26047,6 +26093,145 @@
           </a:prstGeom>
           <a:solidFill>
             <a:srgbClr val="209CEE"/>
+          </a:solidFill>
+          <a:ln w="12700">
+            <a:noFill/>
+            <a:miter lim="400000"/>
+          </a:ln>
+          <a:extLst>
+            <a:ext uri="{C572A759-6A51-4108-AA02-DFA0A04FC94B}">
+              <ma14:wrappingTextBoxFlag xmlns="" xmlns:ma14="http://schemas.microsoft.com/office/mac/drawingml/2011/main" val="1"/>
+            </a:ext>
+          </a:extLst>
+        </p:spPr>
+        <p:txBody>
+          <a:bodyPr rtlCol="0" anchor="ctr"/>
+          <a:lstStyle/>
+          <a:p>
+            <a:pPr algn="ctr"/>
+            <a:endParaRPr kumimoji="1" lang="ja-JP" altLang="en-US" sz="2000">
+              <a:latin typeface="Plantagenet Cherokee" panose="02020000000000000000" pitchFamily="18" charset="-79"/>
+              <a:cs typeface="Plantagenet Cherokee" panose="02020000000000000000" pitchFamily="18" charset="-79"/>
+            </a:endParaRPr>
+          </a:p>
+        </p:txBody>
+      </p:sp>
+      <p:sp>
+        <p:nvSpPr>
+          <p:cNvPr id="12" name="平行四辺形 11">
+            <a:extLst>
+              <a:ext uri="{FF2B5EF4-FFF2-40B4-BE49-F238E27FC236}">
+                <a16:creationId xmlns:a16="http://schemas.microsoft.com/office/drawing/2014/main" id="{A481F423-A91B-5CDC-FE3A-8E269F4FB245}"/>
+              </a:ext>
+            </a:extLst>
+          </p:cNvPr>
+          <p:cNvSpPr/>
+          <p:nvPr/>
+        </p:nvSpPr>
+        <p:spPr>
+          <a:xfrm>
+            <a:off x="3336053" y="1656639"/>
+            <a:ext cx="1728589" cy="1634786"/>
+          </a:xfrm>
+          <a:prstGeom prst="parallelogram">
+            <a:avLst>
+              <a:gd name="adj" fmla="val 97772"/>
+            </a:avLst>
+          </a:prstGeom>
+          <a:solidFill>
+            <a:schemeClr val="bg1">
+              <a:alpha val="79000"/>
+            </a:schemeClr>
+          </a:solidFill>
+          <a:ln w="12700">
+            <a:noFill/>
+            <a:miter lim="400000"/>
+          </a:ln>
+          <a:extLst>
+            <a:ext uri="{C572A759-6A51-4108-AA02-DFA0A04FC94B}">
+              <ma14:wrappingTextBoxFlag xmlns="" xmlns:ma14="http://schemas.microsoft.com/office/mac/drawingml/2011/main" val="1"/>
+            </a:ext>
+          </a:extLst>
+        </p:spPr>
+        <p:txBody>
+          <a:bodyPr rtlCol="0" anchor="ctr"/>
+          <a:lstStyle/>
+          <a:p>
+            <a:pPr algn="ctr"/>
+            <a:endParaRPr kumimoji="1" lang="ja-JP" altLang="en-US"/>
+          </a:p>
+        </p:txBody>
+      </p:sp>
+      <p:sp>
+        <p:nvSpPr>
+          <p:cNvPr id="18" name="平行四辺形 17">
+            <a:extLst>
+              <a:ext uri="{FF2B5EF4-FFF2-40B4-BE49-F238E27FC236}">
+                <a16:creationId xmlns:a16="http://schemas.microsoft.com/office/drawing/2014/main" id="{1F27171F-1DF6-2902-2546-12E382A81E9E}"/>
+              </a:ext>
+            </a:extLst>
+          </p:cNvPr>
+          <p:cNvSpPr/>
+          <p:nvPr/>
+        </p:nvSpPr>
+        <p:spPr>
+          <a:xfrm flipV="1">
+            <a:off x="3380860" y="3470299"/>
+            <a:ext cx="1829814" cy="1800000"/>
+          </a:xfrm>
+          <a:prstGeom prst="parallelogram">
+            <a:avLst>
+              <a:gd name="adj" fmla="val 94811"/>
+            </a:avLst>
+          </a:prstGeom>
+          <a:solidFill>
+            <a:schemeClr val="bg1">
+              <a:alpha val="79000"/>
+            </a:schemeClr>
+          </a:solidFill>
+          <a:ln w="12700">
+            <a:noFill/>
+            <a:miter lim="400000"/>
+          </a:ln>
+          <a:extLst>
+            <a:ext uri="{C572A759-6A51-4108-AA02-DFA0A04FC94B}">
+              <ma14:wrappingTextBoxFlag xmlns="" xmlns:ma14="http://schemas.microsoft.com/office/mac/drawingml/2011/main" val="1"/>
+            </a:ext>
+          </a:extLst>
+        </p:spPr>
+        <p:txBody>
+          <a:bodyPr rtlCol="0" anchor="ctr"/>
+          <a:lstStyle/>
+          <a:p>
+            <a:pPr algn="ctr"/>
+            <a:endParaRPr kumimoji="1" lang="ja-JP" altLang="en-US"/>
+          </a:p>
+        </p:txBody>
+      </p:sp>
+      <p:sp>
+        <p:nvSpPr>
+          <p:cNvPr id="2" name="正方形/長方形 1">
+            <a:extLst>
+              <a:ext uri="{FF2B5EF4-FFF2-40B4-BE49-F238E27FC236}">
+                <a16:creationId xmlns:a16="http://schemas.microsoft.com/office/drawing/2014/main" id="{10E74CC0-DF2F-AF6D-B4D6-A55E1EEDCB12}"/>
+              </a:ext>
+            </a:extLst>
+          </p:cNvPr>
+          <p:cNvSpPr>
+            <a:spLocks noChangeAspect="1"/>
+          </p:cNvSpPr>
+          <p:nvPr/>
+        </p:nvSpPr>
+        <p:spPr>
+          <a:xfrm>
+            <a:off x="2934118" y="1656829"/>
+            <a:ext cx="703832" cy="3609273"/>
+          </a:xfrm>
+          <a:prstGeom prst="rect">
+            <a:avLst/>
+          </a:prstGeom>
+          <a:solidFill>
+            <a:schemeClr val="bg1"/>
           </a:solidFill>
           <a:ln w="12700">
             <a:noFill/>
@@ -26606,7 +26791,9 @@
             <a:avLst/>
           </a:prstGeom>
           <a:solidFill>
-            <a:schemeClr val="bg1"/>
+            <a:schemeClr val="bg1">
+              <a:alpha val="79000"/>
+            </a:schemeClr>
           </a:solidFill>
           <a:ln w="12700">
             <a:noFill/>
@@ -26713,317 +26900,10 @@
           </a:p>
         </p:txBody>
       </p:sp>
-      <p:sp>
-        <p:nvSpPr>
-          <p:cNvPr id="12" name="平行四辺形 11">
-            <a:extLst>
-              <a:ext uri="{FF2B5EF4-FFF2-40B4-BE49-F238E27FC236}">
-                <a16:creationId xmlns:a16="http://schemas.microsoft.com/office/drawing/2014/main" id="{A481F423-A91B-5CDC-FE3A-8E269F4FB245}"/>
-              </a:ext>
-            </a:extLst>
-          </p:cNvPr>
-          <p:cNvSpPr/>
-          <p:nvPr/>
-        </p:nvSpPr>
-        <p:spPr>
-          <a:xfrm>
-            <a:off x="3336053" y="1656639"/>
-            <a:ext cx="1728589" cy="1634786"/>
-          </a:xfrm>
-          <a:prstGeom prst="parallelogram">
-            <a:avLst>
-              <a:gd name="adj" fmla="val 97772"/>
-            </a:avLst>
-          </a:prstGeom>
-          <a:solidFill>
-            <a:schemeClr val="bg1"/>
-          </a:solidFill>
-          <a:ln w="12700">
-            <a:noFill/>
-            <a:miter lim="400000"/>
-          </a:ln>
-          <a:extLst>
-            <a:ext uri="{C572A759-6A51-4108-AA02-DFA0A04FC94B}">
-              <ma14:wrappingTextBoxFlag xmlns="" xmlns:ma14="http://schemas.microsoft.com/office/mac/drawingml/2011/main" val="1"/>
-            </a:ext>
-          </a:extLst>
-        </p:spPr>
-        <p:txBody>
-          <a:bodyPr rtlCol="0" anchor="ctr"/>
-          <a:lstStyle/>
-          <a:p>
-            <a:pPr algn="ctr"/>
-            <a:endParaRPr kumimoji="1" lang="ja-JP" altLang="en-US"/>
-          </a:p>
-        </p:txBody>
-      </p:sp>
-      <p:sp>
-        <p:nvSpPr>
-          <p:cNvPr id="2" name="正方形/長方形 1">
-            <a:extLst>
-              <a:ext uri="{FF2B5EF4-FFF2-40B4-BE49-F238E27FC236}">
-                <a16:creationId xmlns:a16="http://schemas.microsoft.com/office/drawing/2014/main" id="{10E74CC0-DF2F-AF6D-B4D6-A55E1EEDCB12}"/>
-              </a:ext>
-            </a:extLst>
-          </p:cNvPr>
-          <p:cNvSpPr>
-            <a:spLocks noChangeAspect="1"/>
-          </p:cNvSpPr>
-          <p:nvPr/>
-        </p:nvSpPr>
-        <p:spPr>
-          <a:xfrm>
-            <a:off x="2934118" y="1656829"/>
-            <a:ext cx="703832" cy="3609273"/>
-          </a:xfrm>
-          <a:prstGeom prst="rect">
-            <a:avLst/>
-          </a:prstGeom>
-          <a:solidFill>
-            <a:schemeClr val="bg1"/>
-          </a:solidFill>
-          <a:ln w="12700">
-            <a:noFill/>
-            <a:miter lim="400000"/>
-          </a:ln>
-          <a:extLst>
-            <a:ext uri="{C572A759-6A51-4108-AA02-DFA0A04FC94B}">
-              <ma14:wrappingTextBoxFlag xmlns="" xmlns:ma14="http://schemas.microsoft.com/office/mac/drawingml/2011/main" val="1"/>
-            </a:ext>
-          </a:extLst>
-        </p:spPr>
-        <p:txBody>
-          <a:bodyPr rtlCol="0" anchor="ctr"/>
-          <a:lstStyle/>
-          <a:p>
-            <a:pPr algn="ctr"/>
-            <a:endParaRPr kumimoji="1" lang="ja-JP" altLang="en-US" sz="2000">
-              <a:latin typeface="Plantagenet Cherokee" panose="02020000000000000000" pitchFamily="18" charset="-79"/>
-              <a:cs typeface="Plantagenet Cherokee" panose="02020000000000000000" pitchFamily="18" charset="-79"/>
-            </a:endParaRPr>
-          </a:p>
-        </p:txBody>
-      </p:sp>
-      <p:sp>
-        <p:nvSpPr>
-          <p:cNvPr id="18" name="平行四辺形 17">
-            <a:extLst>
-              <a:ext uri="{FF2B5EF4-FFF2-40B4-BE49-F238E27FC236}">
-                <a16:creationId xmlns:a16="http://schemas.microsoft.com/office/drawing/2014/main" id="{1F27171F-1DF6-2902-2546-12E382A81E9E}"/>
-              </a:ext>
-            </a:extLst>
-          </p:cNvPr>
-          <p:cNvSpPr/>
-          <p:nvPr/>
-        </p:nvSpPr>
-        <p:spPr>
-          <a:xfrm flipV="1">
-            <a:off x="3380860" y="3470299"/>
-            <a:ext cx="1829814" cy="1800000"/>
-          </a:xfrm>
-          <a:prstGeom prst="parallelogram">
-            <a:avLst>
-              <a:gd name="adj" fmla="val 94811"/>
-            </a:avLst>
-          </a:prstGeom>
-          <a:solidFill>
-            <a:schemeClr val="bg1"/>
-          </a:solidFill>
-          <a:ln w="12700">
-            <a:noFill/>
-            <a:miter lim="400000"/>
-          </a:ln>
-          <a:extLst>
-            <a:ext uri="{C572A759-6A51-4108-AA02-DFA0A04FC94B}">
-              <ma14:wrappingTextBoxFlag xmlns="" xmlns:ma14="http://schemas.microsoft.com/office/mac/drawingml/2011/main" val="1"/>
-            </a:ext>
-          </a:extLst>
-        </p:spPr>
-        <p:txBody>
-          <a:bodyPr rtlCol="0" anchor="ctr"/>
-          <a:lstStyle/>
-          <a:p>
-            <a:pPr algn="ctr"/>
-            <a:endParaRPr kumimoji="1" lang="ja-JP" altLang="en-US"/>
-          </a:p>
-        </p:txBody>
-      </p:sp>
-      <p:sp>
-        <p:nvSpPr>
-          <p:cNvPr id="14" name="山形 13">
-            <a:extLst>
-              <a:ext uri="{FF2B5EF4-FFF2-40B4-BE49-F238E27FC236}">
-                <a16:creationId xmlns:a16="http://schemas.microsoft.com/office/drawing/2014/main" id="{D33EB8BF-07F7-5D8F-FE6F-A3D383B3CD4E}"/>
-              </a:ext>
-            </a:extLst>
-          </p:cNvPr>
-          <p:cNvSpPr/>
-          <p:nvPr/>
-        </p:nvSpPr>
-        <p:spPr>
-          <a:xfrm flipH="1">
-            <a:off x="9125379" y="1436472"/>
-            <a:ext cx="461959" cy="716908"/>
-          </a:xfrm>
-          <a:prstGeom prst="chevron">
-            <a:avLst>
-              <a:gd name="adj" fmla="val 74808"/>
-            </a:avLst>
-          </a:prstGeom>
-          <a:solidFill>
-            <a:srgbClr val="209CEE"/>
-          </a:solidFill>
-          <a:ln w="12700">
-            <a:noFill/>
-            <a:miter lim="400000"/>
-          </a:ln>
-          <a:extLst>
-            <a:ext uri="{C572A759-6A51-4108-AA02-DFA0A04FC94B}">
-              <ma14:wrappingTextBoxFlag xmlns="" xmlns:ma14="http://schemas.microsoft.com/office/mac/drawingml/2011/main" val="1"/>
-            </a:ext>
-          </a:extLst>
-        </p:spPr>
-        <p:txBody>
-          <a:bodyPr rtlCol="0" anchor="ctr"/>
-          <a:lstStyle/>
-          <a:p>
-            <a:pPr algn="ctr"/>
-            <a:endParaRPr kumimoji="1" lang="ja-JP" altLang="en-US"/>
-          </a:p>
-        </p:txBody>
-      </p:sp>
-      <p:sp>
-        <p:nvSpPr>
-          <p:cNvPr id="23" name="三角形 22">
-            <a:extLst>
-              <a:ext uri="{FF2B5EF4-FFF2-40B4-BE49-F238E27FC236}">
-                <a16:creationId xmlns:a16="http://schemas.microsoft.com/office/drawing/2014/main" id="{4270D2C7-1328-C6A6-633B-3315E463738F}"/>
-              </a:ext>
-            </a:extLst>
-          </p:cNvPr>
-          <p:cNvSpPr/>
-          <p:nvPr/>
-        </p:nvSpPr>
-        <p:spPr>
-          <a:xfrm rot="16200000" flipH="1">
-            <a:off x="3094655" y="3196565"/>
-            <a:ext cx="752395" cy="335120"/>
-          </a:xfrm>
-          <a:prstGeom prst="triangle">
-            <a:avLst/>
-          </a:prstGeom>
-          <a:solidFill>
-            <a:srgbClr val="209CEE"/>
-          </a:solidFill>
-          <a:ln w="12700">
-            <a:noFill/>
-            <a:miter lim="400000"/>
-          </a:ln>
-          <a:extLst>
-            <a:ext uri="{C572A759-6A51-4108-AA02-DFA0A04FC94B}">
-              <ma14:wrappingTextBoxFlag xmlns="" xmlns:ma14="http://schemas.microsoft.com/office/mac/drawingml/2011/main" val="1"/>
-            </a:ext>
-          </a:extLst>
-        </p:spPr>
-        <p:txBody>
-          <a:bodyPr rtlCol="0" anchor="ctr"/>
-          <a:lstStyle/>
-          <a:p>
-            <a:pPr algn="ctr"/>
-            <a:endParaRPr kumimoji="1" lang="ja-JP" altLang="en-US"/>
-          </a:p>
-        </p:txBody>
-      </p:sp>
-      <p:sp>
-        <p:nvSpPr>
-          <p:cNvPr id="20" name="三角形 19">
-            <a:extLst>
-              <a:ext uri="{FF2B5EF4-FFF2-40B4-BE49-F238E27FC236}">
-                <a16:creationId xmlns:a16="http://schemas.microsoft.com/office/drawing/2014/main" id="{781F9203-EB1C-0B90-FC2B-A1A7ED967D7F}"/>
-              </a:ext>
-            </a:extLst>
-          </p:cNvPr>
-          <p:cNvSpPr/>
-          <p:nvPr/>
-        </p:nvSpPr>
-        <p:spPr>
-          <a:xfrm rot="16200000" flipH="1">
-            <a:off x="3279330" y="3250705"/>
-            <a:ext cx="497122" cy="221420"/>
-          </a:xfrm>
-          <a:prstGeom prst="triangle">
-            <a:avLst/>
-          </a:prstGeom>
-          <a:solidFill>
-            <a:schemeClr val="bg1"/>
-          </a:solidFill>
-          <a:ln w="12700">
-            <a:noFill/>
-            <a:miter lim="400000"/>
-          </a:ln>
-          <a:extLst>
-            <a:ext uri="{C572A759-6A51-4108-AA02-DFA0A04FC94B}">
-              <ma14:wrappingTextBoxFlag xmlns="" xmlns:ma14="http://schemas.microsoft.com/office/mac/drawingml/2011/main" val="1"/>
-            </a:ext>
-          </a:extLst>
-        </p:spPr>
-        <p:txBody>
-          <a:bodyPr rtlCol="0" anchor="ctr"/>
-          <a:lstStyle/>
-          <a:p>
-            <a:pPr algn="ctr"/>
-            <a:endParaRPr kumimoji="1" lang="ja-JP" altLang="en-US"/>
-          </a:p>
-        </p:txBody>
-      </p:sp>
-      <p:sp>
-        <p:nvSpPr>
-          <p:cNvPr id="21" name="三角形 20">
-            <a:extLst>
-              <a:ext uri="{FF2B5EF4-FFF2-40B4-BE49-F238E27FC236}">
-                <a16:creationId xmlns:a16="http://schemas.microsoft.com/office/drawing/2014/main" id="{5505304F-BA2E-A3EF-66BA-F05D4C0FD012}"/>
-              </a:ext>
-            </a:extLst>
-          </p:cNvPr>
-          <p:cNvSpPr>
-            <a:spLocks noChangeAspect="1"/>
-          </p:cNvSpPr>
-          <p:nvPr/>
-        </p:nvSpPr>
-        <p:spPr>
-          <a:xfrm rot="16200000" flipH="1">
-            <a:off x="3502691" y="3332417"/>
-            <a:ext cx="190638" cy="90000"/>
-          </a:xfrm>
-          <a:prstGeom prst="triangle">
-            <a:avLst/>
-          </a:prstGeom>
-          <a:solidFill>
-            <a:srgbClr val="209CEE"/>
-          </a:solidFill>
-          <a:ln w="12700">
-            <a:noFill/>
-            <a:miter lim="400000"/>
-          </a:ln>
-          <a:extLst>
-            <a:ext uri="{C572A759-6A51-4108-AA02-DFA0A04FC94B}">
-              <ma14:wrappingTextBoxFlag xmlns="" xmlns:ma14="http://schemas.microsoft.com/office/mac/drawingml/2011/main" val="1"/>
-            </a:ext>
-          </a:extLst>
-        </p:spPr>
-        <p:txBody>
-          <a:bodyPr rtlCol="0" anchor="ctr"/>
-          <a:lstStyle/>
-          <a:p>
-            <a:pPr algn="ctr"/>
-            <a:endParaRPr kumimoji="1" lang="ja-JP" altLang="en-US"/>
-          </a:p>
-        </p:txBody>
-      </p:sp>
     </p:spTree>
     <p:extLst>
       <p:ext uri="{BB962C8B-B14F-4D97-AF65-F5344CB8AC3E}">
-        <p14:creationId xmlns:p14="http://schemas.microsoft.com/office/powerpoint/2010/main" val="2011244696"/>
+        <p14:creationId xmlns:p14="http://schemas.microsoft.com/office/powerpoint/2010/main" val="795225096"/>
       </p:ext>
     </p:extLst>
   </p:cSld>
@@ -27066,7 +26946,7 @@
         </p:nvSpPr>
         <p:spPr>
           <a:xfrm>
-            <a:off x="27686" y="15627"/>
+            <a:off x="952129" y="15627"/>
             <a:ext cx="6829487" cy="6829487"/>
           </a:xfrm>
           <a:prstGeom prst="ellipse">
@@ -27111,7 +26991,7 @@
         </p:nvSpPr>
         <p:spPr>
           <a:xfrm>
-            <a:off x="2710642" y="1656832"/>
+            <a:off x="3635085" y="1656832"/>
             <a:ext cx="2718534" cy="1634786"/>
           </a:xfrm>
           <a:prstGeom prst="parallelogram">
@@ -27155,7 +27035,7 @@
         </p:nvSpPr>
         <p:spPr>
           <a:xfrm flipV="1">
-            <a:off x="2711846" y="3466681"/>
+            <a:off x="3636289" y="3466681"/>
             <a:ext cx="3005665" cy="1799424"/>
           </a:xfrm>
           <a:prstGeom prst="parallelogram">
@@ -27199,7 +27079,7 @@
         </p:nvSpPr>
         <p:spPr>
           <a:xfrm flipH="1">
-            <a:off x="3555151" y="1656830"/>
+            <a:off x="4479594" y="1656830"/>
             <a:ext cx="1874023" cy="1634789"/>
           </a:xfrm>
           <a:prstGeom prst="rtTriangle">
@@ -27241,7 +27121,7 @@
         </p:nvSpPr>
         <p:spPr>
           <a:xfrm flipH="1" flipV="1">
-            <a:off x="3556354" y="3466678"/>
+            <a:off x="4480797" y="3466678"/>
             <a:ext cx="2161155" cy="1799424"/>
           </a:xfrm>
           <a:prstGeom prst="rtTriangle">
@@ -27271,10 +27151,10 @@
       </p:sp>
       <p:sp>
         <p:nvSpPr>
-          <p:cNvPr id="15" name="正方形/長方形 14">
-            <a:extLst>
-              <a:ext uri="{FF2B5EF4-FFF2-40B4-BE49-F238E27FC236}">
-                <a16:creationId xmlns:a16="http://schemas.microsoft.com/office/drawing/2014/main" id="{6C726D84-7A8E-43B2-A982-67A734AEF1A5}"/>
+          <p:cNvPr id="3" name="正方形/長方形 2">
+            <a:extLst>
+              <a:ext uri="{FF2B5EF4-FFF2-40B4-BE49-F238E27FC236}">
+                <a16:creationId xmlns:a16="http://schemas.microsoft.com/office/drawing/2014/main" id="{337BFC40-7338-7F73-A1E4-03EA9BBC6250}"/>
               </a:ext>
             </a:extLst>
           </p:cNvPr>
@@ -27283,54 +27163,50 @@
         </p:nvSpPr>
         <p:spPr>
           <a:xfrm>
-            <a:off x="1797787" y="1656639"/>
-            <a:ext cx="110837" cy="3609464"/>
+            <a:off x="11443256" y="852041"/>
+            <a:ext cx="399783" cy="4312292"/>
           </a:xfrm>
           <a:prstGeom prst="rect">
             <a:avLst/>
           </a:prstGeom>
           <a:solidFill>
-            <a:schemeClr val="bg1">
-              <a:alpha val="79000"/>
-            </a:schemeClr>
-          </a:solidFill>
-          <a:ln w="12700">
-            <a:noFill/>
-            <a:miter lim="400000"/>
-          </a:ln>
-          <a:extLst>
-            <a:ext uri="{C572A759-6A51-4108-AA02-DFA0A04FC94B}">
-              <ma14:wrappingTextBoxFlag xmlns="" xmlns:ma14="http://schemas.microsoft.com/office/mac/drawingml/2011/main" val="1"/>
-            </a:ext>
-          </a:extLst>
-        </p:spPr>
-        <p:txBody>
-          <a:bodyPr rtlCol="0" anchor="ctr"/>
-          <a:lstStyle/>
-          <a:p>
-            <a:pPr algn="ctr"/>
-            <a:endParaRPr kumimoji="1" lang="ja-JP" altLang="en-US"/>
-          </a:p>
-        </p:txBody>
-      </p:sp>
-      <p:sp>
-        <p:nvSpPr>
-          <p:cNvPr id="8" name="三角形 7">
-            <a:extLst>
-              <a:ext uri="{FF2B5EF4-FFF2-40B4-BE49-F238E27FC236}">
-                <a16:creationId xmlns:a16="http://schemas.microsoft.com/office/drawing/2014/main" id="{1A144155-824D-1813-4312-D6F43481941A}"/>
-              </a:ext>
-            </a:extLst>
-          </p:cNvPr>
-          <p:cNvSpPr>
-            <a:spLocks noChangeAspect="1"/>
-          </p:cNvSpPr>
-          <p:nvPr/>
-        </p:nvSpPr>
-        <p:spPr>
-          <a:xfrm rot="16200000" flipH="1">
-            <a:off x="2578937" y="3334177"/>
-            <a:ext cx="190638" cy="90000"/>
+            <a:schemeClr val="accent6"/>
+          </a:solidFill>
+          <a:ln w="12700">
+            <a:noFill/>
+            <a:miter lim="400000"/>
+          </a:ln>
+          <a:extLst>
+            <a:ext uri="{C572A759-6A51-4108-AA02-DFA0A04FC94B}">
+              <ma14:wrappingTextBoxFlag xmlns="" xmlns:ma14="http://schemas.microsoft.com/office/mac/drawingml/2011/main" val="1"/>
+            </a:ext>
+          </a:extLst>
+        </p:spPr>
+        <p:txBody>
+          <a:bodyPr rtlCol="0" anchor="ctr"/>
+          <a:lstStyle/>
+          <a:p>
+            <a:pPr algn="ctr"/>
+            <a:endParaRPr kumimoji="1" lang="ja-JP" altLang="en-US"/>
+          </a:p>
+        </p:txBody>
+      </p:sp>
+      <p:sp>
+        <p:nvSpPr>
+          <p:cNvPr id="9" name="三角形 8">
+            <a:extLst>
+              <a:ext uri="{FF2B5EF4-FFF2-40B4-BE49-F238E27FC236}">
+                <a16:creationId xmlns:a16="http://schemas.microsoft.com/office/drawing/2014/main" id="{3F9FDFEC-76C9-5174-8D25-16956F11DDB1}"/>
+              </a:ext>
+            </a:extLst>
+          </p:cNvPr>
+          <p:cNvSpPr/>
+          <p:nvPr/>
+        </p:nvSpPr>
+        <p:spPr>
+          <a:xfrm rot="5400000">
+            <a:off x="8689516" y="638512"/>
+            <a:ext cx="175061" cy="252000"/>
           </a:xfrm>
           <a:prstGeom prst="triangle">
             <a:avLst/>
@@ -27357,12 +27233,227 @@
           </a:p>
         </p:txBody>
       </p:sp>
-      <p:sp>
-        <p:nvSpPr>
-          <p:cNvPr id="12" name="平行四辺形 11">
-            <a:extLst>
-              <a:ext uri="{FF2B5EF4-FFF2-40B4-BE49-F238E27FC236}">
-                <a16:creationId xmlns:a16="http://schemas.microsoft.com/office/drawing/2014/main" id="{A481F423-A91B-5CDC-FE3A-8E269F4FB245}"/>
+      <p:cxnSp>
+        <p:nvCxnSpPr>
+          <p:cNvPr id="11" name="直線コネクタ 10">
+            <a:extLst>
+              <a:ext uri="{FF2B5EF4-FFF2-40B4-BE49-F238E27FC236}">
+                <a16:creationId xmlns:a16="http://schemas.microsoft.com/office/drawing/2014/main" id="{7779E94C-8631-925A-2F9D-57DC314CE2E4}"/>
+              </a:ext>
+            </a:extLst>
+          </p:cNvPr>
+          <p:cNvCxnSpPr>
+            <a:cxnSpLocks/>
+          </p:cNvCxnSpPr>
+          <p:nvPr/>
+        </p:nvCxnSpPr>
+        <p:spPr>
+          <a:xfrm flipH="1">
+            <a:off x="9824295" y="488128"/>
+            <a:ext cx="1091203" cy="1168511"/>
+          </a:xfrm>
+          <a:prstGeom prst="line">
+            <a:avLst/>
+          </a:prstGeom>
+          <a:ln w="34925">
+            <a:solidFill>
+              <a:srgbClr val="209CEE"/>
+            </a:solidFill>
+          </a:ln>
+        </p:spPr>
+        <p:style>
+          <a:lnRef idx="1">
+            <a:schemeClr val="accent1"/>
+          </a:lnRef>
+          <a:fillRef idx="0">
+            <a:schemeClr val="accent1"/>
+          </a:fillRef>
+          <a:effectRef idx="0">
+            <a:schemeClr val="accent1"/>
+          </a:effectRef>
+          <a:fontRef idx="minor">
+            <a:schemeClr val="tx1"/>
+          </a:fontRef>
+        </p:style>
+      </p:cxnSp>
+      <p:cxnSp>
+        <p:nvCxnSpPr>
+          <p:cNvPr id="13" name="直線コネクタ 12">
+            <a:extLst>
+              <a:ext uri="{FF2B5EF4-FFF2-40B4-BE49-F238E27FC236}">
+                <a16:creationId xmlns:a16="http://schemas.microsoft.com/office/drawing/2014/main" id="{E85A5342-42D1-E953-D890-AA82936FFB2C}"/>
+              </a:ext>
+            </a:extLst>
+          </p:cNvPr>
+          <p:cNvCxnSpPr>
+            <a:cxnSpLocks/>
+          </p:cNvCxnSpPr>
+          <p:nvPr/>
+        </p:nvCxnSpPr>
+        <p:spPr>
+          <a:xfrm flipH="1" flipV="1">
+            <a:off x="9863136" y="1602156"/>
+            <a:ext cx="1242451" cy="1323472"/>
+          </a:xfrm>
+          <a:prstGeom prst="line">
+            <a:avLst/>
+          </a:prstGeom>
+          <a:ln w="34925">
+            <a:solidFill>
+              <a:srgbClr val="209CEE"/>
+            </a:solidFill>
+          </a:ln>
+        </p:spPr>
+        <p:style>
+          <a:lnRef idx="1">
+            <a:schemeClr val="accent1"/>
+          </a:lnRef>
+          <a:fillRef idx="0">
+            <a:schemeClr val="accent1"/>
+          </a:fillRef>
+          <a:effectRef idx="0">
+            <a:schemeClr val="accent1"/>
+          </a:effectRef>
+          <a:fontRef idx="minor">
+            <a:schemeClr val="tx1"/>
+          </a:fontRef>
+        </p:style>
+      </p:cxnSp>
+      <p:cxnSp>
+        <p:nvCxnSpPr>
+          <p:cNvPr id="22" name="直線コネクタ 21">
+            <a:extLst>
+              <a:ext uri="{FF2B5EF4-FFF2-40B4-BE49-F238E27FC236}">
+                <a16:creationId xmlns:a16="http://schemas.microsoft.com/office/drawing/2014/main" id="{73E0247B-47EA-3632-1E8F-8C5304943FF0}"/>
+              </a:ext>
+            </a:extLst>
+          </p:cNvPr>
+          <p:cNvCxnSpPr>
+            <a:cxnSpLocks/>
+          </p:cNvCxnSpPr>
+          <p:nvPr/>
+        </p:nvCxnSpPr>
+        <p:spPr>
+          <a:xfrm flipH="1" flipV="1">
+            <a:off x="9567414" y="3993629"/>
+            <a:ext cx="1348084" cy="1435993"/>
+          </a:xfrm>
+          <a:prstGeom prst="line">
+            <a:avLst/>
+          </a:prstGeom>
+          <a:ln w="69850">
+            <a:solidFill>
+              <a:schemeClr val="bg1"/>
+            </a:solidFill>
+          </a:ln>
+        </p:spPr>
+        <p:style>
+          <a:lnRef idx="1">
+            <a:schemeClr val="accent1"/>
+          </a:lnRef>
+          <a:fillRef idx="0">
+            <a:schemeClr val="accent1"/>
+          </a:fillRef>
+          <a:effectRef idx="0">
+            <a:schemeClr val="accent1"/>
+          </a:effectRef>
+          <a:fontRef idx="minor">
+            <a:schemeClr val="tx1"/>
+          </a:fontRef>
+        </p:style>
+      </p:cxnSp>
+      <p:cxnSp>
+        <p:nvCxnSpPr>
+          <p:cNvPr id="24" name="直線コネクタ 23">
+            <a:extLst>
+              <a:ext uri="{FF2B5EF4-FFF2-40B4-BE49-F238E27FC236}">
+                <a16:creationId xmlns:a16="http://schemas.microsoft.com/office/drawing/2014/main" id="{4476C1A0-2C95-C41D-F93E-91CCB0AEDA8C}"/>
+              </a:ext>
+            </a:extLst>
+          </p:cNvPr>
+          <p:cNvCxnSpPr>
+            <a:cxnSpLocks/>
+          </p:cNvCxnSpPr>
+          <p:nvPr/>
+        </p:nvCxnSpPr>
+        <p:spPr>
+          <a:xfrm flipH="1">
+            <a:off x="9487717" y="1693667"/>
+            <a:ext cx="1846473" cy="1630551"/>
+          </a:xfrm>
+          <a:prstGeom prst="line">
+            <a:avLst/>
+          </a:prstGeom>
+          <a:ln w="69850">
+            <a:solidFill>
+              <a:schemeClr val="bg1"/>
+            </a:solidFill>
+          </a:ln>
+        </p:spPr>
+        <p:style>
+          <a:lnRef idx="1">
+            <a:schemeClr val="accent1"/>
+          </a:lnRef>
+          <a:fillRef idx="0">
+            <a:schemeClr val="accent1"/>
+          </a:fillRef>
+          <a:effectRef idx="0">
+            <a:schemeClr val="accent1"/>
+          </a:effectRef>
+          <a:fontRef idx="minor">
+            <a:schemeClr val="tx1"/>
+          </a:fontRef>
+        </p:style>
+      </p:cxnSp>
+      <p:cxnSp>
+        <p:nvCxnSpPr>
+          <p:cNvPr id="10" name="直線コネクタ 9">
+            <a:extLst>
+              <a:ext uri="{FF2B5EF4-FFF2-40B4-BE49-F238E27FC236}">
+                <a16:creationId xmlns:a16="http://schemas.microsoft.com/office/drawing/2014/main" id="{B593A18F-A01E-0AE3-C7B0-AEF2C3B4AFC2}"/>
+              </a:ext>
+            </a:extLst>
+          </p:cNvPr>
+          <p:cNvCxnSpPr>
+            <a:cxnSpLocks/>
+          </p:cNvCxnSpPr>
+          <p:nvPr/>
+        </p:nvCxnSpPr>
+        <p:spPr>
+          <a:xfrm flipH="1">
+            <a:off x="9197354" y="2995460"/>
+            <a:ext cx="1384756" cy="1437711"/>
+          </a:xfrm>
+          <a:prstGeom prst="line">
+            <a:avLst/>
+          </a:prstGeom>
+          <a:ln w="69850">
+            <a:solidFill>
+              <a:schemeClr val="bg1"/>
+            </a:solidFill>
+          </a:ln>
+        </p:spPr>
+        <p:style>
+          <a:lnRef idx="1">
+            <a:schemeClr val="accent1"/>
+          </a:lnRef>
+          <a:fillRef idx="0">
+            <a:schemeClr val="accent1"/>
+          </a:fillRef>
+          <a:effectRef idx="0">
+            <a:schemeClr val="accent1"/>
+          </a:effectRef>
+          <a:fontRef idx="minor">
+            <a:schemeClr val="tx1"/>
+          </a:fontRef>
+        </p:style>
+      </p:cxnSp>
+      <p:sp>
+        <p:nvSpPr>
+          <p:cNvPr id="16" name="平行四辺形 15">
+            <a:extLst>
+              <a:ext uri="{FF2B5EF4-FFF2-40B4-BE49-F238E27FC236}">
+                <a16:creationId xmlns:a16="http://schemas.microsoft.com/office/drawing/2014/main" id="{0A68880B-159C-6A6B-E165-3EDC6B1DA4B4}"/>
               </a:ext>
             </a:extLst>
           </p:cNvPr>
@@ -27371,8 +27462,8 @@
         </p:nvSpPr>
         <p:spPr>
           <a:xfrm>
-            <a:off x="2411610" y="1656639"/>
-            <a:ext cx="1728589" cy="1634786"/>
+            <a:off x="8970048" y="1656639"/>
+            <a:ext cx="1708493" cy="1634786"/>
           </a:xfrm>
           <a:prstGeom prst="parallelogram">
             <a:avLst>
@@ -27380,35 +27471,117 @@
             </a:avLst>
           </a:prstGeom>
           <a:solidFill>
-            <a:schemeClr val="bg1">
-              <a:alpha val="79000"/>
-            </a:schemeClr>
-          </a:solidFill>
-          <a:ln w="12700">
-            <a:noFill/>
-            <a:miter lim="400000"/>
-          </a:ln>
-          <a:extLst>
-            <a:ext uri="{C572A759-6A51-4108-AA02-DFA0A04FC94B}">
-              <ma14:wrappingTextBoxFlag xmlns="" xmlns:ma14="http://schemas.microsoft.com/office/mac/drawingml/2011/main" val="1"/>
-            </a:ext>
-          </a:extLst>
-        </p:spPr>
-        <p:txBody>
-          <a:bodyPr rtlCol="0" anchor="ctr"/>
-          <a:lstStyle/>
-          <a:p>
-            <a:pPr algn="ctr"/>
-            <a:endParaRPr kumimoji="1" lang="ja-JP" altLang="en-US"/>
-          </a:p>
-        </p:txBody>
-      </p:sp>
-      <p:sp>
-        <p:nvSpPr>
-          <p:cNvPr id="2" name="正方形/長方形 1">
-            <a:extLst>
-              <a:ext uri="{FF2B5EF4-FFF2-40B4-BE49-F238E27FC236}">
-                <a16:creationId xmlns:a16="http://schemas.microsoft.com/office/drawing/2014/main" id="{10E74CC0-DF2F-AF6D-B4D6-A55E1EEDCB12}"/>
+            <a:schemeClr val="bg1"/>
+          </a:solidFill>
+          <a:ln w="12700">
+            <a:noFill/>
+            <a:miter lim="400000"/>
+          </a:ln>
+          <a:extLst>
+            <a:ext uri="{C572A759-6A51-4108-AA02-DFA0A04FC94B}">
+              <ma14:wrappingTextBoxFlag xmlns="" xmlns:ma14="http://schemas.microsoft.com/office/mac/drawingml/2011/main" val="1"/>
+            </a:ext>
+          </a:extLst>
+        </p:spPr>
+        <p:txBody>
+          <a:bodyPr rtlCol="0" anchor="ctr"/>
+          <a:lstStyle/>
+          <a:p>
+            <a:pPr algn="ctr"/>
+            <a:endParaRPr kumimoji="1" lang="ja-JP" altLang="en-US"/>
+          </a:p>
+        </p:txBody>
+      </p:sp>
+      <p:sp>
+        <p:nvSpPr>
+          <p:cNvPr id="15" name="正方形/長方形 14">
+            <a:extLst>
+              <a:ext uri="{FF2B5EF4-FFF2-40B4-BE49-F238E27FC236}">
+                <a16:creationId xmlns:a16="http://schemas.microsoft.com/office/drawing/2014/main" id="{6C726D84-7A8E-43B2-A982-67A734AEF1A5}"/>
+              </a:ext>
+            </a:extLst>
+          </p:cNvPr>
+          <p:cNvSpPr/>
+          <p:nvPr/>
+        </p:nvSpPr>
+        <p:spPr>
+          <a:xfrm>
+            <a:off x="2722230" y="1656639"/>
+            <a:ext cx="110837" cy="3609464"/>
+          </a:xfrm>
+          <a:prstGeom prst="rect">
+            <a:avLst/>
+          </a:prstGeom>
+          <a:solidFill>
+            <a:schemeClr val="bg1"/>
+          </a:solidFill>
+          <a:ln w="12700">
+            <a:noFill/>
+            <a:miter lim="400000"/>
+          </a:ln>
+          <a:extLst>
+            <a:ext uri="{C572A759-6A51-4108-AA02-DFA0A04FC94B}">
+              <ma14:wrappingTextBoxFlag xmlns="" xmlns:ma14="http://schemas.microsoft.com/office/mac/drawingml/2011/main" val="1"/>
+            </a:ext>
+          </a:extLst>
+        </p:spPr>
+        <p:txBody>
+          <a:bodyPr rtlCol="0" anchor="ctr"/>
+          <a:lstStyle/>
+          <a:p>
+            <a:pPr algn="ctr"/>
+            <a:endParaRPr kumimoji="1" lang="ja-JP" altLang="en-US"/>
+          </a:p>
+        </p:txBody>
+      </p:sp>
+      <p:sp>
+        <p:nvSpPr>
+          <p:cNvPr id="19" name="三角形 18">
+            <a:extLst>
+              <a:ext uri="{FF2B5EF4-FFF2-40B4-BE49-F238E27FC236}">
+                <a16:creationId xmlns:a16="http://schemas.microsoft.com/office/drawing/2014/main" id="{77B81787-E5CD-41EC-C3C1-05DB92B9F2A4}"/>
+              </a:ext>
+            </a:extLst>
+          </p:cNvPr>
+          <p:cNvSpPr/>
+          <p:nvPr/>
+        </p:nvSpPr>
+        <p:spPr>
+          <a:xfrm rot="5400000">
+            <a:off x="8974971" y="386547"/>
+            <a:ext cx="176401" cy="203162"/>
+          </a:xfrm>
+          <a:prstGeom prst="triangle">
+            <a:avLst/>
+          </a:prstGeom>
+          <a:solidFill>
+            <a:srgbClr val="209CEE"/>
+          </a:solidFill>
+          <a:ln w="12700">
+            <a:noFill/>
+            <a:miter lim="400000"/>
+          </a:ln>
+          <a:extLst>
+            <a:ext uri="{C572A759-6A51-4108-AA02-DFA0A04FC94B}">
+              <ma14:wrappingTextBoxFlag xmlns="" xmlns:ma14="http://schemas.microsoft.com/office/mac/drawingml/2011/main" val="1"/>
+            </a:ext>
+          </a:extLst>
+        </p:spPr>
+        <p:txBody>
+          <a:bodyPr rtlCol="0" anchor="ctr"/>
+          <a:lstStyle/>
+          <a:p>
+            <a:pPr algn="ctr"/>
+            <a:endParaRPr kumimoji="1" lang="ja-JP" altLang="en-US"/>
+          </a:p>
+        </p:txBody>
+      </p:sp>
+      <p:sp>
+        <p:nvSpPr>
+          <p:cNvPr id="8" name="三角形 7">
+            <a:extLst>
+              <a:ext uri="{FF2B5EF4-FFF2-40B4-BE49-F238E27FC236}">
+                <a16:creationId xmlns:a16="http://schemas.microsoft.com/office/drawing/2014/main" id="{1A144155-824D-1813-4312-D6F43481941A}"/>
               </a:ext>
             </a:extLst>
           </p:cNvPr>
@@ -27418,8 +27591,96 @@
           <p:nvPr/>
         </p:nvSpPr>
         <p:spPr>
-          <a:xfrm>
-            <a:off x="2009675" y="1656829"/>
+          <a:xfrm rot="16200000" flipH="1">
+            <a:off x="3503380" y="3334177"/>
+            <a:ext cx="190638" cy="90000"/>
+          </a:xfrm>
+          <a:prstGeom prst="triangle">
+            <a:avLst/>
+          </a:prstGeom>
+          <a:solidFill>
+            <a:srgbClr val="209CEE"/>
+          </a:solidFill>
+          <a:ln w="12700">
+            <a:noFill/>
+            <a:miter lim="400000"/>
+          </a:ln>
+          <a:extLst>
+            <a:ext uri="{C572A759-6A51-4108-AA02-DFA0A04FC94B}">
+              <ma14:wrappingTextBoxFlag xmlns="" xmlns:ma14="http://schemas.microsoft.com/office/mac/drawingml/2011/main" val="1"/>
+            </a:ext>
+          </a:extLst>
+        </p:spPr>
+        <p:txBody>
+          <a:bodyPr rtlCol="0" anchor="ctr"/>
+          <a:lstStyle/>
+          <a:p>
+            <a:pPr algn="ctr"/>
+            <a:endParaRPr kumimoji="1" lang="ja-JP" altLang="en-US"/>
+          </a:p>
+        </p:txBody>
+      </p:sp>
+      <p:sp>
+        <p:nvSpPr>
+          <p:cNvPr id="12" name="平行四辺形 11">
+            <a:extLst>
+              <a:ext uri="{FF2B5EF4-FFF2-40B4-BE49-F238E27FC236}">
+                <a16:creationId xmlns:a16="http://schemas.microsoft.com/office/drawing/2014/main" id="{A481F423-A91B-5CDC-FE3A-8E269F4FB245}"/>
+              </a:ext>
+            </a:extLst>
+          </p:cNvPr>
+          <p:cNvSpPr/>
+          <p:nvPr/>
+        </p:nvSpPr>
+        <p:spPr>
+          <a:xfrm>
+            <a:off x="3336053" y="1656639"/>
+            <a:ext cx="1728589" cy="1634786"/>
+          </a:xfrm>
+          <a:prstGeom prst="parallelogram">
+            <a:avLst>
+              <a:gd name="adj" fmla="val 97772"/>
+            </a:avLst>
+          </a:prstGeom>
+          <a:solidFill>
+            <a:schemeClr val="bg1"/>
+          </a:solidFill>
+          <a:ln w="12700">
+            <a:noFill/>
+            <a:miter lim="400000"/>
+          </a:ln>
+          <a:extLst>
+            <a:ext uri="{C572A759-6A51-4108-AA02-DFA0A04FC94B}">
+              <ma14:wrappingTextBoxFlag xmlns="" xmlns:ma14="http://schemas.microsoft.com/office/mac/drawingml/2011/main" val="1"/>
+            </a:ext>
+          </a:extLst>
+        </p:spPr>
+        <p:txBody>
+          <a:bodyPr rtlCol="0" anchor="ctr"/>
+          <a:lstStyle/>
+          <a:p>
+            <a:pPr algn="ctr"/>
+            <a:endParaRPr kumimoji="1" lang="ja-JP" altLang="en-US"/>
+          </a:p>
+        </p:txBody>
+      </p:sp>
+      <p:sp>
+        <p:nvSpPr>
+          <p:cNvPr id="2" name="正方形/長方形 1">
+            <a:extLst>
+              <a:ext uri="{FF2B5EF4-FFF2-40B4-BE49-F238E27FC236}">
+                <a16:creationId xmlns:a16="http://schemas.microsoft.com/office/drawing/2014/main" id="{10E74CC0-DF2F-AF6D-B4D6-A55E1EEDCB12}"/>
+              </a:ext>
+            </a:extLst>
+          </p:cNvPr>
+          <p:cNvSpPr>
+            <a:spLocks noChangeAspect="1"/>
+          </p:cNvSpPr>
+          <p:nvPr/>
+        </p:nvSpPr>
+        <p:spPr>
+          <a:xfrm>
+            <a:off x="2934118" y="1656829"/>
             <a:ext cx="703832" cy="3609273"/>
           </a:xfrm>
           <a:prstGeom prst="rect">
@@ -27464,7 +27725,7 @@
         </p:nvSpPr>
         <p:spPr>
           <a:xfrm flipV="1">
-            <a:off x="2456417" y="3470299"/>
+            <a:off x="3380860" y="3470299"/>
             <a:ext cx="1829814" cy="1800000"/>
           </a:xfrm>
           <a:prstGeom prst="parallelogram">
@@ -27473,9 +27734,51 @@
             </a:avLst>
           </a:prstGeom>
           <a:solidFill>
-            <a:schemeClr val="bg1">
-              <a:alpha val="79000"/>
-            </a:schemeClr>
+            <a:schemeClr val="bg1"/>
+          </a:solidFill>
+          <a:ln w="12700">
+            <a:noFill/>
+            <a:miter lim="400000"/>
+          </a:ln>
+          <a:extLst>
+            <a:ext uri="{C572A759-6A51-4108-AA02-DFA0A04FC94B}">
+              <ma14:wrappingTextBoxFlag xmlns="" xmlns:ma14="http://schemas.microsoft.com/office/mac/drawingml/2011/main" val="1"/>
+            </a:ext>
+          </a:extLst>
+        </p:spPr>
+        <p:txBody>
+          <a:bodyPr rtlCol="0" anchor="ctr"/>
+          <a:lstStyle/>
+          <a:p>
+            <a:pPr algn="ctr"/>
+            <a:endParaRPr kumimoji="1" lang="ja-JP" altLang="en-US"/>
+          </a:p>
+        </p:txBody>
+      </p:sp>
+      <p:sp>
+        <p:nvSpPr>
+          <p:cNvPr id="14" name="山形 13">
+            <a:extLst>
+              <a:ext uri="{FF2B5EF4-FFF2-40B4-BE49-F238E27FC236}">
+                <a16:creationId xmlns:a16="http://schemas.microsoft.com/office/drawing/2014/main" id="{D33EB8BF-07F7-5D8F-FE6F-A3D383B3CD4E}"/>
+              </a:ext>
+            </a:extLst>
+          </p:cNvPr>
+          <p:cNvSpPr/>
+          <p:nvPr/>
+        </p:nvSpPr>
+        <p:spPr>
+          <a:xfrm flipH="1">
+            <a:off x="9125379" y="1436472"/>
+            <a:ext cx="461959" cy="716908"/>
+          </a:xfrm>
+          <a:prstGeom prst="chevron">
+            <a:avLst>
+              <a:gd name="adj" fmla="val 74808"/>
+            </a:avLst>
+          </a:prstGeom>
+          <a:solidFill>
+            <a:srgbClr val="209CEE"/>
           </a:solidFill>
           <a:ln w="12700">
             <a:noFill/>
@@ -27510,7 +27813,7 @@
         </p:nvSpPr>
         <p:spPr>
           <a:xfrm rot="16200000" flipH="1">
-            <a:off x="2170212" y="3196565"/>
+            <a:off x="3094655" y="3196565"/>
             <a:ext cx="752395" cy="335120"/>
           </a:xfrm>
           <a:prstGeom prst="triangle">
@@ -27552,7 +27855,7 @@
         </p:nvSpPr>
         <p:spPr>
           <a:xfrm rot="16200000" flipH="1">
-            <a:off x="2354887" y="3250705"/>
+            <a:off x="3279330" y="3250705"/>
             <a:ext cx="497122" cy="221420"/>
           </a:xfrm>
           <a:prstGeom prst="triangle">
@@ -27596,7 +27899,7 @@
         </p:nvSpPr>
         <p:spPr>
           <a:xfrm rot="16200000" flipH="1">
-            <a:off x="2578248" y="3332417"/>
+            <a:off x="3502691" y="3332417"/>
             <a:ext cx="190638" cy="90000"/>
           </a:xfrm>
           <a:prstGeom prst="triangle">
@@ -27624,87 +27927,10 @@
           </a:p>
         </p:txBody>
       </p:sp>
-      <p:sp>
-        <p:nvSpPr>
-          <p:cNvPr id="26" name="円/楕円 25">
-            <a:extLst>
-              <a:ext uri="{FF2B5EF4-FFF2-40B4-BE49-F238E27FC236}">
-                <a16:creationId xmlns:a16="http://schemas.microsoft.com/office/drawing/2014/main" id="{083A294B-1898-9FB8-C13C-BC3D839EB28A}"/>
-              </a:ext>
-            </a:extLst>
-          </p:cNvPr>
-          <p:cNvSpPr>
-            <a:spLocks noChangeAspect="1"/>
-          </p:cNvSpPr>
-          <p:nvPr/>
-        </p:nvSpPr>
-        <p:spPr>
-          <a:xfrm>
-            <a:off x="7037185" y="909651"/>
-            <a:ext cx="5099261" cy="5099261"/>
-          </a:xfrm>
-          <a:prstGeom prst="ellipse">
-            <a:avLst/>
-          </a:prstGeom>
-          <a:solidFill>
-            <a:srgbClr val="209CEE"/>
-          </a:solidFill>
-          <a:ln w="12700">
-            <a:noFill/>
-            <a:miter lim="400000"/>
-          </a:ln>
-          <a:extLst>
-            <a:ext uri="{C572A759-6A51-4108-AA02-DFA0A04FC94B}">
-              <ma14:wrappingTextBoxFlag xmlns="" xmlns:ma14="http://schemas.microsoft.com/office/mac/drawingml/2011/main" val="1"/>
-            </a:ext>
-          </a:extLst>
-        </p:spPr>
-        <p:txBody>
-          <a:bodyPr rtlCol="0" anchor="ctr"/>
-          <a:lstStyle/>
-          <a:p>
-            <a:pPr algn="ctr"/>
-            <a:endParaRPr kumimoji="1" lang="ja-JP" altLang="en-US" sz="2000">
-              <a:latin typeface="Plantagenet Cherokee" panose="02020000000000000000" pitchFamily="18" charset="-79"/>
-              <a:cs typeface="Plantagenet Cherokee" panose="02020000000000000000" pitchFamily="18" charset="-79"/>
-            </a:endParaRPr>
-          </a:p>
-        </p:txBody>
-      </p:sp>
-      <p:pic>
-        <p:nvPicPr>
-          <p:cNvPr id="27" name="図 26">
-            <a:extLst>
-              <a:ext uri="{FF2B5EF4-FFF2-40B4-BE49-F238E27FC236}">
-                <a16:creationId xmlns:a16="http://schemas.microsoft.com/office/drawing/2014/main" id="{8933666F-01F8-8591-5364-2C140D8234E1}"/>
-              </a:ext>
-            </a:extLst>
-          </p:cNvPr>
-          <p:cNvPicPr>
-            <a:picLocks noChangeAspect="1"/>
-          </p:cNvPicPr>
-          <p:nvPr/>
-        </p:nvPicPr>
-        <p:blipFill>
-          <a:blip r:embed="rId2"/>
-          <a:stretch>
-            <a:fillRect/>
-          </a:stretch>
-        </p:blipFill>
-        <p:spPr>
-          <a:xfrm>
-            <a:off x="8536053" y="2036818"/>
-            <a:ext cx="2535732" cy="2844927"/>
-          </a:xfrm>
-          <a:prstGeom prst="rect">
-            <a:avLst/>
-          </a:prstGeom>
-        </p:spPr>
-      </p:pic>
     </p:spTree>
     <p:extLst>
       <p:ext uri="{BB962C8B-B14F-4D97-AF65-F5344CB8AC3E}">
-        <p14:creationId xmlns:p14="http://schemas.microsoft.com/office/powerpoint/2010/main" val="1157931423"/>
+        <p14:creationId xmlns:p14="http://schemas.microsoft.com/office/powerpoint/2010/main" val="2011244696"/>
       </p:ext>
     </p:extLst>
   </p:cSld>
@@ -27964,7 +28190,7 @@
         </p:nvSpPr>
         <p:spPr>
           <a:xfrm>
-            <a:off x="1757595" y="1656639"/>
+            <a:off x="1797787" y="1656639"/>
             <a:ext cx="110837" cy="3609464"/>
           </a:xfrm>
           <a:prstGeom prst="rect">
@@ -28100,8 +28326,8 @@
         </p:nvSpPr>
         <p:spPr>
           <a:xfrm>
-            <a:off x="1979525" y="1656829"/>
-            <a:ext cx="733982" cy="3609273"/>
+            <a:off x="2009675" y="1656829"/>
+            <a:ext cx="703832" cy="3609273"/>
           </a:xfrm>
           <a:prstGeom prst="rect">
             <a:avLst/>
@@ -28352,59 +28578,12 @@
           </a:p>
         </p:txBody>
       </p:sp>
-      <p:sp>
-        <p:nvSpPr>
-          <p:cNvPr id="28" name="正方形/長方形 27">
-            <a:extLst>
-              <a:ext uri="{FF2B5EF4-FFF2-40B4-BE49-F238E27FC236}">
-                <a16:creationId xmlns:a16="http://schemas.microsoft.com/office/drawing/2014/main" id="{8D21F7B9-D771-9AFF-2F57-2B24C4CA7D43}"/>
-              </a:ext>
-            </a:extLst>
-          </p:cNvPr>
-          <p:cNvSpPr/>
-          <p:nvPr/>
-        </p:nvSpPr>
-        <p:spPr>
-          <a:xfrm>
-            <a:off x="10433539" y="0"/>
-            <a:ext cx="1758461" cy="472273"/>
-          </a:xfrm>
-          <a:prstGeom prst="rect">
-            <a:avLst/>
-          </a:prstGeom>
-          <a:solidFill>
-            <a:schemeClr val="bg1">
-              <a:lumMod val="95000"/>
-            </a:schemeClr>
-          </a:solidFill>
-          <a:ln w="12700">
-            <a:noFill/>
-            <a:miter lim="400000"/>
-          </a:ln>
-          <a:extLst>
-            <a:ext uri="{C572A759-6A51-4108-AA02-DFA0A04FC94B}">
-              <ma14:wrappingTextBoxFlag xmlns="" xmlns:ma14="http://schemas.microsoft.com/office/mac/drawingml/2011/main" val="1"/>
-            </a:ext>
-          </a:extLst>
-        </p:spPr>
-        <p:txBody>
-          <a:bodyPr rtlCol="0" anchor="ctr"/>
-          <a:lstStyle/>
-          <a:p>
-            <a:pPr algn="ctr"/>
-            <a:r>
-              <a:rPr kumimoji="1" lang="ja-JP" altLang="en-US"/>
-              <a:t>最新版</a:t>
-            </a:r>
-          </a:p>
-        </p:txBody>
-      </p:sp>
       <p:pic>
         <p:nvPicPr>
-          <p:cNvPr id="10" name="図 9">
-            <a:extLst>
-              <a:ext uri="{FF2B5EF4-FFF2-40B4-BE49-F238E27FC236}">
-                <a16:creationId xmlns:a16="http://schemas.microsoft.com/office/drawing/2014/main" id="{08F7A9DA-65CB-A1E7-7AF5-59D5486E8DAD}"/>
+          <p:cNvPr id="27" name="図 26">
+            <a:extLst>
+              <a:ext uri="{FF2B5EF4-FFF2-40B4-BE49-F238E27FC236}">
+                <a16:creationId xmlns:a16="http://schemas.microsoft.com/office/drawing/2014/main" id="{8933666F-01F8-8591-5364-2C140D8234E1}"/>
               </a:ext>
             </a:extLst>
           </p:cNvPr>
@@ -28421,6 +28600,734 @@
         </p:blipFill>
         <p:spPr>
           <a:xfrm>
+            <a:off x="8536053" y="2036818"/>
+            <a:ext cx="2535732" cy="2844927"/>
+          </a:xfrm>
+          <a:prstGeom prst="rect">
+            <a:avLst/>
+          </a:prstGeom>
+        </p:spPr>
+      </p:pic>
+    </p:spTree>
+    <p:extLst>
+      <p:ext uri="{BB962C8B-B14F-4D97-AF65-F5344CB8AC3E}">
+        <p14:creationId xmlns:p14="http://schemas.microsoft.com/office/powerpoint/2010/main" val="1157931423"/>
+      </p:ext>
+    </p:extLst>
+  </p:cSld>
+  <p:clrMapOvr>
+    <a:masterClrMapping/>
+  </p:clrMapOvr>
+</p:sld>
+</file>
+
+<file path=ppt/slides/slide46.xml><?xml version="1.0" encoding="utf-8"?>
+<p:sld xmlns:a="http://schemas.openxmlformats.org/drawingml/2006/main" xmlns:r="http://schemas.openxmlformats.org/officeDocument/2006/relationships" xmlns:p="http://schemas.openxmlformats.org/presentationml/2006/main">
+  <p:cSld>
+    <p:spTree>
+      <p:nvGrpSpPr>
+        <p:cNvPr id="1" name=""/>
+        <p:cNvGrpSpPr/>
+        <p:nvPr/>
+      </p:nvGrpSpPr>
+      <p:grpSpPr>
+        <a:xfrm>
+          <a:off x="0" y="0"/>
+          <a:ext cx="0" cy="0"/>
+          <a:chOff x="0" y="0"/>
+          <a:chExt cx="0" cy="0"/>
+        </a:xfrm>
+      </p:grpSpPr>
+      <p:sp>
+        <p:nvSpPr>
+          <p:cNvPr id="17" name="円/楕円 16">
+            <a:extLst>
+              <a:ext uri="{FF2B5EF4-FFF2-40B4-BE49-F238E27FC236}">
+                <a16:creationId xmlns:a16="http://schemas.microsoft.com/office/drawing/2014/main" id="{5B7E9BC7-E1B5-80B6-63D0-4BEC40733C34}"/>
+              </a:ext>
+            </a:extLst>
+          </p:cNvPr>
+          <p:cNvSpPr>
+            <a:spLocks noChangeAspect="1"/>
+          </p:cNvSpPr>
+          <p:nvPr/>
+        </p:nvSpPr>
+        <p:spPr>
+          <a:xfrm>
+            <a:off x="27686" y="15627"/>
+            <a:ext cx="6829487" cy="6829487"/>
+          </a:xfrm>
+          <a:prstGeom prst="ellipse">
+            <a:avLst/>
+          </a:prstGeom>
+          <a:solidFill>
+            <a:srgbClr val="209CEE"/>
+          </a:solidFill>
+          <a:ln w="12700">
+            <a:noFill/>
+            <a:miter lim="400000"/>
+          </a:ln>
+          <a:extLst>
+            <a:ext uri="{C572A759-6A51-4108-AA02-DFA0A04FC94B}">
+              <ma14:wrappingTextBoxFlag xmlns="" xmlns:ma14="http://schemas.microsoft.com/office/mac/drawingml/2011/main" val="1"/>
+            </a:ext>
+          </a:extLst>
+        </p:spPr>
+        <p:txBody>
+          <a:bodyPr rtlCol="0" anchor="ctr"/>
+          <a:lstStyle/>
+          <a:p>
+            <a:pPr algn="ctr"/>
+            <a:endParaRPr kumimoji="1" lang="ja-JP" altLang="en-US" sz="2000">
+              <a:latin typeface="Plantagenet Cherokee" panose="02020000000000000000" pitchFamily="18" charset="-79"/>
+              <a:cs typeface="Plantagenet Cherokee" panose="02020000000000000000" pitchFamily="18" charset="-79"/>
+            </a:endParaRPr>
+          </a:p>
+        </p:txBody>
+      </p:sp>
+      <p:sp>
+        <p:nvSpPr>
+          <p:cNvPr id="4" name="平行四辺形 3">
+            <a:extLst>
+              <a:ext uri="{FF2B5EF4-FFF2-40B4-BE49-F238E27FC236}">
+                <a16:creationId xmlns:a16="http://schemas.microsoft.com/office/drawing/2014/main" id="{FA33888D-86F2-D809-EE8B-63E2CFC0D93E}"/>
+              </a:ext>
+            </a:extLst>
+          </p:cNvPr>
+          <p:cNvSpPr/>
+          <p:nvPr/>
+        </p:nvSpPr>
+        <p:spPr>
+          <a:xfrm>
+            <a:off x="2710642" y="1656832"/>
+            <a:ext cx="2718534" cy="1634786"/>
+          </a:xfrm>
+          <a:prstGeom prst="parallelogram">
+            <a:avLst>
+              <a:gd name="adj" fmla="val 95582"/>
+            </a:avLst>
+          </a:prstGeom>
+          <a:solidFill>
+            <a:schemeClr val="bg1"/>
+          </a:solidFill>
+          <a:ln w="12700">
+            <a:noFill/>
+            <a:miter lim="400000"/>
+          </a:ln>
+          <a:extLst>
+            <a:ext uri="{C572A759-6A51-4108-AA02-DFA0A04FC94B}">
+              <ma14:wrappingTextBoxFlag xmlns="" xmlns:ma14="http://schemas.microsoft.com/office/mac/drawingml/2011/main" val="1"/>
+            </a:ext>
+          </a:extLst>
+        </p:spPr>
+        <p:txBody>
+          <a:bodyPr rtlCol="0" anchor="ctr"/>
+          <a:lstStyle/>
+          <a:p>
+            <a:pPr algn="ctr"/>
+            <a:endParaRPr kumimoji="1" lang="ja-JP" altLang="en-US"/>
+          </a:p>
+        </p:txBody>
+      </p:sp>
+      <p:sp>
+        <p:nvSpPr>
+          <p:cNvPr id="5" name="平行四辺形 4">
+            <a:extLst>
+              <a:ext uri="{FF2B5EF4-FFF2-40B4-BE49-F238E27FC236}">
+                <a16:creationId xmlns:a16="http://schemas.microsoft.com/office/drawing/2014/main" id="{71354601-FEC4-1C68-1105-FF4E5A37F197}"/>
+              </a:ext>
+            </a:extLst>
+          </p:cNvPr>
+          <p:cNvSpPr/>
+          <p:nvPr/>
+        </p:nvSpPr>
+        <p:spPr>
+          <a:xfrm flipV="1">
+            <a:off x="2711846" y="3466681"/>
+            <a:ext cx="3005665" cy="1799424"/>
+          </a:xfrm>
+          <a:prstGeom prst="parallelogram">
+            <a:avLst>
+              <a:gd name="adj" fmla="val 93823"/>
+            </a:avLst>
+          </a:prstGeom>
+          <a:solidFill>
+            <a:schemeClr val="bg1"/>
+          </a:solidFill>
+          <a:ln w="12700">
+            <a:noFill/>
+            <a:miter lim="400000"/>
+          </a:ln>
+          <a:extLst>
+            <a:ext uri="{C572A759-6A51-4108-AA02-DFA0A04FC94B}">
+              <ma14:wrappingTextBoxFlag xmlns="" xmlns:ma14="http://schemas.microsoft.com/office/mac/drawingml/2011/main" val="1"/>
+            </a:ext>
+          </a:extLst>
+        </p:spPr>
+        <p:txBody>
+          <a:bodyPr rtlCol="0" anchor="ctr"/>
+          <a:lstStyle/>
+          <a:p>
+            <a:pPr algn="ctr"/>
+            <a:endParaRPr kumimoji="1" lang="ja-JP" altLang="en-US"/>
+          </a:p>
+        </p:txBody>
+      </p:sp>
+      <p:sp>
+        <p:nvSpPr>
+          <p:cNvPr id="6" name="直角三角形 5">
+            <a:extLst>
+              <a:ext uri="{FF2B5EF4-FFF2-40B4-BE49-F238E27FC236}">
+                <a16:creationId xmlns:a16="http://schemas.microsoft.com/office/drawing/2014/main" id="{5C0D6FF2-F6EC-166D-E341-14C6BDB520FC}"/>
+              </a:ext>
+            </a:extLst>
+          </p:cNvPr>
+          <p:cNvSpPr/>
+          <p:nvPr/>
+        </p:nvSpPr>
+        <p:spPr>
+          <a:xfrm flipH="1">
+            <a:off x="3555151" y="1656830"/>
+            <a:ext cx="1874023" cy="1634789"/>
+          </a:xfrm>
+          <a:prstGeom prst="rtTriangle">
+            <a:avLst/>
+          </a:prstGeom>
+          <a:solidFill>
+            <a:srgbClr val="209CEE"/>
+          </a:solidFill>
+          <a:ln w="12700">
+            <a:noFill/>
+            <a:miter lim="400000"/>
+          </a:ln>
+          <a:extLst>
+            <a:ext uri="{C572A759-6A51-4108-AA02-DFA0A04FC94B}">
+              <ma14:wrappingTextBoxFlag xmlns="" xmlns:ma14="http://schemas.microsoft.com/office/mac/drawingml/2011/main" val="1"/>
+            </a:ext>
+          </a:extLst>
+        </p:spPr>
+        <p:txBody>
+          <a:bodyPr rtlCol="0" anchor="ctr"/>
+          <a:lstStyle/>
+          <a:p>
+            <a:pPr algn="ctr"/>
+            <a:endParaRPr kumimoji="1" lang="ja-JP" altLang="en-US"/>
+          </a:p>
+        </p:txBody>
+      </p:sp>
+      <p:sp>
+        <p:nvSpPr>
+          <p:cNvPr id="7" name="直角三角形 6">
+            <a:extLst>
+              <a:ext uri="{FF2B5EF4-FFF2-40B4-BE49-F238E27FC236}">
+                <a16:creationId xmlns:a16="http://schemas.microsoft.com/office/drawing/2014/main" id="{408292A6-FACD-FB33-3976-4EB67E11A1EC}"/>
+              </a:ext>
+            </a:extLst>
+          </p:cNvPr>
+          <p:cNvSpPr/>
+          <p:nvPr/>
+        </p:nvSpPr>
+        <p:spPr>
+          <a:xfrm flipH="1" flipV="1">
+            <a:off x="3556354" y="3466678"/>
+            <a:ext cx="2161155" cy="1799424"/>
+          </a:xfrm>
+          <a:prstGeom prst="rtTriangle">
+            <a:avLst/>
+          </a:prstGeom>
+          <a:solidFill>
+            <a:srgbClr val="209CEE"/>
+          </a:solidFill>
+          <a:ln w="12700">
+            <a:noFill/>
+            <a:miter lim="400000"/>
+          </a:ln>
+          <a:extLst>
+            <a:ext uri="{C572A759-6A51-4108-AA02-DFA0A04FC94B}">
+              <ma14:wrappingTextBoxFlag xmlns="" xmlns:ma14="http://schemas.microsoft.com/office/mac/drawingml/2011/main" val="1"/>
+            </a:ext>
+          </a:extLst>
+        </p:spPr>
+        <p:txBody>
+          <a:bodyPr rtlCol="0" anchor="ctr"/>
+          <a:lstStyle/>
+          <a:p>
+            <a:pPr algn="ctr"/>
+            <a:endParaRPr kumimoji="1" lang="ja-JP" altLang="en-US"/>
+          </a:p>
+        </p:txBody>
+      </p:sp>
+      <p:sp>
+        <p:nvSpPr>
+          <p:cNvPr id="15" name="正方形/長方形 14">
+            <a:extLst>
+              <a:ext uri="{FF2B5EF4-FFF2-40B4-BE49-F238E27FC236}">
+                <a16:creationId xmlns:a16="http://schemas.microsoft.com/office/drawing/2014/main" id="{6C726D84-7A8E-43B2-A982-67A734AEF1A5}"/>
+              </a:ext>
+            </a:extLst>
+          </p:cNvPr>
+          <p:cNvSpPr/>
+          <p:nvPr/>
+        </p:nvSpPr>
+        <p:spPr>
+          <a:xfrm>
+            <a:off x="1757595" y="1656639"/>
+            <a:ext cx="110837" cy="3609464"/>
+          </a:xfrm>
+          <a:prstGeom prst="rect">
+            <a:avLst/>
+          </a:prstGeom>
+          <a:solidFill>
+            <a:schemeClr val="bg1">
+              <a:alpha val="79000"/>
+            </a:schemeClr>
+          </a:solidFill>
+          <a:ln w="12700">
+            <a:noFill/>
+            <a:miter lim="400000"/>
+          </a:ln>
+          <a:extLst>
+            <a:ext uri="{C572A759-6A51-4108-AA02-DFA0A04FC94B}">
+              <ma14:wrappingTextBoxFlag xmlns="" xmlns:ma14="http://schemas.microsoft.com/office/mac/drawingml/2011/main" val="1"/>
+            </a:ext>
+          </a:extLst>
+        </p:spPr>
+        <p:txBody>
+          <a:bodyPr rtlCol="0" anchor="ctr"/>
+          <a:lstStyle/>
+          <a:p>
+            <a:pPr algn="ctr"/>
+            <a:endParaRPr kumimoji="1" lang="ja-JP" altLang="en-US"/>
+          </a:p>
+        </p:txBody>
+      </p:sp>
+      <p:sp>
+        <p:nvSpPr>
+          <p:cNvPr id="8" name="三角形 7">
+            <a:extLst>
+              <a:ext uri="{FF2B5EF4-FFF2-40B4-BE49-F238E27FC236}">
+                <a16:creationId xmlns:a16="http://schemas.microsoft.com/office/drawing/2014/main" id="{1A144155-824D-1813-4312-D6F43481941A}"/>
+              </a:ext>
+            </a:extLst>
+          </p:cNvPr>
+          <p:cNvSpPr>
+            <a:spLocks noChangeAspect="1"/>
+          </p:cNvSpPr>
+          <p:nvPr/>
+        </p:nvSpPr>
+        <p:spPr>
+          <a:xfrm rot="16200000" flipH="1">
+            <a:off x="2578937" y="3334177"/>
+            <a:ext cx="190638" cy="90000"/>
+          </a:xfrm>
+          <a:prstGeom prst="triangle">
+            <a:avLst/>
+          </a:prstGeom>
+          <a:solidFill>
+            <a:srgbClr val="209CEE"/>
+          </a:solidFill>
+          <a:ln w="12700">
+            <a:noFill/>
+            <a:miter lim="400000"/>
+          </a:ln>
+          <a:extLst>
+            <a:ext uri="{C572A759-6A51-4108-AA02-DFA0A04FC94B}">
+              <ma14:wrappingTextBoxFlag xmlns="" xmlns:ma14="http://schemas.microsoft.com/office/mac/drawingml/2011/main" val="1"/>
+            </a:ext>
+          </a:extLst>
+        </p:spPr>
+        <p:txBody>
+          <a:bodyPr rtlCol="0" anchor="ctr"/>
+          <a:lstStyle/>
+          <a:p>
+            <a:pPr algn="ctr"/>
+            <a:endParaRPr kumimoji="1" lang="ja-JP" altLang="en-US"/>
+          </a:p>
+        </p:txBody>
+      </p:sp>
+      <p:sp>
+        <p:nvSpPr>
+          <p:cNvPr id="12" name="平行四辺形 11">
+            <a:extLst>
+              <a:ext uri="{FF2B5EF4-FFF2-40B4-BE49-F238E27FC236}">
+                <a16:creationId xmlns:a16="http://schemas.microsoft.com/office/drawing/2014/main" id="{A481F423-A91B-5CDC-FE3A-8E269F4FB245}"/>
+              </a:ext>
+            </a:extLst>
+          </p:cNvPr>
+          <p:cNvSpPr/>
+          <p:nvPr/>
+        </p:nvSpPr>
+        <p:spPr>
+          <a:xfrm>
+            <a:off x="2411610" y="1656639"/>
+            <a:ext cx="1728589" cy="1634786"/>
+          </a:xfrm>
+          <a:prstGeom prst="parallelogram">
+            <a:avLst>
+              <a:gd name="adj" fmla="val 97772"/>
+            </a:avLst>
+          </a:prstGeom>
+          <a:solidFill>
+            <a:schemeClr val="bg1">
+              <a:alpha val="79000"/>
+            </a:schemeClr>
+          </a:solidFill>
+          <a:ln w="12700">
+            <a:noFill/>
+            <a:miter lim="400000"/>
+          </a:ln>
+          <a:extLst>
+            <a:ext uri="{C572A759-6A51-4108-AA02-DFA0A04FC94B}">
+              <ma14:wrappingTextBoxFlag xmlns="" xmlns:ma14="http://schemas.microsoft.com/office/mac/drawingml/2011/main" val="1"/>
+            </a:ext>
+          </a:extLst>
+        </p:spPr>
+        <p:txBody>
+          <a:bodyPr rtlCol="0" anchor="ctr"/>
+          <a:lstStyle/>
+          <a:p>
+            <a:pPr algn="ctr"/>
+            <a:endParaRPr kumimoji="1" lang="ja-JP" altLang="en-US"/>
+          </a:p>
+        </p:txBody>
+      </p:sp>
+      <p:sp>
+        <p:nvSpPr>
+          <p:cNvPr id="2" name="正方形/長方形 1">
+            <a:extLst>
+              <a:ext uri="{FF2B5EF4-FFF2-40B4-BE49-F238E27FC236}">
+                <a16:creationId xmlns:a16="http://schemas.microsoft.com/office/drawing/2014/main" id="{10E74CC0-DF2F-AF6D-B4D6-A55E1EEDCB12}"/>
+              </a:ext>
+            </a:extLst>
+          </p:cNvPr>
+          <p:cNvSpPr>
+            <a:spLocks noChangeAspect="1"/>
+          </p:cNvSpPr>
+          <p:nvPr/>
+        </p:nvSpPr>
+        <p:spPr>
+          <a:xfrm>
+            <a:off x="1979525" y="1656829"/>
+            <a:ext cx="733982" cy="3609273"/>
+          </a:xfrm>
+          <a:prstGeom prst="rect">
+            <a:avLst/>
+          </a:prstGeom>
+          <a:solidFill>
+            <a:schemeClr val="bg1"/>
+          </a:solidFill>
+          <a:ln w="12700">
+            <a:noFill/>
+            <a:miter lim="400000"/>
+          </a:ln>
+          <a:extLst>
+            <a:ext uri="{C572A759-6A51-4108-AA02-DFA0A04FC94B}">
+              <ma14:wrappingTextBoxFlag xmlns="" xmlns:ma14="http://schemas.microsoft.com/office/mac/drawingml/2011/main" val="1"/>
+            </a:ext>
+          </a:extLst>
+        </p:spPr>
+        <p:txBody>
+          <a:bodyPr rtlCol="0" anchor="ctr"/>
+          <a:lstStyle/>
+          <a:p>
+            <a:pPr algn="ctr"/>
+            <a:endParaRPr kumimoji="1" lang="ja-JP" altLang="en-US" sz="2000">
+              <a:latin typeface="Plantagenet Cherokee" panose="02020000000000000000" pitchFamily="18" charset="-79"/>
+              <a:cs typeface="Plantagenet Cherokee" panose="02020000000000000000" pitchFamily="18" charset="-79"/>
+            </a:endParaRPr>
+          </a:p>
+        </p:txBody>
+      </p:sp>
+      <p:sp>
+        <p:nvSpPr>
+          <p:cNvPr id="18" name="平行四辺形 17">
+            <a:extLst>
+              <a:ext uri="{FF2B5EF4-FFF2-40B4-BE49-F238E27FC236}">
+                <a16:creationId xmlns:a16="http://schemas.microsoft.com/office/drawing/2014/main" id="{1F27171F-1DF6-2902-2546-12E382A81E9E}"/>
+              </a:ext>
+            </a:extLst>
+          </p:cNvPr>
+          <p:cNvSpPr/>
+          <p:nvPr/>
+        </p:nvSpPr>
+        <p:spPr>
+          <a:xfrm flipV="1">
+            <a:off x="2456417" y="3470299"/>
+            <a:ext cx="1829814" cy="1800000"/>
+          </a:xfrm>
+          <a:prstGeom prst="parallelogram">
+            <a:avLst>
+              <a:gd name="adj" fmla="val 94811"/>
+            </a:avLst>
+          </a:prstGeom>
+          <a:solidFill>
+            <a:schemeClr val="bg1">
+              <a:alpha val="79000"/>
+            </a:schemeClr>
+          </a:solidFill>
+          <a:ln w="12700">
+            <a:noFill/>
+            <a:miter lim="400000"/>
+          </a:ln>
+          <a:extLst>
+            <a:ext uri="{C572A759-6A51-4108-AA02-DFA0A04FC94B}">
+              <ma14:wrappingTextBoxFlag xmlns="" xmlns:ma14="http://schemas.microsoft.com/office/mac/drawingml/2011/main" val="1"/>
+            </a:ext>
+          </a:extLst>
+        </p:spPr>
+        <p:txBody>
+          <a:bodyPr rtlCol="0" anchor="ctr"/>
+          <a:lstStyle/>
+          <a:p>
+            <a:pPr algn="ctr"/>
+            <a:endParaRPr kumimoji="1" lang="ja-JP" altLang="en-US"/>
+          </a:p>
+        </p:txBody>
+      </p:sp>
+      <p:sp>
+        <p:nvSpPr>
+          <p:cNvPr id="23" name="三角形 22">
+            <a:extLst>
+              <a:ext uri="{FF2B5EF4-FFF2-40B4-BE49-F238E27FC236}">
+                <a16:creationId xmlns:a16="http://schemas.microsoft.com/office/drawing/2014/main" id="{4270D2C7-1328-C6A6-633B-3315E463738F}"/>
+              </a:ext>
+            </a:extLst>
+          </p:cNvPr>
+          <p:cNvSpPr/>
+          <p:nvPr/>
+        </p:nvSpPr>
+        <p:spPr>
+          <a:xfrm rot="16200000" flipH="1">
+            <a:off x="2170212" y="3196565"/>
+            <a:ext cx="752395" cy="335120"/>
+          </a:xfrm>
+          <a:prstGeom prst="triangle">
+            <a:avLst/>
+          </a:prstGeom>
+          <a:solidFill>
+            <a:srgbClr val="209CEE"/>
+          </a:solidFill>
+          <a:ln w="12700">
+            <a:noFill/>
+            <a:miter lim="400000"/>
+          </a:ln>
+          <a:extLst>
+            <a:ext uri="{C572A759-6A51-4108-AA02-DFA0A04FC94B}">
+              <ma14:wrappingTextBoxFlag xmlns="" xmlns:ma14="http://schemas.microsoft.com/office/mac/drawingml/2011/main" val="1"/>
+            </a:ext>
+          </a:extLst>
+        </p:spPr>
+        <p:txBody>
+          <a:bodyPr rtlCol="0" anchor="ctr"/>
+          <a:lstStyle/>
+          <a:p>
+            <a:pPr algn="ctr"/>
+            <a:endParaRPr kumimoji="1" lang="ja-JP" altLang="en-US"/>
+          </a:p>
+        </p:txBody>
+      </p:sp>
+      <p:sp>
+        <p:nvSpPr>
+          <p:cNvPr id="20" name="三角形 19">
+            <a:extLst>
+              <a:ext uri="{FF2B5EF4-FFF2-40B4-BE49-F238E27FC236}">
+                <a16:creationId xmlns:a16="http://schemas.microsoft.com/office/drawing/2014/main" id="{781F9203-EB1C-0B90-FC2B-A1A7ED967D7F}"/>
+              </a:ext>
+            </a:extLst>
+          </p:cNvPr>
+          <p:cNvSpPr/>
+          <p:nvPr/>
+        </p:nvSpPr>
+        <p:spPr>
+          <a:xfrm rot="16200000" flipH="1">
+            <a:off x="2354887" y="3250705"/>
+            <a:ext cx="497122" cy="221420"/>
+          </a:xfrm>
+          <a:prstGeom prst="triangle">
+            <a:avLst/>
+          </a:prstGeom>
+          <a:solidFill>
+            <a:schemeClr val="bg1"/>
+          </a:solidFill>
+          <a:ln w="12700">
+            <a:noFill/>
+            <a:miter lim="400000"/>
+          </a:ln>
+          <a:extLst>
+            <a:ext uri="{C572A759-6A51-4108-AA02-DFA0A04FC94B}">
+              <ma14:wrappingTextBoxFlag xmlns="" xmlns:ma14="http://schemas.microsoft.com/office/mac/drawingml/2011/main" val="1"/>
+            </a:ext>
+          </a:extLst>
+        </p:spPr>
+        <p:txBody>
+          <a:bodyPr rtlCol="0" anchor="ctr"/>
+          <a:lstStyle/>
+          <a:p>
+            <a:pPr algn="ctr"/>
+            <a:endParaRPr kumimoji="1" lang="ja-JP" altLang="en-US"/>
+          </a:p>
+        </p:txBody>
+      </p:sp>
+      <p:sp>
+        <p:nvSpPr>
+          <p:cNvPr id="21" name="三角形 20">
+            <a:extLst>
+              <a:ext uri="{FF2B5EF4-FFF2-40B4-BE49-F238E27FC236}">
+                <a16:creationId xmlns:a16="http://schemas.microsoft.com/office/drawing/2014/main" id="{5505304F-BA2E-A3EF-66BA-F05D4C0FD012}"/>
+              </a:ext>
+            </a:extLst>
+          </p:cNvPr>
+          <p:cNvSpPr>
+            <a:spLocks noChangeAspect="1"/>
+          </p:cNvSpPr>
+          <p:nvPr/>
+        </p:nvSpPr>
+        <p:spPr>
+          <a:xfrm rot="16200000" flipH="1">
+            <a:off x="2578248" y="3332417"/>
+            <a:ext cx="190638" cy="90000"/>
+          </a:xfrm>
+          <a:prstGeom prst="triangle">
+            <a:avLst/>
+          </a:prstGeom>
+          <a:solidFill>
+            <a:srgbClr val="209CEE"/>
+          </a:solidFill>
+          <a:ln w="12700">
+            <a:noFill/>
+            <a:miter lim="400000"/>
+          </a:ln>
+          <a:extLst>
+            <a:ext uri="{C572A759-6A51-4108-AA02-DFA0A04FC94B}">
+              <ma14:wrappingTextBoxFlag xmlns="" xmlns:ma14="http://schemas.microsoft.com/office/mac/drawingml/2011/main" val="1"/>
+            </a:ext>
+          </a:extLst>
+        </p:spPr>
+        <p:txBody>
+          <a:bodyPr rtlCol="0" anchor="ctr"/>
+          <a:lstStyle/>
+          <a:p>
+            <a:pPr algn="ctr"/>
+            <a:endParaRPr kumimoji="1" lang="ja-JP" altLang="en-US"/>
+          </a:p>
+        </p:txBody>
+      </p:sp>
+      <p:sp>
+        <p:nvSpPr>
+          <p:cNvPr id="26" name="円/楕円 25">
+            <a:extLst>
+              <a:ext uri="{FF2B5EF4-FFF2-40B4-BE49-F238E27FC236}">
+                <a16:creationId xmlns:a16="http://schemas.microsoft.com/office/drawing/2014/main" id="{083A294B-1898-9FB8-C13C-BC3D839EB28A}"/>
+              </a:ext>
+            </a:extLst>
+          </p:cNvPr>
+          <p:cNvSpPr>
+            <a:spLocks noChangeAspect="1"/>
+          </p:cNvSpPr>
+          <p:nvPr/>
+        </p:nvSpPr>
+        <p:spPr>
+          <a:xfrm>
+            <a:off x="7037185" y="909651"/>
+            <a:ext cx="5099261" cy="5099261"/>
+          </a:xfrm>
+          <a:prstGeom prst="ellipse">
+            <a:avLst/>
+          </a:prstGeom>
+          <a:solidFill>
+            <a:srgbClr val="209CEE"/>
+          </a:solidFill>
+          <a:ln w="12700">
+            <a:noFill/>
+            <a:miter lim="400000"/>
+          </a:ln>
+          <a:extLst>
+            <a:ext uri="{C572A759-6A51-4108-AA02-DFA0A04FC94B}">
+              <ma14:wrappingTextBoxFlag xmlns="" xmlns:ma14="http://schemas.microsoft.com/office/mac/drawingml/2011/main" val="1"/>
+            </a:ext>
+          </a:extLst>
+        </p:spPr>
+        <p:txBody>
+          <a:bodyPr rtlCol="0" anchor="ctr"/>
+          <a:lstStyle/>
+          <a:p>
+            <a:pPr algn="ctr"/>
+            <a:endParaRPr kumimoji="1" lang="ja-JP" altLang="en-US" sz="2000">
+              <a:latin typeface="Plantagenet Cherokee" panose="02020000000000000000" pitchFamily="18" charset="-79"/>
+              <a:cs typeface="Plantagenet Cherokee" panose="02020000000000000000" pitchFamily="18" charset="-79"/>
+            </a:endParaRPr>
+          </a:p>
+        </p:txBody>
+      </p:sp>
+      <p:sp>
+        <p:nvSpPr>
+          <p:cNvPr id="28" name="正方形/長方形 27">
+            <a:extLst>
+              <a:ext uri="{FF2B5EF4-FFF2-40B4-BE49-F238E27FC236}">
+                <a16:creationId xmlns:a16="http://schemas.microsoft.com/office/drawing/2014/main" id="{8D21F7B9-D771-9AFF-2F57-2B24C4CA7D43}"/>
+              </a:ext>
+            </a:extLst>
+          </p:cNvPr>
+          <p:cNvSpPr/>
+          <p:nvPr/>
+        </p:nvSpPr>
+        <p:spPr>
+          <a:xfrm>
+            <a:off x="10433539" y="0"/>
+            <a:ext cx="1758461" cy="472273"/>
+          </a:xfrm>
+          <a:prstGeom prst="rect">
+            <a:avLst/>
+          </a:prstGeom>
+          <a:solidFill>
+            <a:schemeClr val="bg1">
+              <a:lumMod val="95000"/>
+            </a:schemeClr>
+          </a:solidFill>
+          <a:ln w="12700">
+            <a:noFill/>
+            <a:miter lim="400000"/>
+          </a:ln>
+          <a:extLst>
+            <a:ext uri="{C572A759-6A51-4108-AA02-DFA0A04FC94B}">
+              <ma14:wrappingTextBoxFlag xmlns="" xmlns:ma14="http://schemas.microsoft.com/office/mac/drawingml/2011/main" val="1"/>
+            </a:ext>
+          </a:extLst>
+        </p:spPr>
+        <p:txBody>
+          <a:bodyPr rtlCol="0" anchor="ctr"/>
+          <a:lstStyle/>
+          <a:p>
+            <a:pPr algn="ctr"/>
+            <a:r>
+              <a:rPr kumimoji="1" lang="ja-JP" altLang="en-US"/>
+              <a:t>最新版</a:t>
+            </a:r>
+          </a:p>
+        </p:txBody>
+      </p:sp>
+      <p:pic>
+        <p:nvPicPr>
+          <p:cNvPr id="10" name="図 9">
+            <a:extLst>
+              <a:ext uri="{FF2B5EF4-FFF2-40B4-BE49-F238E27FC236}">
+                <a16:creationId xmlns:a16="http://schemas.microsoft.com/office/drawing/2014/main" id="{08F7A9DA-65CB-A1E7-7AF5-59D5486E8DAD}"/>
+              </a:ext>
+            </a:extLst>
+          </p:cNvPr>
+          <p:cNvPicPr>
+            <a:picLocks noChangeAspect="1"/>
+          </p:cNvPicPr>
+          <p:nvPr/>
+        </p:nvPicPr>
+        <p:blipFill>
+          <a:blip r:embed="rId2"/>
+          <a:stretch>
+            <a:fillRect/>
+          </a:stretch>
+        </p:blipFill>
+        <p:spPr>
+          <a:xfrm>
             <a:off x="8443898" y="2035963"/>
             <a:ext cx="2657821" cy="2846637"/>
           </a:xfrm>
@@ -28433,6 +29340,1390 @@
     <p:extLst>
       <p:ext uri="{BB962C8B-B14F-4D97-AF65-F5344CB8AC3E}">
         <p14:creationId xmlns:p14="http://schemas.microsoft.com/office/powerpoint/2010/main" val="2420390179"/>
+      </p:ext>
+    </p:extLst>
+  </p:cSld>
+  <p:clrMapOvr>
+    <a:masterClrMapping/>
+  </p:clrMapOvr>
+</p:sld>
+</file>
+
+<file path=ppt/slides/slide47.xml><?xml version="1.0" encoding="utf-8"?>
+<p:sld xmlns:a="http://schemas.openxmlformats.org/drawingml/2006/main" xmlns:r="http://schemas.openxmlformats.org/officeDocument/2006/relationships" xmlns:p="http://schemas.openxmlformats.org/presentationml/2006/main">
+  <p:cSld>
+    <p:spTree>
+      <p:nvGrpSpPr>
+        <p:cNvPr id="1" name=""/>
+        <p:cNvGrpSpPr/>
+        <p:nvPr/>
+      </p:nvGrpSpPr>
+      <p:grpSpPr>
+        <a:xfrm>
+          <a:off x="0" y="0"/>
+          <a:ext cx="0" cy="0"/>
+          <a:chOff x="0" y="0"/>
+          <a:chExt cx="0" cy="0"/>
+        </a:xfrm>
+      </p:grpSpPr>
+      <p:sp>
+        <p:nvSpPr>
+          <p:cNvPr id="22" name="円/楕円 21">
+            <a:extLst>
+              <a:ext uri="{FF2B5EF4-FFF2-40B4-BE49-F238E27FC236}">
+                <a16:creationId xmlns:a16="http://schemas.microsoft.com/office/drawing/2014/main" id="{BE6B7012-C518-9E57-6F43-627D115EC903}"/>
+              </a:ext>
+            </a:extLst>
+          </p:cNvPr>
+          <p:cNvSpPr>
+            <a:spLocks noChangeAspect="1"/>
+          </p:cNvSpPr>
+          <p:nvPr/>
+        </p:nvSpPr>
+        <p:spPr>
+          <a:xfrm>
+            <a:off x="8256241" y="234636"/>
+            <a:ext cx="3111500" cy="3111500"/>
+          </a:xfrm>
+          <a:prstGeom prst="ellipse">
+            <a:avLst/>
+          </a:prstGeom>
+          <a:solidFill>
+            <a:srgbClr val="209CEE"/>
+          </a:solidFill>
+          <a:ln w="12700">
+            <a:noFill/>
+            <a:miter lim="400000"/>
+          </a:ln>
+          <a:extLst>
+            <a:ext uri="{C572A759-6A51-4108-AA02-DFA0A04FC94B}">
+              <ma14:wrappingTextBoxFlag xmlns="" xmlns:ma14="http://schemas.microsoft.com/office/mac/drawingml/2011/main" val="1"/>
+            </a:ext>
+          </a:extLst>
+        </p:spPr>
+        <p:txBody>
+          <a:bodyPr rtlCol="0" anchor="ctr"/>
+          <a:lstStyle/>
+          <a:p>
+            <a:pPr algn="ctr"/>
+            <a:endParaRPr kumimoji="1" lang="ja-JP" altLang="en-US" sz="2000">
+              <a:latin typeface="Plantagenet Cherokee" panose="02020000000000000000" pitchFamily="18" charset="-79"/>
+              <a:cs typeface="Plantagenet Cherokee" panose="02020000000000000000" pitchFamily="18" charset="-79"/>
+            </a:endParaRPr>
+          </a:p>
+        </p:txBody>
+      </p:sp>
+      <p:pic>
+        <p:nvPicPr>
+          <p:cNvPr id="9" name="図 8">
+            <a:extLst>
+              <a:ext uri="{FF2B5EF4-FFF2-40B4-BE49-F238E27FC236}">
+                <a16:creationId xmlns:a16="http://schemas.microsoft.com/office/drawing/2014/main" id="{51FD0EAB-1C3F-BF11-8EDA-AAB1B0D6AE3C}"/>
+              </a:ext>
+            </a:extLst>
+          </p:cNvPr>
+          <p:cNvPicPr>
+            <a:picLocks noChangeAspect="1"/>
+          </p:cNvPicPr>
+          <p:nvPr/>
+        </p:nvPicPr>
+        <p:blipFill>
+          <a:blip r:embed="rId2">
+            <a:extLst>
+              <a:ext uri="{28A0092B-C50C-407E-A947-70E740481C1C}">
+                <a14:useLocalDpi xmlns:a14="http://schemas.microsoft.com/office/drawing/2010/main" val="0"/>
+              </a:ext>
+            </a:extLst>
+          </a:blip>
+          <a:stretch>
+            <a:fillRect/>
+          </a:stretch>
+        </p:blipFill>
+        <p:spPr>
+          <a:xfrm>
+            <a:off x="4774995" y="3720182"/>
+            <a:ext cx="3110400" cy="3110400"/>
+          </a:xfrm>
+          <a:prstGeom prst="rect">
+            <a:avLst/>
+          </a:prstGeom>
+        </p:spPr>
+      </p:pic>
+      <p:pic>
+        <p:nvPicPr>
+          <p:cNvPr id="19" name="図 18">
+            <a:extLst>
+              <a:ext uri="{FF2B5EF4-FFF2-40B4-BE49-F238E27FC236}">
+                <a16:creationId xmlns:a16="http://schemas.microsoft.com/office/drawing/2014/main" id="{65E51C1C-2229-1F52-CF97-710145F58EAF}"/>
+              </a:ext>
+            </a:extLst>
+          </p:cNvPr>
+          <p:cNvPicPr>
+            <a:picLocks noChangeAspect="1"/>
+          </p:cNvPicPr>
+          <p:nvPr/>
+        </p:nvPicPr>
+        <p:blipFill>
+          <a:blip r:embed="rId3">
+            <a:extLst>
+              <a:ext uri="{28A0092B-C50C-407E-A947-70E740481C1C}">
+                <a14:useLocalDpi xmlns:a14="http://schemas.microsoft.com/office/drawing/2010/main" val="0"/>
+              </a:ext>
+            </a:extLst>
+          </a:blip>
+          <a:stretch>
+            <a:fillRect/>
+          </a:stretch>
+        </p:blipFill>
+        <p:spPr>
+          <a:xfrm>
+            <a:off x="8257341" y="3720182"/>
+            <a:ext cx="3110400" cy="3110400"/>
+          </a:xfrm>
+          <a:prstGeom prst="rect">
+            <a:avLst/>
+          </a:prstGeom>
+        </p:spPr>
+      </p:pic>
+      <p:sp>
+        <p:nvSpPr>
+          <p:cNvPr id="25" name="円/楕円 24">
+            <a:extLst>
+              <a:ext uri="{FF2B5EF4-FFF2-40B4-BE49-F238E27FC236}">
+                <a16:creationId xmlns:a16="http://schemas.microsoft.com/office/drawing/2014/main" id="{E43EA1B8-8110-8246-50C9-E181094A2454}"/>
+              </a:ext>
+            </a:extLst>
+          </p:cNvPr>
+          <p:cNvSpPr>
+            <a:spLocks noChangeAspect="1"/>
+          </p:cNvSpPr>
+          <p:nvPr/>
+        </p:nvSpPr>
+        <p:spPr>
+          <a:xfrm>
+            <a:off x="1291927" y="234636"/>
+            <a:ext cx="3111500" cy="3111500"/>
+          </a:xfrm>
+          <a:prstGeom prst="ellipse">
+            <a:avLst/>
+          </a:prstGeom>
+          <a:solidFill>
+            <a:srgbClr val="209CEE"/>
+          </a:solidFill>
+          <a:ln w="12700">
+            <a:noFill/>
+            <a:miter lim="400000"/>
+          </a:ln>
+          <a:extLst>
+            <a:ext uri="{C572A759-6A51-4108-AA02-DFA0A04FC94B}">
+              <ma14:wrappingTextBoxFlag xmlns="" xmlns:ma14="http://schemas.microsoft.com/office/mac/drawingml/2011/main" val="1"/>
+            </a:ext>
+          </a:extLst>
+        </p:spPr>
+        <p:txBody>
+          <a:bodyPr rtlCol="0" anchor="ctr"/>
+          <a:lstStyle/>
+          <a:p>
+            <a:pPr algn="ctr"/>
+            <a:endParaRPr kumimoji="1" lang="ja-JP" altLang="en-US" sz="2000">
+              <a:latin typeface="Plantagenet Cherokee" panose="02020000000000000000" pitchFamily="18" charset="-79"/>
+              <a:cs typeface="Plantagenet Cherokee" panose="02020000000000000000" pitchFamily="18" charset="-79"/>
+            </a:endParaRPr>
+          </a:p>
+        </p:txBody>
+      </p:sp>
+      <p:pic>
+        <p:nvPicPr>
+          <p:cNvPr id="14" name="図 13">
+            <a:extLst>
+              <a:ext uri="{FF2B5EF4-FFF2-40B4-BE49-F238E27FC236}">
+                <a16:creationId xmlns:a16="http://schemas.microsoft.com/office/drawing/2014/main" id="{AFD4FB2E-34F6-8ED7-DE49-C76BA0A81D96}"/>
+              </a:ext>
+            </a:extLst>
+          </p:cNvPr>
+          <p:cNvPicPr>
+            <a:picLocks noChangeAspect="1"/>
+          </p:cNvPicPr>
+          <p:nvPr/>
+        </p:nvPicPr>
+        <p:blipFill>
+          <a:blip r:embed="rId4">
+            <a:extLst>
+              <a:ext uri="{28A0092B-C50C-407E-A947-70E740481C1C}">
+                <a14:useLocalDpi xmlns:a14="http://schemas.microsoft.com/office/drawing/2010/main" val="0"/>
+              </a:ext>
+            </a:extLst>
+          </a:blip>
+          <a:stretch>
+            <a:fillRect/>
+          </a:stretch>
+        </p:blipFill>
+        <p:spPr>
+          <a:xfrm>
+            <a:off x="1433847" y="234636"/>
+            <a:ext cx="2859756" cy="3110400"/>
+          </a:xfrm>
+          <a:prstGeom prst="rect">
+            <a:avLst/>
+          </a:prstGeom>
+        </p:spPr>
+      </p:pic>
+      <p:sp>
+        <p:nvSpPr>
+          <p:cNvPr id="27" name="円/楕円 26">
+            <a:extLst>
+              <a:ext uri="{FF2B5EF4-FFF2-40B4-BE49-F238E27FC236}">
+                <a16:creationId xmlns:a16="http://schemas.microsoft.com/office/drawing/2014/main" id="{FBB292E8-8E68-83A3-2084-9677BEDF97A4}"/>
+              </a:ext>
+            </a:extLst>
+          </p:cNvPr>
+          <p:cNvSpPr>
+            <a:spLocks noChangeAspect="1"/>
+          </p:cNvSpPr>
+          <p:nvPr/>
+        </p:nvSpPr>
+        <p:spPr>
+          <a:xfrm>
+            <a:off x="1292477" y="3720182"/>
+            <a:ext cx="3110400" cy="3110400"/>
+          </a:xfrm>
+          <a:prstGeom prst="ellipse">
+            <a:avLst/>
+          </a:prstGeom>
+          <a:solidFill>
+            <a:srgbClr val="209CEE"/>
+          </a:solidFill>
+          <a:ln w="12700">
+            <a:noFill/>
+            <a:miter lim="400000"/>
+          </a:ln>
+          <a:extLst>
+            <a:ext uri="{C572A759-6A51-4108-AA02-DFA0A04FC94B}">
+              <ma14:wrappingTextBoxFlag xmlns="" xmlns:ma14="http://schemas.microsoft.com/office/mac/drawingml/2011/main" val="1"/>
+            </a:ext>
+          </a:extLst>
+        </p:spPr>
+        <p:txBody>
+          <a:bodyPr rtlCol="0" anchor="ctr"/>
+          <a:lstStyle/>
+          <a:p>
+            <a:pPr algn="ctr"/>
+            <a:endParaRPr kumimoji="1" lang="ja-JP" altLang="en-US" sz="2000">
+              <a:latin typeface="Plantagenet Cherokee" panose="02020000000000000000" pitchFamily="18" charset="-79"/>
+              <a:cs typeface="Plantagenet Cherokee" panose="02020000000000000000" pitchFamily="18" charset="-79"/>
+            </a:endParaRPr>
+          </a:p>
+        </p:txBody>
+      </p:sp>
+      <p:pic>
+        <p:nvPicPr>
+          <p:cNvPr id="29" name="図 28">
+            <a:extLst>
+              <a:ext uri="{FF2B5EF4-FFF2-40B4-BE49-F238E27FC236}">
+                <a16:creationId xmlns:a16="http://schemas.microsoft.com/office/drawing/2014/main" id="{3A3BB132-166C-9B2B-B103-70E53E207356}"/>
+              </a:ext>
+            </a:extLst>
+          </p:cNvPr>
+          <p:cNvPicPr>
+            <a:picLocks noChangeAspect="1"/>
+          </p:cNvPicPr>
+          <p:nvPr/>
+        </p:nvPicPr>
+        <p:blipFill>
+          <a:blip r:embed="rId5"/>
+          <a:stretch>
+            <a:fillRect/>
+          </a:stretch>
+        </p:blipFill>
+        <p:spPr>
+          <a:xfrm>
+            <a:off x="2151852" y="4390485"/>
+            <a:ext cx="1674447" cy="1830083"/>
+          </a:xfrm>
+          <a:prstGeom prst="rect">
+            <a:avLst/>
+          </a:prstGeom>
+        </p:spPr>
+      </p:pic>
+      <p:sp>
+        <p:nvSpPr>
+          <p:cNvPr id="31" name="円/楕円 30">
+            <a:extLst>
+              <a:ext uri="{FF2B5EF4-FFF2-40B4-BE49-F238E27FC236}">
+                <a16:creationId xmlns:a16="http://schemas.microsoft.com/office/drawing/2014/main" id="{48433998-719F-37B9-16FF-1642813AB11F}"/>
+              </a:ext>
+            </a:extLst>
+          </p:cNvPr>
+          <p:cNvSpPr>
+            <a:spLocks noChangeAspect="1"/>
+          </p:cNvSpPr>
+          <p:nvPr/>
+        </p:nvSpPr>
+        <p:spPr>
+          <a:xfrm>
+            <a:off x="4774445" y="234636"/>
+            <a:ext cx="3111500" cy="3111500"/>
+          </a:xfrm>
+          <a:prstGeom prst="ellipse">
+            <a:avLst/>
+          </a:prstGeom>
+          <a:solidFill>
+            <a:srgbClr val="209CEE"/>
+          </a:solidFill>
+          <a:ln w="12700">
+            <a:noFill/>
+            <a:miter lim="400000"/>
+          </a:ln>
+          <a:extLst>
+            <a:ext uri="{C572A759-6A51-4108-AA02-DFA0A04FC94B}">
+              <ma14:wrappingTextBoxFlag xmlns="" xmlns:ma14="http://schemas.microsoft.com/office/mac/drawingml/2011/main" val="1"/>
+            </a:ext>
+          </a:extLst>
+        </p:spPr>
+        <p:txBody>
+          <a:bodyPr rtlCol="0" anchor="ctr"/>
+          <a:lstStyle/>
+          <a:p>
+            <a:pPr algn="ctr"/>
+            <a:endParaRPr kumimoji="1" lang="ja-JP" altLang="en-US" sz="2000">
+              <a:latin typeface="Plantagenet Cherokee" panose="02020000000000000000" pitchFamily="18" charset="-79"/>
+              <a:cs typeface="Plantagenet Cherokee" panose="02020000000000000000" pitchFamily="18" charset="-79"/>
+            </a:endParaRPr>
+          </a:p>
+        </p:txBody>
+      </p:sp>
+      <p:pic>
+        <p:nvPicPr>
+          <p:cNvPr id="32" name="図 31">
+            <a:extLst>
+              <a:ext uri="{FF2B5EF4-FFF2-40B4-BE49-F238E27FC236}">
+                <a16:creationId xmlns:a16="http://schemas.microsoft.com/office/drawing/2014/main" id="{C2EC3478-828D-9769-52E9-C27303D0EFAF}"/>
+              </a:ext>
+            </a:extLst>
+          </p:cNvPr>
+          <p:cNvPicPr>
+            <a:picLocks noChangeAspect="1"/>
+          </p:cNvPicPr>
+          <p:nvPr/>
+        </p:nvPicPr>
+        <p:blipFill>
+          <a:blip r:embed="rId6"/>
+          <a:stretch>
+            <a:fillRect/>
+          </a:stretch>
+        </p:blipFill>
+        <p:spPr>
+          <a:xfrm>
+            <a:off x="5598147" y="893378"/>
+            <a:ext cx="1695752" cy="1794016"/>
+          </a:xfrm>
+          <a:prstGeom prst="rect">
+            <a:avLst/>
+          </a:prstGeom>
+        </p:spPr>
+      </p:pic>
+      <p:pic>
+        <p:nvPicPr>
+          <p:cNvPr id="34" name="図 33">
+            <a:extLst>
+              <a:ext uri="{FF2B5EF4-FFF2-40B4-BE49-F238E27FC236}">
+                <a16:creationId xmlns:a16="http://schemas.microsoft.com/office/drawing/2014/main" id="{75A5112B-D475-0FBC-D4F3-A4C8DBD35902}"/>
+              </a:ext>
+            </a:extLst>
+          </p:cNvPr>
+          <p:cNvPicPr>
+            <a:picLocks noChangeAspect="1"/>
+          </p:cNvPicPr>
+          <p:nvPr/>
+        </p:nvPicPr>
+        <p:blipFill>
+          <a:blip r:embed="rId7"/>
+          <a:stretch>
+            <a:fillRect/>
+          </a:stretch>
+        </p:blipFill>
+        <p:spPr>
+          <a:xfrm>
+            <a:off x="9114174" y="904924"/>
+            <a:ext cx="1687801" cy="1794016"/>
+          </a:xfrm>
+          <a:prstGeom prst="rect">
+            <a:avLst/>
+          </a:prstGeom>
+        </p:spPr>
+      </p:pic>
+      <p:sp>
+        <p:nvSpPr>
+          <p:cNvPr id="35" name="正方形/長方形 34">
+            <a:extLst>
+              <a:ext uri="{FF2B5EF4-FFF2-40B4-BE49-F238E27FC236}">
+                <a16:creationId xmlns:a16="http://schemas.microsoft.com/office/drawing/2014/main" id="{7C4AE372-4E05-9D38-705D-F49DA06C8685}"/>
+              </a:ext>
+            </a:extLst>
+          </p:cNvPr>
+          <p:cNvSpPr/>
+          <p:nvPr/>
+        </p:nvSpPr>
+        <p:spPr>
+          <a:xfrm>
+            <a:off x="1011687" y="3023"/>
+            <a:ext cx="741479" cy="614950"/>
+          </a:xfrm>
+          <a:prstGeom prst="rect">
+            <a:avLst/>
+          </a:prstGeom>
+          <a:solidFill>
+            <a:schemeClr val="bg1"/>
+          </a:solidFill>
+          <a:ln w="12700">
+            <a:noFill/>
+            <a:miter lim="400000"/>
+          </a:ln>
+          <a:extLst>
+            <a:ext uri="{C572A759-6A51-4108-AA02-DFA0A04FC94B}">
+              <ma14:wrappingTextBoxFlag xmlns="" xmlns:ma14="http://schemas.microsoft.com/office/mac/drawingml/2011/main" val="1"/>
+            </a:ext>
+          </a:extLst>
+        </p:spPr>
+        <p:txBody>
+          <a:bodyPr rtlCol="0" anchor="ctr"/>
+          <a:lstStyle/>
+          <a:p>
+            <a:pPr algn="ctr"/>
+            <a:r>
+              <a:rPr lang="en-US" altLang="ja-JP" sz="5400">
+                <a:solidFill>
+                  <a:srgbClr val="7030A0"/>
+                </a:solidFill>
+              </a:rPr>
+              <a:t>A</a:t>
+            </a:r>
+            <a:endParaRPr kumimoji="1" lang="ja-JP" altLang="en-US" sz="5400">
+              <a:solidFill>
+                <a:srgbClr val="7030A0"/>
+              </a:solidFill>
+            </a:endParaRPr>
+          </a:p>
+        </p:txBody>
+      </p:sp>
+      <p:sp>
+        <p:nvSpPr>
+          <p:cNvPr id="36" name="正方形/長方形 35">
+            <a:extLst>
+              <a:ext uri="{FF2B5EF4-FFF2-40B4-BE49-F238E27FC236}">
+                <a16:creationId xmlns:a16="http://schemas.microsoft.com/office/drawing/2014/main" id="{4A7AE12A-64BD-BC0E-00E4-FBF1FCDCB5C9}"/>
+              </a:ext>
+            </a:extLst>
+          </p:cNvPr>
+          <p:cNvSpPr/>
+          <p:nvPr/>
+        </p:nvSpPr>
+        <p:spPr>
+          <a:xfrm>
+            <a:off x="4458728" y="14144"/>
+            <a:ext cx="741479" cy="614950"/>
+          </a:xfrm>
+          <a:prstGeom prst="rect">
+            <a:avLst/>
+          </a:prstGeom>
+          <a:solidFill>
+            <a:schemeClr val="bg1"/>
+          </a:solidFill>
+          <a:ln w="12700">
+            <a:noFill/>
+            <a:miter lim="400000"/>
+          </a:ln>
+          <a:extLst>
+            <a:ext uri="{C572A759-6A51-4108-AA02-DFA0A04FC94B}">
+              <ma14:wrappingTextBoxFlag xmlns="" xmlns:ma14="http://schemas.microsoft.com/office/mac/drawingml/2011/main" val="1"/>
+            </a:ext>
+          </a:extLst>
+        </p:spPr>
+        <p:txBody>
+          <a:bodyPr rtlCol="0" anchor="ctr"/>
+          <a:lstStyle/>
+          <a:p>
+            <a:pPr algn="ctr"/>
+            <a:r>
+              <a:rPr kumimoji="1" lang="en-US" altLang="ja-JP" sz="5400">
+                <a:solidFill>
+                  <a:srgbClr val="7030A0"/>
+                </a:solidFill>
+              </a:rPr>
+              <a:t>B</a:t>
+            </a:r>
+            <a:endParaRPr kumimoji="1" lang="ja-JP" altLang="en-US" sz="5400">
+              <a:solidFill>
+                <a:srgbClr val="7030A0"/>
+              </a:solidFill>
+            </a:endParaRPr>
+          </a:p>
+        </p:txBody>
+      </p:sp>
+      <p:sp>
+        <p:nvSpPr>
+          <p:cNvPr id="37" name="正方形/長方形 36">
+            <a:extLst>
+              <a:ext uri="{FF2B5EF4-FFF2-40B4-BE49-F238E27FC236}">
+                <a16:creationId xmlns:a16="http://schemas.microsoft.com/office/drawing/2014/main" id="{57364C6B-09F6-A476-FB55-C7E42CC768A4}"/>
+              </a:ext>
+            </a:extLst>
+          </p:cNvPr>
+          <p:cNvSpPr/>
+          <p:nvPr/>
+        </p:nvSpPr>
+        <p:spPr>
+          <a:xfrm>
+            <a:off x="7966058" y="14144"/>
+            <a:ext cx="741479" cy="614950"/>
+          </a:xfrm>
+          <a:prstGeom prst="rect">
+            <a:avLst/>
+          </a:prstGeom>
+          <a:solidFill>
+            <a:schemeClr val="bg1"/>
+          </a:solidFill>
+          <a:ln w="12700">
+            <a:noFill/>
+            <a:miter lim="400000"/>
+          </a:ln>
+          <a:extLst>
+            <a:ext uri="{C572A759-6A51-4108-AA02-DFA0A04FC94B}">
+              <ma14:wrappingTextBoxFlag xmlns="" xmlns:ma14="http://schemas.microsoft.com/office/mac/drawingml/2011/main" val="1"/>
+            </a:ext>
+          </a:extLst>
+        </p:spPr>
+        <p:txBody>
+          <a:bodyPr rtlCol="0" anchor="ctr"/>
+          <a:lstStyle/>
+          <a:p>
+            <a:pPr algn="ctr"/>
+            <a:r>
+              <a:rPr kumimoji="1" lang="en-US" altLang="ja-JP" sz="5400">
+                <a:solidFill>
+                  <a:srgbClr val="7030A0"/>
+                </a:solidFill>
+              </a:rPr>
+              <a:t>C</a:t>
+            </a:r>
+            <a:endParaRPr kumimoji="1" lang="ja-JP" altLang="en-US" sz="5400">
+              <a:solidFill>
+                <a:srgbClr val="7030A0"/>
+              </a:solidFill>
+            </a:endParaRPr>
+          </a:p>
+        </p:txBody>
+      </p:sp>
+      <p:sp>
+        <p:nvSpPr>
+          <p:cNvPr id="38" name="正方形/長方形 37">
+            <a:extLst>
+              <a:ext uri="{FF2B5EF4-FFF2-40B4-BE49-F238E27FC236}">
+                <a16:creationId xmlns:a16="http://schemas.microsoft.com/office/drawing/2014/main" id="{E45FCBA6-735B-B8E0-D3FE-000990C116DB}"/>
+              </a:ext>
+            </a:extLst>
+          </p:cNvPr>
+          <p:cNvSpPr/>
+          <p:nvPr/>
+        </p:nvSpPr>
+        <p:spPr>
+          <a:xfrm>
+            <a:off x="1016836" y="3424487"/>
+            <a:ext cx="741479" cy="614950"/>
+          </a:xfrm>
+          <a:prstGeom prst="rect">
+            <a:avLst/>
+          </a:prstGeom>
+          <a:solidFill>
+            <a:schemeClr val="bg1"/>
+          </a:solidFill>
+          <a:ln w="12700">
+            <a:noFill/>
+            <a:miter lim="400000"/>
+          </a:ln>
+          <a:extLst>
+            <a:ext uri="{C572A759-6A51-4108-AA02-DFA0A04FC94B}">
+              <ma14:wrappingTextBoxFlag xmlns="" xmlns:ma14="http://schemas.microsoft.com/office/mac/drawingml/2011/main" val="1"/>
+            </a:ext>
+          </a:extLst>
+        </p:spPr>
+        <p:txBody>
+          <a:bodyPr rtlCol="0" anchor="ctr"/>
+          <a:lstStyle/>
+          <a:p>
+            <a:pPr algn="ctr"/>
+            <a:r>
+              <a:rPr kumimoji="1" lang="en-US" altLang="ja-JP" sz="5400">
+                <a:solidFill>
+                  <a:srgbClr val="7030A0"/>
+                </a:solidFill>
+              </a:rPr>
+              <a:t>D</a:t>
+            </a:r>
+            <a:endParaRPr kumimoji="1" lang="ja-JP" altLang="en-US" sz="5400">
+              <a:solidFill>
+                <a:srgbClr val="7030A0"/>
+              </a:solidFill>
+            </a:endParaRPr>
+          </a:p>
+        </p:txBody>
+      </p:sp>
+      <p:sp>
+        <p:nvSpPr>
+          <p:cNvPr id="39" name="正方形/長方形 38">
+            <a:extLst>
+              <a:ext uri="{FF2B5EF4-FFF2-40B4-BE49-F238E27FC236}">
+                <a16:creationId xmlns:a16="http://schemas.microsoft.com/office/drawing/2014/main" id="{F015CDC9-6C53-6BE0-0296-A39379509584}"/>
+              </a:ext>
+            </a:extLst>
+          </p:cNvPr>
+          <p:cNvSpPr/>
+          <p:nvPr/>
+        </p:nvSpPr>
+        <p:spPr>
+          <a:xfrm>
+            <a:off x="4458728" y="3425022"/>
+            <a:ext cx="741479" cy="614950"/>
+          </a:xfrm>
+          <a:prstGeom prst="rect">
+            <a:avLst/>
+          </a:prstGeom>
+          <a:solidFill>
+            <a:schemeClr val="bg1"/>
+          </a:solidFill>
+          <a:ln w="12700">
+            <a:noFill/>
+            <a:miter lim="400000"/>
+          </a:ln>
+          <a:extLst>
+            <a:ext uri="{C572A759-6A51-4108-AA02-DFA0A04FC94B}">
+              <ma14:wrappingTextBoxFlag xmlns="" xmlns:ma14="http://schemas.microsoft.com/office/mac/drawingml/2011/main" val="1"/>
+            </a:ext>
+          </a:extLst>
+        </p:spPr>
+        <p:txBody>
+          <a:bodyPr rtlCol="0" anchor="ctr"/>
+          <a:lstStyle/>
+          <a:p>
+            <a:pPr algn="ctr"/>
+            <a:r>
+              <a:rPr lang="en-US" altLang="ja-JP" sz="5400">
+                <a:solidFill>
+                  <a:srgbClr val="7030A0"/>
+                </a:solidFill>
+              </a:rPr>
+              <a:t>E</a:t>
+            </a:r>
+            <a:endParaRPr kumimoji="1" lang="ja-JP" altLang="en-US" sz="5400">
+              <a:solidFill>
+                <a:srgbClr val="7030A0"/>
+              </a:solidFill>
+            </a:endParaRPr>
+          </a:p>
+        </p:txBody>
+      </p:sp>
+      <p:sp>
+        <p:nvSpPr>
+          <p:cNvPr id="40" name="正方形/長方形 39">
+            <a:extLst>
+              <a:ext uri="{FF2B5EF4-FFF2-40B4-BE49-F238E27FC236}">
+                <a16:creationId xmlns:a16="http://schemas.microsoft.com/office/drawing/2014/main" id="{19D40911-4053-392F-C463-B1346023AA0B}"/>
+              </a:ext>
+            </a:extLst>
+          </p:cNvPr>
+          <p:cNvSpPr/>
+          <p:nvPr/>
+        </p:nvSpPr>
+        <p:spPr>
+          <a:xfrm>
+            <a:off x="7960396" y="3424487"/>
+            <a:ext cx="741479" cy="614950"/>
+          </a:xfrm>
+          <a:prstGeom prst="rect">
+            <a:avLst/>
+          </a:prstGeom>
+          <a:solidFill>
+            <a:schemeClr val="bg1"/>
+          </a:solidFill>
+          <a:ln w="12700">
+            <a:noFill/>
+            <a:miter lim="400000"/>
+          </a:ln>
+          <a:extLst>
+            <a:ext uri="{C572A759-6A51-4108-AA02-DFA0A04FC94B}">
+              <ma14:wrappingTextBoxFlag xmlns="" xmlns:ma14="http://schemas.microsoft.com/office/mac/drawingml/2011/main" val="1"/>
+            </a:ext>
+          </a:extLst>
+        </p:spPr>
+        <p:txBody>
+          <a:bodyPr rtlCol="0" anchor="ctr"/>
+          <a:lstStyle/>
+          <a:p>
+            <a:pPr algn="ctr"/>
+            <a:r>
+              <a:rPr lang="en-US" altLang="ja-JP" sz="5400">
+                <a:solidFill>
+                  <a:srgbClr val="7030A0"/>
+                </a:solidFill>
+              </a:rPr>
+              <a:t>F</a:t>
+            </a:r>
+            <a:endParaRPr kumimoji="1" lang="ja-JP" altLang="en-US" sz="5400">
+              <a:solidFill>
+                <a:srgbClr val="7030A0"/>
+              </a:solidFill>
+            </a:endParaRPr>
+          </a:p>
+        </p:txBody>
+      </p:sp>
+    </p:spTree>
+    <p:extLst>
+      <p:ext uri="{BB962C8B-B14F-4D97-AF65-F5344CB8AC3E}">
+        <p14:creationId xmlns:p14="http://schemas.microsoft.com/office/powerpoint/2010/main" val="2179904934"/>
+      </p:ext>
+    </p:extLst>
+  </p:cSld>
+  <p:clrMapOvr>
+    <a:masterClrMapping/>
+  </p:clrMapOvr>
+</p:sld>
+</file>
+
+<file path=ppt/slides/slide48.xml><?xml version="1.0" encoding="utf-8"?>
+<p:sld xmlns:a="http://schemas.openxmlformats.org/drawingml/2006/main" xmlns:r="http://schemas.openxmlformats.org/officeDocument/2006/relationships" xmlns:p="http://schemas.openxmlformats.org/presentationml/2006/main">
+  <p:cSld>
+    <p:spTree>
+      <p:nvGrpSpPr>
+        <p:cNvPr id="1" name=""/>
+        <p:cNvGrpSpPr/>
+        <p:nvPr/>
+      </p:nvGrpSpPr>
+      <p:grpSpPr>
+        <a:xfrm>
+          <a:off x="0" y="0"/>
+          <a:ext cx="0" cy="0"/>
+          <a:chOff x="0" y="0"/>
+          <a:chExt cx="0" cy="0"/>
+        </a:xfrm>
+      </p:grpSpPr>
+      <p:sp>
+        <p:nvSpPr>
+          <p:cNvPr id="16" name="円/楕円 15">
+            <a:extLst>
+              <a:ext uri="{FF2B5EF4-FFF2-40B4-BE49-F238E27FC236}">
+                <a16:creationId xmlns:a16="http://schemas.microsoft.com/office/drawing/2014/main" id="{58F3DAD0-87EF-7DE7-30E6-4CE8934FC0A1}"/>
+              </a:ext>
+            </a:extLst>
+          </p:cNvPr>
+          <p:cNvSpPr>
+            <a:spLocks noChangeAspect="1"/>
+          </p:cNvSpPr>
+          <p:nvPr/>
+        </p:nvSpPr>
+        <p:spPr>
+          <a:xfrm>
+            <a:off x="7037185" y="909651"/>
+            <a:ext cx="5099261" cy="5099261"/>
+          </a:xfrm>
+          <a:prstGeom prst="ellipse">
+            <a:avLst/>
+          </a:prstGeom>
+          <a:solidFill>
+            <a:srgbClr val="209CEE"/>
+          </a:solidFill>
+          <a:ln w="12700">
+            <a:noFill/>
+            <a:miter lim="400000"/>
+          </a:ln>
+          <a:extLst>
+            <a:ext uri="{C572A759-6A51-4108-AA02-DFA0A04FC94B}">
+              <ma14:wrappingTextBoxFlag xmlns="" xmlns:ma14="http://schemas.microsoft.com/office/mac/drawingml/2011/main" val="1"/>
+            </a:ext>
+          </a:extLst>
+        </p:spPr>
+        <p:txBody>
+          <a:bodyPr rtlCol="0" anchor="ctr"/>
+          <a:lstStyle/>
+          <a:p>
+            <a:pPr algn="ctr"/>
+            <a:endParaRPr kumimoji="1" lang="ja-JP" altLang="en-US" sz="2000">
+              <a:latin typeface="Plantagenet Cherokee" panose="02020000000000000000" pitchFamily="18" charset="-79"/>
+              <a:cs typeface="Plantagenet Cherokee" panose="02020000000000000000" pitchFamily="18" charset="-79"/>
+            </a:endParaRPr>
+          </a:p>
+        </p:txBody>
+      </p:sp>
+      <p:sp>
+        <p:nvSpPr>
+          <p:cNvPr id="17" name="円/楕円 16">
+            <a:extLst>
+              <a:ext uri="{FF2B5EF4-FFF2-40B4-BE49-F238E27FC236}">
+                <a16:creationId xmlns:a16="http://schemas.microsoft.com/office/drawing/2014/main" id="{5B7E9BC7-E1B5-80B6-63D0-4BEC40733C34}"/>
+              </a:ext>
+            </a:extLst>
+          </p:cNvPr>
+          <p:cNvSpPr>
+            <a:spLocks noChangeAspect="1"/>
+          </p:cNvSpPr>
+          <p:nvPr/>
+        </p:nvSpPr>
+        <p:spPr>
+          <a:xfrm>
+            <a:off x="38507" y="16403"/>
+            <a:ext cx="6829487" cy="6829487"/>
+          </a:xfrm>
+          <a:prstGeom prst="ellipse">
+            <a:avLst/>
+          </a:prstGeom>
+          <a:solidFill>
+            <a:srgbClr val="209CEE"/>
+          </a:solidFill>
+          <a:ln w="12700">
+            <a:noFill/>
+            <a:miter lim="400000"/>
+          </a:ln>
+          <a:extLst>
+            <a:ext uri="{C572A759-6A51-4108-AA02-DFA0A04FC94B}">
+              <ma14:wrappingTextBoxFlag xmlns="" xmlns:ma14="http://schemas.microsoft.com/office/mac/drawingml/2011/main" val="1"/>
+            </a:ext>
+          </a:extLst>
+        </p:spPr>
+        <p:txBody>
+          <a:bodyPr rtlCol="0" anchor="ctr"/>
+          <a:lstStyle/>
+          <a:p>
+            <a:pPr algn="ctr"/>
+            <a:endParaRPr kumimoji="1" lang="ja-JP" altLang="en-US" sz="2000">
+              <a:latin typeface="Plantagenet Cherokee" panose="02020000000000000000" pitchFamily="18" charset="-79"/>
+              <a:cs typeface="Plantagenet Cherokee" panose="02020000000000000000" pitchFamily="18" charset="-79"/>
+            </a:endParaRPr>
+          </a:p>
+        </p:txBody>
+      </p:sp>
+      <p:sp>
+        <p:nvSpPr>
+          <p:cNvPr id="4" name="平行四辺形 3">
+            <a:extLst>
+              <a:ext uri="{FF2B5EF4-FFF2-40B4-BE49-F238E27FC236}">
+                <a16:creationId xmlns:a16="http://schemas.microsoft.com/office/drawing/2014/main" id="{FA33888D-86F2-D809-EE8B-63E2CFC0D93E}"/>
+              </a:ext>
+            </a:extLst>
+          </p:cNvPr>
+          <p:cNvSpPr/>
+          <p:nvPr/>
+        </p:nvSpPr>
+        <p:spPr>
+          <a:xfrm>
+            <a:off x="2710642" y="1656831"/>
+            <a:ext cx="2718534" cy="1730869"/>
+          </a:xfrm>
+          <a:prstGeom prst="parallelogram">
+            <a:avLst>
+              <a:gd name="adj" fmla="val 95582"/>
+            </a:avLst>
+          </a:prstGeom>
+          <a:solidFill>
+            <a:schemeClr val="bg1"/>
+          </a:solidFill>
+          <a:ln w="12700">
+            <a:noFill/>
+            <a:miter lim="400000"/>
+          </a:ln>
+          <a:extLst>
+            <a:ext uri="{C572A759-6A51-4108-AA02-DFA0A04FC94B}">
+              <ma14:wrappingTextBoxFlag xmlns="" xmlns:ma14="http://schemas.microsoft.com/office/mac/drawingml/2011/main" val="1"/>
+            </a:ext>
+          </a:extLst>
+        </p:spPr>
+        <p:txBody>
+          <a:bodyPr rtlCol="0" anchor="ctr"/>
+          <a:lstStyle/>
+          <a:p>
+            <a:pPr algn="ctr"/>
+            <a:endParaRPr kumimoji="1" lang="ja-JP" altLang="en-US"/>
+          </a:p>
+        </p:txBody>
+      </p:sp>
+      <p:sp>
+        <p:nvSpPr>
+          <p:cNvPr id="5" name="平行四辺形 4">
+            <a:extLst>
+              <a:ext uri="{FF2B5EF4-FFF2-40B4-BE49-F238E27FC236}">
+                <a16:creationId xmlns:a16="http://schemas.microsoft.com/office/drawing/2014/main" id="{71354601-FEC4-1C68-1105-FF4E5A37F197}"/>
+              </a:ext>
+            </a:extLst>
+          </p:cNvPr>
+          <p:cNvSpPr/>
+          <p:nvPr/>
+        </p:nvSpPr>
+        <p:spPr>
+          <a:xfrm flipV="1">
+            <a:off x="2711846" y="3374023"/>
+            <a:ext cx="3005665" cy="1892081"/>
+          </a:xfrm>
+          <a:prstGeom prst="parallelogram">
+            <a:avLst>
+              <a:gd name="adj" fmla="val 93823"/>
+            </a:avLst>
+          </a:prstGeom>
+          <a:solidFill>
+            <a:schemeClr val="bg1"/>
+          </a:solidFill>
+          <a:ln w="12700">
+            <a:noFill/>
+            <a:miter lim="400000"/>
+          </a:ln>
+          <a:extLst>
+            <a:ext uri="{C572A759-6A51-4108-AA02-DFA0A04FC94B}">
+              <ma14:wrappingTextBoxFlag xmlns="" xmlns:ma14="http://schemas.microsoft.com/office/mac/drawingml/2011/main" val="1"/>
+            </a:ext>
+          </a:extLst>
+        </p:spPr>
+        <p:txBody>
+          <a:bodyPr rtlCol="0" anchor="ctr"/>
+          <a:lstStyle/>
+          <a:p>
+            <a:pPr algn="ctr"/>
+            <a:endParaRPr kumimoji="1" lang="ja-JP" altLang="en-US"/>
+          </a:p>
+        </p:txBody>
+      </p:sp>
+      <p:sp>
+        <p:nvSpPr>
+          <p:cNvPr id="6" name="直角三角形 5">
+            <a:extLst>
+              <a:ext uri="{FF2B5EF4-FFF2-40B4-BE49-F238E27FC236}">
+                <a16:creationId xmlns:a16="http://schemas.microsoft.com/office/drawing/2014/main" id="{5C0D6FF2-F6EC-166D-E341-14C6BDB520FC}"/>
+              </a:ext>
+            </a:extLst>
+          </p:cNvPr>
+          <p:cNvSpPr/>
+          <p:nvPr/>
+        </p:nvSpPr>
+        <p:spPr>
+          <a:xfrm flipH="1">
+            <a:off x="3555150" y="1656830"/>
+            <a:ext cx="1874023" cy="1734491"/>
+          </a:xfrm>
+          <a:prstGeom prst="rtTriangle">
+            <a:avLst/>
+          </a:prstGeom>
+          <a:solidFill>
+            <a:srgbClr val="209CEE"/>
+          </a:solidFill>
+          <a:ln w="12700">
+            <a:noFill/>
+            <a:miter lim="400000"/>
+          </a:ln>
+          <a:extLst>
+            <a:ext uri="{C572A759-6A51-4108-AA02-DFA0A04FC94B}">
+              <ma14:wrappingTextBoxFlag xmlns="" xmlns:ma14="http://schemas.microsoft.com/office/mac/drawingml/2011/main" val="1"/>
+            </a:ext>
+          </a:extLst>
+        </p:spPr>
+        <p:txBody>
+          <a:bodyPr rtlCol="0" anchor="ctr"/>
+          <a:lstStyle/>
+          <a:p>
+            <a:pPr algn="ctr"/>
+            <a:endParaRPr kumimoji="1" lang="ja-JP" altLang="en-US"/>
+          </a:p>
+        </p:txBody>
+      </p:sp>
+      <p:sp>
+        <p:nvSpPr>
+          <p:cNvPr id="7" name="直角三角形 6">
+            <a:extLst>
+              <a:ext uri="{FF2B5EF4-FFF2-40B4-BE49-F238E27FC236}">
+                <a16:creationId xmlns:a16="http://schemas.microsoft.com/office/drawing/2014/main" id="{408292A6-FACD-FB33-3976-4EB67E11A1EC}"/>
+              </a:ext>
+            </a:extLst>
+          </p:cNvPr>
+          <p:cNvSpPr/>
+          <p:nvPr/>
+        </p:nvSpPr>
+        <p:spPr>
+          <a:xfrm flipH="1" flipV="1">
+            <a:off x="3556353" y="3387700"/>
+            <a:ext cx="2161155" cy="1878402"/>
+          </a:xfrm>
+          <a:prstGeom prst="rtTriangle">
+            <a:avLst/>
+          </a:prstGeom>
+          <a:solidFill>
+            <a:srgbClr val="209CEE"/>
+          </a:solidFill>
+          <a:ln w="12700">
+            <a:noFill/>
+            <a:miter lim="400000"/>
+          </a:ln>
+          <a:extLst>
+            <a:ext uri="{C572A759-6A51-4108-AA02-DFA0A04FC94B}">
+              <ma14:wrappingTextBoxFlag xmlns="" xmlns:ma14="http://schemas.microsoft.com/office/mac/drawingml/2011/main" val="1"/>
+            </a:ext>
+          </a:extLst>
+        </p:spPr>
+        <p:txBody>
+          <a:bodyPr rtlCol="0" anchor="ctr"/>
+          <a:lstStyle/>
+          <a:p>
+            <a:pPr algn="ctr"/>
+            <a:endParaRPr kumimoji="1" lang="ja-JP" altLang="en-US"/>
+          </a:p>
+        </p:txBody>
+      </p:sp>
+      <p:sp>
+        <p:nvSpPr>
+          <p:cNvPr id="15" name="正方形/長方形 14">
+            <a:extLst>
+              <a:ext uri="{FF2B5EF4-FFF2-40B4-BE49-F238E27FC236}">
+                <a16:creationId xmlns:a16="http://schemas.microsoft.com/office/drawing/2014/main" id="{6C726D84-7A8E-43B2-A982-67A734AEF1A5}"/>
+              </a:ext>
+            </a:extLst>
+          </p:cNvPr>
+          <p:cNvSpPr/>
+          <p:nvPr/>
+        </p:nvSpPr>
+        <p:spPr>
+          <a:xfrm>
+            <a:off x="1916391" y="1656639"/>
+            <a:ext cx="110837" cy="3609464"/>
+          </a:xfrm>
+          <a:prstGeom prst="rect">
+            <a:avLst/>
+          </a:prstGeom>
+          <a:solidFill>
+            <a:schemeClr val="bg1">
+              <a:alpha val="79000"/>
+            </a:schemeClr>
+          </a:solidFill>
+          <a:ln w="12700">
+            <a:noFill/>
+            <a:miter lim="400000"/>
+          </a:ln>
+          <a:extLst>
+            <a:ext uri="{C572A759-6A51-4108-AA02-DFA0A04FC94B}">
+              <ma14:wrappingTextBoxFlag xmlns="" xmlns:ma14="http://schemas.microsoft.com/office/mac/drawingml/2011/main" val="1"/>
+            </a:ext>
+          </a:extLst>
+        </p:spPr>
+        <p:txBody>
+          <a:bodyPr rtlCol="0" anchor="ctr"/>
+          <a:lstStyle/>
+          <a:p>
+            <a:pPr algn="ctr"/>
+            <a:endParaRPr kumimoji="1" lang="ja-JP" altLang="en-US"/>
+          </a:p>
+        </p:txBody>
+      </p:sp>
+      <p:sp>
+        <p:nvSpPr>
+          <p:cNvPr id="12" name="平行四辺形 11">
+            <a:extLst>
+              <a:ext uri="{FF2B5EF4-FFF2-40B4-BE49-F238E27FC236}">
+                <a16:creationId xmlns:a16="http://schemas.microsoft.com/office/drawing/2014/main" id="{A481F423-A91B-5CDC-FE3A-8E269F4FB245}"/>
+              </a:ext>
+            </a:extLst>
+          </p:cNvPr>
+          <p:cNvSpPr/>
+          <p:nvPr/>
+        </p:nvSpPr>
+        <p:spPr>
+          <a:xfrm>
+            <a:off x="2530643" y="1656639"/>
+            <a:ext cx="1728589" cy="1634786"/>
+          </a:xfrm>
+          <a:prstGeom prst="parallelogram">
+            <a:avLst>
+              <a:gd name="adj" fmla="val 95928"/>
+            </a:avLst>
+          </a:prstGeom>
+          <a:solidFill>
+            <a:schemeClr val="bg1">
+              <a:alpha val="79000"/>
+            </a:schemeClr>
+          </a:solidFill>
+          <a:ln w="12700">
+            <a:noFill/>
+            <a:miter lim="400000"/>
+          </a:ln>
+          <a:extLst>
+            <a:ext uri="{C572A759-6A51-4108-AA02-DFA0A04FC94B}">
+              <ma14:wrappingTextBoxFlag xmlns="" xmlns:ma14="http://schemas.microsoft.com/office/mac/drawingml/2011/main" val="1"/>
+            </a:ext>
+          </a:extLst>
+        </p:spPr>
+        <p:txBody>
+          <a:bodyPr rtlCol="0" anchor="ctr"/>
+          <a:lstStyle/>
+          <a:p>
+            <a:pPr algn="ctr"/>
+            <a:endParaRPr kumimoji="1" lang="ja-JP" altLang="en-US"/>
+          </a:p>
+        </p:txBody>
+      </p:sp>
+      <p:sp>
+        <p:nvSpPr>
+          <p:cNvPr id="2" name="正方形/長方形 1">
+            <a:extLst>
+              <a:ext uri="{FF2B5EF4-FFF2-40B4-BE49-F238E27FC236}">
+                <a16:creationId xmlns:a16="http://schemas.microsoft.com/office/drawing/2014/main" id="{10E74CC0-DF2F-AF6D-B4D6-A55E1EEDCB12}"/>
+              </a:ext>
+            </a:extLst>
+          </p:cNvPr>
+          <p:cNvSpPr>
+            <a:spLocks noChangeAspect="1"/>
+          </p:cNvSpPr>
+          <p:nvPr/>
+        </p:nvSpPr>
+        <p:spPr>
+          <a:xfrm>
+            <a:off x="2157307" y="1656829"/>
+            <a:ext cx="733982" cy="3609273"/>
+          </a:xfrm>
+          <a:prstGeom prst="rect">
+            <a:avLst/>
+          </a:prstGeom>
+          <a:solidFill>
+            <a:schemeClr val="bg1"/>
+          </a:solidFill>
+          <a:ln w="12700">
+            <a:noFill/>
+            <a:miter lim="400000"/>
+          </a:ln>
+          <a:extLst>
+            <a:ext uri="{C572A759-6A51-4108-AA02-DFA0A04FC94B}">
+              <ma14:wrappingTextBoxFlag xmlns="" xmlns:ma14="http://schemas.microsoft.com/office/mac/drawingml/2011/main" val="1"/>
+            </a:ext>
+          </a:extLst>
+        </p:spPr>
+        <p:txBody>
+          <a:bodyPr rtlCol="0" anchor="ctr"/>
+          <a:lstStyle/>
+          <a:p>
+            <a:pPr algn="ctr"/>
+            <a:endParaRPr kumimoji="1" lang="ja-JP" altLang="en-US" sz="2000">
+              <a:latin typeface="Plantagenet Cherokee" panose="02020000000000000000" pitchFamily="18" charset="-79"/>
+              <a:cs typeface="Plantagenet Cherokee" panose="02020000000000000000" pitchFamily="18" charset="-79"/>
+            </a:endParaRPr>
+          </a:p>
+        </p:txBody>
+      </p:sp>
+      <p:sp>
+        <p:nvSpPr>
+          <p:cNvPr id="18" name="平行四辺形 17">
+            <a:extLst>
+              <a:ext uri="{FF2B5EF4-FFF2-40B4-BE49-F238E27FC236}">
+                <a16:creationId xmlns:a16="http://schemas.microsoft.com/office/drawing/2014/main" id="{1F27171F-1DF6-2902-2546-12E382A81E9E}"/>
+              </a:ext>
+            </a:extLst>
+          </p:cNvPr>
+          <p:cNvSpPr/>
+          <p:nvPr/>
+        </p:nvSpPr>
+        <p:spPr>
+          <a:xfrm flipV="1">
+            <a:off x="2502038" y="3470299"/>
+            <a:ext cx="1834433" cy="1800000"/>
+          </a:xfrm>
+          <a:prstGeom prst="parallelogram">
+            <a:avLst>
+              <a:gd name="adj" fmla="val 93694"/>
+            </a:avLst>
+          </a:prstGeom>
+          <a:solidFill>
+            <a:schemeClr val="bg1">
+              <a:alpha val="79000"/>
+            </a:schemeClr>
+          </a:solidFill>
+          <a:ln w="12700">
+            <a:noFill/>
+            <a:miter lim="400000"/>
+          </a:ln>
+          <a:extLst>
+            <a:ext uri="{C572A759-6A51-4108-AA02-DFA0A04FC94B}">
+              <ma14:wrappingTextBoxFlag xmlns="" xmlns:ma14="http://schemas.microsoft.com/office/mac/drawingml/2011/main" val="1"/>
+            </a:ext>
+          </a:extLst>
+        </p:spPr>
+        <p:txBody>
+          <a:bodyPr rtlCol="0" anchor="ctr"/>
+          <a:lstStyle/>
+          <a:p>
+            <a:pPr algn="ctr"/>
+            <a:endParaRPr kumimoji="1" lang="ja-JP" altLang="en-US"/>
+          </a:p>
+        </p:txBody>
+      </p:sp>
+      <p:sp>
+        <p:nvSpPr>
+          <p:cNvPr id="28" name="正方形/長方形 27">
+            <a:extLst>
+              <a:ext uri="{FF2B5EF4-FFF2-40B4-BE49-F238E27FC236}">
+                <a16:creationId xmlns:a16="http://schemas.microsoft.com/office/drawing/2014/main" id="{8D21F7B9-D771-9AFF-2F57-2B24C4CA7D43}"/>
+              </a:ext>
+            </a:extLst>
+          </p:cNvPr>
+          <p:cNvSpPr/>
+          <p:nvPr/>
+        </p:nvSpPr>
+        <p:spPr>
+          <a:xfrm>
+            <a:off x="10433539" y="0"/>
+            <a:ext cx="1758461" cy="472273"/>
+          </a:xfrm>
+          <a:prstGeom prst="rect">
+            <a:avLst/>
+          </a:prstGeom>
+          <a:solidFill>
+            <a:schemeClr val="bg1">
+              <a:lumMod val="95000"/>
+            </a:schemeClr>
+          </a:solidFill>
+          <a:ln w="12700">
+            <a:noFill/>
+            <a:miter lim="400000"/>
+          </a:ln>
+          <a:extLst>
+            <a:ext uri="{C572A759-6A51-4108-AA02-DFA0A04FC94B}">
+              <ma14:wrappingTextBoxFlag xmlns="" xmlns:ma14="http://schemas.microsoft.com/office/mac/drawingml/2011/main" val="1"/>
+            </a:ext>
+          </a:extLst>
+        </p:spPr>
+        <p:txBody>
+          <a:bodyPr rtlCol="0" anchor="ctr"/>
+          <a:lstStyle/>
+          <a:p>
+            <a:pPr algn="ctr"/>
+            <a:r>
+              <a:rPr kumimoji="1" lang="ja-JP" altLang="en-US"/>
+              <a:t>最新版</a:t>
+            </a:r>
+          </a:p>
+        </p:txBody>
+      </p:sp>
+      <p:sp>
+        <p:nvSpPr>
+          <p:cNvPr id="3" name="平行四辺形 2">
+            <a:extLst>
+              <a:ext uri="{FF2B5EF4-FFF2-40B4-BE49-F238E27FC236}">
+                <a16:creationId xmlns:a16="http://schemas.microsoft.com/office/drawing/2014/main" id="{359E2DCF-2B83-D51C-D670-2E97DBB7AE3D}"/>
+              </a:ext>
+            </a:extLst>
+          </p:cNvPr>
+          <p:cNvSpPr/>
+          <p:nvPr/>
+        </p:nvSpPr>
+        <p:spPr>
+          <a:xfrm>
+            <a:off x="2567020" y="1656639"/>
+            <a:ext cx="1834433" cy="1734886"/>
+          </a:xfrm>
+          <a:prstGeom prst="parallelogram">
+            <a:avLst>
+              <a:gd name="adj" fmla="val 95928"/>
+            </a:avLst>
+          </a:prstGeom>
+          <a:solidFill>
+            <a:srgbClr val="209CEE"/>
+          </a:solidFill>
+          <a:ln w="12700">
+            <a:noFill/>
+            <a:miter lim="400000"/>
+          </a:ln>
+          <a:extLst>
+            <a:ext uri="{C572A759-6A51-4108-AA02-DFA0A04FC94B}">
+              <ma14:wrappingTextBoxFlag xmlns="" xmlns:ma14="http://schemas.microsoft.com/office/mac/drawingml/2011/main" val="1"/>
+            </a:ext>
+          </a:extLst>
+        </p:spPr>
+        <p:txBody>
+          <a:bodyPr rtlCol="0" anchor="ctr"/>
+          <a:lstStyle/>
+          <a:p>
+            <a:pPr algn="ctr"/>
+            <a:endParaRPr kumimoji="1" lang="ja-JP" altLang="en-US"/>
+          </a:p>
+        </p:txBody>
+      </p:sp>
+      <p:sp>
+        <p:nvSpPr>
+          <p:cNvPr id="9" name="平行四辺形 8">
+            <a:extLst>
+              <a:ext uri="{FF2B5EF4-FFF2-40B4-BE49-F238E27FC236}">
+                <a16:creationId xmlns:a16="http://schemas.microsoft.com/office/drawing/2014/main" id="{AA43EE0C-615C-E882-876B-E23E04265D70}"/>
+              </a:ext>
+            </a:extLst>
+          </p:cNvPr>
+          <p:cNvSpPr/>
+          <p:nvPr/>
+        </p:nvSpPr>
+        <p:spPr>
+          <a:xfrm flipV="1">
+            <a:off x="2567020" y="3386162"/>
+            <a:ext cx="1920177" cy="1884135"/>
+          </a:xfrm>
+          <a:prstGeom prst="parallelogram">
+            <a:avLst>
+              <a:gd name="adj" fmla="val 93694"/>
+            </a:avLst>
+          </a:prstGeom>
+          <a:solidFill>
+            <a:srgbClr val="209CEE"/>
+          </a:solidFill>
+          <a:ln w="12700">
+            <a:noFill/>
+            <a:miter lim="400000"/>
+          </a:ln>
+          <a:extLst>
+            <a:ext uri="{C572A759-6A51-4108-AA02-DFA0A04FC94B}">
+              <ma14:wrappingTextBoxFlag xmlns="" xmlns:ma14="http://schemas.microsoft.com/office/mac/drawingml/2011/main" val="1"/>
+            </a:ext>
+          </a:extLst>
+        </p:spPr>
+        <p:txBody>
+          <a:bodyPr rtlCol="0" anchor="ctr"/>
+          <a:lstStyle/>
+          <a:p>
+            <a:pPr algn="ctr"/>
+            <a:endParaRPr kumimoji="1" lang="ja-JP" altLang="en-US"/>
+          </a:p>
+        </p:txBody>
+      </p:sp>
+      <p:pic>
+        <p:nvPicPr>
+          <p:cNvPr id="14" name="図 13">
+            <a:extLst>
+              <a:ext uri="{FF2B5EF4-FFF2-40B4-BE49-F238E27FC236}">
+                <a16:creationId xmlns:a16="http://schemas.microsoft.com/office/drawing/2014/main" id="{536839AB-F9BF-3DCF-F2C4-175E2C07F264}"/>
+              </a:ext>
+            </a:extLst>
+          </p:cNvPr>
+          <p:cNvPicPr>
+            <a:picLocks noChangeAspect="1"/>
+          </p:cNvPicPr>
+          <p:nvPr/>
+        </p:nvPicPr>
+        <p:blipFill>
+          <a:blip r:embed="rId2"/>
+          <a:stretch>
+            <a:fillRect/>
+          </a:stretch>
+        </p:blipFill>
+        <p:spPr>
+          <a:xfrm>
+            <a:off x="8398072" y="1989202"/>
+            <a:ext cx="2649085" cy="2940158"/>
+          </a:xfrm>
+          <a:prstGeom prst="rect">
+            <a:avLst/>
+          </a:prstGeom>
+        </p:spPr>
+      </p:pic>
+    </p:spTree>
+    <p:extLst>
+      <p:ext uri="{BB962C8B-B14F-4D97-AF65-F5344CB8AC3E}">
+        <p14:creationId xmlns:p14="http://schemas.microsoft.com/office/powerpoint/2010/main" val="1850779116"/>
       </p:ext>
     </p:extLst>
   </p:cSld>

--- a/_memo/100knocks.pptx
+++ b/_memo/100knocks.pptx
@@ -29259,53 +29259,6 @@
           </a:p>
         </p:txBody>
       </p:sp>
-      <p:sp>
-        <p:nvSpPr>
-          <p:cNvPr id="28" name="正方形/長方形 27">
-            <a:extLst>
-              <a:ext uri="{FF2B5EF4-FFF2-40B4-BE49-F238E27FC236}">
-                <a16:creationId xmlns:a16="http://schemas.microsoft.com/office/drawing/2014/main" id="{8D21F7B9-D771-9AFF-2F57-2B24C4CA7D43}"/>
-              </a:ext>
-            </a:extLst>
-          </p:cNvPr>
-          <p:cNvSpPr/>
-          <p:nvPr/>
-        </p:nvSpPr>
-        <p:spPr>
-          <a:xfrm>
-            <a:off x="10433539" y="0"/>
-            <a:ext cx="1758461" cy="472273"/>
-          </a:xfrm>
-          <a:prstGeom prst="rect">
-            <a:avLst/>
-          </a:prstGeom>
-          <a:solidFill>
-            <a:schemeClr val="bg1">
-              <a:lumMod val="95000"/>
-            </a:schemeClr>
-          </a:solidFill>
-          <a:ln w="12700">
-            <a:noFill/>
-            <a:miter lim="400000"/>
-          </a:ln>
-          <a:extLst>
-            <a:ext uri="{C572A759-6A51-4108-AA02-DFA0A04FC94B}">
-              <ma14:wrappingTextBoxFlag xmlns="" xmlns:ma14="http://schemas.microsoft.com/office/mac/drawingml/2011/main" val="1"/>
-            </a:ext>
-          </a:extLst>
-        </p:spPr>
-        <p:txBody>
-          <a:bodyPr rtlCol="0" anchor="ctr"/>
-          <a:lstStyle/>
-          <a:p>
-            <a:pPr algn="ctr"/>
-            <a:r>
-              <a:rPr kumimoji="1" lang="ja-JP" altLang="en-US"/>
-              <a:t>最新版</a:t>
-            </a:r>
-          </a:p>
-        </p:txBody>
-      </p:sp>
       <p:pic>
         <p:nvPicPr>
           <p:cNvPr id="10" name="図 9">
@@ -30552,53 +30505,6 @@
           <a:p>
             <a:pPr algn="ctr"/>
             <a:endParaRPr kumimoji="1" lang="ja-JP" altLang="en-US"/>
-          </a:p>
-        </p:txBody>
-      </p:sp>
-      <p:sp>
-        <p:nvSpPr>
-          <p:cNvPr id="28" name="正方形/長方形 27">
-            <a:extLst>
-              <a:ext uri="{FF2B5EF4-FFF2-40B4-BE49-F238E27FC236}">
-                <a16:creationId xmlns:a16="http://schemas.microsoft.com/office/drawing/2014/main" id="{8D21F7B9-D771-9AFF-2F57-2B24C4CA7D43}"/>
-              </a:ext>
-            </a:extLst>
-          </p:cNvPr>
-          <p:cNvSpPr/>
-          <p:nvPr/>
-        </p:nvSpPr>
-        <p:spPr>
-          <a:xfrm>
-            <a:off x="10433539" y="0"/>
-            <a:ext cx="1758461" cy="472273"/>
-          </a:xfrm>
-          <a:prstGeom prst="rect">
-            <a:avLst/>
-          </a:prstGeom>
-          <a:solidFill>
-            <a:schemeClr val="bg1">
-              <a:lumMod val="95000"/>
-            </a:schemeClr>
-          </a:solidFill>
-          <a:ln w="12700">
-            <a:noFill/>
-            <a:miter lim="400000"/>
-          </a:ln>
-          <a:extLst>
-            <a:ext uri="{C572A759-6A51-4108-AA02-DFA0A04FC94B}">
-              <ma14:wrappingTextBoxFlag xmlns="" xmlns:ma14="http://schemas.microsoft.com/office/mac/drawingml/2011/main" val="1"/>
-            </a:ext>
-          </a:extLst>
-        </p:spPr>
-        <p:txBody>
-          <a:bodyPr rtlCol="0" anchor="ctr"/>
-          <a:lstStyle/>
-          <a:p>
-            <a:pPr algn="ctr"/>
-            <a:r>
-              <a:rPr kumimoji="1" lang="ja-JP" altLang="en-US"/>
-              <a:t>最新版</a:t>
-            </a:r>
           </a:p>
         </p:txBody>
       </p:sp>
